--- a/pics/2019-06-18-Discrete_Time_Convolution/pics.pptx
+++ b/pics/2019-06-18-Discrete_Time_Convolution/pics.pptx
@@ -7,6 +7,7 @@
   <p:sldIdLst>
     <p:sldId id="257" r:id="rId2"/>
     <p:sldId id="256" r:id="rId3"/>
+    <p:sldId id="258" r:id="rId4"/>
   </p:sldIdLst>
   <p:sldSz cx="9144000" cy="6858000" type="screen4x3"/>
   <p:notesSz cx="6858000" cy="9144000"/>
@@ -3207,6 +3208,1195 @@
 </p:sld>
 </file>
 
+<file path=ppt/slides/slide3.xml><?xml version="1.0" encoding="utf-8"?>
+<p:sld xmlns:a="http://schemas.openxmlformats.org/drawingml/2006/main" xmlns:r="http://schemas.openxmlformats.org/officeDocument/2006/relationships" xmlns:p="http://schemas.openxmlformats.org/presentationml/2006/main">
+  <p:cSld>
+    <p:spTree>
+      <p:nvGrpSpPr>
+        <p:cNvPr id="1" name=""/>
+        <p:cNvGrpSpPr/>
+        <p:nvPr/>
+      </p:nvGrpSpPr>
+      <p:grpSpPr>
+        <a:xfrm>
+          <a:off x="0" y="0"/>
+          <a:ext cx="0" cy="0"/>
+          <a:chOff x="0" y="0"/>
+          <a:chExt cx="0" cy="0"/>
+        </a:xfrm>
+      </p:grpSpPr>
+      <p:pic>
+        <p:nvPicPr>
+          <p:cNvPr id="4" name="Picture 2"/>
+          <p:cNvPicPr>
+            <a:picLocks noChangeAspect="1" noChangeArrowheads="1"/>
+          </p:cNvPicPr>
+          <p:nvPr/>
+        </p:nvPicPr>
+        <p:blipFill>
+          <a:blip r:embed="rId2">
+            <a:extLst>
+              <a:ext uri="{28A0092B-C50C-407E-A947-70E740481C1C}">
+                <a14:useLocalDpi xmlns:a14="http://schemas.microsoft.com/office/drawing/2010/main" val="0"/>
+              </a:ext>
+            </a:extLst>
+          </a:blip>
+          <a:srcRect/>
+          <a:stretch>
+            <a:fillRect/>
+          </a:stretch>
+        </p:blipFill>
+        <p:spPr bwMode="auto">
+          <a:xfrm>
+            <a:off x="2411760" y="102745"/>
+            <a:ext cx="3526848" cy="2643559"/>
+          </a:xfrm>
+          <a:prstGeom prst="rect">
+            <a:avLst/>
+          </a:prstGeom>
+          <a:noFill/>
+          <a:ln>
+            <a:noFill/>
+          </a:ln>
+          <a:effectLst/>
+          <a:extLst>
+            <a:ext uri="{909E8E84-426E-40DD-AFC4-6F175D3DCCD1}">
+              <a14:hiddenFill xmlns:a14="http://schemas.microsoft.com/office/drawing/2010/main">
+                <a:solidFill>
+                  <a:schemeClr val="accent1"/>
+                </a:solidFill>
+              </a14:hiddenFill>
+            </a:ext>
+            <a:ext uri="{91240B29-F687-4F45-9708-019B960494DF}">
+              <a14:hiddenLine xmlns:a14="http://schemas.microsoft.com/office/drawing/2010/main" w="9525">
+                <a:solidFill>
+                  <a:schemeClr val="tx1"/>
+                </a:solidFill>
+                <a:miter lim="800000"/>
+                <a:headEnd/>
+                <a:tailEnd/>
+              </a14:hiddenLine>
+            </a:ext>
+            <a:ext uri="{AF507438-7753-43E0-B8FC-AC1667EBCBE1}">
+              <a14:hiddenEffects xmlns:a14="http://schemas.microsoft.com/office/drawing/2010/main">
+                <a:effectLst>
+                  <a:outerShdw dist="35921" dir="2700000" algn="ctr" rotWithShape="0">
+                    <a:schemeClr val="bg2"/>
+                  </a:outerShdw>
+                </a:effectLst>
+              </a14:hiddenEffects>
+            </a:ext>
+          </a:extLst>
+        </p:spPr>
+      </p:pic>
+      <p:pic>
+        <p:nvPicPr>
+          <p:cNvPr id="1026" name="Picture 2"/>
+          <p:cNvPicPr>
+            <a:picLocks noChangeAspect="1" noChangeArrowheads="1"/>
+          </p:cNvPicPr>
+          <p:nvPr/>
+        </p:nvPicPr>
+        <p:blipFill>
+          <a:blip r:embed="rId3">
+            <a:extLst>
+              <a:ext uri="{28A0092B-C50C-407E-A947-70E740481C1C}">
+                <a14:useLocalDpi xmlns:a14="http://schemas.microsoft.com/office/drawing/2010/main" val="0"/>
+              </a:ext>
+            </a:extLst>
+          </a:blip>
+          <a:srcRect/>
+          <a:stretch>
+            <a:fillRect/>
+          </a:stretch>
+        </p:blipFill>
+        <p:spPr bwMode="auto">
+          <a:xfrm>
+            <a:off x="7380795" y="4516085"/>
+            <a:ext cx="1502584" cy="1570268"/>
+          </a:xfrm>
+          <a:prstGeom prst="rect">
+            <a:avLst/>
+          </a:prstGeom>
+          <a:noFill/>
+          <a:ln>
+            <a:noFill/>
+          </a:ln>
+          <a:effectLst/>
+          <a:extLst>
+            <a:ext uri="{909E8E84-426E-40DD-AFC4-6F175D3DCCD1}">
+              <a14:hiddenFill xmlns:a14="http://schemas.microsoft.com/office/drawing/2010/main">
+                <a:solidFill>
+                  <a:schemeClr val="accent1"/>
+                </a:solidFill>
+              </a14:hiddenFill>
+            </a:ext>
+            <a:ext uri="{91240B29-F687-4F45-9708-019B960494DF}">
+              <a14:hiddenLine xmlns:a14="http://schemas.microsoft.com/office/drawing/2010/main" w="9525">
+                <a:solidFill>
+                  <a:schemeClr val="tx1"/>
+                </a:solidFill>
+                <a:miter lim="800000"/>
+                <a:headEnd/>
+                <a:tailEnd/>
+              </a14:hiddenLine>
+            </a:ext>
+            <a:ext uri="{AF507438-7753-43E0-B8FC-AC1667EBCBE1}">
+              <a14:hiddenEffects xmlns:a14="http://schemas.microsoft.com/office/drawing/2010/main">
+                <a:effectLst>
+                  <a:outerShdw dist="35921" dir="2700000" algn="ctr" rotWithShape="0">
+                    <a:schemeClr val="bg2"/>
+                  </a:outerShdw>
+                </a:effectLst>
+              </a14:hiddenEffects>
+            </a:ext>
+          </a:extLst>
+        </p:spPr>
+      </p:pic>
+      <p:pic>
+        <p:nvPicPr>
+          <p:cNvPr id="1027" name="Picture 3"/>
+          <p:cNvPicPr>
+            <a:picLocks noChangeAspect="1" noChangeArrowheads="1"/>
+          </p:cNvPicPr>
+          <p:nvPr/>
+        </p:nvPicPr>
+        <p:blipFill>
+          <a:blip r:embed="rId4">
+            <a:extLst>
+              <a:ext uri="{28A0092B-C50C-407E-A947-70E740481C1C}">
+                <a14:useLocalDpi xmlns:a14="http://schemas.microsoft.com/office/drawing/2010/main" val="0"/>
+              </a:ext>
+            </a:extLst>
+          </a:blip>
+          <a:srcRect/>
+          <a:stretch>
+            <a:fillRect/>
+          </a:stretch>
+        </p:blipFill>
+        <p:spPr bwMode="auto">
+          <a:xfrm>
+            <a:off x="5634481" y="4516085"/>
+            <a:ext cx="1502584" cy="1570268"/>
+          </a:xfrm>
+          <a:prstGeom prst="rect">
+            <a:avLst/>
+          </a:prstGeom>
+          <a:noFill/>
+          <a:ln>
+            <a:noFill/>
+          </a:ln>
+          <a:effectLst/>
+          <a:extLst>
+            <a:ext uri="{909E8E84-426E-40DD-AFC4-6F175D3DCCD1}">
+              <a14:hiddenFill xmlns:a14="http://schemas.microsoft.com/office/drawing/2010/main">
+                <a:solidFill>
+                  <a:schemeClr val="accent1"/>
+                </a:solidFill>
+              </a14:hiddenFill>
+            </a:ext>
+            <a:ext uri="{91240B29-F687-4F45-9708-019B960494DF}">
+              <a14:hiddenLine xmlns:a14="http://schemas.microsoft.com/office/drawing/2010/main" w="9525">
+                <a:solidFill>
+                  <a:schemeClr val="tx1"/>
+                </a:solidFill>
+                <a:miter lim="800000"/>
+                <a:headEnd/>
+                <a:tailEnd/>
+              </a14:hiddenLine>
+            </a:ext>
+            <a:ext uri="{AF507438-7753-43E0-B8FC-AC1667EBCBE1}">
+              <a14:hiddenEffects xmlns:a14="http://schemas.microsoft.com/office/drawing/2010/main">
+                <a:effectLst>
+                  <a:outerShdw dist="35921" dir="2700000" algn="ctr" rotWithShape="0">
+                    <a:schemeClr val="bg2"/>
+                  </a:outerShdw>
+                </a:effectLst>
+              </a14:hiddenEffects>
+            </a:ext>
+          </a:extLst>
+        </p:spPr>
+      </p:pic>
+      <p:pic>
+        <p:nvPicPr>
+          <p:cNvPr id="1028" name="Picture 4"/>
+          <p:cNvPicPr>
+            <a:picLocks noChangeAspect="1" noChangeArrowheads="1"/>
+          </p:cNvPicPr>
+          <p:nvPr/>
+        </p:nvPicPr>
+        <p:blipFill>
+          <a:blip r:embed="rId5">
+            <a:extLst>
+              <a:ext uri="{28A0092B-C50C-407E-A947-70E740481C1C}">
+                <a14:useLocalDpi xmlns:a14="http://schemas.microsoft.com/office/drawing/2010/main" val="0"/>
+              </a:ext>
+            </a:extLst>
+          </a:blip>
+          <a:srcRect/>
+          <a:stretch>
+            <a:fillRect/>
+          </a:stretch>
+        </p:blipFill>
+        <p:spPr bwMode="auto">
+          <a:xfrm>
+            <a:off x="3888166" y="4516085"/>
+            <a:ext cx="1502584" cy="1570268"/>
+          </a:xfrm>
+          <a:prstGeom prst="rect">
+            <a:avLst/>
+          </a:prstGeom>
+          <a:noFill/>
+          <a:ln>
+            <a:noFill/>
+          </a:ln>
+          <a:effectLst/>
+          <a:extLst>
+            <a:ext uri="{909E8E84-426E-40DD-AFC4-6F175D3DCCD1}">
+              <a14:hiddenFill xmlns:a14="http://schemas.microsoft.com/office/drawing/2010/main">
+                <a:solidFill>
+                  <a:schemeClr val="accent1"/>
+                </a:solidFill>
+              </a14:hiddenFill>
+            </a:ext>
+            <a:ext uri="{91240B29-F687-4F45-9708-019B960494DF}">
+              <a14:hiddenLine xmlns:a14="http://schemas.microsoft.com/office/drawing/2010/main" w="9525">
+                <a:solidFill>
+                  <a:schemeClr val="tx1"/>
+                </a:solidFill>
+                <a:miter lim="800000"/>
+                <a:headEnd/>
+                <a:tailEnd/>
+              </a14:hiddenLine>
+            </a:ext>
+            <a:ext uri="{AF507438-7753-43E0-B8FC-AC1667EBCBE1}">
+              <a14:hiddenEffects xmlns:a14="http://schemas.microsoft.com/office/drawing/2010/main">
+                <a:effectLst>
+                  <a:outerShdw dist="35921" dir="2700000" algn="ctr" rotWithShape="0">
+                    <a:schemeClr val="bg2"/>
+                  </a:outerShdw>
+                </a:effectLst>
+              </a14:hiddenEffects>
+            </a:ext>
+          </a:extLst>
+        </p:spPr>
+      </p:pic>
+      <p:pic>
+        <p:nvPicPr>
+          <p:cNvPr id="1029" name="Picture 5"/>
+          <p:cNvPicPr>
+            <a:picLocks noChangeAspect="1" noChangeArrowheads="1"/>
+          </p:cNvPicPr>
+          <p:nvPr/>
+        </p:nvPicPr>
+        <p:blipFill>
+          <a:blip r:embed="rId6">
+            <a:extLst>
+              <a:ext uri="{28A0092B-C50C-407E-A947-70E740481C1C}">
+                <a14:useLocalDpi xmlns:a14="http://schemas.microsoft.com/office/drawing/2010/main" val="0"/>
+              </a:ext>
+            </a:extLst>
+          </a:blip>
+          <a:srcRect/>
+          <a:stretch>
+            <a:fillRect/>
+          </a:stretch>
+        </p:blipFill>
+        <p:spPr bwMode="auto">
+          <a:xfrm>
+            <a:off x="2141851" y="4516085"/>
+            <a:ext cx="1502584" cy="1570268"/>
+          </a:xfrm>
+          <a:prstGeom prst="rect">
+            <a:avLst/>
+          </a:prstGeom>
+          <a:noFill/>
+          <a:ln>
+            <a:noFill/>
+          </a:ln>
+          <a:effectLst/>
+          <a:extLst>
+            <a:ext uri="{909E8E84-426E-40DD-AFC4-6F175D3DCCD1}">
+              <a14:hiddenFill xmlns:a14="http://schemas.microsoft.com/office/drawing/2010/main">
+                <a:solidFill>
+                  <a:schemeClr val="accent1"/>
+                </a:solidFill>
+              </a14:hiddenFill>
+            </a:ext>
+            <a:ext uri="{91240B29-F687-4F45-9708-019B960494DF}">
+              <a14:hiddenLine xmlns:a14="http://schemas.microsoft.com/office/drawing/2010/main" w="9525">
+                <a:solidFill>
+                  <a:schemeClr val="tx1"/>
+                </a:solidFill>
+                <a:miter lim="800000"/>
+                <a:headEnd/>
+                <a:tailEnd/>
+              </a14:hiddenLine>
+            </a:ext>
+            <a:ext uri="{AF507438-7753-43E0-B8FC-AC1667EBCBE1}">
+              <a14:hiddenEffects xmlns:a14="http://schemas.microsoft.com/office/drawing/2010/main">
+                <a:effectLst>
+                  <a:outerShdw dist="35921" dir="2700000" algn="ctr" rotWithShape="0">
+                    <a:schemeClr val="bg2"/>
+                  </a:outerShdw>
+                </a:effectLst>
+              </a14:hiddenEffects>
+            </a:ext>
+          </a:extLst>
+        </p:spPr>
+      </p:pic>
+      <p:pic>
+        <p:nvPicPr>
+          <p:cNvPr id="1030" name="Picture 6"/>
+          <p:cNvPicPr>
+            <a:picLocks noChangeAspect="1" noChangeArrowheads="1"/>
+          </p:cNvPicPr>
+          <p:nvPr/>
+        </p:nvPicPr>
+        <p:blipFill>
+          <a:blip r:embed="rId7">
+            <a:extLst>
+              <a:ext uri="{28A0092B-C50C-407E-A947-70E740481C1C}">
+                <a14:useLocalDpi xmlns:a14="http://schemas.microsoft.com/office/drawing/2010/main" val="0"/>
+              </a:ext>
+            </a:extLst>
+          </a:blip>
+          <a:srcRect/>
+          <a:stretch>
+            <a:fillRect/>
+          </a:stretch>
+        </p:blipFill>
+        <p:spPr bwMode="auto">
+          <a:xfrm>
+            <a:off x="395536" y="4516085"/>
+            <a:ext cx="1502584" cy="1570268"/>
+          </a:xfrm>
+          <a:prstGeom prst="rect">
+            <a:avLst/>
+          </a:prstGeom>
+          <a:noFill/>
+          <a:ln>
+            <a:noFill/>
+          </a:ln>
+          <a:effectLst/>
+          <a:extLst>
+            <a:ext uri="{909E8E84-426E-40DD-AFC4-6F175D3DCCD1}">
+              <a14:hiddenFill xmlns:a14="http://schemas.microsoft.com/office/drawing/2010/main">
+                <a:solidFill>
+                  <a:schemeClr val="accent1"/>
+                </a:solidFill>
+              </a14:hiddenFill>
+            </a:ext>
+            <a:ext uri="{91240B29-F687-4F45-9708-019B960494DF}">
+              <a14:hiddenLine xmlns:a14="http://schemas.microsoft.com/office/drawing/2010/main" w="9525">
+                <a:solidFill>
+                  <a:schemeClr val="tx1"/>
+                </a:solidFill>
+                <a:miter lim="800000"/>
+                <a:headEnd/>
+                <a:tailEnd/>
+              </a14:hiddenLine>
+            </a:ext>
+            <a:ext uri="{AF507438-7753-43E0-B8FC-AC1667EBCBE1}">
+              <a14:hiddenEffects xmlns:a14="http://schemas.microsoft.com/office/drawing/2010/main">
+                <a:effectLst>
+                  <a:outerShdw dist="35921" dir="2700000" algn="ctr" rotWithShape="0">
+                    <a:schemeClr val="bg2"/>
+                  </a:outerShdw>
+                </a:effectLst>
+              </a14:hiddenEffects>
+            </a:ext>
+          </a:extLst>
+        </p:spPr>
+      </p:pic>
+      <p:pic>
+        <p:nvPicPr>
+          <p:cNvPr id="1031" name="Picture 7"/>
+          <p:cNvPicPr>
+            <a:picLocks noChangeAspect="1" noChangeArrowheads="1"/>
+          </p:cNvPicPr>
+          <p:nvPr/>
+        </p:nvPicPr>
+        <p:blipFill>
+          <a:blip r:embed="rId8">
+            <a:extLst>
+              <a:ext uri="{28A0092B-C50C-407E-A947-70E740481C1C}">
+                <a14:useLocalDpi xmlns:a14="http://schemas.microsoft.com/office/drawing/2010/main" val="0"/>
+              </a:ext>
+            </a:extLst>
+          </a:blip>
+          <a:srcRect/>
+          <a:stretch>
+            <a:fillRect/>
+          </a:stretch>
+        </p:blipFill>
+        <p:spPr bwMode="auto">
+          <a:xfrm>
+            <a:off x="7164771" y="2924944"/>
+            <a:ext cx="1502584" cy="1570268"/>
+          </a:xfrm>
+          <a:prstGeom prst="rect">
+            <a:avLst/>
+          </a:prstGeom>
+          <a:noFill/>
+          <a:ln>
+            <a:noFill/>
+          </a:ln>
+          <a:effectLst/>
+          <a:extLst>
+            <a:ext uri="{909E8E84-426E-40DD-AFC4-6F175D3DCCD1}">
+              <a14:hiddenFill xmlns:a14="http://schemas.microsoft.com/office/drawing/2010/main">
+                <a:solidFill>
+                  <a:schemeClr val="accent1"/>
+                </a:solidFill>
+              </a14:hiddenFill>
+            </a:ext>
+            <a:ext uri="{91240B29-F687-4F45-9708-019B960494DF}">
+              <a14:hiddenLine xmlns:a14="http://schemas.microsoft.com/office/drawing/2010/main" w="9525">
+                <a:solidFill>
+                  <a:schemeClr val="tx1"/>
+                </a:solidFill>
+                <a:miter lim="800000"/>
+                <a:headEnd/>
+                <a:tailEnd/>
+              </a14:hiddenLine>
+            </a:ext>
+            <a:ext uri="{AF507438-7753-43E0-B8FC-AC1667EBCBE1}">
+              <a14:hiddenEffects xmlns:a14="http://schemas.microsoft.com/office/drawing/2010/main">
+                <a:effectLst>
+                  <a:outerShdw dist="35921" dir="2700000" algn="ctr" rotWithShape="0">
+                    <a:schemeClr val="bg2"/>
+                  </a:outerShdw>
+                </a:effectLst>
+              </a14:hiddenEffects>
+            </a:ext>
+          </a:extLst>
+        </p:spPr>
+      </p:pic>
+      <p:pic>
+        <p:nvPicPr>
+          <p:cNvPr id="1032" name="Picture 8"/>
+          <p:cNvPicPr>
+            <a:picLocks noChangeAspect="1" noChangeArrowheads="1"/>
+          </p:cNvPicPr>
+          <p:nvPr/>
+        </p:nvPicPr>
+        <p:blipFill>
+          <a:blip r:embed="rId9">
+            <a:extLst>
+              <a:ext uri="{28A0092B-C50C-407E-A947-70E740481C1C}">
+                <a14:useLocalDpi xmlns:a14="http://schemas.microsoft.com/office/drawing/2010/main" val="0"/>
+              </a:ext>
+            </a:extLst>
+          </a:blip>
+          <a:srcRect/>
+          <a:stretch>
+            <a:fillRect/>
+          </a:stretch>
+        </p:blipFill>
+        <p:spPr bwMode="auto">
+          <a:xfrm>
+            <a:off x="5418457" y="2924944"/>
+            <a:ext cx="1502584" cy="1570268"/>
+          </a:xfrm>
+          <a:prstGeom prst="rect">
+            <a:avLst/>
+          </a:prstGeom>
+          <a:noFill/>
+          <a:ln>
+            <a:noFill/>
+          </a:ln>
+          <a:effectLst/>
+          <a:extLst>
+            <a:ext uri="{909E8E84-426E-40DD-AFC4-6F175D3DCCD1}">
+              <a14:hiddenFill xmlns:a14="http://schemas.microsoft.com/office/drawing/2010/main">
+                <a:solidFill>
+                  <a:schemeClr val="accent1"/>
+                </a:solidFill>
+              </a14:hiddenFill>
+            </a:ext>
+            <a:ext uri="{91240B29-F687-4F45-9708-019B960494DF}">
+              <a14:hiddenLine xmlns:a14="http://schemas.microsoft.com/office/drawing/2010/main" w="9525">
+                <a:solidFill>
+                  <a:schemeClr val="tx1"/>
+                </a:solidFill>
+                <a:miter lim="800000"/>
+                <a:headEnd/>
+                <a:tailEnd/>
+              </a14:hiddenLine>
+            </a:ext>
+            <a:ext uri="{AF507438-7753-43E0-B8FC-AC1667EBCBE1}">
+              <a14:hiddenEffects xmlns:a14="http://schemas.microsoft.com/office/drawing/2010/main">
+                <a:effectLst>
+                  <a:outerShdw dist="35921" dir="2700000" algn="ctr" rotWithShape="0">
+                    <a:schemeClr val="bg2"/>
+                  </a:outerShdw>
+                </a:effectLst>
+              </a14:hiddenEffects>
+            </a:ext>
+          </a:extLst>
+        </p:spPr>
+      </p:pic>
+      <p:pic>
+        <p:nvPicPr>
+          <p:cNvPr id="1033" name="Picture 9"/>
+          <p:cNvPicPr>
+            <a:picLocks noChangeAspect="1" noChangeArrowheads="1"/>
+          </p:cNvPicPr>
+          <p:nvPr/>
+        </p:nvPicPr>
+        <p:blipFill>
+          <a:blip r:embed="rId10">
+            <a:extLst>
+              <a:ext uri="{28A0092B-C50C-407E-A947-70E740481C1C}">
+                <a14:useLocalDpi xmlns:a14="http://schemas.microsoft.com/office/drawing/2010/main" val="0"/>
+              </a:ext>
+            </a:extLst>
+          </a:blip>
+          <a:srcRect/>
+          <a:stretch>
+            <a:fillRect/>
+          </a:stretch>
+        </p:blipFill>
+        <p:spPr bwMode="auto">
+          <a:xfrm>
+            <a:off x="3672142" y="2924944"/>
+            <a:ext cx="1502584" cy="1570268"/>
+          </a:xfrm>
+          <a:prstGeom prst="rect">
+            <a:avLst/>
+          </a:prstGeom>
+          <a:noFill/>
+          <a:ln>
+            <a:noFill/>
+          </a:ln>
+          <a:effectLst/>
+          <a:extLst>
+            <a:ext uri="{909E8E84-426E-40DD-AFC4-6F175D3DCCD1}">
+              <a14:hiddenFill xmlns:a14="http://schemas.microsoft.com/office/drawing/2010/main">
+                <a:solidFill>
+                  <a:schemeClr val="accent1"/>
+                </a:solidFill>
+              </a14:hiddenFill>
+            </a:ext>
+            <a:ext uri="{91240B29-F687-4F45-9708-019B960494DF}">
+              <a14:hiddenLine xmlns:a14="http://schemas.microsoft.com/office/drawing/2010/main" w="9525">
+                <a:solidFill>
+                  <a:schemeClr val="tx1"/>
+                </a:solidFill>
+                <a:miter lim="800000"/>
+                <a:headEnd/>
+                <a:tailEnd/>
+              </a14:hiddenLine>
+            </a:ext>
+            <a:ext uri="{AF507438-7753-43E0-B8FC-AC1667EBCBE1}">
+              <a14:hiddenEffects xmlns:a14="http://schemas.microsoft.com/office/drawing/2010/main">
+                <a:effectLst>
+                  <a:outerShdw dist="35921" dir="2700000" algn="ctr" rotWithShape="0">
+                    <a:schemeClr val="bg2"/>
+                  </a:outerShdw>
+                </a:effectLst>
+              </a14:hiddenEffects>
+            </a:ext>
+          </a:extLst>
+        </p:spPr>
+      </p:pic>
+      <p:pic>
+        <p:nvPicPr>
+          <p:cNvPr id="1034" name="Picture 10"/>
+          <p:cNvPicPr>
+            <a:picLocks noChangeAspect="1" noChangeArrowheads="1"/>
+          </p:cNvPicPr>
+          <p:nvPr/>
+        </p:nvPicPr>
+        <p:blipFill>
+          <a:blip r:embed="rId11">
+            <a:extLst>
+              <a:ext uri="{28A0092B-C50C-407E-A947-70E740481C1C}">
+                <a14:useLocalDpi xmlns:a14="http://schemas.microsoft.com/office/drawing/2010/main" val="0"/>
+              </a:ext>
+            </a:extLst>
+          </a:blip>
+          <a:srcRect/>
+          <a:stretch>
+            <a:fillRect/>
+          </a:stretch>
+        </p:blipFill>
+        <p:spPr bwMode="auto">
+          <a:xfrm>
+            <a:off x="1925827" y="2924944"/>
+            <a:ext cx="1502584" cy="1570268"/>
+          </a:xfrm>
+          <a:prstGeom prst="rect">
+            <a:avLst/>
+          </a:prstGeom>
+          <a:noFill/>
+          <a:ln>
+            <a:noFill/>
+          </a:ln>
+          <a:effectLst/>
+          <a:extLst>
+            <a:ext uri="{909E8E84-426E-40DD-AFC4-6F175D3DCCD1}">
+              <a14:hiddenFill xmlns:a14="http://schemas.microsoft.com/office/drawing/2010/main">
+                <a:solidFill>
+                  <a:schemeClr val="accent1"/>
+                </a:solidFill>
+              </a14:hiddenFill>
+            </a:ext>
+            <a:ext uri="{91240B29-F687-4F45-9708-019B960494DF}">
+              <a14:hiddenLine xmlns:a14="http://schemas.microsoft.com/office/drawing/2010/main" w="9525">
+                <a:solidFill>
+                  <a:schemeClr val="tx1"/>
+                </a:solidFill>
+                <a:miter lim="800000"/>
+                <a:headEnd/>
+                <a:tailEnd/>
+              </a14:hiddenLine>
+            </a:ext>
+            <a:ext uri="{AF507438-7753-43E0-B8FC-AC1667EBCBE1}">
+              <a14:hiddenEffects xmlns:a14="http://schemas.microsoft.com/office/drawing/2010/main">
+                <a:effectLst>
+                  <a:outerShdw dist="35921" dir="2700000" algn="ctr" rotWithShape="0">
+                    <a:schemeClr val="bg2"/>
+                  </a:outerShdw>
+                </a:effectLst>
+              </a14:hiddenEffects>
+            </a:ext>
+          </a:extLst>
+        </p:spPr>
+      </p:pic>
+      <p:pic>
+        <p:nvPicPr>
+          <p:cNvPr id="1035" name="Picture 11"/>
+          <p:cNvPicPr>
+            <a:picLocks noChangeAspect="1" noChangeArrowheads="1"/>
+          </p:cNvPicPr>
+          <p:nvPr/>
+        </p:nvPicPr>
+        <p:blipFill>
+          <a:blip r:embed="rId12">
+            <a:extLst>
+              <a:ext uri="{28A0092B-C50C-407E-A947-70E740481C1C}">
+                <a14:useLocalDpi xmlns:a14="http://schemas.microsoft.com/office/drawing/2010/main" val="0"/>
+              </a:ext>
+            </a:extLst>
+          </a:blip>
+          <a:srcRect/>
+          <a:stretch>
+            <a:fillRect/>
+          </a:stretch>
+        </p:blipFill>
+        <p:spPr bwMode="auto">
+          <a:xfrm>
+            <a:off x="179512" y="2924944"/>
+            <a:ext cx="1502584" cy="1570268"/>
+          </a:xfrm>
+          <a:prstGeom prst="rect">
+            <a:avLst/>
+          </a:prstGeom>
+          <a:noFill/>
+          <a:ln>
+            <a:noFill/>
+          </a:ln>
+          <a:effectLst/>
+          <a:extLst>
+            <a:ext uri="{909E8E84-426E-40DD-AFC4-6F175D3DCCD1}">
+              <a14:hiddenFill xmlns:a14="http://schemas.microsoft.com/office/drawing/2010/main">
+                <a:solidFill>
+                  <a:schemeClr val="accent1"/>
+                </a:solidFill>
+              </a14:hiddenFill>
+            </a:ext>
+            <a:ext uri="{91240B29-F687-4F45-9708-019B960494DF}">
+              <a14:hiddenLine xmlns:a14="http://schemas.microsoft.com/office/drawing/2010/main" w="9525">
+                <a:solidFill>
+                  <a:schemeClr val="tx1"/>
+                </a:solidFill>
+                <a:miter lim="800000"/>
+                <a:headEnd/>
+                <a:tailEnd/>
+              </a14:hiddenLine>
+            </a:ext>
+            <a:ext uri="{AF507438-7753-43E0-B8FC-AC1667EBCBE1}">
+              <a14:hiddenEffects xmlns:a14="http://schemas.microsoft.com/office/drawing/2010/main">
+                <a:effectLst>
+                  <a:outerShdw dist="35921" dir="2700000" algn="ctr" rotWithShape="0">
+                    <a:schemeClr val="bg2"/>
+                  </a:outerShdw>
+                </a:effectLst>
+              </a14:hiddenEffects>
+            </a:ext>
+          </a:extLst>
+        </p:spPr>
+      </p:pic>
+      <p:sp>
+        <p:nvSpPr>
+          <p:cNvPr id="8" name="덧셈 기호 7"/>
+          <p:cNvSpPr/>
+          <p:nvPr/>
+        </p:nvSpPr>
+        <p:spPr>
+          <a:xfrm>
+            <a:off x="1686958" y="3602066"/>
+            <a:ext cx="216024" cy="216024"/>
+          </a:xfrm>
+          <a:prstGeom prst="mathPlus">
+            <a:avLst>
+              <a:gd name="adj1" fmla="val 12346"/>
+            </a:avLst>
+          </a:prstGeom>
+          <a:ln>
+            <a:noFill/>
+          </a:ln>
+        </p:spPr>
+        <p:style>
+          <a:lnRef idx="2">
+            <a:schemeClr val="accent1">
+              <a:shade val="50000"/>
+            </a:schemeClr>
+          </a:lnRef>
+          <a:fillRef idx="1">
+            <a:schemeClr val="accent1"/>
+          </a:fillRef>
+          <a:effectRef idx="0">
+            <a:schemeClr val="accent1"/>
+          </a:effectRef>
+          <a:fontRef idx="minor">
+            <a:schemeClr val="lt1"/>
+          </a:fontRef>
+        </p:style>
+        <p:txBody>
+          <a:bodyPr rtlCol="0" anchor="ctr"/>
+          <a:lstStyle/>
+          <a:p>
+            <a:pPr algn="ctr"/>
+            <a:endParaRPr lang="ko-KR" altLang="en-US"/>
+          </a:p>
+        </p:txBody>
+      </p:sp>
+      <p:sp>
+        <p:nvSpPr>
+          <p:cNvPr id="19" name="덧셈 기호 18"/>
+          <p:cNvSpPr/>
+          <p:nvPr/>
+        </p:nvSpPr>
+        <p:spPr>
+          <a:xfrm>
+            <a:off x="3428411" y="3602066"/>
+            <a:ext cx="216024" cy="216024"/>
+          </a:xfrm>
+          <a:prstGeom prst="mathPlus">
+            <a:avLst>
+              <a:gd name="adj1" fmla="val 12346"/>
+            </a:avLst>
+          </a:prstGeom>
+          <a:ln>
+            <a:noFill/>
+          </a:ln>
+        </p:spPr>
+        <p:style>
+          <a:lnRef idx="2">
+            <a:schemeClr val="accent1">
+              <a:shade val="50000"/>
+            </a:schemeClr>
+          </a:lnRef>
+          <a:fillRef idx="1">
+            <a:schemeClr val="accent1"/>
+          </a:fillRef>
+          <a:effectRef idx="0">
+            <a:schemeClr val="accent1"/>
+          </a:effectRef>
+          <a:fontRef idx="minor">
+            <a:schemeClr val="lt1"/>
+          </a:fontRef>
+        </p:style>
+        <p:txBody>
+          <a:bodyPr rtlCol="0" anchor="ctr"/>
+          <a:lstStyle/>
+          <a:p>
+            <a:pPr algn="ctr"/>
+            <a:endParaRPr lang="ko-KR" altLang="en-US"/>
+          </a:p>
+        </p:txBody>
+      </p:sp>
+      <p:sp>
+        <p:nvSpPr>
+          <p:cNvPr id="20" name="덧셈 기호 19"/>
+          <p:cNvSpPr/>
+          <p:nvPr/>
+        </p:nvSpPr>
+        <p:spPr>
+          <a:xfrm>
+            <a:off x="5168791" y="3602066"/>
+            <a:ext cx="216024" cy="216024"/>
+          </a:xfrm>
+          <a:prstGeom prst="mathPlus">
+            <a:avLst>
+              <a:gd name="adj1" fmla="val 12346"/>
+            </a:avLst>
+          </a:prstGeom>
+          <a:ln>
+            <a:noFill/>
+          </a:ln>
+        </p:spPr>
+        <p:style>
+          <a:lnRef idx="2">
+            <a:schemeClr val="accent1">
+              <a:shade val="50000"/>
+            </a:schemeClr>
+          </a:lnRef>
+          <a:fillRef idx="1">
+            <a:schemeClr val="accent1"/>
+          </a:fillRef>
+          <a:effectRef idx="0">
+            <a:schemeClr val="accent1"/>
+          </a:effectRef>
+          <a:fontRef idx="minor">
+            <a:schemeClr val="lt1"/>
+          </a:fontRef>
+        </p:style>
+        <p:txBody>
+          <a:bodyPr rtlCol="0" anchor="ctr"/>
+          <a:lstStyle/>
+          <a:p>
+            <a:pPr algn="ctr"/>
+            <a:endParaRPr lang="ko-KR" altLang="en-US"/>
+          </a:p>
+        </p:txBody>
+      </p:sp>
+      <p:sp>
+        <p:nvSpPr>
+          <p:cNvPr id="21" name="덧셈 기호 20"/>
+          <p:cNvSpPr/>
+          <p:nvPr/>
+        </p:nvSpPr>
+        <p:spPr>
+          <a:xfrm>
+            <a:off x="6910244" y="3602066"/>
+            <a:ext cx="216024" cy="216024"/>
+          </a:xfrm>
+          <a:prstGeom prst="mathPlus">
+            <a:avLst>
+              <a:gd name="adj1" fmla="val 12346"/>
+            </a:avLst>
+          </a:prstGeom>
+          <a:ln>
+            <a:noFill/>
+          </a:ln>
+        </p:spPr>
+        <p:style>
+          <a:lnRef idx="2">
+            <a:schemeClr val="accent1">
+              <a:shade val="50000"/>
+            </a:schemeClr>
+          </a:lnRef>
+          <a:fillRef idx="1">
+            <a:schemeClr val="accent1"/>
+          </a:fillRef>
+          <a:effectRef idx="0">
+            <a:schemeClr val="accent1"/>
+          </a:effectRef>
+          <a:fontRef idx="minor">
+            <a:schemeClr val="lt1"/>
+          </a:fontRef>
+        </p:style>
+        <p:txBody>
+          <a:bodyPr rtlCol="0" anchor="ctr"/>
+          <a:lstStyle/>
+          <a:p>
+            <a:pPr algn="ctr"/>
+            <a:endParaRPr lang="ko-KR" altLang="en-US"/>
+          </a:p>
+        </p:txBody>
+      </p:sp>
+      <p:sp>
+        <p:nvSpPr>
+          <p:cNvPr id="22" name="덧셈 기호 21"/>
+          <p:cNvSpPr/>
+          <p:nvPr/>
+        </p:nvSpPr>
+        <p:spPr>
+          <a:xfrm>
+            <a:off x="8667355" y="3602066"/>
+            <a:ext cx="216024" cy="216024"/>
+          </a:xfrm>
+          <a:prstGeom prst="mathPlus">
+            <a:avLst>
+              <a:gd name="adj1" fmla="val 12346"/>
+            </a:avLst>
+          </a:prstGeom>
+          <a:ln>
+            <a:noFill/>
+          </a:ln>
+        </p:spPr>
+        <p:style>
+          <a:lnRef idx="2">
+            <a:schemeClr val="accent1">
+              <a:shade val="50000"/>
+            </a:schemeClr>
+          </a:lnRef>
+          <a:fillRef idx="1">
+            <a:schemeClr val="accent1"/>
+          </a:fillRef>
+          <a:effectRef idx="0">
+            <a:schemeClr val="accent1"/>
+          </a:effectRef>
+          <a:fontRef idx="minor">
+            <a:schemeClr val="lt1"/>
+          </a:fontRef>
+        </p:style>
+        <p:txBody>
+          <a:bodyPr rtlCol="0" anchor="ctr"/>
+          <a:lstStyle/>
+          <a:p>
+            <a:pPr algn="ctr"/>
+            <a:endParaRPr lang="ko-KR" altLang="en-US"/>
+          </a:p>
+        </p:txBody>
+      </p:sp>
+      <p:sp>
+        <p:nvSpPr>
+          <p:cNvPr id="23" name="덧셈 기호 22"/>
+          <p:cNvSpPr/>
+          <p:nvPr/>
+        </p:nvSpPr>
+        <p:spPr>
+          <a:xfrm>
+            <a:off x="1883340" y="5193207"/>
+            <a:ext cx="216024" cy="216024"/>
+          </a:xfrm>
+          <a:prstGeom prst="mathPlus">
+            <a:avLst>
+              <a:gd name="adj1" fmla="val 12346"/>
+            </a:avLst>
+          </a:prstGeom>
+          <a:ln>
+            <a:noFill/>
+          </a:ln>
+        </p:spPr>
+        <p:style>
+          <a:lnRef idx="2">
+            <a:schemeClr val="accent1">
+              <a:shade val="50000"/>
+            </a:schemeClr>
+          </a:lnRef>
+          <a:fillRef idx="1">
+            <a:schemeClr val="accent1"/>
+          </a:fillRef>
+          <a:effectRef idx="0">
+            <a:schemeClr val="accent1"/>
+          </a:effectRef>
+          <a:fontRef idx="minor">
+            <a:schemeClr val="lt1"/>
+          </a:fontRef>
+        </p:style>
+        <p:txBody>
+          <a:bodyPr rtlCol="0" anchor="ctr"/>
+          <a:lstStyle/>
+          <a:p>
+            <a:pPr algn="ctr"/>
+            <a:endParaRPr lang="ko-KR" altLang="en-US"/>
+          </a:p>
+        </p:txBody>
+      </p:sp>
+      <p:sp>
+        <p:nvSpPr>
+          <p:cNvPr id="24" name="덧셈 기호 23"/>
+          <p:cNvSpPr/>
+          <p:nvPr/>
+        </p:nvSpPr>
+        <p:spPr>
+          <a:xfrm>
+            <a:off x="3624793" y="5193207"/>
+            <a:ext cx="216024" cy="216024"/>
+          </a:xfrm>
+          <a:prstGeom prst="mathPlus">
+            <a:avLst>
+              <a:gd name="adj1" fmla="val 12346"/>
+            </a:avLst>
+          </a:prstGeom>
+          <a:ln>
+            <a:noFill/>
+          </a:ln>
+        </p:spPr>
+        <p:style>
+          <a:lnRef idx="2">
+            <a:schemeClr val="accent1">
+              <a:shade val="50000"/>
+            </a:schemeClr>
+          </a:lnRef>
+          <a:fillRef idx="1">
+            <a:schemeClr val="accent1"/>
+          </a:fillRef>
+          <a:effectRef idx="0">
+            <a:schemeClr val="accent1"/>
+          </a:effectRef>
+          <a:fontRef idx="minor">
+            <a:schemeClr val="lt1"/>
+          </a:fontRef>
+        </p:style>
+        <p:txBody>
+          <a:bodyPr rtlCol="0" anchor="ctr"/>
+          <a:lstStyle/>
+          <a:p>
+            <a:pPr algn="ctr"/>
+            <a:endParaRPr lang="ko-KR" altLang="en-US"/>
+          </a:p>
+        </p:txBody>
+      </p:sp>
+      <p:sp>
+        <p:nvSpPr>
+          <p:cNvPr id="25" name="덧셈 기호 24"/>
+          <p:cNvSpPr/>
+          <p:nvPr/>
+        </p:nvSpPr>
+        <p:spPr>
+          <a:xfrm>
+            <a:off x="5365173" y="5193207"/>
+            <a:ext cx="216024" cy="216024"/>
+          </a:xfrm>
+          <a:prstGeom prst="mathPlus">
+            <a:avLst>
+              <a:gd name="adj1" fmla="val 12346"/>
+            </a:avLst>
+          </a:prstGeom>
+          <a:ln>
+            <a:noFill/>
+          </a:ln>
+        </p:spPr>
+        <p:style>
+          <a:lnRef idx="2">
+            <a:schemeClr val="accent1">
+              <a:shade val="50000"/>
+            </a:schemeClr>
+          </a:lnRef>
+          <a:fillRef idx="1">
+            <a:schemeClr val="accent1"/>
+          </a:fillRef>
+          <a:effectRef idx="0">
+            <a:schemeClr val="accent1"/>
+          </a:effectRef>
+          <a:fontRef idx="minor">
+            <a:schemeClr val="lt1"/>
+          </a:fontRef>
+        </p:style>
+        <p:txBody>
+          <a:bodyPr rtlCol="0" anchor="ctr"/>
+          <a:lstStyle/>
+          <a:p>
+            <a:pPr algn="ctr"/>
+            <a:endParaRPr lang="ko-KR" altLang="en-US"/>
+          </a:p>
+        </p:txBody>
+      </p:sp>
+      <p:sp>
+        <p:nvSpPr>
+          <p:cNvPr id="26" name="덧셈 기호 25"/>
+          <p:cNvSpPr/>
+          <p:nvPr/>
+        </p:nvSpPr>
+        <p:spPr>
+          <a:xfrm>
+            <a:off x="7106626" y="5193207"/>
+            <a:ext cx="216024" cy="216024"/>
+          </a:xfrm>
+          <a:prstGeom prst="mathPlus">
+            <a:avLst>
+              <a:gd name="adj1" fmla="val 12346"/>
+            </a:avLst>
+          </a:prstGeom>
+          <a:ln>
+            <a:noFill/>
+          </a:ln>
+        </p:spPr>
+        <p:style>
+          <a:lnRef idx="2">
+            <a:schemeClr val="accent1">
+              <a:shade val="50000"/>
+            </a:schemeClr>
+          </a:lnRef>
+          <a:fillRef idx="1">
+            <a:schemeClr val="accent1"/>
+          </a:fillRef>
+          <a:effectRef idx="0">
+            <a:schemeClr val="accent1"/>
+          </a:effectRef>
+          <a:fontRef idx="minor">
+            <a:schemeClr val="lt1"/>
+          </a:fontRef>
+        </p:style>
+        <p:txBody>
+          <a:bodyPr rtlCol="0" anchor="ctr"/>
+          <a:lstStyle/>
+          <a:p>
+            <a:pPr algn="ctr"/>
+            <a:endParaRPr lang="ko-KR" altLang="en-US"/>
+          </a:p>
+        </p:txBody>
+      </p:sp>
+      <p:sp>
+        <p:nvSpPr>
+          <p:cNvPr id="9" name="등호 8"/>
+          <p:cNvSpPr/>
+          <p:nvPr/>
+        </p:nvSpPr>
+        <p:spPr>
+          <a:xfrm>
+            <a:off x="5787786" y="967324"/>
+            <a:ext cx="914400" cy="914400"/>
+          </a:xfrm>
+          <a:prstGeom prst="mathEqual">
+            <a:avLst>
+              <a:gd name="adj1" fmla="val 13143"/>
+              <a:gd name="adj2" fmla="val 11760"/>
+            </a:avLst>
+          </a:prstGeom>
+          <a:ln>
+            <a:noFill/>
+          </a:ln>
+        </p:spPr>
+        <p:style>
+          <a:lnRef idx="2">
+            <a:schemeClr val="accent1">
+              <a:shade val="50000"/>
+            </a:schemeClr>
+          </a:lnRef>
+          <a:fillRef idx="1">
+            <a:schemeClr val="accent1"/>
+          </a:fillRef>
+          <a:effectRef idx="0">
+            <a:schemeClr val="accent1"/>
+          </a:effectRef>
+          <a:fontRef idx="minor">
+            <a:schemeClr val="lt1"/>
+          </a:fontRef>
+        </p:style>
+        <p:txBody>
+          <a:bodyPr rtlCol="0" anchor="ctr"/>
+          <a:lstStyle/>
+          <a:p>
+            <a:pPr algn="ctr"/>
+            <a:endParaRPr lang="ko-KR" altLang="en-US">
+              <a:solidFill>
+                <a:schemeClr val="tx1"/>
+              </a:solidFill>
+            </a:endParaRPr>
+          </a:p>
+        </p:txBody>
+      </p:sp>
+    </p:spTree>
+    <p:extLst>
+      <p:ext uri="{BB962C8B-B14F-4D97-AF65-F5344CB8AC3E}">
+        <p14:creationId xmlns:p14="http://schemas.microsoft.com/office/powerpoint/2010/main" val="2177900594"/>
+      </p:ext>
+    </p:extLst>
+  </p:cSld>
+  <p:clrMapOvr>
+    <a:masterClrMapping/>
+  </p:clrMapOvr>
+</p:sld>
+</file>
+
 <file path=ppt/theme/theme1.xml><?xml version="1.0" encoding="utf-8"?>
 <a:theme xmlns:a="http://schemas.openxmlformats.org/drawingml/2006/main" name="Office 테마">
   <a:themeElements>

--- a/pics/2019-06-18-Discrete_Time_Convolution/pics.pptx
+++ b/pics/2019-06-18-Discrete_Time_Convolution/pics.pptx
@@ -290,7 +290,7 @@
           <a:p>
             <a:fld id="{FB30EDBD-1C2D-4C1E-B459-B60219FAB484}" type="datetimeFigureOut">
               <a:rPr lang="ko-KR" altLang="en-US" smtClean="0"/>
-              <a:t>2020-11-19</a:t>
+              <a:t>2022-01-12</a:t>
             </a:fld>
             <a:endParaRPr lang="ko-KR" altLang="en-US"/>
           </a:p>
@@ -455,7 +455,7 @@
           <a:p>
             <a:fld id="{FB30EDBD-1C2D-4C1E-B459-B60219FAB484}" type="datetimeFigureOut">
               <a:rPr lang="ko-KR" altLang="en-US" smtClean="0"/>
-              <a:t>2020-11-19</a:t>
+              <a:t>2022-01-12</a:t>
             </a:fld>
             <a:endParaRPr lang="ko-KR" altLang="en-US"/>
           </a:p>
@@ -630,7 +630,7 @@
           <a:p>
             <a:fld id="{FB30EDBD-1C2D-4C1E-B459-B60219FAB484}" type="datetimeFigureOut">
               <a:rPr lang="ko-KR" altLang="en-US" smtClean="0"/>
-              <a:t>2020-11-19</a:t>
+              <a:t>2022-01-12</a:t>
             </a:fld>
             <a:endParaRPr lang="ko-KR" altLang="en-US"/>
           </a:p>
@@ -795,7 +795,7 @@
           <a:p>
             <a:fld id="{FB30EDBD-1C2D-4C1E-B459-B60219FAB484}" type="datetimeFigureOut">
               <a:rPr lang="ko-KR" altLang="en-US" smtClean="0"/>
-              <a:t>2020-11-19</a:t>
+              <a:t>2022-01-12</a:t>
             </a:fld>
             <a:endParaRPr lang="ko-KR" altLang="en-US"/>
           </a:p>
@@ -1036,7 +1036,7 @@
           <a:p>
             <a:fld id="{FB30EDBD-1C2D-4C1E-B459-B60219FAB484}" type="datetimeFigureOut">
               <a:rPr lang="ko-KR" altLang="en-US" smtClean="0"/>
-              <a:t>2020-11-19</a:t>
+              <a:t>2022-01-12</a:t>
             </a:fld>
             <a:endParaRPr lang="ko-KR" altLang="en-US"/>
           </a:p>
@@ -1319,7 +1319,7 @@
           <a:p>
             <a:fld id="{FB30EDBD-1C2D-4C1E-B459-B60219FAB484}" type="datetimeFigureOut">
               <a:rPr lang="ko-KR" altLang="en-US" smtClean="0"/>
-              <a:t>2020-11-19</a:t>
+              <a:t>2022-01-12</a:t>
             </a:fld>
             <a:endParaRPr lang="ko-KR" altLang="en-US"/>
           </a:p>
@@ -1736,7 +1736,7 @@
           <a:p>
             <a:fld id="{FB30EDBD-1C2D-4C1E-B459-B60219FAB484}" type="datetimeFigureOut">
               <a:rPr lang="ko-KR" altLang="en-US" smtClean="0"/>
-              <a:t>2020-11-19</a:t>
+              <a:t>2022-01-12</a:t>
             </a:fld>
             <a:endParaRPr lang="ko-KR" altLang="en-US"/>
           </a:p>
@@ -1849,7 +1849,7 @@
           <a:p>
             <a:fld id="{FB30EDBD-1C2D-4C1E-B459-B60219FAB484}" type="datetimeFigureOut">
               <a:rPr lang="ko-KR" altLang="en-US" smtClean="0"/>
-              <a:t>2020-11-19</a:t>
+              <a:t>2022-01-12</a:t>
             </a:fld>
             <a:endParaRPr lang="ko-KR" altLang="en-US"/>
           </a:p>
@@ -1939,7 +1939,7 @@
           <a:p>
             <a:fld id="{FB30EDBD-1C2D-4C1E-B459-B60219FAB484}" type="datetimeFigureOut">
               <a:rPr lang="ko-KR" altLang="en-US" smtClean="0"/>
-              <a:t>2020-11-19</a:t>
+              <a:t>2022-01-12</a:t>
             </a:fld>
             <a:endParaRPr lang="ko-KR" altLang="en-US"/>
           </a:p>
@@ -2211,7 +2211,7 @@
           <a:p>
             <a:fld id="{FB30EDBD-1C2D-4C1E-B459-B60219FAB484}" type="datetimeFigureOut">
               <a:rPr lang="ko-KR" altLang="en-US" smtClean="0"/>
-              <a:t>2020-11-19</a:t>
+              <a:t>2022-01-12</a:t>
             </a:fld>
             <a:endParaRPr lang="ko-KR" altLang="en-US"/>
           </a:p>
@@ -2459,7 +2459,7 @@
           <a:p>
             <a:fld id="{FB30EDBD-1C2D-4C1E-B459-B60219FAB484}" type="datetimeFigureOut">
               <a:rPr lang="ko-KR" altLang="en-US" smtClean="0"/>
-              <a:t>2020-11-19</a:t>
+              <a:t>2022-01-12</a:t>
             </a:fld>
             <a:endParaRPr lang="ko-KR" altLang="en-US"/>
           </a:p>
@@ -2667,7 +2667,7 @@
           <a:p>
             <a:fld id="{FB30EDBD-1C2D-4C1E-B459-B60219FAB484}" type="datetimeFigureOut">
               <a:rPr lang="ko-KR" altLang="en-US" smtClean="0"/>
-              <a:t>2020-11-19</a:t>
+              <a:t>2022-01-12</a:t>
             </a:fld>
             <a:endParaRPr lang="ko-KR" altLang="en-US"/>
           </a:p>
@@ -3133,7 +3133,7 @@
       </p:grpSpPr>
       <p:pic>
         <p:nvPicPr>
-          <p:cNvPr id="1026" name="Picture 2"/>
+          <p:cNvPr id="2" name="Picture 2"/>
           <p:cNvPicPr>
             <a:picLocks noChangeAspect="1" noChangeArrowheads="1"/>
           </p:cNvPicPr>
@@ -3227,7 +3227,7 @@
       </p:grpSpPr>
       <p:pic>
         <p:nvPicPr>
-          <p:cNvPr id="4" name="Picture 2"/>
+          <p:cNvPr id="2050" name="Picture 2"/>
           <p:cNvPicPr>
             <a:picLocks noChangeAspect="1" noChangeArrowheads="1"/>
           </p:cNvPicPr>
@@ -3248,8 +3248,8 @@
         </p:blipFill>
         <p:spPr bwMode="auto">
           <a:xfrm>
-            <a:off x="2411760" y="102745"/>
-            <a:ext cx="3526848" cy="2643559"/>
+            <a:off x="-540568" y="1698794"/>
+            <a:ext cx="10225136" cy="3460414"/>
           </a:xfrm>
           <a:prstGeom prst="rect">
             <a:avLst/>
@@ -3289,1101 +3289,6 @@
           </a:extLst>
         </p:spPr>
       </p:pic>
-      <p:pic>
-        <p:nvPicPr>
-          <p:cNvPr id="1026" name="Picture 2"/>
-          <p:cNvPicPr>
-            <a:picLocks noChangeAspect="1" noChangeArrowheads="1"/>
-          </p:cNvPicPr>
-          <p:nvPr/>
-        </p:nvPicPr>
-        <p:blipFill>
-          <a:blip r:embed="rId3">
-            <a:extLst>
-              <a:ext uri="{28A0092B-C50C-407E-A947-70E740481C1C}">
-                <a14:useLocalDpi xmlns:a14="http://schemas.microsoft.com/office/drawing/2010/main" val="0"/>
-              </a:ext>
-            </a:extLst>
-          </a:blip>
-          <a:srcRect/>
-          <a:stretch>
-            <a:fillRect/>
-          </a:stretch>
-        </p:blipFill>
-        <p:spPr bwMode="auto">
-          <a:xfrm>
-            <a:off x="7380795" y="4516085"/>
-            <a:ext cx="1502584" cy="1570268"/>
-          </a:xfrm>
-          <a:prstGeom prst="rect">
-            <a:avLst/>
-          </a:prstGeom>
-          <a:noFill/>
-          <a:ln>
-            <a:noFill/>
-          </a:ln>
-          <a:effectLst/>
-          <a:extLst>
-            <a:ext uri="{909E8E84-426E-40DD-AFC4-6F175D3DCCD1}">
-              <a14:hiddenFill xmlns:a14="http://schemas.microsoft.com/office/drawing/2010/main">
-                <a:solidFill>
-                  <a:schemeClr val="accent1"/>
-                </a:solidFill>
-              </a14:hiddenFill>
-            </a:ext>
-            <a:ext uri="{91240B29-F687-4F45-9708-019B960494DF}">
-              <a14:hiddenLine xmlns:a14="http://schemas.microsoft.com/office/drawing/2010/main" w="9525">
-                <a:solidFill>
-                  <a:schemeClr val="tx1"/>
-                </a:solidFill>
-                <a:miter lim="800000"/>
-                <a:headEnd/>
-                <a:tailEnd/>
-              </a14:hiddenLine>
-            </a:ext>
-            <a:ext uri="{AF507438-7753-43E0-B8FC-AC1667EBCBE1}">
-              <a14:hiddenEffects xmlns:a14="http://schemas.microsoft.com/office/drawing/2010/main">
-                <a:effectLst>
-                  <a:outerShdw dist="35921" dir="2700000" algn="ctr" rotWithShape="0">
-                    <a:schemeClr val="bg2"/>
-                  </a:outerShdw>
-                </a:effectLst>
-              </a14:hiddenEffects>
-            </a:ext>
-          </a:extLst>
-        </p:spPr>
-      </p:pic>
-      <p:pic>
-        <p:nvPicPr>
-          <p:cNvPr id="1027" name="Picture 3"/>
-          <p:cNvPicPr>
-            <a:picLocks noChangeAspect="1" noChangeArrowheads="1"/>
-          </p:cNvPicPr>
-          <p:nvPr/>
-        </p:nvPicPr>
-        <p:blipFill>
-          <a:blip r:embed="rId4">
-            <a:extLst>
-              <a:ext uri="{28A0092B-C50C-407E-A947-70E740481C1C}">
-                <a14:useLocalDpi xmlns:a14="http://schemas.microsoft.com/office/drawing/2010/main" val="0"/>
-              </a:ext>
-            </a:extLst>
-          </a:blip>
-          <a:srcRect/>
-          <a:stretch>
-            <a:fillRect/>
-          </a:stretch>
-        </p:blipFill>
-        <p:spPr bwMode="auto">
-          <a:xfrm>
-            <a:off x="5634481" y="4516085"/>
-            <a:ext cx="1502584" cy="1570268"/>
-          </a:xfrm>
-          <a:prstGeom prst="rect">
-            <a:avLst/>
-          </a:prstGeom>
-          <a:noFill/>
-          <a:ln>
-            <a:noFill/>
-          </a:ln>
-          <a:effectLst/>
-          <a:extLst>
-            <a:ext uri="{909E8E84-426E-40DD-AFC4-6F175D3DCCD1}">
-              <a14:hiddenFill xmlns:a14="http://schemas.microsoft.com/office/drawing/2010/main">
-                <a:solidFill>
-                  <a:schemeClr val="accent1"/>
-                </a:solidFill>
-              </a14:hiddenFill>
-            </a:ext>
-            <a:ext uri="{91240B29-F687-4F45-9708-019B960494DF}">
-              <a14:hiddenLine xmlns:a14="http://schemas.microsoft.com/office/drawing/2010/main" w="9525">
-                <a:solidFill>
-                  <a:schemeClr val="tx1"/>
-                </a:solidFill>
-                <a:miter lim="800000"/>
-                <a:headEnd/>
-                <a:tailEnd/>
-              </a14:hiddenLine>
-            </a:ext>
-            <a:ext uri="{AF507438-7753-43E0-B8FC-AC1667EBCBE1}">
-              <a14:hiddenEffects xmlns:a14="http://schemas.microsoft.com/office/drawing/2010/main">
-                <a:effectLst>
-                  <a:outerShdw dist="35921" dir="2700000" algn="ctr" rotWithShape="0">
-                    <a:schemeClr val="bg2"/>
-                  </a:outerShdw>
-                </a:effectLst>
-              </a14:hiddenEffects>
-            </a:ext>
-          </a:extLst>
-        </p:spPr>
-      </p:pic>
-      <p:pic>
-        <p:nvPicPr>
-          <p:cNvPr id="1028" name="Picture 4"/>
-          <p:cNvPicPr>
-            <a:picLocks noChangeAspect="1" noChangeArrowheads="1"/>
-          </p:cNvPicPr>
-          <p:nvPr/>
-        </p:nvPicPr>
-        <p:blipFill>
-          <a:blip r:embed="rId5">
-            <a:extLst>
-              <a:ext uri="{28A0092B-C50C-407E-A947-70E740481C1C}">
-                <a14:useLocalDpi xmlns:a14="http://schemas.microsoft.com/office/drawing/2010/main" val="0"/>
-              </a:ext>
-            </a:extLst>
-          </a:blip>
-          <a:srcRect/>
-          <a:stretch>
-            <a:fillRect/>
-          </a:stretch>
-        </p:blipFill>
-        <p:spPr bwMode="auto">
-          <a:xfrm>
-            <a:off x="3888166" y="4516085"/>
-            <a:ext cx="1502584" cy="1570268"/>
-          </a:xfrm>
-          <a:prstGeom prst="rect">
-            <a:avLst/>
-          </a:prstGeom>
-          <a:noFill/>
-          <a:ln>
-            <a:noFill/>
-          </a:ln>
-          <a:effectLst/>
-          <a:extLst>
-            <a:ext uri="{909E8E84-426E-40DD-AFC4-6F175D3DCCD1}">
-              <a14:hiddenFill xmlns:a14="http://schemas.microsoft.com/office/drawing/2010/main">
-                <a:solidFill>
-                  <a:schemeClr val="accent1"/>
-                </a:solidFill>
-              </a14:hiddenFill>
-            </a:ext>
-            <a:ext uri="{91240B29-F687-4F45-9708-019B960494DF}">
-              <a14:hiddenLine xmlns:a14="http://schemas.microsoft.com/office/drawing/2010/main" w="9525">
-                <a:solidFill>
-                  <a:schemeClr val="tx1"/>
-                </a:solidFill>
-                <a:miter lim="800000"/>
-                <a:headEnd/>
-                <a:tailEnd/>
-              </a14:hiddenLine>
-            </a:ext>
-            <a:ext uri="{AF507438-7753-43E0-B8FC-AC1667EBCBE1}">
-              <a14:hiddenEffects xmlns:a14="http://schemas.microsoft.com/office/drawing/2010/main">
-                <a:effectLst>
-                  <a:outerShdw dist="35921" dir="2700000" algn="ctr" rotWithShape="0">
-                    <a:schemeClr val="bg2"/>
-                  </a:outerShdw>
-                </a:effectLst>
-              </a14:hiddenEffects>
-            </a:ext>
-          </a:extLst>
-        </p:spPr>
-      </p:pic>
-      <p:pic>
-        <p:nvPicPr>
-          <p:cNvPr id="1029" name="Picture 5"/>
-          <p:cNvPicPr>
-            <a:picLocks noChangeAspect="1" noChangeArrowheads="1"/>
-          </p:cNvPicPr>
-          <p:nvPr/>
-        </p:nvPicPr>
-        <p:blipFill>
-          <a:blip r:embed="rId6">
-            <a:extLst>
-              <a:ext uri="{28A0092B-C50C-407E-A947-70E740481C1C}">
-                <a14:useLocalDpi xmlns:a14="http://schemas.microsoft.com/office/drawing/2010/main" val="0"/>
-              </a:ext>
-            </a:extLst>
-          </a:blip>
-          <a:srcRect/>
-          <a:stretch>
-            <a:fillRect/>
-          </a:stretch>
-        </p:blipFill>
-        <p:spPr bwMode="auto">
-          <a:xfrm>
-            <a:off x="2141851" y="4516085"/>
-            <a:ext cx="1502584" cy="1570268"/>
-          </a:xfrm>
-          <a:prstGeom prst="rect">
-            <a:avLst/>
-          </a:prstGeom>
-          <a:noFill/>
-          <a:ln>
-            <a:noFill/>
-          </a:ln>
-          <a:effectLst/>
-          <a:extLst>
-            <a:ext uri="{909E8E84-426E-40DD-AFC4-6F175D3DCCD1}">
-              <a14:hiddenFill xmlns:a14="http://schemas.microsoft.com/office/drawing/2010/main">
-                <a:solidFill>
-                  <a:schemeClr val="accent1"/>
-                </a:solidFill>
-              </a14:hiddenFill>
-            </a:ext>
-            <a:ext uri="{91240B29-F687-4F45-9708-019B960494DF}">
-              <a14:hiddenLine xmlns:a14="http://schemas.microsoft.com/office/drawing/2010/main" w="9525">
-                <a:solidFill>
-                  <a:schemeClr val="tx1"/>
-                </a:solidFill>
-                <a:miter lim="800000"/>
-                <a:headEnd/>
-                <a:tailEnd/>
-              </a14:hiddenLine>
-            </a:ext>
-            <a:ext uri="{AF507438-7753-43E0-B8FC-AC1667EBCBE1}">
-              <a14:hiddenEffects xmlns:a14="http://schemas.microsoft.com/office/drawing/2010/main">
-                <a:effectLst>
-                  <a:outerShdw dist="35921" dir="2700000" algn="ctr" rotWithShape="0">
-                    <a:schemeClr val="bg2"/>
-                  </a:outerShdw>
-                </a:effectLst>
-              </a14:hiddenEffects>
-            </a:ext>
-          </a:extLst>
-        </p:spPr>
-      </p:pic>
-      <p:pic>
-        <p:nvPicPr>
-          <p:cNvPr id="1030" name="Picture 6"/>
-          <p:cNvPicPr>
-            <a:picLocks noChangeAspect="1" noChangeArrowheads="1"/>
-          </p:cNvPicPr>
-          <p:nvPr/>
-        </p:nvPicPr>
-        <p:blipFill>
-          <a:blip r:embed="rId7">
-            <a:extLst>
-              <a:ext uri="{28A0092B-C50C-407E-A947-70E740481C1C}">
-                <a14:useLocalDpi xmlns:a14="http://schemas.microsoft.com/office/drawing/2010/main" val="0"/>
-              </a:ext>
-            </a:extLst>
-          </a:blip>
-          <a:srcRect/>
-          <a:stretch>
-            <a:fillRect/>
-          </a:stretch>
-        </p:blipFill>
-        <p:spPr bwMode="auto">
-          <a:xfrm>
-            <a:off x="395536" y="4516085"/>
-            <a:ext cx="1502584" cy="1570268"/>
-          </a:xfrm>
-          <a:prstGeom prst="rect">
-            <a:avLst/>
-          </a:prstGeom>
-          <a:noFill/>
-          <a:ln>
-            <a:noFill/>
-          </a:ln>
-          <a:effectLst/>
-          <a:extLst>
-            <a:ext uri="{909E8E84-426E-40DD-AFC4-6F175D3DCCD1}">
-              <a14:hiddenFill xmlns:a14="http://schemas.microsoft.com/office/drawing/2010/main">
-                <a:solidFill>
-                  <a:schemeClr val="accent1"/>
-                </a:solidFill>
-              </a14:hiddenFill>
-            </a:ext>
-            <a:ext uri="{91240B29-F687-4F45-9708-019B960494DF}">
-              <a14:hiddenLine xmlns:a14="http://schemas.microsoft.com/office/drawing/2010/main" w="9525">
-                <a:solidFill>
-                  <a:schemeClr val="tx1"/>
-                </a:solidFill>
-                <a:miter lim="800000"/>
-                <a:headEnd/>
-                <a:tailEnd/>
-              </a14:hiddenLine>
-            </a:ext>
-            <a:ext uri="{AF507438-7753-43E0-B8FC-AC1667EBCBE1}">
-              <a14:hiddenEffects xmlns:a14="http://schemas.microsoft.com/office/drawing/2010/main">
-                <a:effectLst>
-                  <a:outerShdw dist="35921" dir="2700000" algn="ctr" rotWithShape="0">
-                    <a:schemeClr val="bg2"/>
-                  </a:outerShdw>
-                </a:effectLst>
-              </a14:hiddenEffects>
-            </a:ext>
-          </a:extLst>
-        </p:spPr>
-      </p:pic>
-      <p:pic>
-        <p:nvPicPr>
-          <p:cNvPr id="1031" name="Picture 7"/>
-          <p:cNvPicPr>
-            <a:picLocks noChangeAspect="1" noChangeArrowheads="1"/>
-          </p:cNvPicPr>
-          <p:nvPr/>
-        </p:nvPicPr>
-        <p:blipFill>
-          <a:blip r:embed="rId8">
-            <a:extLst>
-              <a:ext uri="{28A0092B-C50C-407E-A947-70E740481C1C}">
-                <a14:useLocalDpi xmlns:a14="http://schemas.microsoft.com/office/drawing/2010/main" val="0"/>
-              </a:ext>
-            </a:extLst>
-          </a:blip>
-          <a:srcRect/>
-          <a:stretch>
-            <a:fillRect/>
-          </a:stretch>
-        </p:blipFill>
-        <p:spPr bwMode="auto">
-          <a:xfrm>
-            <a:off x="7164771" y="2924944"/>
-            <a:ext cx="1502584" cy="1570268"/>
-          </a:xfrm>
-          <a:prstGeom prst="rect">
-            <a:avLst/>
-          </a:prstGeom>
-          <a:noFill/>
-          <a:ln>
-            <a:noFill/>
-          </a:ln>
-          <a:effectLst/>
-          <a:extLst>
-            <a:ext uri="{909E8E84-426E-40DD-AFC4-6F175D3DCCD1}">
-              <a14:hiddenFill xmlns:a14="http://schemas.microsoft.com/office/drawing/2010/main">
-                <a:solidFill>
-                  <a:schemeClr val="accent1"/>
-                </a:solidFill>
-              </a14:hiddenFill>
-            </a:ext>
-            <a:ext uri="{91240B29-F687-4F45-9708-019B960494DF}">
-              <a14:hiddenLine xmlns:a14="http://schemas.microsoft.com/office/drawing/2010/main" w="9525">
-                <a:solidFill>
-                  <a:schemeClr val="tx1"/>
-                </a:solidFill>
-                <a:miter lim="800000"/>
-                <a:headEnd/>
-                <a:tailEnd/>
-              </a14:hiddenLine>
-            </a:ext>
-            <a:ext uri="{AF507438-7753-43E0-B8FC-AC1667EBCBE1}">
-              <a14:hiddenEffects xmlns:a14="http://schemas.microsoft.com/office/drawing/2010/main">
-                <a:effectLst>
-                  <a:outerShdw dist="35921" dir="2700000" algn="ctr" rotWithShape="0">
-                    <a:schemeClr val="bg2"/>
-                  </a:outerShdw>
-                </a:effectLst>
-              </a14:hiddenEffects>
-            </a:ext>
-          </a:extLst>
-        </p:spPr>
-      </p:pic>
-      <p:pic>
-        <p:nvPicPr>
-          <p:cNvPr id="1032" name="Picture 8"/>
-          <p:cNvPicPr>
-            <a:picLocks noChangeAspect="1" noChangeArrowheads="1"/>
-          </p:cNvPicPr>
-          <p:nvPr/>
-        </p:nvPicPr>
-        <p:blipFill>
-          <a:blip r:embed="rId9">
-            <a:extLst>
-              <a:ext uri="{28A0092B-C50C-407E-A947-70E740481C1C}">
-                <a14:useLocalDpi xmlns:a14="http://schemas.microsoft.com/office/drawing/2010/main" val="0"/>
-              </a:ext>
-            </a:extLst>
-          </a:blip>
-          <a:srcRect/>
-          <a:stretch>
-            <a:fillRect/>
-          </a:stretch>
-        </p:blipFill>
-        <p:spPr bwMode="auto">
-          <a:xfrm>
-            <a:off x="5418457" y="2924944"/>
-            <a:ext cx="1502584" cy="1570268"/>
-          </a:xfrm>
-          <a:prstGeom prst="rect">
-            <a:avLst/>
-          </a:prstGeom>
-          <a:noFill/>
-          <a:ln>
-            <a:noFill/>
-          </a:ln>
-          <a:effectLst/>
-          <a:extLst>
-            <a:ext uri="{909E8E84-426E-40DD-AFC4-6F175D3DCCD1}">
-              <a14:hiddenFill xmlns:a14="http://schemas.microsoft.com/office/drawing/2010/main">
-                <a:solidFill>
-                  <a:schemeClr val="accent1"/>
-                </a:solidFill>
-              </a14:hiddenFill>
-            </a:ext>
-            <a:ext uri="{91240B29-F687-4F45-9708-019B960494DF}">
-              <a14:hiddenLine xmlns:a14="http://schemas.microsoft.com/office/drawing/2010/main" w="9525">
-                <a:solidFill>
-                  <a:schemeClr val="tx1"/>
-                </a:solidFill>
-                <a:miter lim="800000"/>
-                <a:headEnd/>
-                <a:tailEnd/>
-              </a14:hiddenLine>
-            </a:ext>
-            <a:ext uri="{AF507438-7753-43E0-B8FC-AC1667EBCBE1}">
-              <a14:hiddenEffects xmlns:a14="http://schemas.microsoft.com/office/drawing/2010/main">
-                <a:effectLst>
-                  <a:outerShdw dist="35921" dir="2700000" algn="ctr" rotWithShape="0">
-                    <a:schemeClr val="bg2"/>
-                  </a:outerShdw>
-                </a:effectLst>
-              </a14:hiddenEffects>
-            </a:ext>
-          </a:extLst>
-        </p:spPr>
-      </p:pic>
-      <p:pic>
-        <p:nvPicPr>
-          <p:cNvPr id="1033" name="Picture 9"/>
-          <p:cNvPicPr>
-            <a:picLocks noChangeAspect="1" noChangeArrowheads="1"/>
-          </p:cNvPicPr>
-          <p:nvPr/>
-        </p:nvPicPr>
-        <p:blipFill>
-          <a:blip r:embed="rId10">
-            <a:extLst>
-              <a:ext uri="{28A0092B-C50C-407E-A947-70E740481C1C}">
-                <a14:useLocalDpi xmlns:a14="http://schemas.microsoft.com/office/drawing/2010/main" val="0"/>
-              </a:ext>
-            </a:extLst>
-          </a:blip>
-          <a:srcRect/>
-          <a:stretch>
-            <a:fillRect/>
-          </a:stretch>
-        </p:blipFill>
-        <p:spPr bwMode="auto">
-          <a:xfrm>
-            <a:off x="3672142" y="2924944"/>
-            <a:ext cx="1502584" cy="1570268"/>
-          </a:xfrm>
-          <a:prstGeom prst="rect">
-            <a:avLst/>
-          </a:prstGeom>
-          <a:noFill/>
-          <a:ln>
-            <a:noFill/>
-          </a:ln>
-          <a:effectLst/>
-          <a:extLst>
-            <a:ext uri="{909E8E84-426E-40DD-AFC4-6F175D3DCCD1}">
-              <a14:hiddenFill xmlns:a14="http://schemas.microsoft.com/office/drawing/2010/main">
-                <a:solidFill>
-                  <a:schemeClr val="accent1"/>
-                </a:solidFill>
-              </a14:hiddenFill>
-            </a:ext>
-            <a:ext uri="{91240B29-F687-4F45-9708-019B960494DF}">
-              <a14:hiddenLine xmlns:a14="http://schemas.microsoft.com/office/drawing/2010/main" w="9525">
-                <a:solidFill>
-                  <a:schemeClr val="tx1"/>
-                </a:solidFill>
-                <a:miter lim="800000"/>
-                <a:headEnd/>
-                <a:tailEnd/>
-              </a14:hiddenLine>
-            </a:ext>
-            <a:ext uri="{AF507438-7753-43E0-B8FC-AC1667EBCBE1}">
-              <a14:hiddenEffects xmlns:a14="http://schemas.microsoft.com/office/drawing/2010/main">
-                <a:effectLst>
-                  <a:outerShdw dist="35921" dir="2700000" algn="ctr" rotWithShape="0">
-                    <a:schemeClr val="bg2"/>
-                  </a:outerShdw>
-                </a:effectLst>
-              </a14:hiddenEffects>
-            </a:ext>
-          </a:extLst>
-        </p:spPr>
-      </p:pic>
-      <p:pic>
-        <p:nvPicPr>
-          <p:cNvPr id="1034" name="Picture 10"/>
-          <p:cNvPicPr>
-            <a:picLocks noChangeAspect="1" noChangeArrowheads="1"/>
-          </p:cNvPicPr>
-          <p:nvPr/>
-        </p:nvPicPr>
-        <p:blipFill>
-          <a:blip r:embed="rId11">
-            <a:extLst>
-              <a:ext uri="{28A0092B-C50C-407E-A947-70E740481C1C}">
-                <a14:useLocalDpi xmlns:a14="http://schemas.microsoft.com/office/drawing/2010/main" val="0"/>
-              </a:ext>
-            </a:extLst>
-          </a:blip>
-          <a:srcRect/>
-          <a:stretch>
-            <a:fillRect/>
-          </a:stretch>
-        </p:blipFill>
-        <p:spPr bwMode="auto">
-          <a:xfrm>
-            <a:off x="1925827" y="2924944"/>
-            <a:ext cx="1502584" cy="1570268"/>
-          </a:xfrm>
-          <a:prstGeom prst="rect">
-            <a:avLst/>
-          </a:prstGeom>
-          <a:noFill/>
-          <a:ln>
-            <a:noFill/>
-          </a:ln>
-          <a:effectLst/>
-          <a:extLst>
-            <a:ext uri="{909E8E84-426E-40DD-AFC4-6F175D3DCCD1}">
-              <a14:hiddenFill xmlns:a14="http://schemas.microsoft.com/office/drawing/2010/main">
-                <a:solidFill>
-                  <a:schemeClr val="accent1"/>
-                </a:solidFill>
-              </a14:hiddenFill>
-            </a:ext>
-            <a:ext uri="{91240B29-F687-4F45-9708-019B960494DF}">
-              <a14:hiddenLine xmlns:a14="http://schemas.microsoft.com/office/drawing/2010/main" w="9525">
-                <a:solidFill>
-                  <a:schemeClr val="tx1"/>
-                </a:solidFill>
-                <a:miter lim="800000"/>
-                <a:headEnd/>
-                <a:tailEnd/>
-              </a14:hiddenLine>
-            </a:ext>
-            <a:ext uri="{AF507438-7753-43E0-B8FC-AC1667EBCBE1}">
-              <a14:hiddenEffects xmlns:a14="http://schemas.microsoft.com/office/drawing/2010/main">
-                <a:effectLst>
-                  <a:outerShdw dist="35921" dir="2700000" algn="ctr" rotWithShape="0">
-                    <a:schemeClr val="bg2"/>
-                  </a:outerShdw>
-                </a:effectLst>
-              </a14:hiddenEffects>
-            </a:ext>
-          </a:extLst>
-        </p:spPr>
-      </p:pic>
-      <p:pic>
-        <p:nvPicPr>
-          <p:cNvPr id="1035" name="Picture 11"/>
-          <p:cNvPicPr>
-            <a:picLocks noChangeAspect="1" noChangeArrowheads="1"/>
-          </p:cNvPicPr>
-          <p:nvPr/>
-        </p:nvPicPr>
-        <p:blipFill>
-          <a:blip r:embed="rId12">
-            <a:extLst>
-              <a:ext uri="{28A0092B-C50C-407E-A947-70E740481C1C}">
-                <a14:useLocalDpi xmlns:a14="http://schemas.microsoft.com/office/drawing/2010/main" val="0"/>
-              </a:ext>
-            </a:extLst>
-          </a:blip>
-          <a:srcRect/>
-          <a:stretch>
-            <a:fillRect/>
-          </a:stretch>
-        </p:blipFill>
-        <p:spPr bwMode="auto">
-          <a:xfrm>
-            <a:off x="179512" y="2924944"/>
-            <a:ext cx="1502584" cy="1570268"/>
-          </a:xfrm>
-          <a:prstGeom prst="rect">
-            <a:avLst/>
-          </a:prstGeom>
-          <a:noFill/>
-          <a:ln>
-            <a:noFill/>
-          </a:ln>
-          <a:effectLst/>
-          <a:extLst>
-            <a:ext uri="{909E8E84-426E-40DD-AFC4-6F175D3DCCD1}">
-              <a14:hiddenFill xmlns:a14="http://schemas.microsoft.com/office/drawing/2010/main">
-                <a:solidFill>
-                  <a:schemeClr val="accent1"/>
-                </a:solidFill>
-              </a14:hiddenFill>
-            </a:ext>
-            <a:ext uri="{91240B29-F687-4F45-9708-019B960494DF}">
-              <a14:hiddenLine xmlns:a14="http://schemas.microsoft.com/office/drawing/2010/main" w="9525">
-                <a:solidFill>
-                  <a:schemeClr val="tx1"/>
-                </a:solidFill>
-                <a:miter lim="800000"/>
-                <a:headEnd/>
-                <a:tailEnd/>
-              </a14:hiddenLine>
-            </a:ext>
-            <a:ext uri="{AF507438-7753-43E0-B8FC-AC1667EBCBE1}">
-              <a14:hiddenEffects xmlns:a14="http://schemas.microsoft.com/office/drawing/2010/main">
-                <a:effectLst>
-                  <a:outerShdw dist="35921" dir="2700000" algn="ctr" rotWithShape="0">
-                    <a:schemeClr val="bg2"/>
-                  </a:outerShdw>
-                </a:effectLst>
-              </a14:hiddenEffects>
-            </a:ext>
-          </a:extLst>
-        </p:spPr>
-      </p:pic>
-      <p:sp>
-        <p:nvSpPr>
-          <p:cNvPr id="8" name="덧셈 기호 7"/>
-          <p:cNvSpPr/>
-          <p:nvPr/>
-        </p:nvSpPr>
-        <p:spPr>
-          <a:xfrm>
-            <a:off x="1686958" y="3602066"/>
-            <a:ext cx="216024" cy="216024"/>
-          </a:xfrm>
-          <a:prstGeom prst="mathPlus">
-            <a:avLst>
-              <a:gd name="adj1" fmla="val 12346"/>
-            </a:avLst>
-          </a:prstGeom>
-          <a:ln>
-            <a:noFill/>
-          </a:ln>
-        </p:spPr>
-        <p:style>
-          <a:lnRef idx="2">
-            <a:schemeClr val="accent1">
-              <a:shade val="50000"/>
-            </a:schemeClr>
-          </a:lnRef>
-          <a:fillRef idx="1">
-            <a:schemeClr val="accent1"/>
-          </a:fillRef>
-          <a:effectRef idx="0">
-            <a:schemeClr val="accent1"/>
-          </a:effectRef>
-          <a:fontRef idx="minor">
-            <a:schemeClr val="lt1"/>
-          </a:fontRef>
-        </p:style>
-        <p:txBody>
-          <a:bodyPr rtlCol="0" anchor="ctr"/>
-          <a:lstStyle/>
-          <a:p>
-            <a:pPr algn="ctr"/>
-            <a:endParaRPr lang="ko-KR" altLang="en-US"/>
-          </a:p>
-        </p:txBody>
-      </p:sp>
-      <p:sp>
-        <p:nvSpPr>
-          <p:cNvPr id="19" name="덧셈 기호 18"/>
-          <p:cNvSpPr/>
-          <p:nvPr/>
-        </p:nvSpPr>
-        <p:spPr>
-          <a:xfrm>
-            <a:off x="3428411" y="3602066"/>
-            <a:ext cx="216024" cy="216024"/>
-          </a:xfrm>
-          <a:prstGeom prst="mathPlus">
-            <a:avLst>
-              <a:gd name="adj1" fmla="val 12346"/>
-            </a:avLst>
-          </a:prstGeom>
-          <a:ln>
-            <a:noFill/>
-          </a:ln>
-        </p:spPr>
-        <p:style>
-          <a:lnRef idx="2">
-            <a:schemeClr val="accent1">
-              <a:shade val="50000"/>
-            </a:schemeClr>
-          </a:lnRef>
-          <a:fillRef idx="1">
-            <a:schemeClr val="accent1"/>
-          </a:fillRef>
-          <a:effectRef idx="0">
-            <a:schemeClr val="accent1"/>
-          </a:effectRef>
-          <a:fontRef idx="minor">
-            <a:schemeClr val="lt1"/>
-          </a:fontRef>
-        </p:style>
-        <p:txBody>
-          <a:bodyPr rtlCol="0" anchor="ctr"/>
-          <a:lstStyle/>
-          <a:p>
-            <a:pPr algn="ctr"/>
-            <a:endParaRPr lang="ko-KR" altLang="en-US"/>
-          </a:p>
-        </p:txBody>
-      </p:sp>
-      <p:sp>
-        <p:nvSpPr>
-          <p:cNvPr id="20" name="덧셈 기호 19"/>
-          <p:cNvSpPr/>
-          <p:nvPr/>
-        </p:nvSpPr>
-        <p:spPr>
-          <a:xfrm>
-            <a:off x="5168791" y="3602066"/>
-            <a:ext cx="216024" cy="216024"/>
-          </a:xfrm>
-          <a:prstGeom prst="mathPlus">
-            <a:avLst>
-              <a:gd name="adj1" fmla="val 12346"/>
-            </a:avLst>
-          </a:prstGeom>
-          <a:ln>
-            <a:noFill/>
-          </a:ln>
-        </p:spPr>
-        <p:style>
-          <a:lnRef idx="2">
-            <a:schemeClr val="accent1">
-              <a:shade val="50000"/>
-            </a:schemeClr>
-          </a:lnRef>
-          <a:fillRef idx="1">
-            <a:schemeClr val="accent1"/>
-          </a:fillRef>
-          <a:effectRef idx="0">
-            <a:schemeClr val="accent1"/>
-          </a:effectRef>
-          <a:fontRef idx="minor">
-            <a:schemeClr val="lt1"/>
-          </a:fontRef>
-        </p:style>
-        <p:txBody>
-          <a:bodyPr rtlCol="0" anchor="ctr"/>
-          <a:lstStyle/>
-          <a:p>
-            <a:pPr algn="ctr"/>
-            <a:endParaRPr lang="ko-KR" altLang="en-US"/>
-          </a:p>
-        </p:txBody>
-      </p:sp>
-      <p:sp>
-        <p:nvSpPr>
-          <p:cNvPr id="21" name="덧셈 기호 20"/>
-          <p:cNvSpPr/>
-          <p:nvPr/>
-        </p:nvSpPr>
-        <p:spPr>
-          <a:xfrm>
-            <a:off x="6910244" y="3602066"/>
-            <a:ext cx="216024" cy="216024"/>
-          </a:xfrm>
-          <a:prstGeom prst="mathPlus">
-            <a:avLst>
-              <a:gd name="adj1" fmla="val 12346"/>
-            </a:avLst>
-          </a:prstGeom>
-          <a:ln>
-            <a:noFill/>
-          </a:ln>
-        </p:spPr>
-        <p:style>
-          <a:lnRef idx="2">
-            <a:schemeClr val="accent1">
-              <a:shade val="50000"/>
-            </a:schemeClr>
-          </a:lnRef>
-          <a:fillRef idx="1">
-            <a:schemeClr val="accent1"/>
-          </a:fillRef>
-          <a:effectRef idx="0">
-            <a:schemeClr val="accent1"/>
-          </a:effectRef>
-          <a:fontRef idx="minor">
-            <a:schemeClr val="lt1"/>
-          </a:fontRef>
-        </p:style>
-        <p:txBody>
-          <a:bodyPr rtlCol="0" anchor="ctr"/>
-          <a:lstStyle/>
-          <a:p>
-            <a:pPr algn="ctr"/>
-            <a:endParaRPr lang="ko-KR" altLang="en-US"/>
-          </a:p>
-        </p:txBody>
-      </p:sp>
-      <p:sp>
-        <p:nvSpPr>
-          <p:cNvPr id="22" name="덧셈 기호 21"/>
-          <p:cNvSpPr/>
-          <p:nvPr/>
-        </p:nvSpPr>
-        <p:spPr>
-          <a:xfrm>
-            <a:off x="8667355" y="3602066"/>
-            <a:ext cx="216024" cy="216024"/>
-          </a:xfrm>
-          <a:prstGeom prst="mathPlus">
-            <a:avLst>
-              <a:gd name="adj1" fmla="val 12346"/>
-            </a:avLst>
-          </a:prstGeom>
-          <a:ln>
-            <a:noFill/>
-          </a:ln>
-        </p:spPr>
-        <p:style>
-          <a:lnRef idx="2">
-            <a:schemeClr val="accent1">
-              <a:shade val="50000"/>
-            </a:schemeClr>
-          </a:lnRef>
-          <a:fillRef idx="1">
-            <a:schemeClr val="accent1"/>
-          </a:fillRef>
-          <a:effectRef idx="0">
-            <a:schemeClr val="accent1"/>
-          </a:effectRef>
-          <a:fontRef idx="minor">
-            <a:schemeClr val="lt1"/>
-          </a:fontRef>
-        </p:style>
-        <p:txBody>
-          <a:bodyPr rtlCol="0" anchor="ctr"/>
-          <a:lstStyle/>
-          <a:p>
-            <a:pPr algn="ctr"/>
-            <a:endParaRPr lang="ko-KR" altLang="en-US"/>
-          </a:p>
-        </p:txBody>
-      </p:sp>
-      <p:sp>
-        <p:nvSpPr>
-          <p:cNvPr id="23" name="덧셈 기호 22"/>
-          <p:cNvSpPr/>
-          <p:nvPr/>
-        </p:nvSpPr>
-        <p:spPr>
-          <a:xfrm>
-            <a:off x="1883340" y="5193207"/>
-            <a:ext cx="216024" cy="216024"/>
-          </a:xfrm>
-          <a:prstGeom prst="mathPlus">
-            <a:avLst>
-              <a:gd name="adj1" fmla="val 12346"/>
-            </a:avLst>
-          </a:prstGeom>
-          <a:ln>
-            <a:noFill/>
-          </a:ln>
-        </p:spPr>
-        <p:style>
-          <a:lnRef idx="2">
-            <a:schemeClr val="accent1">
-              <a:shade val="50000"/>
-            </a:schemeClr>
-          </a:lnRef>
-          <a:fillRef idx="1">
-            <a:schemeClr val="accent1"/>
-          </a:fillRef>
-          <a:effectRef idx="0">
-            <a:schemeClr val="accent1"/>
-          </a:effectRef>
-          <a:fontRef idx="minor">
-            <a:schemeClr val="lt1"/>
-          </a:fontRef>
-        </p:style>
-        <p:txBody>
-          <a:bodyPr rtlCol="0" anchor="ctr"/>
-          <a:lstStyle/>
-          <a:p>
-            <a:pPr algn="ctr"/>
-            <a:endParaRPr lang="ko-KR" altLang="en-US"/>
-          </a:p>
-        </p:txBody>
-      </p:sp>
-      <p:sp>
-        <p:nvSpPr>
-          <p:cNvPr id="24" name="덧셈 기호 23"/>
-          <p:cNvSpPr/>
-          <p:nvPr/>
-        </p:nvSpPr>
-        <p:spPr>
-          <a:xfrm>
-            <a:off x="3624793" y="5193207"/>
-            <a:ext cx="216024" cy="216024"/>
-          </a:xfrm>
-          <a:prstGeom prst="mathPlus">
-            <a:avLst>
-              <a:gd name="adj1" fmla="val 12346"/>
-            </a:avLst>
-          </a:prstGeom>
-          <a:ln>
-            <a:noFill/>
-          </a:ln>
-        </p:spPr>
-        <p:style>
-          <a:lnRef idx="2">
-            <a:schemeClr val="accent1">
-              <a:shade val="50000"/>
-            </a:schemeClr>
-          </a:lnRef>
-          <a:fillRef idx="1">
-            <a:schemeClr val="accent1"/>
-          </a:fillRef>
-          <a:effectRef idx="0">
-            <a:schemeClr val="accent1"/>
-          </a:effectRef>
-          <a:fontRef idx="minor">
-            <a:schemeClr val="lt1"/>
-          </a:fontRef>
-        </p:style>
-        <p:txBody>
-          <a:bodyPr rtlCol="0" anchor="ctr"/>
-          <a:lstStyle/>
-          <a:p>
-            <a:pPr algn="ctr"/>
-            <a:endParaRPr lang="ko-KR" altLang="en-US"/>
-          </a:p>
-        </p:txBody>
-      </p:sp>
-      <p:sp>
-        <p:nvSpPr>
-          <p:cNvPr id="25" name="덧셈 기호 24"/>
-          <p:cNvSpPr/>
-          <p:nvPr/>
-        </p:nvSpPr>
-        <p:spPr>
-          <a:xfrm>
-            <a:off x="5365173" y="5193207"/>
-            <a:ext cx="216024" cy="216024"/>
-          </a:xfrm>
-          <a:prstGeom prst="mathPlus">
-            <a:avLst>
-              <a:gd name="adj1" fmla="val 12346"/>
-            </a:avLst>
-          </a:prstGeom>
-          <a:ln>
-            <a:noFill/>
-          </a:ln>
-        </p:spPr>
-        <p:style>
-          <a:lnRef idx="2">
-            <a:schemeClr val="accent1">
-              <a:shade val="50000"/>
-            </a:schemeClr>
-          </a:lnRef>
-          <a:fillRef idx="1">
-            <a:schemeClr val="accent1"/>
-          </a:fillRef>
-          <a:effectRef idx="0">
-            <a:schemeClr val="accent1"/>
-          </a:effectRef>
-          <a:fontRef idx="minor">
-            <a:schemeClr val="lt1"/>
-          </a:fontRef>
-        </p:style>
-        <p:txBody>
-          <a:bodyPr rtlCol="0" anchor="ctr"/>
-          <a:lstStyle/>
-          <a:p>
-            <a:pPr algn="ctr"/>
-            <a:endParaRPr lang="ko-KR" altLang="en-US"/>
-          </a:p>
-        </p:txBody>
-      </p:sp>
-      <p:sp>
-        <p:nvSpPr>
-          <p:cNvPr id="26" name="덧셈 기호 25"/>
-          <p:cNvSpPr/>
-          <p:nvPr/>
-        </p:nvSpPr>
-        <p:spPr>
-          <a:xfrm>
-            <a:off x="7106626" y="5193207"/>
-            <a:ext cx="216024" cy="216024"/>
-          </a:xfrm>
-          <a:prstGeom prst="mathPlus">
-            <a:avLst>
-              <a:gd name="adj1" fmla="val 12346"/>
-            </a:avLst>
-          </a:prstGeom>
-          <a:ln>
-            <a:noFill/>
-          </a:ln>
-        </p:spPr>
-        <p:style>
-          <a:lnRef idx="2">
-            <a:schemeClr val="accent1">
-              <a:shade val="50000"/>
-            </a:schemeClr>
-          </a:lnRef>
-          <a:fillRef idx="1">
-            <a:schemeClr val="accent1"/>
-          </a:fillRef>
-          <a:effectRef idx="0">
-            <a:schemeClr val="accent1"/>
-          </a:effectRef>
-          <a:fontRef idx="minor">
-            <a:schemeClr val="lt1"/>
-          </a:fontRef>
-        </p:style>
-        <p:txBody>
-          <a:bodyPr rtlCol="0" anchor="ctr"/>
-          <a:lstStyle/>
-          <a:p>
-            <a:pPr algn="ctr"/>
-            <a:endParaRPr lang="ko-KR" altLang="en-US"/>
-          </a:p>
-        </p:txBody>
-      </p:sp>
-      <p:sp>
-        <p:nvSpPr>
-          <p:cNvPr id="9" name="등호 8"/>
-          <p:cNvSpPr/>
-          <p:nvPr/>
-        </p:nvSpPr>
-        <p:spPr>
-          <a:xfrm>
-            <a:off x="5787786" y="967324"/>
-            <a:ext cx="914400" cy="914400"/>
-          </a:xfrm>
-          <a:prstGeom prst="mathEqual">
-            <a:avLst>
-              <a:gd name="adj1" fmla="val 13143"/>
-              <a:gd name="adj2" fmla="val 11760"/>
-            </a:avLst>
-          </a:prstGeom>
-          <a:ln>
-            <a:noFill/>
-          </a:ln>
-        </p:spPr>
-        <p:style>
-          <a:lnRef idx="2">
-            <a:schemeClr val="accent1">
-              <a:shade val="50000"/>
-            </a:schemeClr>
-          </a:lnRef>
-          <a:fillRef idx="1">
-            <a:schemeClr val="accent1"/>
-          </a:fillRef>
-          <a:effectRef idx="0">
-            <a:schemeClr val="accent1"/>
-          </a:effectRef>
-          <a:fontRef idx="minor">
-            <a:schemeClr val="lt1"/>
-          </a:fontRef>
-        </p:style>
-        <p:txBody>
-          <a:bodyPr rtlCol="0" anchor="ctr"/>
-          <a:lstStyle/>
-          <a:p>
-            <a:pPr algn="ctr"/>
-            <a:endParaRPr lang="ko-KR" altLang="en-US">
-              <a:solidFill>
-                <a:schemeClr val="tx1"/>
-              </a:solidFill>
-            </a:endParaRPr>
-          </a:p>
-        </p:txBody>
-      </p:sp>
     </p:spTree>
     <p:extLst>
       <p:ext uri="{BB962C8B-B14F-4D97-AF65-F5344CB8AC3E}">

--- a/pics/2019-06-18-Discrete_Time_Convolution/pics.pptx
+++ b/pics/2019-06-18-Discrete_Time_Convolution/pics.pptx
@@ -8,6 +8,8 @@
     <p:sldId id="257" r:id="rId2"/>
     <p:sldId id="256" r:id="rId3"/>
     <p:sldId id="258" r:id="rId4"/>
+    <p:sldId id="259" r:id="rId5"/>
+    <p:sldId id="260" r:id="rId6"/>
   </p:sldIdLst>
   <p:sldSz cx="9144000" cy="6858000" type="screen4x3"/>
   <p:notesSz cx="6858000" cy="9144000"/>
@@ -290,7 +292,7 @@
           <a:p>
             <a:fld id="{FB30EDBD-1C2D-4C1E-B459-B60219FAB484}" type="datetimeFigureOut">
               <a:rPr lang="ko-KR" altLang="en-US" smtClean="0"/>
-              <a:t>2022-01-12</a:t>
+              <a:t>2022-01-13</a:t>
             </a:fld>
             <a:endParaRPr lang="ko-KR" altLang="en-US"/>
           </a:p>
@@ -455,7 +457,7 @@
           <a:p>
             <a:fld id="{FB30EDBD-1C2D-4C1E-B459-B60219FAB484}" type="datetimeFigureOut">
               <a:rPr lang="ko-KR" altLang="en-US" smtClean="0"/>
-              <a:t>2022-01-12</a:t>
+              <a:t>2022-01-13</a:t>
             </a:fld>
             <a:endParaRPr lang="ko-KR" altLang="en-US"/>
           </a:p>
@@ -630,7 +632,7 @@
           <a:p>
             <a:fld id="{FB30EDBD-1C2D-4C1E-B459-B60219FAB484}" type="datetimeFigureOut">
               <a:rPr lang="ko-KR" altLang="en-US" smtClean="0"/>
-              <a:t>2022-01-12</a:t>
+              <a:t>2022-01-13</a:t>
             </a:fld>
             <a:endParaRPr lang="ko-KR" altLang="en-US"/>
           </a:p>
@@ -795,7 +797,7 @@
           <a:p>
             <a:fld id="{FB30EDBD-1C2D-4C1E-B459-B60219FAB484}" type="datetimeFigureOut">
               <a:rPr lang="ko-KR" altLang="en-US" smtClean="0"/>
-              <a:t>2022-01-12</a:t>
+              <a:t>2022-01-13</a:t>
             </a:fld>
             <a:endParaRPr lang="ko-KR" altLang="en-US"/>
           </a:p>
@@ -1036,7 +1038,7 @@
           <a:p>
             <a:fld id="{FB30EDBD-1C2D-4C1E-B459-B60219FAB484}" type="datetimeFigureOut">
               <a:rPr lang="ko-KR" altLang="en-US" smtClean="0"/>
-              <a:t>2022-01-12</a:t>
+              <a:t>2022-01-13</a:t>
             </a:fld>
             <a:endParaRPr lang="ko-KR" altLang="en-US"/>
           </a:p>
@@ -1319,7 +1321,7 @@
           <a:p>
             <a:fld id="{FB30EDBD-1C2D-4C1E-B459-B60219FAB484}" type="datetimeFigureOut">
               <a:rPr lang="ko-KR" altLang="en-US" smtClean="0"/>
-              <a:t>2022-01-12</a:t>
+              <a:t>2022-01-13</a:t>
             </a:fld>
             <a:endParaRPr lang="ko-KR" altLang="en-US"/>
           </a:p>
@@ -1736,7 +1738,7 @@
           <a:p>
             <a:fld id="{FB30EDBD-1C2D-4C1E-B459-B60219FAB484}" type="datetimeFigureOut">
               <a:rPr lang="ko-KR" altLang="en-US" smtClean="0"/>
-              <a:t>2022-01-12</a:t>
+              <a:t>2022-01-13</a:t>
             </a:fld>
             <a:endParaRPr lang="ko-KR" altLang="en-US"/>
           </a:p>
@@ -1849,7 +1851,7 @@
           <a:p>
             <a:fld id="{FB30EDBD-1C2D-4C1E-B459-B60219FAB484}" type="datetimeFigureOut">
               <a:rPr lang="ko-KR" altLang="en-US" smtClean="0"/>
-              <a:t>2022-01-12</a:t>
+              <a:t>2022-01-13</a:t>
             </a:fld>
             <a:endParaRPr lang="ko-KR" altLang="en-US"/>
           </a:p>
@@ -1939,7 +1941,7 @@
           <a:p>
             <a:fld id="{FB30EDBD-1C2D-4C1E-B459-B60219FAB484}" type="datetimeFigureOut">
               <a:rPr lang="ko-KR" altLang="en-US" smtClean="0"/>
-              <a:t>2022-01-12</a:t>
+              <a:t>2022-01-13</a:t>
             </a:fld>
             <a:endParaRPr lang="ko-KR" altLang="en-US"/>
           </a:p>
@@ -2211,7 +2213,7 @@
           <a:p>
             <a:fld id="{FB30EDBD-1C2D-4C1E-B459-B60219FAB484}" type="datetimeFigureOut">
               <a:rPr lang="ko-KR" altLang="en-US" smtClean="0"/>
-              <a:t>2022-01-12</a:t>
+              <a:t>2022-01-13</a:t>
             </a:fld>
             <a:endParaRPr lang="ko-KR" altLang="en-US"/>
           </a:p>
@@ -2459,7 +2461,7 @@
           <a:p>
             <a:fld id="{FB30EDBD-1C2D-4C1E-B459-B60219FAB484}" type="datetimeFigureOut">
               <a:rPr lang="ko-KR" altLang="en-US" smtClean="0"/>
-              <a:t>2022-01-12</a:t>
+              <a:t>2022-01-13</a:t>
             </a:fld>
             <a:endParaRPr lang="ko-KR" altLang="en-US"/>
           </a:p>
@@ -2667,7 +2669,7 @@
           <a:p>
             <a:fld id="{FB30EDBD-1C2D-4C1E-B459-B60219FAB484}" type="datetimeFigureOut">
               <a:rPr lang="ko-KR" altLang="en-US" smtClean="0"/>
-              <a:t>2022-01-12</a:t>
+              <a:t>2022-01-13</a:t>
             </a:fld>
             <a:endParaRPr lang="ko-KR" altLang="en-US"/>
           </a:p>
@@ -3302,6 +3304,4252 @@
 </p:sld>
 </file>
 
+<file path=ppt/slides/slide4.xml><?xml version="1.0" encoding="utf-8"?>
+<p:sld xmlns:a="http://schemas.openxmlformats.org/drawingml/2006/main" xmlns:r="http://schemas.openxmlformats.org/officeDocument/2006/relationships" xmlns:p="http://schemas.openxmlformats.org/presentationml/2006/main">
+  <p:cSld>
+    <p:spTree>
+      <p:nvGrpSpPr>
+        <p:cNvPr id="1" name=""/>
+        <p:cNvGrpSpPr/>
+        <p:nvPr/>
+      </p:nvGrpSpPr>
+      <p:grpSpPr>
+        <a:xfrm>
+          <a:off x="0" y="0"/>
+          <a:ext cx="0" cy="0"/>
+          <a:chOff x="0" y="0"/>
+          <a:chExt cx="0" cy="0"/>
+        </a:xfrm>
+      </p:grpSpPr>
+      <p:sp>
+        <p:nvSpPr>
+          <p:cNvPr id="4" name="직사각형 3"/>
+          <p:cNvSpPr/>
+          <p:nvPr/>
+        </p:nvSpPr>
+        <p:spPr>
+          <a:xfrm>
+            <a:off x="1812650" y="908162"/>
+            <a:ext cx="1296144" cy="360040"/>
+          </a:xfrm>
+          <a:prstGeom prst="rect">
+            <a:avLst/>
+          </a:prstGeom>
+          <a:solidFill>
+            <a:schemeClr val="bg1"/>
+          </a:solidFill>
+          <a:ln>
+            <a:solidFill>
+              <a:schemeClr val="tx1"/>
+            </a:solidFill>
+          </a:ln>
+        </p:spPr>
+        <p:style>
+          <a:lnRef idx="2">
+            <a:schemeClr val="accent1">
+              <a:shade val="50000"/>
+            </a:schemeClr>
+          </a:lnRef>
+          <a:fillRef idx="1">
+            <a:schemeClr val="accent1"/>
+          </a:fillRef>
+          <a:effectRef idx="0">
+            <a:schemeClr val="accent1"/>
+          </a:effectRef>
+          <a:fontRef idx="minor">
+            <a:schemeClr val="lt1"/>
+          </a:fontRef>
+        </p:style>
+        <p:txBody>
+          <a:bodyPr rtlCol="0" anchor="ctr"/>
+          <a:lstStyle/>
+          <a:p>
+            <a:pPr algn="ctr"/>
+            <a:endParaRPr lang="ko-KR" altLang="en-US"/>
+          </a:p>
+        </p:txBody>
+      </p:sp>
+      <mc:AlternateContent xmlns:mc="http://schemas.openxmlformats.org/markup-compatibility/2006">
+        <mc:Choice xmlns:a14="http://schemas.microsoft.com/office/drawing/2010/main" Requires="a14">
+          <p:sp>
+            <p:nvSpPr>
+              <p:cNvPr id="5" name="TextBox 4"/>
+              <p:cNvSpPr txBox="1"/>
+              <p:nvPr/>
+            </p:nvSpPr>
+            <p:spPr>
+              <a:xfrm>
+                <a:off x="732530" y="903516"/>
+                <a:ext cx="694164" cy="369332"/>
+              </a:xfrm>
+              <a:prstGeom prst="rect">
+                <a:avLst/>
+              </a:prstGeom>
+              <a:noFill/>
+            </p:spPr>
+            <p:txBody>
+              <a:bodyPr wrap="none" rtlCol="0">
+                <a:spAutoFit/>
+              </a:bodyPr>
+              <a:lstStyle/>
+              <a:p>
+                <a14:m>
+                  <m:oMathPara xmlns:m="http://schemas.openxmlformats.org/officeDocument/2006/math">
+                    <m:oMathParaPr>
+                      <m:jc m:val="centerGroup"/>
+                    </m:oMathParaPr>
+                    <m:oMath xmlns:m="http://schemas.openxmlformats.org/officeDocument/2006/math">
+                      <m:r>
+                        <a:rPr lang="en-US" altLang="ko-KR" b="0" i="1" smtClean="0">
+                          <a:latin typeface="Cambria Math"/>
+                        </a:rPr>
+                        <m:t>𝑥</m:t>
+                      </m:r>
+                      <m:r>
+                        <a:rPr lang="en-US" altLang="ko-KR" b="0" i="1" smtClean="0">
+                          <a:latin typeface="Cambria Math"/>
+                        </a:rPr>
+                        <m:t>[</m:t>
+                      </m:r>
+                      <m:r>
+                        <a:rPr lang="en-US" altLang="ko-KR" b="0" i="1" smtClean="0">
+                          <a:latin typeface="Cambria Math"/>
+                        </a:rPr>
+                        <m:t>𝑛</m:t>
+                      </m:r>
+                      <m:r>
+                        <a:rPr lang="en-US" altLang="ko-KR" b="0" i="1" smtClean="0">
+                          <a:latin typeface="Cambria Math"/>
+                        </a:rPr>
+                        <m:t>]</m:t>
+                      </m:r>
+                    </m:oMath>
+                  </m:oMathPara>
+                </a14:m>
+                <a:endParaRPr lang="ko-KR" altLang="en-US" dirty="0"/>
+              </a:p>
+            </p:txBody>
+          </p:sp>
+        </mc:Choice>
+        <mc:Fallback>
+          <p:sp>
+            <p:nvSpPr>
+              <p:cNvPr id="5" name="TextBox 4"/>
+              <p:cNvSpPr txBox="1">
+                <a:spLocks noRot="1" noChangeAspect="1" noMove="1" noResize="1" noEditPoints="1" noAdjustHandles="1" noChangeArrowheads="1" noChangeShapeType="1" noTextEdit="1"/>
+              </p:cNvSpPr>
+              <p:nvPr/>
+            </p:nvSpPr>
+            <p:spPr>
+              <a:xfrm>
+                <a:off x="732530" y="903516"/>
+                <a:ext cx="694164" cy="369332"/>
+              </a:xfrm>
+              <a:prstGeom prst="rect">
+                <a:avLst/>
+              </a:prstGeom>
+              <a:blipFill rotWithShape="1">
+                <a:blip r:embed="rId2"/>
+                <a:stretch>
+                  <a:fillRect b="-18033"/>
+                </a:stretch>
+              </a:blipFill>
+            </p:spPr>
+            <p:txBody>
+              <a:bodyPr/>
+              <a:lstStyle/>
+              <a:p>
+                <a:r>
+                  <a:rPr lang="ko-KR" altLang="en-US">
+                    <a:noFill/>
+                  </a:rPr>
+                  <a:t> </a:t>
+                </a:r>
+              </a:p>
+            </p:txBody>
+          </p:sp>
+        </mc:Fallback>
+      </mc:AlternateContent>
+      <mc:AlternateContent xmlns:mc="http://schemas.openxmlformats.org/markup-compatibility/2006">
+        <mc:Choice xmlns:a14="http://schemas.microsoft.com/office/drawing/2010/main" Requires="a14">
+          <p:sp>
+            <p:nvSpPr>
+              <p:cNvPr id="6" name="TextBox 5"/>
+              <p:cNvSpPr txBox="1"/>
+              <p:nvPr/>
+            </p:nvSpPr>
+            <p:spPr>
+              <a:xfrm>
+                <a:off x="3540842" y="903516"/>
+                <a:ext cx="694164" cy="369332"/>
+              </a:xfrm>
+              <a:prstGeom prst="rect">
+                <a:avLst/>
+              </a:prstGeom>
+              <a:noFill/>
+            </p:spPr>
+            <p:txBody>
+              <a:bodyPr wrap="none" rtlCol="0">
+                <a:spAutoFit/>
+              </a:bodyPr>
+              <a:lstStyle/>
+              <a:p>
+                <a14:m>
+                  <m:oMathPara xmlns:m="http://schemas.openxmlformats.org/officeDocument/2006/math">
+                    <m:oMathParaPr>
+                      <m:jc m:val="centerGroup"/>
+                    </m:oMathParaPr>
+                    <m:oMath xmlns:m="http://schemas.openxmlformats.org/officeDocument/2006/math">
+                      <m:r>
+                        <a:rPr lang="en-US" altLang="ko-KR" b="0" i="1" smtClean="0">
+                          <a:latin typeface="Cambria Math"/>
+                        </a:rPr>
+                        <m:t>𝑦</m:t>
+                      </m:r>
+                      <m:r>
+                        <a:rPr lang="en-US" altLang="ko-KR" b="0" i="1" smtClean="0">
+                          <a:latin typeface="Cambria Math"/>
+                        </a:rPr>
+                        <m:t>[</m:t>
+                      </m:r>
+                      <m:r>
+                        <a:rPr lang="en-US" altLang="ko-KR" b="0" i="1" smtClean="0">
+                          <a:latin typeface="Cambria Math"/>
+                        </a:rPr>
+                        <m:t>𝑛</m:t>
+                      </m:r>
+                      <m:r>
+                        <a:rPr lang="en-US" altLang="ko-KR" b="0" i="1" smtClean="0">
+                          <a:latin typeface="Cambria Math"/>
+                        </a:rPr>
+                        <m:t>]</m:t>
+                      </m:r>
+                    </m:oMath>
+                  </m:oMathPara>
+                </a14:m>
+                <a:endParaRPr lang="ko-KR" altLang="en-US" dirty="0"/>
+              </a:p>
+            </p:txBody>
+          </p:sp>
+        </mc:Choice>
+        <mc:Fallback>
+          <p:sp>
+            <p:nvSpPr>
+              <p:cNvPr id="6" name="TextBox 5"/>
+              <p:cNvSpPr txBox="1">
+                <a:spLocks noRot="1" noChangeAspect="1" noMove="1" noResize="1" noEditPoints="1" noAdjustHandles="1" noChangeArrowheads="1" noChangeShapeType="1" noTextEdit="1"/>
+              </p:cNvSpPr>
+              <p:nvPr/>
+            </p:nvSpPr>
+            <p:spPr>
+              <a:xfrm>
+                <a:off x="3540842" y="903516"/>
+                <a:ext cx="694164" cy="369332"/>
+              </a:xfrm>
+              <a:prstGeom prst="rect">
+                <a:avLst/>
+              </a:prstGeom>
+              <a:blipFill rotWithShape="1">
+                <a:blip r:embed="rId3"/>
+                <a:stretch>
+                  <a:fillRect b="-18033"/>
+                </a:stretch>
+              </a:blipFill>
+            </p:spPr>
+            <p:txBody>
+              <a:bodyPr/>
+              <a:lstStyle/>
+              <a:p>
+                <a:r>
+                  <a:rPr lang="ko-KR" altLang="en-US">
+                    <a:noFill/>
+                  </a:rPr>
+                  <a:t> </a:t>
+                </a:r>
+              </a:p>
+            </p:txBody>
+          </p:sp>
+        </mc:Fallback>
+      </mc:AlternateContent>
+      <mc:AlternateContent xmlns:mc="http://schemas.openxmlformats.org/markup-compatibility/2006">
+        <mc:Choice xmlns:a14="http://schemas.microsoft.com/office/drawing/2010/main" Requires="a14">
+          <p:sp>
+            <p:nvSpPr>
+              <p:cNvPr id="7" name="TextBox 6"/>
+              <p:cNvSpPr txBox="1"/>
+              <p:nvPr/>
+            </p:nvSpPr>
+            <p:spPr>
+              <a:xfrm>
+                <a:off x="2113640" y="903516"/>
+                <a:ext cx="694164" cy="369332"/>
+              </a:xfrm>
+              <a:prstGeom prst="rect">
+                <a:avLst/>
+              </a:prstGeom>
+              <a:noFill/>
+            </p:spPr>
+            <p:txBody>
+              <a:bodyPr wrap="none" rtlCol="0">
+                <a:spAutoFit/>
+              </a:bodyPr>
+              <a:lstStyle/>
+              <a:p>
+                <a14:m>
+                  <m:oMathPara xmlns:m="http://schemas.openxmlformats.org/officeDocument/2006/math">
+                    <m:oMathParaPr>
+                      <m:jc m:val="centerGroup"/>
+                    </m:oMathParaPr>
+                    <m:oMath xmlns:m="http://schemas.openxmlformats.org/officeDocument/2006/math">
+                      <m:r>
+                        <a:rPr lang="en-US" altLang="ko-KR" b="0" i="1" smtClean="0">
+                          <a:latin typeface="Cambria Math"/>
+                        </a:rPr>
+                        <m:t>h</m:t>
+                      </m:r>
+                      <m:r>
+                        <a:rPr lang="en-US" altLang="ko-KR" b="0" i="1" smtClean="0">
+                          <a:latin typeface="Cambria Math"/>
+                        </a:rPr>
+                        <m:t>[</m:t>
+                      </m:r>
+                      <m:r>
+                        <a:rPr lang="en-US" altLang="ko-KR" b="0" i="1" smtClean="0">
+                          <a:latin typeface="Cambria Math"/>
+                        </a:rPr>
+                        <m:t>𝑛</m:t>
+                      </m:r>
+                      <m:r>
+                        <a:rPr lang="en-US" altLang="ko-KR" b="0" i="1" smtClean="0">
+                          <a:latin typeface="Cambria Math"/>
+                        </a:rPr>
+                        <m:t>]</m:t>
+                      </m:r>
+                    </m:oMath>
+                  </m:oMathPara>
+                </a14:m>
+                <a:endParaRPr lang="ko-KR" altLang="en-US" dirty="0"/>
+              </a:p>
+            </p:txBody>
+          </p:sp>
+        </mc:Choice>
+        <mc:Fallback>
+          <p:sp>
+            <p:nvSpPr>
+              <p:cNvPr id="7" name="TextBox 6"/>
+              <p:cNvSpPr txBox="1">
+                <a:spLocks noRot="1" noChangeAspect="1" noMove="1" noResize="1" noEditPoints="1" noAdjustHandles="1" noChangeArrowheads="1" noChangeShapeType="1" noTextEdit="1"/>
+              </p:cNvSpPr>
+              <p:nvPr/>
+            </p:nvSpPr>
+            <p:spPr>
+              <a:xfrm>
+                <a:off x="2113640" y="903516"/>
+                <a:ext cx="694164" cy="369332"/>
+              </a:xfrm>
+              <a:prstGeom prst="rect">
+                <a:avLst/>
+              </a:prstGeom>
+              <a:blipFill rotWithShape="1">
+                <a:blip r:embed="rId4"/>
+                <a:stretch>
+                  <a:fillRect b="-18033"/>
+                </a:stretch>
+              </a:blipFill>
+            </p:spPr>
+            <p:txBody>
+              <a:bodyPr/>
+              <a:lstStyle/>
+              <a:p>
+                <a:r>
+                  <a:rPr lang="ko-KR" altLang="en-US">
+                    <a:noFill/>
+                  </a:rPr>
+                  <a:t> </a:t>
+                </a:r>
+              </a:p>
+            </p:txBody>
+          </p:sp>
+        </mc:Fallback>
+      </mc:AlternateContent>
+      <p:cxnSp>
+        <p:nvCxnSpPr>
+          <p:cNvPr id="9" name="직선 화살표 연결선 8"/>
+          <p:cNvCxnSpPr/>
+          <p:nvPr/>
+        </p:nvCxnSpPr>
+        <p:spPr>
+          <a:xfrm>
+            <a:off x="1308594" y="1088182"/>
+            <a:ext cx="504056" cy="0"/>
+          </a:xfrm>
+          <a:prstGeom prst="straightConnector1">
+            <a:avLst/>
+          </a:prstGeom>
+          <a:ln w="19050">
+            <a:solidFill>
+              <a:schemeClr val="tx1"/>
+            </a:solidFill>
+            <a:tailEnd type="arrow"/>
+          </a:ln>
+        </p:spPr>
+        <p:style>
+          <a:lnRef idx="1">
+            <a:schemeClr val="accent1"/>
+          </a:lnRef>
+          <a:fillRef idx="0">
+            <a:schemeClr val="accent1"/>
+          </a:fillRef>
+          <a:effectRef idx="0">
+            <a:schemeClr val="accent1"/>
+          </a:effectRef>
+          <a:fontRef idx="minor">
+            <a:schemeClr val="tx1"/>
+          </a:fontRef>
+        </p:style>
+      </p:cxnSp>
+      <p:cxnSp>
+        <p:nvCxnSpPr>
+          <p:cNvPr id="13" name="직선 화살표 연결선 12"/>
+          <p:cNvCxnSpPr/>
+          <p:nvPr/>
+        </p:nvCxnSpPr>
+        <p:spPr>
+          <a:xfrm>
+            <a:off x="3108794" y="1088182"/>
+            <a:ext cx="504056" cy="0"/>
+          </a:xfrm>
+          <a:prstGeom prst="straightConnector1">
+            <a:avLst/>
+          </a:prstGeom>
+          <a:ln w="19050">
+            <a:solidFill>
+              <a:schemeClr val="tx1"/>
+            </a:solidFill>
+            <a:tailEnd type="arrow"/>
+          </a:ln>
+        </p:spPr>
+        <p:style>
+          <a:lnRef idx="1">
+            <a:schemeClr val="accent1"/>
+          </a:lnRef>
+          <a:fillRef idx="0">
+            <a:schemeClr val="accent1"/>
+          </a:fillRef>
+          <a:effectRef idx="0">
+            <a:schemeClr val="accent1"/>
+          </a:effectRef>
+          <a:fontRef idx="minor">
+            <a:schemeClr val="tx1"/>
+          </a:fontRef>
+        </p:style>
+      </p:cxnSp>
+      <p:sp>
+        <p:nvSpPr>
+          <p:cNvPr id="14" name="직사각형 13"/>
+          <p:cNvSpPr/>
+          <p:nvPr/>
+        </p:nvSpPr>
+        <p:spPr>
+          <a:xfrm>
+            <a:off x="5989114" y="908162"/>
+            <a:ext cx="1296144" cy="360040"/>
+          </a:xfrm>
+          <a:prstGeom prst="rect">
+            <a:avLst/>
+          </a:prstGeom>
+          <a:solidFill>
+            <a:schemeClr val="bg1"/>
+          </a:solidFill>
+          <a:ln>
+            <a:solidFill>
+              <a:schemeClr val="tx1"/>
+            </a:solidFill>
+          </a:ln>
+        </p:spPr>
+        <p:style>
+          <a:lnRef idx="2">
+            <a:schemeClr val="accent1">
+              <a:shade val="50000"/>
+            </a:schemeClr>
+          </a:lnRef>
+          <a:fillRef idx="1">
+            <a:schemeClr val="accent1"/>
+          </a:fillRef>
+          <a:effectRef idx="0">
+            <a:schemeClr val="accent1"/>
+          </a:effectRef>
+          <a:fontRef idx="minor">
+            <a:schemeClr val="lt1"/>
+          </a:fontRef>
+        </p:style>
+        <p:txBody>
+          <a:bodyPr rtlCol="0" anchor="ctr"/>
+          <a:lstStyle/>
+          <a:p>
+            <a:pPr algn="ctr"/>
+            <a:endParaRPr lang="ko-KR" altLang="en-US"/>
+          </a:p>
+        </p:txBody>
+      </p:sp>
+      <mc:AlternateContent xmlns:mc="http://schemas.openxmlformats.org/markup-compatibility/2006">
+        <mc:Choice xmlns:a14="http://schemas.microsoft.com/office/drawing/2010/main" Requires="a14">
+          <p:sp>
+            <p:nvSpPr>
+              <p:cNvPr id="15" name="TextBox 14"/>
+              <p:cNvSpPr txBox="1"/>
+              <p:nvPr/>
+            </p:nvSpPr>
+            <p:spPr>
+              <a:xfrm>
+                <a:off x="4908994" y="903516"/>
+                <a:ext cx="694164" cy="369332"/>
+              </a:xfrm>
+              <a:prstGeom prst="rect">
+                <a:avLst/>
+              </a:prstGeom>
+              <a:noFill/>
+            </p:spPr>
+            <p:txBody>
+              <a:bodyPr wrap="none" rtlCol="0">
+                <a:spAutoFit/>
+              </a:bodyPr>
+              <a:lstStyle/>
+              <a:p>
+                <a14:m>
+                  <m:oMathPara xmlns:m="http://schemas.openxmlformats.org/officeDocument/2006/math">
+                    <m:oMathParaPr>
+                      <m:jc m:val="centerGroup"/>
+                    </m:oMathParaPr>
+                    <m:oMath xmlns:m="http://schemas.openxmlformats.org/officeDocument/2006/math">
+                      <m:r>
+                        <a:rPr lang="en-US" altLang="ko-KR" b="0" i="1" smtClean="0">
+                          <a:latin typeface="Cambria Math"/>
+                        </a:rPr>
+                        <m:t>h</m:t>
+                      </m:r>
+                      <m:r>
+                        <a:rPr lang="en-US" altLang="ko-KR" b="0" i="1" smtClean="0">
+                          <a:latin typeface="Cambria Math"/>
+                        </a:rPr>
+                        <m:t>[</m:t>
+                      </m:r>
+                      <m:r>
+                        <a:rPr lang="en-US" altLang="ko-KR" b="0" i="1" smtClean="0">
+                          <a:latin typeface="Cambria Math"/>
+                        </a:rPr>
+                        <m:t>𝑛</m:t>
+                      </m:r>
+                      <m:r>
+                        <a:rPr lang="en-US" altLang="ko-KR" b="0" i="1" smtClean="0">
+                          <a:latin typeface="Cambria Math"/>
+                        </a:rPr>
+                        <m:t>]</m:t>
+                      </m:r>
+                    </m:oMath>
+                  </m:oMathPara>
+                </a14:m>
+                <a:endParaRPr lang="ko-KR" altLang="en-US" dirty="0"/>
+              </a:p>
+            </p:txBody>
+          </p:sp>
+        </mc:Choice>
+        <mc:Fallback>
+          <p:sp>
+            <p:nvSpPr>
+              <p:cNvPr id="15" name="TextBox 14"/>
+              <p:cNvSpPr txBox="1">
+                <a:spLocks noRot="1" noChangeAspect="1" noMove="1" noResize="1" noEditPoints="1" noAdjustHandles="1" noChangeArrowheads="1" noChangeShapeType="1" noTextEdit="1"/>
+              </p:cNvSpPr>
+              <p:nvPr/>
+            </p:nvSpPr>
+            <p:spPr>
+              <a:xfrm>
+                <a:off x="4908994" y="903516"/>
+                <a:ext cx="694164" cy="369332"/>
+              </a:xfrm>
+              <a:prstGeom prst="rect">
+                <a:avLst/>
+              </a:prstGeom>
+              <a:blipFill rotWithShape="1">
+                <a:blip r:embed="rId5"/>
+                <a:stretch>
+                  <a:fillRect b="-18033"/>
+                </a:stretch>
+              </a:blipFill>
+            </p:spPr>
+            <p:txBody>
+              <a:bodyPr/>
+              <a:lstStyle/>
+              <a:p>
+                <a:r>
+                  <a:rPr lang="ko-KR" altLang="en-US">
+                    <a:noFill/>
+                  </a:rPr>
+                  <a:t> </a:t>
+                </a:r>
+              </a:p>
+            </p:txBody>
+          </p:sp>
+        </mc:Fallback>
+      </mc:AlternateContent>
+      <mc:AlternateContent xmlns:mc="http://schemas.openxmlformats.org/markup-compatibility/2006">
+        <mc:Choice xmlns:a14="http://schemas.microsoft.com/office/drawing/2010/main" Requires="a14">
+          <p:sp>
+            <p:nvSpPr>
+              <p:cNvPr id="16" name="TextBox 15"/>
+              <p:cNvSpPr txBox="1"/>
+              <p:nvPr/>
+            </p:nvSpPr>
+            <p:spPr>
+              <a:xfrm>
+                <a:off x="7717306" y="903516"/>
+                <a:ext cx="694164" cy="369332"/>
+              </a:xfrm>
+              <a:prstGeom prst="rect">
+                <a:avLst/>
+              </a:prstGeom>
+              <a:noFill/>
+            </p:spPr>
+            <p:txBody>
+              <a:bodyPr wrap="none" rtlCol="0">
+                <a:spAutoFit/>
+              </a:bodyPr>
+              <a:lstStyle/>
+              <a:p>
+                <a14:m>
+                  <m:oMathPara xmlns:m="http://schemas.openxmlformats.org/officeDocument/2006/math">
+                    <m:oMathParaPr>
+                      <m:jc m:val="centerGroup"/>
+                    </m:oMathParaPr>
+                    <m:oMath xmlns:m="http://schemas.openxmlformats.org/officeDocument/2006/math">
+                      <m:r>
+                        <a:rPr lang="en-US" altLang="ko-KR" b="0" i="1" smtClean="0">
+                          <a:latin typeface="Cambria Math"/>
+                        </a:rPr>
+                        <m:t>𝑦</m:t>
+                      </m:r>
+                      <m:r>
+                        <a:rPr lang="en-US" altLang="ko-KR" b="0" i="1" smtClean="0">
+                          <a:latin typeface="Cambria Math"/>
+                        </a:rPr>
+                        <m:t>[</m:t>
+                      </m:r>
+                      <m:r>
+                        <a:rPr lang="en-US" altLang="ko-KR" b="0" i="1" smtClean="0">
+                          <a:latin typeface="Cambria Math"/>
+                        </a:rPr>
+                        <m:t>𝑛</m:t>
+                      </m:r>
+                      <m:r>
+                        <a:rPr lang="en-US" altLang="ko-KR" b="0" i="1" smtClean="0">
+                          <a:latin typeface="Cambria Math"/>
+                        </a:rPr>
+                        <m:t>]</m:t>
+                      </m:r>
+                    </m:oMath>
+                  </m:oMathPara>
+                </a14:m>
+                <a:endParaRPr lang="ko-KR" altLang="en-US" dirty="0"/>
+              </a:p>
+            </p:txBody>
+          </p:sp>
+        </mc:Choice>
+        <mc:Fallback>
+          <p:sp>
+            <p:nvSpPr>
+              <p:cNvPr id="16" name="TextBox 15"/>
+              <p:cNvSpPr txBox="1">
+                <a:spLocks noRot="1" noChangeAspect="1" noMove="1" noResize="1" noEditPoints="1" noAdjustHandles="1" noChangeArrowheads="1" noChangeShapeType="1" noTextEdit="1"/>
+              </p:cNvSpPr>
+              <p:nvPr/>
+            </p:nvSpPr>
+            <p:spPr>
+              <a:xfrm>
+                <a:off x="7717306" y="903516"/>
+                <a:ext cx="694164" cy="369332"/>
+              </a:xfrm>
+              <a:prstGeom prst="rect">
+                <a:avLst/>
+              </a:prstGeom>
+              <a:blipFill rotWithShape="1">
+                <a:blip r:embed="rId6"/>
+                <a:stretch>
+                  <a:fillRect b="-18033"/>
+                </a:stretch>
+              </a:blipFill>
+            </p:spPr>
+            <p:txBody>
+              <a:bodyPr/>
+              <a:lstStyle/>
+              <a:p>
+                <a:r>
+                  <a:rPr lang="ko-KR" altLang="en-US">
+                    <a:noFill/>
+                  </a:rPr>
+                  <a:t> </a:t>
+                </a:r>
+              </a:p>
+            </p:txBody>
+          </p:sp>
+        </mc:Fallback>
+      </mc:AlternateContent>
+      <mc:AlternateContent xmlns:mc="http://schemas.openxmlformats.org/markup-compatibility/2006">
+        <mc:Choice xmlns:a14="http://schemas.microsoft.com/office/drawing/2010/main" Requires="a14">
+          <p:sp>
+            <p:nvSpPr>
+              <p:cNvPr id="17" name="TextBox 16"/>
+              <p:cNvSpPr txBox="1"/>
+              <p:nvPr/>
+            </p:nvSpPr>
+            <p:spPr>
+              <a:xfrm>
+                <a:off x="6290104" y="903516"/>
+                <a:ext cx="694164" cy="369332"/>
+              </a:xfrm>
+              <a:prstGeom prst="rect">
+                <a:avLst/>
+              </a:prstGeom>
+              <a:noFill/>
+            </p:spPr>
+            <p:txBody>
+              <a:bodyPr wrap="none" rtlCol="0">
+                <a:spAutoFit/>
+              </a:bodyPr>
+              <a:lstStyle/>
+              <a:p>
+                <a14:m>
+                  <m:oMathPara xmlns:m="http://schemas.openxmlformats.org/officeDocument/2006/math">
+                    <m:oMathParaPr>
+                      <m:jc m:val="centerGroup"/>
+                    </m:oMathParaPr>
+                    <m:oMath xmlns:m="http://schemas.openxmlformats.org/officeDocument/2006/math">
+                      <m:r>
+                        <a:rPr lang="en-US" altLang="ko-KR" b="0" i="1" smtClean="0">
+                          <a:latin typeface="Cambria Math"/>
+                        </a:rPr>
+                        <m:t>𝑥</m:t>
+                      </m:r>
+                      <m:r>
+                        <a:rPr lang="en-US" altLang="ko-KR" b="0" i="1" smtClean="0">
+                          <a:latin typeface="Cambria Math"/>
+                        </a:rPr>
+                        <m:t>[</m:t>
+                      </m:r>
+                      <m:r>
+                        <a:rPr lang="en-US" altLang="ko-KR" b="0" i="1" smtClean="0">
+                          <a:latin typeface="Cambria Math"/>
+                        </a:rPr>
+                        <m:t>𝑛</m:t>
+                      </m:r>
+                      <m:r>
+                        <a:rPr lang="en-US" altLang="ko-KR" b="0" i="1" smtClean="0">
+                          <a:latin typeface="Cambria Math"/>
+                        </a:rPr>
+                        <m:t>]</m:t>
+                      </m:r>
+                    </m:oMath>
+                  </m:oMathPara>
+                </a14:m>
+                <a:endParaRPr lang="ko-KR" altLang="en-US" dirty="0"/>
+              </a:p>
+            </p:txBody>
+          </p:sp>
+        </mc:Choice>
+        <mc:Fallback>
+          <p:sp>
+            <p:nvSpPr>
+              <p:cNvPr id="17" name="TextBox 16"/>
+              <p:cNvSpPr txBox="1">
+                <a:spLocks noRot="1" noChangeAspect="1" noMove="1" noResize="1" noEditPoints="1" noAdjustHandles="1" noChangeArrowheads="1" noChangeShapeType="1" noTextEdit="1"/>
+              </p:cNvSpPr>
+              <p:nvPr/>
+            </p:nvSpPr>
+            <p:spPr>
+              <a:xfrm>
+                <a:off x="6290104" y="903516"/>
+                <a:ext cx="694164" cy="369332"/>
+              </a:xfrm>
+              <a:prstGeom prst="rect">
+                <a:avLst/>
+              </a:prstGeom>
+              <a:blipFill rotWithShape="1">
+                <a:blip r:embed="rId7"/>
+                <a:stretch>
+                  <a:fillRect b="-18033"/>
+                </a:stretch>
+              </a:blipFill>
+            </p:spPr>
+            <p:txBody>
+              <a:bodyPr/>
+              <a:lstStyle/>
+              <a:p>
+                <a:r>
+                  <a:rPr lang="ko-KR" altLang="en-US">
+                    <a:noFill/>
+                  </a:rPr>
+                  <a:t> </a:t>
+                </a:r>
+              </a:p>
+            </p:txBody>
+          </p:sp>
+        </mc:Fallback>
+      </mc:AlternateContent>
+      <p:cxnSp>
+        <p:nvCxnSpPr>
+          <p:cNvPr id="18" name="직선 화살표 연결선 17"/>
+          <p:cNvCxnSpPr/>
+          <p:nvPr/>
+        </p:nvCxnSpPr>
+        <p:spPr>
+          <a:xfrm>
+            <a:off x="5485058" y="1088182"/>
+            <a:ext cx="504056" cy="0"/>
+          </a:xfrm>
+          <a:prstGeom prst="straightConnector1">
+            <a:avLst/>
+          </a:prstGeom>
+          <a:ln w="19050">
+            <a:solidFill>
+              <a:schemeClr val="tx1"/>
+            </a:solidFill>
+            <a:tailEnd type="arrow"/>
+          </a:ln>
+        </p:spPr>
+        <p:style>
+          <a:lnRef idx="1">
+            <a:schemeClr val="accent1"/>
+          </a:lnRef>
+          <a:fillRef idx="0">
+            <a:schemeClr val="accent1"/>
+          </a:fillRef>
+          <a:effectRef idx="0">
+            <a:schemeClr val="accent1"/>
+          </a:effectRef>
+          <a:fontRef idx="minor">
+            <a:schemeClr val="tx1"/>
+          </a:fontRef>
+        </p:style>
+      </p:cxnSp>
+      <p:cxnSp>
+        <p:nvCxnSpPr>
+          <p:cNvPr id="19" name="직선 화살표 연결선 18"/>
+          <p:cNvCxnSpPr/>
+          <p:nvPr/>
+        </p:nvCxnSpPr>
+        <p:spPr>
+          <a:xfrm>
+            <a:off x="7285258" y="1088182"/>
+            <a:ext cx="504056" cy="0"/>
+          </a:xfrm>
+          <a:prstGeom prst="straightConnector1">
+            <a:avLst/>
+          </a:prstGeom>
+          <a:ln w="19050">
+            <a:solidFill>
+              <a:schemeClr val="tx1"/>
+            </a:solidFill>
+            <a:tailEnd type="arrow"/>
+          </a:ln>
+        </p:spPr>
+        <p:style>
+          <a:lnRef idx="1">
+            <a:schemeClr val="accent1"/>
+          </a:lnRef>
+          <a:fillRef idx="0">
+            <a:schemeClr val="accent1"/>
+          </a:fillRef>
+          <a:effectRef idx="0">
+            <a:schemeClr val="accent1"/>
+          </a:effectRef>
+          <a:fontRef idx="minor">
+            <a:schemeClr val="tx1"/>
+          </a:fontRef>
+        </p:style>
+      </p:cxnSp>
+      <p:sp>
+        <p:nvSpPr>
+          <p:cNvPr id="21" name="위쪽/아래쪽 화살표 20"/>
+          <p:cNvSpPr/>
+          <p:nvPr/>
+        </p:nvSpPr>
+        <p:spPr>
+          <a:xfrm rot="5400000">
+            <a:off x="4423984" y="817065"/>
+            <a:ext cx="283768" cy="542235"/>
+          </a:xfrm>
+          <a:prstGeom prst="upDownArrow">
+            <a:avLst/>
+          </a:prstGeom>
+          <a:solidFill>
+            <a:schemeClr val="bg1">
+              <a:lumMod val="95000"/>
+            </a:schemeClr>
+          </a:solidFill>
+          <a:ln>
+            <a:solidFill>
+              <a:schemeClr val="bg1">
+                <a:lumMod val="50000"/>
+              </a:schemeClr>
+            </a:solidFill>
+          </a:ln>
+        </p:spPr>
+        <p:style>
+          <a:lnRef idx="2">
+            <a:schemeClr val="accent1">
+              <a:shade val="50000"/>
+            </a:schemeClr>
+          </a:lnRef>
+          <a:fillRef idx="1">
+            <a:schemeClr val="accent1"/>
+          </a:fillRef>
+          <a:effectRef idx="0">
+            <a:schemeClr val="accent1"/>
+          </a:effectRef>
+          <a:fontRef idx="minor">
+            <a:schemeClr val="lt1"/>
+          </a:fontRef>
+        </p:style>
+        <p:txBody>
+          <a:bodyPr rtlCol="0" anchor="ctr"/>
+          <a:lstStyle/>
+          <a:p>
+            <a:pPr algn="ctr"/>
+            <a:endParaRPr lang="ko-KR" altLang="en-US"/>
+          </a:p>
+        </p:txBody>
+      </p:sp>
+      <mc:AlternateContent xmlns:mc="http://schemas.openxmlformats.org/markup-compatibility/2006">
+        <mc:Choice xmlns:a14="http://schemas.microsoft.com/office/drawing/2010/main" Requires="a14">
+          <p:sp>
+            <p:nvSpPr>
+              <p:cNvPr id="23" name="TextBox 22"/>
+              <p:cNvSpPr txBox="1"/>
+              <p:nvPr/>
+            </p:nvSpPr>
+            <p:spPr>
+              <a:xfrm>
+                <a:off x="2824155" y="1484784"/>
+                <a:ext cx="3449598" cy="369332"/>
+              </a:xfrm>
+              <a:prstGeom prst="rect">
+                <a:avLst/>
+              </a:prstGeom>
+              <a:noFill/>
+            </p:spPr>
+            <p:txBody>
+              <a:bodyPr wrap="none" rtlCol="0">
+                <a:spAutoFit/>
+              </a:bodyPr>
+              <a:lstStyle/>
+              <a:p>
+                <a14:m>
+                  <m:oMathPara xmlns:m="http://schemas.openxmlformats.org/officeDocument/2006/math">
+                    <m:oMathParaPr>
+                      <m:jc m:val="centerGroup"/>
+                    </m:oMathParaPr>
+                    <m:oMath xmlns:m="http://schemas.openxmlformats.org/officeDocument/2006/math">
+                      <m:r>
+                        <a:rPr lang="en-US" altLang="ko-KR" b="0" i="1" smtClean="0">
+                          <a:latin typeface="Cambria Math"/>
+                        </a:rPr>
+                        <m:t>𝑦</m:t>
+                      </m:r>
+                      <m:d>
+                        <m:dPr>
+                          <m:begChr m:val="["/>
+                          <m:endChr m:val="]"/>
+                          <m:ctrlPr>
+                            <a:rPr lang="en-US" altLang="ko-KR" b="0" i="1" smtClean="0">
+                              <a:latin typeface="Cambria Math"/>
+                            </a:rPr>
+                          </m:ctrlPr>
+                        </m:dPr>
+                        <m:e>
+                          <m:r>
+                            <a:rPr lang="en-US" altLang="ko-KR" b="0" i="1" smtClean="0">
+                              <a:latin typeface="Cambria Math"/>
+                            </a:rPr>
+                            <m:t>𝑛</m:t>
+                          </m:r>
+                        </m:e>
+                      </m:d>
+                      <m:r>
+                        <a:rPr lang="en-US" altLang="ko-KR" b="0" i="1" smtClean="0">
+                          <a:latin typeface="Cambria Math"/>
+                        </a:rPr>
+                        <m:t>=</m:t>
+                      </m:r>
+                      <m:r>
+                        <a:rPr lang="en-US" altLang="ko-KR" b="0" i="1" smtClean="0">
+                          <a:latin typeface="Cambria Math"/>
+                        </a:rPr>
+                        <m:t>𝑥</m:t>
+                      </m:r>
+                      <m:d>
+                        <m:dPr>
+                          <m:begChr m:val="["/>
+                          <m:endChr m:val="]"/>
+                          <m:ctrlPr>
+                            <a:rPr lang="en-US" altLang="ko-KR" b="0" i="1" smtClean="0">
+                              <a:latin typeface="Cambria Math"/>
+                            </a:rPr>
+                          </m:ctrlPr>
+                        </m:dPr>
+                        <m:e>
+                          <m:r>
+                            <a:rPr lang="en-US" altLang="ko-KR" b="0" i="1" smtClean="0">
+                              <a:latin typeface="Cambria Math"/>
+                            </a:rPr>
+                            <m:t>𝑛</m:t>
+                          </m:r>
+                        </m:e>
+                      </m:d>
+                      <m:r>
+                        <a:rPr lang="en-US" altLang="ko-KR" b="0" i="1" smtClean="0">
+                          <a:latin typeface="Cambria Math"/>
+                        </a:rPr>
+                        <m:t>∗</m:t>
+                      </m:r>
+                      <m:r>
+                        <a:rPr lang="en-US" altLang="ko-KR" b="0" i="1" smtClean="0">
+                          <a:latin typeface="Cambria Math"/>
+                        </a:rPr>
+                        <m:t>h</m:t>
+                      </m:r>
+                      <m:d>
+                        <m:dPr>
+                          <m:begChr m:val="["/>
+                          <m:endChr m:val="]"/>
+                          <m:ctrlPr>
+                            <a:rPr lang="en-US" altLang="ko-KR" b="0" i="1" smtClean="0">
+                              <a:latin typeface="Cambria Math"/>
+                            </a:rPr>
+                          </m:ctrlPr>
+                        </m:dPr>
+                        <m:e>
+                          <m:r>
+                            <a:rPr lang="en-US" altLang="ko-KR" b="0" i="1" smtClean="0">
+                              <a:latin typeface="Cambria Math"/>
+                            </a:rPr>
+                            <m:t>𝑛</m:t>
+                          </m:r>
+                        </m:e>
+                      </m:d>
+                      <m:r>
+                        <a:rPr lang="en-US" altLang="ko-KR" b="0" i="1" smtClean="0">
+                          <a:latin typeface="Cambria Math"/>
+                        </a:rPr>
+                        <m:t>=</m:t>
+                      </m:r>
+                      <m:r>
+                        <a:rPr lang="en-US" altLang="ko-KR" b="0" i="1" smtClean="0">
+                          <a:latin typeface="Cambria Math"/>
+                        </a:rPr>
+                        <m:t>h</m:t>
+                      </m:r>
+                      <m:d>
+                        <m:dPr>
+                          <m:begChr m:val="["/>
+                          <m:endChr m:val="]"/>
+                          <m:ctrlPr>
+                            <a:rPr lang="en-US" altLang="ko-KR" b="0" i="1" smtClean="0">
+                              <a:latin typeface="Cambria Math"/>
+                            </a:rPr>
+                          </m:ctrlPr>
+                        </m:dPr>
+                        <m:e>
+                          <m:r>
+                            <a:rPr lang="en-US" altLang="ko-KR" b="0" i="1" smtClean="0">
+                              <a:latin typeface="Cambria Math"/>
+                            </a:rPr>
+                            <m:t>𝑛</m:t>
+                          </m:r>
+                        </m:e>
+                      </m:d>
+                      <m:r>
+                        <a:rPr lang="en-US" altLang="ko-KR" b="0" i="1" smtClean="0">
+                          <a:latin typeface="Cambria Math"/>
+                        </a:rPr>
+                        <m:t>∗</m:t>
+                      </m:r>
+                      <m:r>
+                        <a:rPr lang="en-US" altLang="ko-KR" b="0" i="1" smtClean="0">
+                          <a:latin typeface="Cambria Math"/>
+                        </a:rPr>
+                        <m:t>𝑥</m:t>
+                      </m:r>
+                      <m:r>
+                        <a:rPr lang="en-US" altLang="ko-KR" b="0" i="1" smtClean="0">
+                          <a:latin typeface="Cambria Math"/>
+                        </a:rPr>
+                        <m:t>[</m:t>
+                      </m:r>
+                      <m:r>
+                        <a:rPr lang="en-US" altLang="ko-KR" b="0" i="1" smtClean="0">
+                          <a:latin typeface="Cambria Math"/>
+                        </a:rPr>
+                        <m:t>𝑛</m:t>
+                      </m:r>
+                      <m:r>
+                        <a:rPr lang="en-US" altLang="ko-KR" b="0" i="1" smtClean="0">
+                          <a:latin typeface="Cambria Math"/>
+                        </a:rPr>
+                        <m:t>]</m:t>
+                      </m:r>
+                    </m:oMath>
+                  </m:oMathPara>
+                </a14:m>
+                <a:endParaRPr lang="ko-KR" altLang="en-US" dirty="0"/>
+              </a:p>
+            </p:txBody>
+          </p:sp>
+        </mc:Choice>
+        <mc:Fallback>
+          <p:sp>
+            <p:nvSpPr>
+              <p:cNvPr id="23" name="TextBox 22"/>
+              <p:cNvSpPr txBox="1">
+                <a:spLocks noRot="1" noChangeAspect="1" noMove="1" noResize="1" noEditPoints="1" noAdjustHandles="1" noChangeArrowheads="1" noChangeShapeType="1" noTextEdit="1"/>
+              </p:cNvSpPr>
+              <p:nvPr/>
+            </p:nvSpPr>
+            <p:spPr>
+              <a:xfrm>
+                <a:off x="2824155" y="1484784"/>
+                <a:ext cx="3449598" cy="369332"/>
+              </a:xfrm>
+              <a:prstGeom prst="rect">
+                <a:avLst/>
+              </a:prstGeom>
+              <a:blipFill rotWithShape="1">
+                <a:blip r:embed="rId8"/>
+                <a:stretch>
+                  <a:fillRect b="-20000"/>
+                </a:stretch>
+              </a:blipFill>
+            </p:spPr>
+            <p:txBody>
+              <a:bodyPr/>
+              <a:lstStyle/>
+              <a:p>
+                <a:r>
+                  <a:rPr lang="ko-KR" altLang="en-US">
+                    <a:noFill/>
+                  </a:rPr>
+                  <a:t> </a:t>
+                </a:r>
+              </a:p>
+            </p:txBody>
+          </p:sp>
+        </mc:Fallback>
+      </mc:AlternateContent>
+      <p:sp>
+        <p:nvSpPr>
+          <p:cNvPr id="38" name="직사각형 37"/>
+          <p:cNvSpPr/>
+          <p:nvPr/>
+        </p:nvSpPr>
+        <p:spPr>
+          <a:xfrm>
+            <a:off x="3000782" y="3071283"/>
+            <a:ext cx="1296144" cy="360040"/>
+          </a:xfrm>
+          <a:prstGeom prst="rect">
+            <a:avLst/>
+          </a:prstGeom>
+          <a:solidFill>
+            <a:schemeClr val="bg1"/>
+          </a:solidFill>
+          <a:ln>
+            <a:solidFill>
+              <a:schemeClr val="tx1"/>
+            </a:solidFill>
+          </a:ln>
+        </p:spPr>
+        <p:style>
+          <a:lnRef idx="2">
+            <a:schemeClr val="accent1">
+              <a:shade val="50000"/>
+            </a:schemeClr>
+          </a:lnRef>
+          <a:fillRef idx="1">
+            <a:schemeClr val="accent1"/>
+          </a:fillRef>
+          <a:effectRef idx="0">
+            <a:schemeClr val="accent1"/>
+          </a:effectRef>
+          <a:fontRef idx="minor">
+            <a:schemeClr val="lt1"/>
+          </a:fontRef>
+        </p:style>
+        <p:txBody>
+          <a:bodyPr rtlCol="0" anchor="ctr"/>
+          <a:lstStyle/>
+          <a:p>
+            <a:pPr algn="ctr"/>
+            <a:endParaRPr lang="ko-KR" altLang="en-US"/>
+          </a:p>
+        </p:txBody>
+      </p:sp>
+      <mc:AlternateContent xmlns:mc="http://schemas.openxmlformats.org/markup-compatibility/2006">
+        <mc:Choice xmlns:a14="http://schemas.microsoft.com/office/drawing/2010/main" Requires="a14">
+          <p:sp>
+            <p:nvSpPr>
+              <p:cNvPr id="39" name="TextBox 38"/>
+              <p:cNvSpPr txBox="1"/>
+              <p:nvPr/>
+            </p:nvSpPr>
+            <p:spPr>
+              <a:xfrm>
+                <a:off x="1920662" y="3066637"/>
+                <a:ext cx="694164" cy="369332"/>
+              </a:xfrm>
+              <a:prstGeom prst="rect">
+                <a:avLst/>
+              </a:prstGeom>
+              <a:noFill/>
+            </p:spPr>
+            <p:txBody>
+              <a:bodyPr wrap="none" rtlCol="0">
+                <a:spAutoFit/>
+              </a:bodyPr>
+              <a:lstStyle/>
+              <a:p>
+                <a14:m>
+                  <m:oMathPara xmlns:m="http://schemas.openxmlformats.org/officeDocument/2006/math">
+                    <m:oMathParaPr>
+                      <m:jc m:val="centerGroup"/>
+                    </m:oMathParaPr>
+                    <m:oMath xmlns:m="http://schemas.openxmlformats.org/officeDocument/2006/math">
+                      <m:r>
+                        <a:rPr lang="en-US" altLang="ko-KR" b="0" i="1" smtClean="0">
+                          <a:latin typeface="Cambria Math"/>
+                        </a:rPr>
+                        <m:t>𝑥</m:t>
+                      </m:r>
+                      <m:r>
+                        <a:rPr lang="en-US" altLang="ko-KR" b="0" i="1" smtClean="0">
+                          <a:latin typeface="Cambria Math"/>
+                        </a:rPr>
+                        <m:t>[</m:t>
+                      </m:r>
+                      <m:r>
+                        <a:rPr lang="en-US" altLang="ko-KR" b="0" i="1" smtClean="0">
+                          <a:latin typeface="Cambria Math"/>
+                        </a:rPr>
+                        <m:t>𝑛</m:t>
+                      </m:r>
+                      <m:r>
+                        <a:rPr lang="en-US" altLang="ko-KR" b="0" i="1" smtClean="0">
+                          <a:latin typeface="Cambria Math"/>
+                        </a:rPr>
+                        <m:t>]</m:t>
+                      </m:r>
+                    </m:oMath>
+                  </m:oMathPara>
+                </a14:m>
+                <a:endParaRPr lang="ko-KR" altLang="en-US" dirty="0"/>
+              </a:p>
+            </p:txBody>
+          </p:sp>
+        </mc:Choice>
+        <mc:Fallback>
+          <p:sp>
+            <p:nvSpPr>
+              <p:cNvPr id="39" name="TextBox 38"/>
+              <p:cNvSpPr txBox="1">
+                <a:spLocks noRot="1" noChangeAspect="1" noMove="1" noResize="1" noEditPoints="1" noAdjustHandles="1" noChangeArrowheads="1" noChangeShapeType="1" noTextEdit="1"/>
+              </p:cNvSpPr>
+              <p:nvPr/>
+            </p:nvSpPr>
+            <p:spPr>
+              <a:xfrm>
+                <a:off x="1920662" y="3066637"/>
+                <a:ext cx="694164" cy="369332"/>
+              </a:xfrm>
+              <a:prstGeom prst="rect">
+                <a:avLst/>
+              </a:prstGeom>
+              <a:blipFill rotWithShape="1">
+                <a:blip r:embed="rId9"/>
+                <a:stretch>
+                  <a:fillRect b="-18033"/>
+                </a:stretch>
+              </a:blipFill>
+            </p:spPr>
+            <p:txBody>
+              <a:bodyPr/>
+              <a:lstStyle/>
+              <a:p>
+                <a:r>
+                  <a:rPr lang="ko-KR" altLang="en-US">
+                    <a:noFill/>
+                  </a:rPr>
+                  <a:t> </a:t>
+                </a:r>
+              </a:p>
+            </p:txBody>
+          </p:sp>
+        </mc:Fallback>
+      </mc:AlternateContent>
+      <mc:AlternateContent xmlns:mc="http://schemas.openxmlformats.org/markup-compatibility/2006">
+        <mc:Choice xmlns:a14="http://schemas.microsoft.com/office/drawing/2010/main" Requires="a14">
+          <p:sp>
+            <p:nvSpPr>
+              <p:cNvPr id="41" name="TextBox 40"/>
+              <p:cNvSpPr txBox="1"/>
+              <p:nvPr/>
+            </p:nvSpPr>
+            <p:spPr>
+              <a:xfrm>
+                <a:off x="3251854" y="3066637"/>
+                <a:ext cx="794000" cy="369332"/>
+              </a:xfrm>
+              <a:prstGeom prst="rect">
+                <a:avLst/>
+              </a:prstGeom>
+              <a:noFill/>
+            </p:spPr>
+            <p:txBody>
+              <a:bodyPr wrap="none" rtlCol="0">
+                <a:spAutoFit/>
+              </a:bodyPr>
+              <a:lstStyle/>
+              <a:p>
+                <a14:m>
+                  <m:oMathPara xmlns:m="http://schemas.openxmlformats.org/officeDocument/2006/math">
+                    <m:oMathParaPr>
+                      <m:jc m:val="centerGroup"/>
+                    </m:oMathParaPr>
+                    <m:oMath xmlns:m="http://schemas.openxmlformats.org/officeDocument/2006/math">
+                      <m:sSub>
+                        <m:sSubPr>
+                          <m:ctrlPr>
+                            <a:rPr lang="en-US" altLang="ko-KR" b="0" i="1" smtClean="0">
+                              <a:latin typeface="Cambria Math"/>
+                            </a:rPr>
+                          </m:ctrlPr>
+                        </m:sSubPr>
+                        <m:e>
+                          <m:r>
+                            <a:rPr lang="en-US" altLang="ko-KR" b="0" i="1" smtClean="0">
+                              <a:latin typeface="Cambria Math"/>
+                            </a:rPr>
+                            <m:t>h</m:t>
+                          </m:r>
+                        </m:e>
+                        <m:sub>
+                          <m:r>
+                            <a:rPr lang="en-US" altLang="ko-KR" b="0" i="1" smtClean="0">
+                              <a:latin typeface="Cambria Math"/>
+                            </a:rPr>
+                            <m:t>1</m:t>
+                          </m:r>
+                        </m:sub>
+                      </m:sSub>
+                      <m:r>
+                        <a:rPr lang="en-US" altLang="ko-KR" b="0" i="1" smtClean="0">
+                          <a:latin typeface="Cambria Math"/>
+                        </a:rPr>
+                        <m:t>[</m:t>
+                      </m:r>
+                      <m:r>
+                        <a:rPr lang="en-US" altLang="ko-KR" b="0" i="1" smtClean="0">
+                          <a:latin typeface="Cambria Math"/>
+                        </a:rPr>
+                        <m:t>𝑛</m:t>
+                      </m:r>
+                      <m:r>
+                        <a:rPr lang="en-US" altLang="ko-KR" b="0" i="1" smtClean="0">
+                          <a:latin typeface="Cambria Math"/>
+                        </a:rPr>
+                        <m:t>]</m:t>
+                      </m:r>
+                    </m:oMath>
+                  </m:oMathPara>
+                </a14:m>
+                <a:endParaRPr lang="ko-KR" altLang="en-US" dirty="0"/>
+              </a:p>
+            </p:txBody>
+          </p:sp>
+        </mc:Choice>
+        <mc:Fallback>
+          <p:sp>
+            <p:nvSpPr>
+              <p:cNvPr id="41" name="TextBox 40"/>
+              <p:cNvSpPr txBox="1">
+                <a:spLocks noRot="1" noChangeAspect="1" noMove="1" noResize="1" noEditPoints="1" noAdjustHandles="1" noChangeArrowheads="1" noChangeShapeType="1" noTextEdit="1"/>
+              </p:cNvSpPr>
+              <p:nvPr/>
+            </p:nvSpPr>
+            <p:spPr>
+              <a:xfrm>
+                <a:off x="3251854" y="3066637"/>
+                <a:ext cx="794000" cy="369332"/>
+              </a:xfrm>
+              <a:prstGeom prst="rect">
+                <a:avLst/>
+              </a:prstGeom>
+              <a:blipFill rotWithShape="1">
+                <a:blip r:embed="rId10"/>
+                <a:stretch>
+                  <a:fillRect b="-18033"/>
+                </a:stretch>
+              </a:blipFill>
+            </p:spPr>
+            <p:txBody>
+              <a:bodyPr/>
+              <a:lstStyle/>
+              <a:p>
+                <a:r>
+                  <a:rPr lang="ko-KR" altLang="en-US">
+                    <a:noFill/>
+                  </a:rPr>
+                  <a:t> </a:t>
+                </a:r>
+              </a:p>
+            </p:txBody>
+          </p:sp>
+        </mc:Fallback>
+      </mc:AlternateContent>
+      <p:cxnSp>
+        <p:nvCxnSpPr>
+          <p:cNvPr id="42" name="직선 화살표 연결선 41"/>
+          <p:cNvCxnSpPr/>
+          <p:nvPr/>
+        </p:nvCxnSpPr>
+        <p:spPr>
+          <a:xfrm>
+            <a:off x="2496726" y="3251303"/>
+            <a:ext cx="504056" cy="0"/>
+          </a:xfrm>
+          <a:prstGeom prst="straightConnector1">
+            <a:avLst/>
+          </a:prstGeom>
+          <a:ln w="19050">
+            <a:solidFill>
+              <a:schemeClr val="tx1"/>
+            </a:solidFill>
+            <a:tailEnd type="arrow"/>
+          </a:ln>
+        </p:spPr>
+        <p:style>
+          <a:lnRef idx="1">
+            <a:schemeClr val="accent1"/>
+          </a:lnRef>
+          <a:fillRef idx="0">
+            <a:schemeClr val="accent1"/>
+          </a:fillRef>
+          <a:effectRef idx="0">
+            <a:schemeClr val="accent1"/>
+          </a:effectRef>
+          <a:fontRef idx="minor">
+            <a:schemeClr val="tx1"/>
+          </a:fontRef>
+        </p:style>
+      </p:cxnSp>
+      <p:cxnSp>
+        <p:nvCxnSpPr>
+          <p:cNvPr id="43" name="직선 화살표 연결선 42"/>
+          <p:cNvCxnSpPr/>
+          <p:nvPr/>
+        </p:nvCxnSpPr>
+        <p:spPr>
+          <a:xfrm>
+            <a:off x="4296926" y="3251303"/>
+            <a:ext cx="504056" cy="0"/>
+          </a:xfrm>
+          <a:prstGeom prst="straightConnector1">
+            <a:avLst/>
+          </a:prstGeom>
+          <a:ln w="19050">
+            <a:solidFill>
+              <a:schemeClr val="tx1"/>
+            </a:solidFill>
+            <a:tailEnd type="arrow"/>
+          </a:ln>
+        </p:spPr>
+        <p:style>
+          <a:lnRef idx="1">
+            <a:schemeClr val="accent1"/>
+          </a:lnRef>
+          <a:fillRef idx="0">
+            <a:schemeClr val="accent1"/>
+          </a:fillRef>
+          <a:effectRef idx="0">
+            <a:schemeClr val="accent1"/>
+          </a:effectRef>
+          <a:fontRef idx="minor">
+            <a:schemeClr val="tx1"/>
+          </a:fontRef>
+        </p:style>
+      </p:cxnSp>
+      <p:sp>
+        <p:nvSpPr>
+          <p:cNvPr id="44" name="직사각형 43"/>
+          <p:cNvSpPr/>
+          <p:nvPr/>
+        </p:nvSpPr>
+        <p:spPr>
+          <a:xfrm>
+            <a:off x="4800982" y="3071283"/>
+            <a:ext cx="1296144" cy="360040"/>
+          </a:xfrm>
+          <a:prstGeom prst="rect">
+            <a:avLst/>
+          </a:prstGeom>
+          <a:solidFill>
+            <a:schemeClr val="bg1"/>
+          </a:solidFill>
+          <a:ln>
+            <a:solidFill>
+              <a:schemeClr val="tx1"/>
+            </a:solidFill>
+          </a:ln>
+        </p:spPr>
+        <p:style>
+          <a:lnRef idx="2">
+            <a:schemeClr val="accent1">
+              <a:shade val="50000"/>
+            </a:schemeClr>
+          </a:lnRef>
+          <a:fillRef idx="1">
+            <a:schemeClr val="accent1"/>
+          </a:fillRef>
+          <a:effectRef idx="0">
+            <a:schemeClr val="accent1"/>
+          </a:effectRef>
+          <a:fontRef idx="minor">
+            <a:schemeClr val="lt1"/>
+          </a:fontRef>
+        </p:style>
+        <p:txBody>
+          <a:bodyPr rtlCol="0" anchor="ctr"/>
+          <a:lstStyle/>
+          <a:p>
+            <a:pPr algn="ctr"/>
+            <a:endParaRPr lang="ko-KR" altLang="en-US"/>
+          </a:p>
+        </p:txBody>
+      </p:sp>
+      <mc:AlternateContent xmlns:mc="http://schemas.openxmlformats.org/markup-compatibility/2006">
+        <mc:Choice xmlns:a14="http://schemas.microsoft.com/office/drawing/2010/main" Requires="a14">
+          <p:sp>
+            <p:nvSpPr>
+              <p:cNvPr id="45" name="TextBox 44"/>
+              <p:cNvSpPr txBox="1"/>
+              <p:nvPr/>
+            </p:nvSpPr>
+            <p:spPr>
+              <a:xfrm>
+                <a:off x="6529174" y="3066637"/>
+                <a:ext cx="694164" cy="369332"/>
+              </a:xfrm>
+              <a:prstGeom prst="rect">
+                <a:avLst/>
+              </a:prstGeom>
+              <a:noFill/>
+            </p:spPr>
+            <p:txBody>
+              <a:bodyPr wrap="none" rtlCol="0">
+                <a:spAutoFit/>
+              </a:bodyPr>
+              <a:lstStyle/>
+              <a:p>
+                <a14:m>
+                  <m:oMathPara xmlns:m="http://schemas.openxmlformats.org/officeDocument/2006/math">
+                    <m:oMathParaPr>
+                      <m:jc m:val="centerGroup"/>
+                    </m:oMathParaPr>
+                    <m:oMath xmlns:m="http://schemas.openxmlformats.org/officeDocument/2006/math">
+                      <m:r>
+                        <a:rPr lang="en-US" altLang="ko-KR" b="0" i="1" smtClean="0">
+                          <a:latin typeface="Cambria Math"/>
+                        </a:rPr>
+                        <m:t>𝑦</m:t>
+                      </m:r>
+                      <m:r>
+                        <a:rPr lang="en-US" altLang="ko-KR" b="0" i="1" smtClean="0">
+                          <a:latin typeface="Cambria Math"/>
+                        </a:rPr>
+                        <m:t>[</m:t>
+                      </m:r>
+                      <m:r>
+                        <a:rPr lang="en-US" altLang="ko-KR" b="0" i="1" smtClean="0">
+                          <a:latin typeface="Cambria Math"/>
+                        </a:rPr>
+                        <m:t>𝑛</m:t>
+                      </m:r>
+                      <m:r>
+                        <a:rPr lang="en-US" altLang="ko-KR" b="0" i="1" smtClean="0">
+                          <a:latin typeface="Cambria Math"/>
+                        </a:rPr>
+                        <m:t>]</m:t>
+                      </m:r>
+                    </m:oMath>
+                  </m:oMathPara>
+                </a14:m>
+                <a:endParaRPr lang="ko-KR" altLang="en-US" dirty="0"/>
+              </a:p>
+            </p:txBody>
+          </p:sp>
+        </mc:Choice>
+        <mc:Fallback>
+          <p:sp>
+            <p:nvSpPr>
+              <p:cNvPr id="45" name="TextBox 44"/>
+              <p:cNvSpPr txBox="1">
+                <a:spLocks noRot="1" noChangeAspect="1" noMove="1" noResize="1" noEditPoints="1" noAdjustHandles="1" noChangeArrowheads="1" noChangeShapeType="1" noTextEdit="1"/>
+              </p:cNvSpPr>
+              <p:nvPr/>
+            </p:nvSpPr>
+            <p:spPr>
+              <a:xfrm>
+                <a:off x="6529174" y="3066637"/>
+                <a:ext cx="694164" cy="369332"/>
+              </a:xfrm>
+              <a:prstGeom prst="rect">
+                <a:avLst/>
+              </a:prstGeom>
+              <a:blipFill rotWithShape="1">
+                <a:blip r:embed="rId11"/>
+                <a:stretch>
+                  <a:fillRect b="-18033"/>
+                </a:stretch>
+              </a:blipFill>
+            </p:spPr>
+            <p:txBody>
+              <a:bodyPr/>
+              <a:lstStyle/>
+              <a:p>
+                <a:r>
+                  <a:rPr lang="ko-KR" altLang="en-US">
+                    <a:noFill/>
+                  </a:rPr>
+                  <a:t> </a:t>
+                </a:r>
+              </a:p>
+            </p:txBody>
+          </p:sp>
+        </mc:Fallback>
+      </mc:AlternateContent>
+      <mc:AlternateContent xmlns:mc="http://schemas.openxmlformats.org/markup-compatibility/2006">
+        <mc:Choice xmlns:a14="http://schemas.microsoft.com/office/drawing/2010/main" Requires="a14">
+          <p:sp>
+            <p:nvSpPr>
+              <p:cNvPr id="46" name="TextBox 45"/>
+              <p:cNvSpPr txBox="1"/>
+              <p:nvPr/>
+            </p:nvSpPr>
+            <p:spPr>
+              <a:xfrm>
+                <a:off x="5049394" y="3066637"/>
+                <a:ext cx="799321" cy="369332"/>
+              </a:xfrm>
+              <a:prstGeom prst="rect">
+                <a:avLst/>
+              </a:prstGeom>
+              <a:noFill/>
+            </p:spPr>
+            <p:txBody>
+              <a:bodyPr wrap="none" rtlCol="0">
+                <a:spAutoFit/>
+              </a:bodyPr>
+              <a:lstStyle/>
+              <a:p>
+                <a14:m>
+                  <m:oMathPara xmlns:m="http://schemas.openxmlformats.org/officeDocument/2006/math">
+                    <m:oMathParaPr>
+                      <m:jc m:val="centerGroup"/>
+                    </m:oMathParaPr>
+                    <m:oMath xmlns:m="http://schemas.openxmlformats.org/officeDocument/2006/math">
+                      <m:sSub>
+                        <m:sSubPr>
+                          <m:ctrlPr>
+                            <a:rPr lang="en-US" altLang="ko-KR" b="0" i="1" smtClean="0">
+                              <a:latin typeface="Cambria Math"/>
+                            </a:rPr>
+                          </m:ctrlPr>
+                        </m:sSubPr>
+                        <m:e>
+                          <m:r>
+                            <a:rPr lang="en-US" altLang="ko-KR" b="0" i="1" smtClean="0">
+                              <a:latin typeface="Cambria Math"/>
+                            </a:rPr>
+                            <m:t>h</m:t>
+                          </m:r>
+                        </m:e>
+                        <m:sub>
+                          <m:r>
+                            <a:rPr lang="en-US" altLang="ko-KR" b="0" i="1" smtClean="0">
+                              <a:latin typeface="Cambria Math"/>
+                            </a:rPr>
+                            <m:t>2</m:t>
+                          </m:r>
+                        </m:sub>
+                      </m:sSub>
+                      <m:r>
+                        <a:rPr lang="en-US" altLang="ko-KR" b="0" i="1" smtClean="0">
+                          <a:latin typeface="Cambria Math"/>
+                        </a:rPr>
+                        <m:t>[</m:t>
+                      </m:r>
+                      <m:r>
+                        <a:rPr lang="en-US" altLang="ko-KR" b="0" i="1" smtClean="0">
+                          <a:latin typeface="Cambria Math"/>
+                        </a:rPr>
+                        <m:t>𝑛</m:t>
+                      </m:r>
+                      <m:r>
+                        <a:rPr lang="en-US" altLang="ko-KR" b="0" i="1" smtClean="0">
+                          <a:latin typeface="Cambria Math"/>
+                        </a:rPr>
+                        <m:t>]</m:t>
+                      </m:r>
+                    </m:oMath>
+                  </m:oMathPara>
+                </a14:m>
+                <a:endParaRPr lang="ko-KR" altLang="en-US" dirty="0"/>
+              </a:p>
+            </p:txBody>
+          </p:sp>
+        </mc:Choice>
+        <mc:Fallback>
+          <p:sp>
+            <p:nvSpPr>
+              <p:cNvPr id="46" name="TextBox 45"/>
+              <p:cNvSpPr txBox="1">
+                <a:spLocks noRot="1" noChangeAspect="1" noMove="1" noResize="1" noEditPoints="1" noAdjustHandles="1" noChangeArrowheads="1" noChangeShapeType="1" noTextEdit="1"/>
+              </p:cNvSpPr>
+              <p:nvPr/>
+            </p:nvSpPr>
+            <p:spPr>
+              <a:xfrm>
+                <a:off x="5049394" y="3066637"/>
+                <a:ext cx="799321" cy="369332"/>
+              </a:xfrm>
+              <a:prstGeom prst="rect">
+                <a:avLst/>
+              </a:prstGeom>
+              <a:blipFill rotWithShape="1">
+                <a:blip r:embed="rId12"/>
+                <a:stretch>
+                  <a:fillRect b="-18033"/>
+                </a:stretch>
+              </a:blipFill>
+            </p:spPr>
+            <p:txBody>
+              <a:bodyPr/>
+              <a:lstStyle/>
+              <a:p>
+                <a:r>
+                  <a:rPr lang="ko-KR" altLang="en-US">
+                    <a:noFill/>
+                  </a:rPr>
+                  <a:t> </a:t>
+                </a:r>
+              </a:p>
+            </p:txBody>
+          </p:sp>
+        </mc:Fallback>
+      </mc:AlternateContent>
+      <p:cxnSp>
+        <p:nvCxnSpPr>
+          <p:cNvPr id="47" name="직선 화살표 연결선 46"/>
+          <p:cNvCxnSpPr/>
+          <p:nvPr/>
+        </p:nvCxnSpPr>
+        <p:spPr>
+          <a:xfrm>
+            <a:off x="6097126" y="3251303"/>
+            <a:ext cx="504056" cy="0"/>
+          </a:xfrm>
+          <a:prstGeom prst="straightConnector1">
+            <a:avLst/>
+          </a:prstGeom>
+          <a:ln w="19050">
+            <a:solidFill>
+              <a:schemeClr val="tx1"/>
+            </a:solidFill>
+            <a:tailEnd type="arrow"/>
+          </a:ln>
+        </p:spPr>
+        <p:style>
+          <a:lnRef idx="1">
+            <a:schemeClr val="accent1"/>
+          </a:lnRef>
+          <a:fillRef idx="0">
+            <a:schemeClr val="accent1"/>
+          </a:fillRef>
+          <a:effectRef idx="0">
+            <a:schemeClr val="accent1"/>
+          </a:effectRef>
+          <a:fontRef idx="minor">
+            <a:schemeClr val="tx1"/>
+          </a:fontRef>
+        </p:style>
+      </p:cxnSp>
+      <p:sp>
+        <p:nvSpPr>
+          <p:cNvPr id="48" name="직사각형 47"/>
+          <p:cNvSpPr/>
+          <p:nvPr/>
+        </p:nvSpPr>
+        <p:spPr>
+          <a:xfrm>
+            <a:off x="3000782" y="4225734"/>
+            <a:ext cx="1296144" cy="360040"/>
+          </a:xfrm>
+          <a:prstGeom prst="rect">
+            <a:avLst/>
+          </a:prstGeom>
+          <a:solidFill>
+            <a:schemeClr val="bg1"/>
+          </a:solidFill>
+          <a:ln>
+            <a:solidFill>
+              <a:schemeClr val="tx1"/>
+            </a:solidFill>
+          </a:ln>
+        </p:spPr>
+        <p:style>
+          <a:lnRef idx="2">
+            <a:schemeClr val="accent1">
+              <a:shade val="50000"/>
+            </a:schemeClr>
+          </a:lnRef>
+          <a:fillRef idx="1">
+            <a:schemeClr val="accent1"/>
+          </a:fillRef>
+          <a:effectRef idx="0">
+            <a:schemeClr val="accent1"/>
+          </a:effectRef>
+          <a:fontRef idx="minor">
+            <a:schemeClr val="lt1"/>
+          </a:fontRef>
+        </p:style>
+        <p:txBody>
+          <a:bodyPr rtlCol="0" anchor="ctr"/>
+          <a:lstStyle/>
+          <a:p>
+            <a:pPr algn="ctr"/>
+            <a:endParaRPr lang="ko-KR" altLang="en-US"/>
+          </a:p>
+        </p:txBody>
+      </p:sp>
+      <mc:AlternateContent xmlns:mc="http://schemas.openxmlformats.org/markup-compatibility/2006">
+        <mc:Choice xmlns:a14="http://schemas.microsoft.com/office/drawing/2010/main" Requires="a14">
+          <p:sp>
+            <p:nvSpPr>
+              <p:cNvPr id="49" name="TextBox 48"/>
+              <p:cNvSpPr txBox="1"/>
+              <p:nvPr/>
+            </p:nvSpPr>
+            <p:spPr>
+              <a:xfrm>
+                <a:off x="1920662" y="4221088"/>
+                <a:ext cx="694164" cy="369332"/>
+              </a:xfrm>
+              <a:prstGeom prst="rect">
+                <a:avLst/>
+              </a:prstGeom>
+              <a:noFill/>
+            </p:spPr>
+            <p:txBody>
+              <a:bodyPr wrap="none" rtlCol="0">
+                <a:spAutoFit/>
+              </a:bodyPr>
+              <a:lstStyle/>
+              <a:p>
+                <a14:m>
+                  <m:oMathPara xmlns:m="http://schemas.openxmlformats.org/officeDocument/2006/math">
+                    <m:oMathParaPr>
+                      <m:jc m:val="centerGroup"/>
+                    </m:oMathParaPr>
+                    <m:oMath xmlns:m="http://schemas.openxmlformats.org/officeDocument/2006/math">
+                      <m:r>
+                        <a:rPr lang="en-US" altLang="ko-KR" b="0" i="1" smtClean="0">
+                          <a:latin typeface="Cambria Math"/>
+                        </a:rPr>
+                        <m:t>𝑥</m:t>
+                      </m:r>
+                      <m:r>
+                        <a:rPr lang="en-US" altLang="ko-KR" b="0" i="1" smtClean="0">
+                          <a:latin typeface="Cambria Math"/>
+                        </a:rPr>
+                        <m:t>[</m:t>
+                      </m:r>
+                      <m:r>
+                        <a:rPr lang="en-US" altLang="ko-KR" b="0" i="1" smtClean="0">
+                          <a:latin typeface="Cambria Math"/>
+                        </a:rPr>
+                        <m:t>𝑛</m:t>
+                      </m:r>
+                      <m:r>
+                        <a:rPr lang="en-US" altLang="ko-KR" b="0" i="1" smtClean="0">
+                          <a:latin typeface="Cambria Math"/>
+                        </a:rPr>
+                        <m:t>]</m:t>
+                      </m:r>
+                    </m:oMath>
+                  </m:oMathPara>
+                </a14:m>
+                <a:endParaRPr lang="ko-KR" altLang="en-US" dirty="0"/>
+              </a:p>
+            </p:txBody>
+          </p:sp>
+        </mc:Choice>
+        <mc:Fallback>
+          <p:sp>
+            <p:nvSpPr>
+              <p:cNvPr id="49" name="TextBox 48"/>
+              <p:cNvSpPr txBox="1">
+                <a:spLocks noRot="1" noChangeAspect="1" noMove="1" noResize="1" noEditPoints="1" noAdjustHandles="1" noChangeArrowheads="1" noChangeShapeType="1" noTextEdit="1"/>
+              </p:cNvSpPr>
+              <p:nvPr/>
+            </p:nvSpPr>
+            <p:spPr>
+              <a:xfrm>
+                <a:off x="1920662" y="4221088"/>
+                <a:ext cx="694164" cy="369332"/>
+              </a:xfrm>
+              <a:prstGeom prst="rect">
+                <a:avLst/>
+              </a:prstGeom>
+              <a:blipFill rotWithShape="1">
+                <a:blip r:embed="rId13"/>
+                <a:stretch>
+                  <a:fillRect b="-18033"/>
+                </a:stretch>
+              </a:blipFill>
+            </p:spPr>
+            <p:txBody>
+              <a:bodyPr/>
+              <a:lstStyle/>
+              <a:p>
+                <a:r>
+                  <a:rPr lang="ko-KR" altLang="en-US">
+                    <a:noFill/>
+                  </a:rPr>
+                  <a:t> </a:t>
+                </a:r>
+              </a:p>
+            </p:txBody>
+          </p:sp>
+        </mc:Fallback>
+      </mc:AlternateContent>
+      <mc:AlternateContent xmlns:mc="http://schemas.openxmlformats.org/markup-compatibility/2006">
+        <mc:Choice xmlns:a14="http://schemas.microsoft.com/office/drawing/2010/main" Requires="a14">
+          <p:sp>
+            <p:nvSpPr>
+              <p:cNvPr id="50" name="TextBox 49"/>
+              <p:cNvSpPr txBox="1"/>
+              <p:nvPr/>
+            </p:nvSpPr>
+            <p:spPr>
+              <a:xfrm>
+                <a:off x="3251854" y="4221088"/>
+                <a:ext cx="794000" cy="369332"/>
+              </a:xfrm>
+              <a:prstGeom prst="rect">
+                <a:avLst/>
+              </a:prstGeom>
+              <a:noFill/>
+            </p:spPr>
+            <p:txBody>
+              <a:bodyPr wrap="none" rtlCol="0">
+                <a:spAutoFit/>
+              </a:bodyPr>
+              <a:lstStyle/>
+              <a:p>
+                <a14:m>
+                  <m:oMathPara xmlns:m="http://schemas.openxmlformats.org/officeDocument/2006/math">
+                    <m:oMathParaPr>
+                      <m:jc m:val="centerGroup"/>
+                    </m:oMathParaPr>
+                    <m:oMath xmlns:m="http://schemas.openxmlformats.org/officeDocument/2006/math">
+                      <m:sSub>
+                        <m:sSubPr>
+                          <m:ctrlPr>
+                            <a:rPr lang="en-US" altLang="ko-KR" b="0" i="1" smtClean="0">
+                              <a:latin typeface="Cambria Math"/>
+                            </a:rPr>
+                          </m:ctrlPr>
+                        </m:sSubPr>
+                        <m:e>
+                          <m:r>
+                            <a:rPr lang="en-US" altLang="ko-KR" b="0" i="1" smtClean="0">
+                              <a:latin typeface="Cambria Math"/>
+                            </a:rPr>
+                            <m:t>h</m:t>
+                          </m:r>
+                        </m:e>
+                        <m:sub>
+                          <m:r>
+                            <a:rPr lang="en-US" altLang="ko-KR" b="0" i="1" smtClean="0">
+                              <a:latin typeface="Cambria Math"/>
+                            </a:rPr>
+                            <m:t>2</m:t>
+                          </m:r>
+                        </m:sub>
+                      </m:sSub>
+                      <m:r>
+                        <a:rPr lang="en-US" altLang="ko-KR" b="0" i="1" smtClean="0">
+                          <a:latin typeface="Cambria Math"/>
+                        </a:rPr>
+                        <m:t>[</m:t>
+                      </m:r>
+                      <m:r>
+                        <a:rPr lang="en-US" altLang="ko-KR" b="0" i="1" smtClean="0">
+                          <a:latin typeface="Cambria Math"/>
+                        </a:rPr>
+                        <m:t>𝑛</m:t>
+                      </m:r>
+                      <m:r>
+                        <a:rPr lang="en-US" altLang="ko-KR" b="0" i="1" smtClean="0">
+                          <a:latin typeface="Cambria Math"/>
+                        </a:rPr>
+                        <m:t>]</m:t>
+                      </m:r>
+                    </m:oMath>
+                  </m:oMathPara>
+                </a14:m>
+                <a:endParaRPr lang="ko-KR" altLang="en-US" dirty="0"/>
+              </a:p>
+            </p:txBody>
+          </p:sp>
+        </mc:Choice>
+        <mc:Fallback>
+          <p:sp>
+            <p:nvSpPr>
+              <p:cNvPr id="50" name="TextBox 49"/>
+              <p:cNvSpPr txBox="1">
+                <a:spLocks noRot="1" noChangeAspect="1" noMove="1" noResize="1" noEditPoints="1" noAdjustHandles="1" noChangeArrowheads="1" noChangeShapeType="1" noTextEdit="1"/>
+              </p:cNvSpPr>
+              <p:nvPr/>
+            </p:nvSpPr>
+            <p:spPr>
+              <a:xfrm>
+                <a:off x="3251854" y="4221088"/>
+                <a:ext cx="794000" cy="369332"/>
+              </a:xfrm>
+              <a:prstGeom prst="rect">
+                <a:avLst/>
+              </a:prstGeom>
+              <a:blipFill rotWithShape="1">
+                <a:blip r:embed="rId14"/>
+                <a:stretch>
+                  <a:fillRect b="-18033"/>
+                </a:stretch>
+              </a:blipFill>
+            </p:spPr>
+            <p:txBody>
+              <a:bodyPr/>
+              <a:lstStyle/>
+              <a:p>
+                <a:r>
+                  <a:rPr lang="ko-KR" altLang="en-US">
+                    <a:noFill/>
+                  </a:rPr>
+                  <a:t> </a:t>
+                </a:r>
+              </a:p>
+            </p:txBody>
+          </p:sp>
+        </mc:Fallback>
+      </mc:AlternateContent>
+      <p:cxnSp>
+        <p:nvCxnSpPr>
+          <p:cNvPr id="51" name="직선 화살표 연결선 50"/>
+          <p:cNvCxnSpPr/>
+          <p:nvPr/>
+        </p:nvCxnSpPr>
+        <p:spPr>
+          <a:xfrm>
+            <a:off x="2496726" y="4405754"/>
+            <a:ext cx="504056" cy="0"/>
+          </a:xfrm>
+          <a:prstGeom prst="straightConnector1">
+            <a:avLst/>
+          </a:prstGeom>
+          <a:ln w="19050">
+            <a:solidFill>
+              <a:schemeClr val="tx1"/>
+            </a:solidFill>
+            <a:tailEnd type="arrow"/>
+          </a:ln>
+        </p:spPr>
+        <p:style>
+          <a:lnRef idx="1">
+            <a:schemeClr val="accent1"/>
+          </a:lnRef>
+          <a:fillRef idx="0">
+            <a:schemeClr val="accent1"/>
+          </a:fillRef>
+          <a:effectRef idx="0">
+            <a:schemeClr val="accent1"/>
+          </a:effectRef>
+          <a:fontRef idx="minor">
+            <a:schemeClr val="tx1"/>
+          </a:fontRef>
+        </p:style>
+      </p:cxnSp>
+      <p:cxnSp>
+        <p:nvCxnSpPr>
+          <p:cNvPr id="52" name="직선 화살표 연결선 51"/>
+          <p:cNvCxnSpPr/>
+          <p:nvPr/>
+        </p:nvCxnSpPr>
+        <p:spPr>
+          <a:xfrm>
+            <a:off x="4296926" y="4405754"/>
+            <a:ext cx="504056" cy="0"/>
+          </a:xfrm>
+          <a:prstGeom prst="straightConnector1">
+            <a:avLst/>
+          </a:prstGeom>
+          <a:ln w="19050">
+            <a:solidFill>
+              <a:schemeClr val="tx1"/>
+            </a:solidFill>
+            <a:tailEnd type="arrow"/>
+          </a:ln>
+        </p:spPr>
+        <p:style>
+          <a:lnRef idx="1">
+            <a:schemeClr val="accent1"/>
+          </a:lnRef>
+          <a:fillRef idx="0">
+            <a:schemeClr val="accent1"/>
+          </a:fillRef>
+          <a:effectRef idx="0">
+            <a:schemeClr val="accent1"/>
+          </a:effectRef>
+          <a:fontRef idx="minor">
+            <a:schemeClr val="tx1"/>
+          </a:fontRef>
+        </p:style>
+      </p:cxnSp>
+      <p:sp>
+        <p:nvSpPr>
+          <p:cNvPr id="53" name="직사각형 52"/>
+          <p:cNvSpPr/>
+          <p:nvPr/>
+        </p:nvSpPr>
+        <p:spPr>
+          <a:xfrm>
+            <a:off x="4800982" y="4225734"/>
+            <a:ext cx="1296144" cy="360040"/>
+          </a:xfrm>
+          <a:prstGeom prst="rect">
+            <a:avLst/>
+          </a:prstGeom>
+          <a:solidFill>
+            <a:schemeClr val="bg1"/>
+          </a:solidFill>
+          <a:ln>
+            <a:solidFill>
+              <a:schemeClr val="tx1"/>
+            </a:solidFill>
+          </a:ln>
+        </p:spPr>
+        <p:style>
+          <a:lnRef idx="2">
+            <a:schemeClr val="accent1">
+              <a:shade val="50000"/>
+            </a:schemeClr>
+          </a:lnRef>
+          <a:fillRef idx="1">
+            <a:schemeClr val="accent1"/>
+          </a:fillRef>
+          <a:effectRef idx="0">
+            <a:schemeClr val="accent1"/>
+          </a:effectRef>
+          <a:fontRef idx="minor">
+            <a:schemeClr val="lt1"/>
+          </a:fontRef>
+        </p:style>
+        <p:txBody>
+          <a:bodyPr rtlCol="0" anchor="ctr"/>
+          <a:lstStyle/>
+          <a:p>
+            <a:pPr algn="ctr"/>
+            <a:endParaRPr lang="ko-KR" altLang="en-US"/>
+          </a:p>
+        </p:txBody>
+      </p:sp>
+      <mc:AlternateContent xmlns:mc="http://schemas.openxmlformats.org/markup-compatibility/2006">
+        <mc:Choice xmlns:a14="http://schemas.microsoft.com/office/drawing/2010/main" Requires="a14">
+          <p:sp>
+            <p:nvSpPr>
+              <p:cNvPr id="54" name="TextBox 53"/>
+              <p:cNvSpPr txBox="1"/>
+              <p:nvPr/>
+            </p:nvSpPr>
+            <p:spPr>
+              <a:xfrm>
+                <a:off x="6529174" y="4221088"/>
+                <a:ext cx="694164" cy="369332"/>
+              </a:xfrm>
+              <a:prstGeom prst="rect">
+                <a:avLst/>
+              </a:prstGeom>
+              <a:noFill/>
+            </p:spPr>
+            <p:txBody>
+              <a:bodyPr wrap="none" rtlCol="0">
+                <a:spAutoFit/>
+              </a:bodyPr>
+              <a:lstStyle/>
+              <a:p>
+                <a14:m>
+                  <m:oMathPara xmlns:m="http://schemas.openxmlformats.org/officeDocument/2006/math">
+                    <m:oMathParaPr>
+                      <m:jc m:val="centerGroup"/>
+                    </m:oMathParaPr>
+                    <m:oMath xmlns:m="http://schemas.openxmlformats.org/officeDocument/2006/math">
+                      <m:r>
+                        <a:rPr lang="en-US" altLang="ko-KR" b="0" i="1" smtClean="0">
+                          <a:latin typeface="Cambria Math"/>
+                        </a:rPr>
+                        <m:t>𝑦</m:t>
+                      </m:r>
+                      <m:r>
+                        <a:rPr lang="en-US" altLang="ko-KR" b="0" i="1" smtClean="0">
+                          <a:latin typeface="Cambria Math"/>
+                        </a:rPr>
+                        <m:t>[</m:t>
+                      </m:r>
+                      <m:r>
+                        <a:rPr lang="en-US" altLang="ko-KR" b="0" i="1" smtClean="0">
+                          <a:latin typeface="Cambria Math"/>
+                        </a:rPr>
+                        <m:t>𝑛</m:t>
+                      </m:r>
+                      <m:r>
+                        <a:rPr lang="en-US" altLang="ko-KR" b="0" i="1" smtClean="0">
+                          <a:latin typeface="Cambria Math"/>
+                        </a:rPr>
+                        <m:t>]</m:t>
+                      </m:r>
+                    </m:oMath>
+                  </m:oMathPara>
+                </a14:m>
+                <a:endParaRPr lang="ko-KR" altLang="en-US" dirty="0"/>
+              </a:p>
+            </p:txBody>
+          </p:sp>
+        </mc:Choice>
+        <mc:Fallback>
+          <p:sp>
+            <p:nvSpPr>
+              <p:cNvPr id="54" name="TextBox 53"/>
+              <p:cNvSpPr txBox="1">
+                <a:spLocks noRot="1" noChangeAspect="1" noMove="1" noResize="1" noEditPoints="1" noAdjustHandles="1" noChangeArrowheads="1" noChangeShapeType="1" noTextEdit="1"/>
+              </p:cNvSpPr>
+              <p:nvPr/>
+            </p:nvSpPr>
+            <p:spPr>
+              <a:xfrm>
+                <a:off x="6529174" y="4221088"/>
+                <a:ext cx="694164" cy="369332"/>
+              </a:xfrm>
+              <a:prstGeom prst="rect">
+                <a:avLst/>
+              </a:prstGeom>
+              <a:blipFill rotWithShape="1">
+                <a:blip r:embed="rId15"/>
+                <a:stretch>
+                  <a:fillRect b="-18033"/>
+                </a:stretch>
+              </a:blipFill>
+            </p:spPr>
+            <p:txBody>
+              <a:bodyPr/>
+              <a:lstStyle/>
+              <a:p>
+                <a:r>
+                  <a:rPr lang="ko-KR" altLang="en-US">
+                    <a:noFill/>
+                  </a:rPr>
+                  <a:t> </a:t>
+                </a:r>
+              </a:p>
+            </p:txBody>
+          </p:sp>
+        </mc:Fallback>
+      </mc:AlternateContent>
+      <mc:AlternateContent xmlns:mc="http://schemas.openxmlformats.org/markup-compatibility/2006">
+        <mc:Choice xmlns:a14="http://schemas.microsoft.com/office/drawing/2010/main" Requires="a14">
+          <p:sp>
+            <p:nvSpPr>
+              <p:cNvPr id="55" name="TextBox 54"/>
+              <p:cNvSpPr txBox="1"/>
+              <p:nvPr/>
+            </p:nvSpPr>
+            <p:spPr>
+              <a:xfrm>
+                <a:off x="5049394" y="4221088"/>
+                <a:ext cx="799321" cy="369332"/>
+              </a:xfrm>
+              <a:prstGeom prst="rect">
+                <a:avLst/>
+              </a:prstGeom>
+              <a:noFill/>
+            </p:spPr>
+            <p:txBody>
+              <a:bodyPr wrap="none" rtlCol="0">
+                <a:spAutoFit/>
+              </a:bodyPr>
+              <a:lstStyle/>
+              <a:p>
+                <a14:m>
+                  <m:oMathPara xmlns:m="http://schemas.openxmlformats.org/officeDocument/2006/math">
+                    <m:oMathParaPr>
+                      <m:jc m:val="centerGroup"/>
+                    </m:oMathParaPr>
+                    <m:oMath xmlns:m="http://schemas.openxmlformats.org/officeDocument/2006/math">
+                      <m:sSub>
+                        <m:sSubPr>
+                          <m:ctrlPr>
+                            <a:rPr lang="en-US" altLang="ko-KR" b="0" i="1" smtClean="0">
+                              <a:latin typeface="Cambria Math"/>
+                            </a:rPr>
+                          </m:ctrlPr>
+                        </m:sSubPr>
+                        <m:e>
+                          <m:r>
+                            <a:rPr lang="en-US" altLang="ko-KR" b="0" i="1" smtClean="0">
+                              <a:latin typeface="Cambria Math"/>
+                            </a:rPr>
+                            <m:t>h</m:t>
+                          </m:r>
+                        </m:e>
+                        <m:sub>
+                          <m:r>
+                            <a:rPr lang="en-US" altLang="ko-KR" b="0" i="1" smtClean="0">
+                              <a:latin typeface="Cambria Math"/>
+                            </a:rPr>
+                            <m:t>1</m:t>
+                          </m:r>
+                        </m:sub>
+                      </m:sSub>
+                      <m:r>
+                        <a:rPr lang="en-US" altLang="ko-KR" b="0" i="1" smtClean="0">
+                          <a:latin typeface="Cambria Math"/>
+                        </a:rPr>
+                        <m:t>[</m:t>
+                      </m:r>
+                      <m:r>
+                        <a:rPr lang="en-US" altLang="ko-KR" b="0" i="1" smtClean="0">
+                          <a:latin typeface="Cambria Math"/>
+                        </a:rPr>
+                        <m:t>𝑛</m:t>
+                      </m:r>
+                      <m:r>
+                        <a:rPr lang="en-US" altLang="ko-KR" b="0" i="1" smtClean="0">
+                          <a:latin typeface="Cambria Math"/>
+                        </a:rPr>
+                        <m:t>]</m:t>
+                      </m:r>
+                    </m:oMath>
+                  </m:oMathPara>
+                </a14:m>
+                <a:endParaRPr lang="ko-KR" altLang="en-US" dirty="0"/>
+              </a:p>
+            </p:txBody>
+          </p:sp>
+        </mc:Choice>
+        <mc:Fallback>
+          <p:sp>
+            <p:nvSpPr>
+              <p:cNvPr id="55" name="TextBox 54"/>
+              <p:cNvSpPr txBox="1">
+                <a:spLocks noRot="1" noChangeAspect="1" noMove="1" noResize="1" noEditPoints="1" noAdjustHandles="1" noChangeArrowheads="1" noChangeShapeType="1" noTextEdit="1"/>
+              </p:cNvSpPr>
+              <p:nvPr/>
+            </p:nvSpPr>
+            <p:spPr>
+              <a:xfrm>
+                <a:off x="5049394" y="4221088"/>
+                <a:ext cx="799321" cy="369332"/>
+              </a:xfrm>
+              <a:prstGeom prst="rect">
+                <a:avLst/>
+              </a:prstGeom>
+              <a:blipFill rotWithShape="1">
+                <a:blip r:embed="rId16"/>
+                <a:stretch>
+                  <a:fillRect b="-18033"/>
+                </a:stretch>
+              </a:blipFill>
+            </p:spPr>
+            <p:txBody>
+              <a:bodyPr/>
+              <a:lstStyle/>
+              <a:p>
+                <a:r>
+                  <a:rPr lang="ko-KR" altLang="en-US">
+                    <a:noFill/>
+                  </a:rPr>
+                  <a:t> </a:t>
+                </a:r>
+              </a:p>
+            </p:txBody>
+          </p:sp>
+        </mc:Fallback>
+      </mc:AlternateContent>
+      <p:cxnSp>
+        <p:nvCxnSpPr>
+          <p:cNvPr id="56" name="직선 화살표 연결선 55"/>
+          <p:cNvCxnSpPr/>
+          <p:nvPr/>
+        </p:nvCxnSpPr>
+        <p:spPr>
+          <a:xfrm>
+            <a:off x="6097126" y="4405754"/>
+            <a:ext cx="504056" cy="0"/>
+          </a:xfrm>
+          <a:prstGeom prst="straightConnector1">
+            <a:avLst/>
+          </a:prstGeom>
+          <a:ln w="19050">
+            <a:solidFill>
+              <a:schemeClr val="tx1"/>
+            </a:solidFill>
+            <a:tailEnd type="arrow"/>
+          </a:ln>
+        </p:spPr>
+        <p:style>
+          <a:lnRef idx="1">
+            <a:schemeClr val="accent1"/>
+          </a:lnRef>
+          <a:fillRef idx="0">
+            <a:schemeClr val="accent1"/>
+          </a:fillRef>
+          <a:effectRef idx="0">
+            <a:schemeClr val="accent1"/>
+          </a:effectRef>
+          <a:fontRef idx="minor">
+            <a:schemeClr val="tx1"/>
+          </a:fontRef>
+        </p:style>
+      </p:cxnSp>
+      <p:sp>
+        <p:nvSpPr>
+          <p:cNvPr id="57" name="위쪽/아래쪽 화살표 56"/>
+          <p:cNvSpPr/>
+          <p:nvPr/>
+        </p:nvSpPr>
+        <p:spPr>
+          <a:xfrm rot="10800000">
+            <a:off x="4382350" y="3587799"/>
+            <a:ext cx="283768" cy="542235"/>
+          </a:xfrm>
+          <a:prstGeom prst="upDownArrow">
+            <a:avLst/>
+          </a:prstGeom>
+          <a:solidFill>
+            <a:schemeClr val="bg1">
+              <a:lumMod val="95000"/>
+            </a:schemeClr>
+          </a:solidFill>
+          <a:ln>
+            <a:solidFill>
+              <a:schemeClr val="bg1">
+                <a:lumMod val="50000"/>
+              </a:schemeClr>
+            </a:solidFill>
+          </a:ln>
+        </p:spPr>
+        <p:style>
+          <a:lnRef idx="2">
+            <a:schemeClr val="accent1">
+              <a:shade val="50000"/>
+            </a:schemeClr>
+          </a:lnRef>
+          <a:fillRef idx="1">
+            <a:schemeClr val="accent1"/>
+          </a:fillRef>
+          <a:effectRef idx="0">
+            <a:schemeClr val="accent1"/>
+          </a:effectRef>
+          <a:fontRef idx="minor">
+            <a:schemeClr val="lt1"/>
+          </a:fontRef>
+        </p:style>
+        <p:txBody>
+          <a:bodyPr rtlCol="0" anchor="ctr"/>
+          <a:lstStyle/>
+          <a:p>
+            <a:pPr algn="ctr"/>
+            <a:endParaRPr lang="ko-KR" altLang="en-US"/>
+          </a:p>
+        </p:txBody>
+      </p:sp>
+      <mc:AlternateContent xmlns:mc="http://schemas.openxmlformats.org/markup-compatibility/2006">
+        <mc:Choice xmlns:a14="http://schemas.microsoft.com/office/drawing/2010/main" Requires="a14">
+          <p:sp>
+            <p:nvSpPr>
+              <p:cNvPr id="59" name="TextBox 58"/>
+              <p:cNvSpPr txBox="1"/>
+              <p:nvPr/>
+            </p:nvSpPr>
+            <p:spPr>
+              <a:xfrm>
+                <a:off x="1807814" y="4869160"/>
+                <a:ext cx="5528372" cy="369332"/>
+              </a:xfrm>
+              <a:prstGeom prst="rect">
+                <a:avLst/>
+              </a:prstGeom>
+              <a:noFill/>
+            </p:spPr>
+            <p:txBody>
+              <a:bodyPr wrap="none" rtlCol="0">
+                <a:spAutoFit/>
+              </a:bodyPr>
+              <a:lstStyle/>
+              <a:p>
+                <a14:m>
+                  <m:oMathPara xmlns:m="http://schemas.openxmlformats.org/officeDocument/2006/math">
+                    <m:oMathParaPr>
+                      <m:jc m:val="centerGroup"/>
+                    </m:oMathParaPr>
+                    <m:oMath xmlns:m="http://schemas.openxmlformats.org/officeDocument/2006/math">
+                      <m:r>
+                        <a:rPr lang="en-US" altLang="ko-KR" b="0" i="1" smtClean="0">
+                          <a:latin typeface="Cambria Math"/>
+                        </a:rPr>
+                        <m:t>𝑦</m:t>
+                      </m:r>
+                      <m:d>
+                        <m:dPr>
+                          <m:begChr m:val="["/>
+                          <m:endChr m:val="]"/>
+                          <m:ctrlPr>
+                            <a:rPr lang="en-US" altLang="ko-KR" b="0" i="1" smtClean="0">
+                              <a:latin typeface="Cambria Math"/>
+                            </a:rPr>
+                          </m:ctrlPr>
+                        </m:dPr>
+                        <m:e>
+                          <m:r>
+                            <a:rPr lang="en-US" altLang="ko-KR" b="0" i="1" smtClean="0">
+                              <a:latin typeface="Cambria Math"/>
+                            </a:rPr>
+                            <m:t>𝑛</m:t>
+                          </m:r>
+                        </m:e>
+                      </m:d>
+                      <m:r>
+                        <a:rPr lang="en-US" altLang="ko-KR" b="0" i="1" smtClean="0">
+                          <a:latin typeface="Cambria Math"/>
+                        </a:rPr>
+                        <m:t>=</m:t>
+                      </m:r>
+                      <m:sSub>
+                        <m:sSubPr>
+                          <m:ctrlPr>
+                            <a:rPr lang="en-US" altLang="ko-KR" b="0" i="1" smtClean="0">
+                              <a:latin typeface="Cambria Math"/>
+                            </a:rPr>
+                          </m:ctrlPr>
+                        </m:sSubPr>
+                        <m:e>
+                          <m:r>
+                            <a:rPr lang="en-US" altLang="ko-KR" b="0" i="1" smtClean="0">
+                              <a:latin typeface="Cambria Math"/>
+                            </a:rPr>
+                            <m:t>(</m:t>
+                          </m:r>
+                          <m:r>
+                            <a:rPr lang="en-US" altLang="ko-KR" b="0" i="1" smtClean="0">
+                              <a:latin typeface="Cambria Math"/>
+                            </a:rPr>
+                            <m:t>h</m:t>
+                          </m:r>
+                        </m:e>
+                        <m:sub>
+                          <m:r>
+                            <a:rPr lang="en-US" altLang="ko-KR" b="0" i="1" smtClean="0">
+                              <a:latin typeface="Cambria Math"/>
+                            </a:rPr>
+                            <m:t>1</m:t>
+                          </m:r>
+                        </m:sub>
+                      </m:sSub>
+                      <m:d>
+                        <m:dPr>
+                          <m:begChr m:val="["/>
+                          <m:endChr m:val="]"/>
+                          <m:ctrlPr>
+                            <a:rPr lang="en-US" altLang="ko-KR" b="0" i="1" smtClean="0">
+                              <a:latin typeface="Cambria Math"/>
+                            </a:rPr>
+                          </m:ctrlPr>
+                        </m:dPr>
+                        <m:e>
+                          <m:r>
+                            <a:rPr lang="en-US" altLang="ko-KR" b="0" i="1" smtClean="0">
+                              <a:latin typeface="Cambria Math"/>
+                            </a:rPr>
+                            <m:t>𝑛</m:t>
+                          </m:r>
+                        </m:e>
+                      </m:d>
+                      <m:r>
+                        <a:rPr lang="en-US" altLang="ko-KR" b="0" i="1" smtClean="0">
+                          <a:latin typeface="Cambria Math"/>
+                        </a:rPr>
+                        <m:t>∗</m:t>
+                      </m:r>
+                      <m:sSub>
+                        <m:sSubPr>
+                          <m:ctrlPr>
+                            <a:rPr lang="en-US" altLang="ko-KR" b="0" i="1" smtClean="0">
+                              <a:latin typeface="Cambria Math"/>
+                            </a:rPr>
+                          </m:ctrlPr>
+                        </m:sSubPr>
+                        <m:e>
+                          <m:r>
+                            <a:rPr lang="en-US" altLang="ko-KR" b="0" i="1" smtClean="0">
+                              <a:latin typeface="Cambria Math"/>
+                            </a:rPr>
+                            <m:t>h</m:t>
+                          </m:r>
+                        </m:e>
+                        <m:sub>
+                          <m:r>
+                            <a:rPr lang="en-US" altLang="ko-KR" b="0" i="1" smtClean="0">
+                              <a:latin typeface="Cambria Math"/>
+                            </a:rPr>
+                            <m:t>2</m:t>
+                          </m:r>
+                        </m:sub>
+                      </m:sSub>
+                      <m:d>
+                        <m:dPr>
+                          <m:begChr m:val="["/>
+                          <m:endChr m:val="]"/>
+                          <m:ctrlPr>
+                            <a:rPr lang="en-US" altLang="ko-KR" b="0" i="1" smtClean="0">
+                              <a:latin typeface="Cambria Math"/>
+                            </a:rPr>
+                          </m:ctrlPr>
+                        </m:dPr>
+                        <m:e>
+                          <m:r>
+                            <a:rPr lang="en-US" altLang="ko-KR" b="0" i="1" smtClean="0">
+                              <a:latin typeface="Cambria Math"/>
+                            </a:rPr>
+                            <m:t>𝑛</m:t>
+                          </m:r>
+                        </m:e>
+                      </m:d>
+                      <m:r>
+                        <a:rPr lang="en-US" altLang="ko-KR" b="0" i="1" smtClean="0">
+                          <a:latin typeface="Cambria Math"/>
+                        </a:rPr>
+                        <m:t>)∗</m:t>
+                      </m:r>
+                      <m:r>
+                        <a:rPr lang="en-US" altLang="ko-KR" b="0" i="1" smtClean="0">
+                          <a:latin typeface="Cambria Math"/>
+                        </a:rPr>
+                        <m:t>𝑥</m:t>
+                      </m:r>
+                      <m:d>
+                        <m:dPr>
+                          <m:begChr m:val="["/>
+                          <m:endChr m:val="]"/>
+                          <m:ctrlPr>
+                            <a:rPr lang="en-US" altLang="ko-KR" b="0" i="1" smtClean="0">
+                              <a:latin typeface="Cambria Math"/>
+                            </a:rPr>
+                          </m:ctrlPr>
+                        </m:dPr>
+                        <m:e>
+                          <m:r>
+                            <a:rPr lang="en-US" altLang="ko-KR" b="0" i="1" smtClean="0">
+                              <a:latin typeface="Cambria Math"/>
+                            </a:rPr>
+                            <m:t>𝑛</m:t>
+                          </m:r>
+                        </m:e>
+                      </m:d>
+                      <m:r>
+                        <a:rPr lang="en-US" altLang="ko-KR" b="0" i="1" smtClean="0">
+                          <a:latin typeface="Cambria Math"/>
+                        </a:rPr>
+                        <m:t>=(</m:t>
+                      </m:r>
+                      <m:sSub>
+                        <m:sSubPr>
+                          <m:ctrlPr>
+                            <a:rPr lang="en-US" altLang="ko-KR" i="1">
+                              <a:latin typeface="Cambria Math"/>
+                            </a:rPr>
+                          </m:ctrlPr>
+                        </m:sSubPr>
+                        <m:e>
+                          <m:r>
+                            <a:rPr lang="en-US" altLang="ko-KR" i="1">
+                              <a:latin typeface="Cambria Math"/>
+                            </a:rPr>
+                            <m:t>h</m:t>
+                          </m:r>
+                        </m:e>
+                        <m:sub>
+                          <m:r>
+                            <a:rPr lang="en-US" altLang="ko-KR" b="0" i="1" smtClean="0">
+                              <a:latin typeface="Cambria Math"/>
+                            </a:rPr>
+                            <m:t>2</m:t>
+                          </m:r>
+                        </m:sub>
+                      </m:sSub>
+                      <m:d>
+                        <m:dPr>
+                          <m:begChr m:val="["/>
+                          <m:endChr m:val="]"/>
+                          <m:ctrlPr>
+                            <a:rPr lang="en-US" altLang="ko-KR" i="1">
+                              <a:latin typeface="Cambria Math"/>
+                            </a:rPr>
+                          </m:ctrlPr>
+                        </m:dPr>
+                        <m:e>
+                          <m:r>
+                            <a:rPr lang="en-US" altLang="ko-KR" i="1">
+                              <a:latin typeface="Cambria Math"/>
+                            </a:rPr>
+                            <m:t>𝑛</m:t>
+                          </m:r>
+                        </m:e>
+                      </m:d>
+                      <m:r>
+                        <a:rPr lang="en-US" altLang="ko-KR" i="1">
+                          <a:latin typeface="Cambria Math"/>
+                        </a:rPr>
+                        <m:t>∗</m:t>
+                      </m:r>
+                      <m:sSub>
+                        <m:sSubPr>
+                          <m:ctrlPr>
+                            <a:rPr lang="en-US" altLang="ko-KR" i="1">
+                              <a:latin typeface="Cambria Math"/>
+                            </a:rPr>
+                          </m:ctrlPr>
+                        </m:sSubPr>
+                        <m:e>
+                          <m:r>
+                            <a:rPr lang="en-US" altLang="ko-KR" i="1">
+                              <a:latin typeface="Cambria Math"/>
+                            </a:rPr>
+                            <m:t>h</m:t>
+                          </m:r>
+                        </m:e>
+                        <m:sub>
+                          <m:r>
+                            <a:rPr lang="en-US" altLang="ko-KR" b="0" i="1" smtClean="0">
+                              <a:latin typeface="Cambria Math"/>
+                            </a:rPr>
+                            <m:t>1</m:t>
+                          </m:r>
+                        </m:sub>
+                      </m:sSub>
+                      <m:d>
+                        <m:dPr>
+                          <m:begChr m:val="["/>
+                          <m:endChr m:val="]"/>
+                          <m:ctrlPr>
+                            <a:rPr lang="en-US" altLang="ko-KR" i="1">
+                              <a:latin typeface="Cambria Math"/>
+                            </a:rPr>
+                          </m:ctrlPr>
+                        </m:dPr>
+                        <m:e>
+                          <m:r>
+                            <a:rPr lang="en-US" altLang="ko-KR" i="1">
+                              <a:latin typeface="Cambria Math"/>
+                            </a:rPr>
+                            <m:t>𝑛</m:t>
+                          </m:r>
+                        </m:e>
+                      </m:d>
+                      <m:r>
+                        <a:rPr lang="en-US" altLang="ko-KR" b="0" i="1" smtClean="0">
+                          <a:latin typeface="Cambria Math"/>
+                        </a:rPr>
+                        <m:t>)</m:t>
+                      </m:r>
+                      <m:r>
+                        <a:rPr lang="en-US" altLang="ko-KR" i="1">
+                          <a:latin typeface="Cambria Math"/>
+                        </a:rPr>
+                        <m:t>∗</m:t>
+                      </m:r>
+                      <m:r>
+                        <a:rPr lang="en-US" altLang="ko-KR" i="1">
+                          <a:latin typeface="Cambria Math"/>
+                        </a:rPr>
+                        <m:t>𝑥</m:t>
+                      </m:r>
+                      <m:r>
+                        <a:rPr lang="en-US" altLang="ko-KR" i="1">
+                          <a:latin typeface="Cambria Math"/>
+                        </a:rPr>
+                        <m:t>[</m:t>
+                      </m:r>
+                      <m:r>
+                        <a:rPr lang="en-US" altLang="ko-KR" i="1">
+                          <a:latin typeface="Cambria Math"/>
+                        </a:rPr>
+                        <m:t>𝑛</m:t>
+                      </m:r>
+                      <m:r>
+                        <a:rPr lang="en-US" altLang="ko-KR" i="1">
+                          <a:latin typeface="Cambria Math"/>
+                        </a:rPr>
+                        <m:t>]</m:t>
+                      </m:r>
+                    </m:oMath>
+                  </m:oMathPara>
+                </a14:m>
+                <a:endParaRPr lang="ko-KR" altLang="en-US" dirty="0"/>
+              </a:p>
+            </p:txBody>
+          </p:sp>
+        </mc:Choice>
+        <mc:Fallback>
+          <p:sp>
+            <p:nvSpPr>
+              <p:cNvPr id="59" name="TextBox 58"/>
+              <p:cNvSpPr txBox="1">
+                <a:spLocks noRot="1" noChangeAspect="1" noMove="1" noResize="1" noEditPoints="1" noAdjustHandles="1" noChangeArrowheads="1" noChangeShapeType="1" noTextEdit="1"/>
+              </p:cNvSpPr>
+              <p:nvPr/>
+            </p:nvSpPr>
+            <p:spPr>
+              <a:xfrm>
+                <a:off x="1807814" y="4869160"/>
+                <a:ext cx="5528372" cy="369332"/>
+              </a:xfrm>
+              <a:prstGeom prst="rect">
+                <a:avLst/>
+              </a:prstGeom>
+              <a:blipFill rotWithShape="1">
+                <a:blip r:embed="rId17"/>
+                <a:stretch>
+                  <a:fillRect b="-20000"/>
+                </a:stretch>
+              </a:blipFill>
+            </p:spPr>
+            <p:txBody>
+              <a:bodyPr/>
+              <a:lstStyle/>
+              <a:p>
+                <a:r>
+                  <a:rPr lang="ko-KR" altLang="en-US">
+                    <a:noFill/>
+                  </a:rPr>
+                  <a:t> </a:t>
+                </a:r>
+              </a:p>
+            </p:txBody>
+          </p:sp>
+        </mc:Fallback>
+      </mc:AlternateContent>
+    </p:spTree>
+    <p:extLst>
+      <p:ext uri="{BB962C8B-B14F-4D97-AF65-F5344CB8AC3E}">
+        <p14:creationId xmlns:p14="http://schemas.microsoft.com/office/powerpoint/2010/main" val="3902606381"/>
+      </p:ext>
+    </p:extLst>
+  </p:cSld>
+  <p:clrMapOvr>
+    <a:masterClrMapping/>
+  </p:clrMapOvr>
+</p:sld>
+</file>
+
+<file path=ppt/slides/slide5.xml><?xml version="1.0" encoding="utf-8"?>
+<p:sld xmlns:a="http://schemas.openxmlformats.org/drawingml/2006/main" xmlns:r="http://schemas.openxmlformats.org/officeDocument/2006/relationships" xmlns:p="http://schemas.openxmlformats.org/presentationml/2006/main">
+  <p:cSld>
+    <p:spTree>
+      <p:nvGrpSpPr>
+        <p:cNvPr id="1" name=""/>
+        <p:cNvGrpSpPr/>
+        <p:nvPr/>
+      </p:nvGrpSpPr>
+      <p:grpSpPr>
+        <a:xfrm>
+          <a:off x="0" y="0"/>
+          <a:ext cx="0" cy="0"/>
+          <a:chOff x="0" y="0"/>
+          <a:chExt cx="0" cy="0"/>
+        </a:xfrm>
+      </p:grpSpPr>
+      <p:sp>
+        <p:nvSpPr>
+          <p:cNvPr id="4" name="직사각형 3"/>
+          <p:cNvSpPr/>
+          <p:nvPr/>
+        </p:nvSpPr>
+        <p:spPr>
+          <a:xfrm>
+            <a:off x="2483768" y="2348880"/>
+            <a:ext cx="1296144" cy="360040"/>
+          </a:xfrm>
+          <a:prstGeom prst="rect">
+            <a:avLst/>
+          </a:prstGeom>
+          <a:solidFill>
+            <a:schemeClr val="bg1"/>
+          </a:solidFill>
+          <a:ln>
+            <a:solidFill>
+              <a:schemeClr val="tx1"/>
+            </a:solidFill>
+          </a:ln>
+        </p:spPr>
+        <p:style>
+          <a:lnRef idx="2">
+            <a:schemeClr val="accent1">
+              <a:shade val="50000"/>
+            </a:schemeClr>
+          </a:lnRef>
+          <a:fillRef idx="1">
+            <a:schemeClr val="accent1"/>
+          </a:fillRef>
+          <a:effectRef idx="0">
+            <a:schemeClr val="accent1"/>
+          </a:effectRef>
+          <a:fontRef idx="minor">
+            <a:schemeClr val="lt1"/>
+          </a:fontRef>
+        </p:style>
+        <p:txBody>
+          <a:bodyPr rtlCol="0" anchor="ctr"/>
+          <a:lstStyle/>
+          <a:p>
+            <a:pPr algn="ctr"/>
+            <a:endParaRPr lang="ko-KR" altLang="en-US"/>
+          </a:p>
+        </p:txBody>
+      </p:sp>
+      <mc:AlternateContent xmlns:mc="http://schemas.openxmlformats.org/markup-compatibility/2006">
+        <mc:Choice xmlns:a14="http://schemas.microsoft.com/office/drawing/2010/main" Requires="a14">
+          <p:sp>
+            <p:nvSpPr>
+              <p:cNvPr id="5" name="TextBox 4"/>
+              <p:cNvSpPr txBox="1"/>
+              <p:nvPr/>
+            </p:nvSpPr>
+            <p:spPr>
+              <a:xfrm>
+                <a:off x="1403648" y="2344234"/>
+                <a:ext cx="694164" cy="369332"/>
+              </a:xfrm>
+              <a:prstGeom prst="rect">
+                <a:avLst/>
+              </a:prstGeom>
+              <a:noFill/>
+            </p:spPr>
+            <p:txBody>
+              <a:bodyPr wrap="none" rtlCol="0">
+                <a:spAutoFit/>
+              </a:bodyPr>
+              <a:lstStyle/>
+              <a:p>
+                <a14:m>
+                  <m:oMathPara xmlns:m="http://schemas.openxmlformats.org/officeDocument/2006/math">
+                    <m:oMathParaPr>
+                      <m:jc m:val="centerGroup"/>
+                    </m:oMathParaPr>
+                    <m:oMath xmlns:m="http://schemas.openxmlformats.org/officeDocument/2006/math">
+                      <m:r>
+                        <a:rPr lang="en-US" altLang="ko-KR" b="0" i="1" smtClean="0">
+                          <a:latin typeface="Cambria Math"/>
+                        </a:rPr>
+                        <m:t>𝑥</m:t>
+                      </m:r>
+                      <m:r>
+                        <a:rPr lang="en-US" altLang="ko-KR" b="0" i="1" smtClean="0">
+                          <a:latin typeface="Cambria Math"/>
+                        </a:rPr>
+                        <m:t>[</m:t>
+                      </m:r>
+                      <m:r>
+                        <a:rPr lang="en-US" altLang="ko-KR" b="0" i="1" smtClean="0">
+                          <a:latin typeface="Cambria Math"/>
+                        </a:rPr>
+                        <m:t>𝑛</m:t>
+                      </m:r>
+                      <m:r>
+                        <a:rPr lang="en-US" altLang="ko-KR" b="0" i="1" smtClean="0">
+                          <a:latin typeface="Cambria Math"/>
+                        </a:rPr>
+                        <m:t>]</m:t>
+                      </m:r>
+                    </m:oMath>
+                  </m:oMathPara>
+                </a14:m>
+                <a:endParaRPr lang="ko-KR" altLang="en-US" dirty="0"/>
+              </a:p>
+            </p:txBody>
+          </p:sp>
+        </mc:Choice>
+        <mc:Fallback>
+          <p:sp>
+            <p:nvSpPr>
+              <p:cNvPr id="5" name="TextBox 4"/>
+              <p:cNvSpPr txBox="1">
+                <a:spLocks noRot="1" noChangeAspect="1" noMove="1" noResize="1" noEditPoints="1" noAdjustHandles="1" noChangeArrowheads="1" noChangeShapeType="1" noTextEdit="1"/>
+              </p:cNvSpPr>
+              <p:nvPr/>
+            </p:nvSpPr>
+            <p:spPr>
+              <a:xfrm>
+                <a:off x="1403648" y="2344234"/>
+                <a:ext cx="694164" cy="369332"/>
+              </a:xfrm>
+              <a:prstGeom prst="rect">
+                <a:avLst/>
+              </a:prstGeom>
+              <a:blipFill rotWithShape="1">
+                <a:blip r:embed="rId2"/>
+                <a:stretch>
+                  <a:fillRect b="-20000"/>
+                </a:stretch>
+              </a:blipFill>
+            </p:spPr>
+            <p:txBody>
+              <a:bodyPr/>
+              <a:lstStyle/>
+              <a:p>
+                <a:r>
+                  <a:rPr lang="ko-KR" altLang="en-US">
+                    <a:noFill/>
+                  </a:rPr>
+                  <a:t> </a:t>
+                </a:r>
+              </a:p>
+            </p:txBody>
+          </p:sp>
+        </mc:Fallback>
+      </mc:AlternateContent>
+      <mc:AlternateContent xmlns:mc="http://schemas.openxmlformats.org/markup-compatibility/2006">
+        <mc:Choice xmlns:a14="http://schemas.microsoft.com/office/drawing/2010/main" Requires="a14">
+          <p:sp>
+            <p:nvSpPr>
+              <p:cNvPr id="6" name="TextBox 5"/>
+              <p:cNvSpPr txBox="1"/>
+              <p:nvPr/>
+            </p:nvSpPr>
+            <p:spPr>
+              <a:xfrm>
+                <a:off x="2734840" y="2344234"/>
+                <a:ext cx="794000" cy="369332"/>
+              </a:xfrm>
+              <a:prstGeom prst="rect">
+                <a:avLst/>
+              </a:prstGeom>
+              <a:noFill/>
+            </p:spPr>
+            <p:txBody>
+              <a:bodyPr wrap="none" rtlCol="0">
+                <a:spAutoFit/>
+              </a:bodyPr>
+              <a:lstStyle/>
+              <a:p>
+                <a14:m>
+                  <m:oMathPara xmlns:m="http://schemas.openxmlformats.org/officeDocument/2006/math">
+                    <m:oMathParaPr>
+                      <m:jc m:val="centerGroup"/>
+                    </m:oMathParaPr>
+                    <m:oMath xmlns:m="http://schemas.openxmlformats.org/officeDocument/2006/math">
+                      <m:sSub>
+                        <m:sSubPr>
+                          <m:ctrlPr>
+                            <a:rPr lang="en-US" altLang="ko-KR" b="0" i="1" smtClean="0">
+                              <a:latin typeface="Cambria Math"/>
+                            </a:rPr>
+                          </m:ctrlPr>
+                        </m:sSubPr>
+                        <m:e>
+                          <m:r>
+                            <a:rPr lang="en-US" altLang="ko-KR" b="0" i="1" smtClean="0">
+                              <a:latin typeface="Cambria Math"/>
+                            </a:rPr>
+                            <m:t>h</m:t>
+                          </m:r>
+                        </m:e>
+                        <m:sub>
+                          <m:r>
+                            <a:rPr lang="en-US" altLang="ko-KR" b="0" i="1" smtClean="0">
+                              <a:latin typeface="Cambria Math"/>
+                            </a:rPr>
+                            <m:t>1</m:t>
+                          </m:r>
+                        </m:sub>
+                      </m:sSub>
+                      <m:r>
+                        <a:rPr lang="en-US" altLang="ko-KR" b="0" i="1" smtClean="0">
+                          <a:latin typeface="Cambria Math"/>
+                        </a:rPr>
+                        <m:t>[</m:t>
+                      </m:r>
+                      <m:r>
+                        <a:rPr lang="en-US" altLang="ko-KR" b="0" i="1" smtClean="0">
+                          <a:latin typeface="Cambria Math"/>
+                        </a:rPr>
+                        <m:t>𝑛</m:t>
+                      </m:r>
+                      <m:r>
+                        <a:rPr lang="en-US" altLang="ko-KR" b="0" i="1" smtClean="0">
+                          <a:latin typeface="Cambria Math"/>
+                        </a:rPr>
+                        <m:t>]</m:t>
+                      </m:r>
+                    </m:oMath>
+                  </m:oMathPara>
+                </a14:m>
+                <a:endParaRPr lang="ko-KR" altLang="en-US" dirty="0"/>
+              </a:p>
+            </p:txBody>
+          </p:sp>
+        </mc:Choice>
+        <mc:Fallback>
+          <p:sp>
+            <p:nvSpPr>
+              <p:cNvPr id="6" name="TextBox 5"/>
+              <p:cNvSpPr txBox="1">
+                <a:spLocks noRot="1" noChangeAspect="1" noMove="1" noResize="1" noEditPoints="1" noAdjustHandles="1" noChangeArrowheads="1" noChangeShapeType="1" noTextEdit="1"/>
+              </p:cNvSpPr>
+              <p:nvPr/>
+            </p:nvSpPr>
+            <p:spPr>
+              <a:xfrm>
+                <a:off x="2734840" y="2344234"/>
+                <a:ext cx="794000" cy="369332"/>
+              </a:xfrm>
+              <a:prstGeom prst="rect">
+                <a:avLst/>
+              </a:prstGeom>
+              <a:blipFill rotWithShape="1">
+                <a:blip r:embed="rId3"/>
+                <a:stretch>
+                  <a:fillRect b="-20000"/>
+                </a:stretch>
+              </a:blipFill>
+            </p:spPr>
+            <p:txBody>
+              <a:bodyPr/>
+              <a:lstStyle/>
+              <a:p>
+                <a:r>
+                  <a:rPr lang="ko-KR" altLang="en-US">
+                    <a:noFill/>
+                  </a:rPr>
+                  <a:t> </a:t>
+                </a:r>
+              </a:p>
+            </p:txBody>
+          </p:sp>
+        </mc:Fallback>
+      </mc:AlternateContent>
+      <p:cxnSp>
+        <p:nvCxnSpPr>
+          <p:cNvPr id="7" name="직선 화살표 연결선 6"/>
+          <p:cNvCxnSpPr/>
+          <p:nvPr/>
+        </p:nvCxnSpPr>
+        <p:spPr>
+          <a:xfrm>
+            <a:off x="1979712" y="2528900"/>
+            <a:ext cx="504056" cy="0"/>
+          </a:xfrm>
+          <a:prstGeom prst="straightConnector1">
+            <a:avLst/>
+          </a:prstGeom>
+          <a:ln w="19050">
+            <a:solidFill>
+              <a:schemeClr val="tx1"/>
+            </a:solidFill>
+            <a:tailEnd type="arrow"/>
+          </a:ln>
+        </p:spPr>
+        <p:style>
+          <a:lnRef idx="1">
+            <a:schemeClr val="accent1"/>
+          </a:lnRef>
+          <a:fillRef idx="0">
+            <a:schemeClr val="accent1"/>
+          </a:fillRef>
+          <a:effectRef idx="0">
+            <a:schemeClr val="accent1"/>
+          </a:effectRef>
+          <a:fontRef idx="minor">
+            <a:schemeClr val="tx1"/>
+          </a:fontRef>
+        </p:style>
+      </p:cxnSp>
+      <p:cxnSp>
+        <p:nvCxnSpPr>
+          <p:cNvPr id="8" name="직선 화살표 연결선 7"/>
+          <p:cNvCxnSpPr>
+            <a:stCxn id="4" idx="3"/>
+            <a:endCxn id="9" idx="1"/>
+          </p:cNvCxnSpPr>
+          <p:nvPr/>
+        </p:nvCxnSpPr>
+        <p:spPr>
+          <a:xfrm>
+            <a:off x="3779912" y="2528900"/>
+            <a:ext cx="1538084" cy="0"/>
+          </a:xfrm>
+          <a:prstGeom prst="straightConnector1">
+            <a:avLst/>
+          </a:prstGeom>
+          <a:ln w="19050">
+            <a:solidFill>
+              <a:schemeClr val="tx1"/>
+            </a:solidFill>
+            <a:tailEnd type="arrow"/>
+          </a:ln>
+        </p:spPr>
+        <p:style>
+          <a:lnRef idx="1">
+            <a:schemeClr val="accent1"/>
+          </a:lnRef>
+          <a:fillRef idx="0">
+            <a:schemeClr val="accent1"/>
+          </a:fillRef>
+          <a:effectRef idx="0">
+            <a:schemeClr val="accent1"/>
+          </a:effectRef>
+          <a:fontRef idx="minor">
+            <a:schemeClr val="tx1"/>
+          </a:fontRef>
+        </p:style>
+      </p:cxnSp>
+      <p:sp>
+        <p:nvSpPr>
+          <p:cNvPr id="9" name="직사각형 8"/>
+          <p:cNvSpPr/>
+          <p:nvPr/>
+        </p:nvSpPr>
+        <p:spPr>
+          <a:xfrm>
+            <a:off x="5317996" y="2348880"/>
+            <a:ext cx="1296144" cy="360040"/>
+          </a:xfrm>
+          <a:prstGeom prst="rect">
+            <a:avLst/>
+          </a:prstGeom>
+          <a:solidFill>
+            <a:schemeClr val="bg1"/>
+          </a:solidFill>
+          <a:ln>
+            <a:solidFill>
+              <a:schemeClr val="tx1"/>
+            </a:solidFill>
+          </a:ln>
+        </p:spPr>
+        <p:style>
+          <a:lnRef idx="2">
+            <a:schemeClr val="accent1">
+              <a:shade val="50000"/>
+            </a:schemeClr>
+          </a:lnRef>
+          <a:fillRef idx="1">
+            <a:schemeClr val="accent1"/>
+          </a:fillRef>
+          <a:effectRef idx="0">
+            <a:schemeClr val="accent1"/>
+          </a:effectRef>
+          <a:fontRef idx="minor">
+            <a:schemeClr val="lt1"/>
+          </a:fontRef>
+        </p:style>
+        <p:txBody>
+          <a:bodyPr rtlCol="0" anchor="ctr"/>
+          <a:lstStyle/>
+          <a:p>
+            <a:pPr algn="ctr"/>
+            <a:endParaRPr lang="ko-KR" altLang="en-US"/>
+          </a:p>
+        </p:txBody>
+      </p:sp>
+      <mc:AlternateContent xmlns:mc="http://schemas.openxmlformats.org/markup-compatibility/2006">
+        <mc:Choice xmlns:a14="http://schemas.microsoft.com/office/drawing/2010/main" Requires="a14">
+          <p:sp>
+            <p:nvSpPr>
+              <p:cNvPr id="10" name="TextBox 9"/>
+              <p:cNvSpPr txBox="1"/>
+              <p:nvPr/>
+            </p:nvSpPr>
+            <p:spPr>
+              <a:xfrm>
+                <a:off x="7046188" y="2344234"/>
+                <a:ext cx="694164" cy="369332"/>
+              </a:xfrm>
+              <a:prstGeom prst="rect">
+                <a:avLst/>
+              </a:prstGeom>
+              <a:noFill/>
+            </p:spPr>
+            <p:txBody>
+              <a:bodyPr wrap="none" rtlCol="0">
+                <a:spAutoFit/>
+              </a:bodyPr>
+              <a:lstStyle/>
+              <a:p>
+                <a14:m>
+                  <m:oMathPara xmlns:m="http://schemas.openxmlformats.org/officeDocument/2006/math">
+                    <m:oMathParaPr>
+                      <m:jc m:val="centerGroup"/>
+                    </m:oMathParaPr>
+                    <m:oMath xmlns:m="http://schemas.openxmlformats.org/officeDocument/2006/math">
+                      <m:r>
+                        <a:rPr lang="en-US" altLang="ko-KR" b="0" i="1" smtClean="0">
+                          <a:latin typeface="Cambria Math"/>
+                        </a:rPr>
+                        <m:t>𝑦</m:t>
+                      </m:r>
+                      <m:r>
+                        <a:rPr lang="en-US" altLang="ko-KR" b="0" i="1" smtClean="0">
+                          <a:latin typeface="Cambria Math"/>
+                        </a:rPr>
+                        <m:t>[</m:t>
+                      </m:r>
+                      <m:r>
+                        <a:rPr lang="en-US" altLang="ko-KR" b="0" i="1" smtClean="0">
+                          <a:latin typeface="Cambria Math"/>
+                        </a:rPr>
+                        <m:t>𝑛</m:t>
+                      </m:r>
+                      <m:r>
+                        <a:rPr lang="en-US" altLang="ko-KR" b="0" i="1" smtClean="0">
+                          <a:latin typeface="Cambria Math"/>
+                        </a:rPr>
+                        <m:t>]</m:t>
+                      </m:r>
+                    </m:oMath>
+                  </m:oMathPara>
+                </a14:m>
+                <a:endParaRPr lang="ko-KR" altLang="en-US" dirty="0"/>
+              </a:p>
+            </p:txBody>
+          </p:sp>
+        </mc:Choice>
+        <mc:Fallback>
+          <p:sp>
+            <p:nvSpPr>
+              <p:cNvPr id="10" name="TextBox 9"/>
+              <p:cNvSpPr txBox="1">
+                <a:spLocks noRot="1" noChangeAspect="1" noMove="1" noResize="1" noEditPoints="1" noAdjustHandles="1" noChangeArrowheads="1" noChangeShapeType="1" noTextEdit="1"/>
+              </p:cNvSpPr>
+              <p:nvPr/>
+            </p:nvSpPr>
+            <p:spPr>
+              <a:xfrm>
+                <a:off x="7046188" y="2344234"/>
+                <a:ext cx="694164" cy="369332"/>
+              </a:xfrm>
+              <a:prstGeom prst="rect">
+                <a:avLst/>
+              </a:prstGeom>
+              <a:blipFill rotWithShape="1">
+                <a:blip r:embed="rId4"/>
+                <a:stretch>
+                  <a:fillRect b="-20000"/>
+                </a:stretch>
+              </a:blipFill>
+            </p:spPr>
+            <p:txBody>
+              <a:bodyPr/>
+              <a:lstStyle/>
+              <a:p>
+                <a:r>
+                  <a:rPr lang="ko-KR" altLang="en-US">
+                    <a:noFill/>
+                  </a:rPr>
+                  <a:t> </a:t>
+                </a:r>
+              </a:p>
+            </p:txBody>
+          </p:sp>
+        </mc:Fallback>
+      </mc:AlternateContent>
+      <mc:AlternateContent xmlns:mc="http://schemas.openxmlformats.org/markup-compatibility/2006">
+        <mc:Choice xmlns:a14="http://schemas.microsoft.com/office/drawing/2010/main" Requires="a14">
+          <p:sp>
+            <p:nvSpPr>
+              <p:cNvPr id="11" name="TextBox 10"/>
+              <p:cNvSpPr txBox="1"/>
+              <p:nvPr/>
+            </p:nvSpPr>
+            <p:spPr>
+              <a:xfrm>
+                <a:off x="5566408" y="2344234"/>
+                <a:ext cx="799321" cy="369332"/>
+              </a:xfrm>
+              <a:prstGeom prst="rect">
+                <a:avLst/>
+              </a:prstGeom>
+              <a:noFill/>
+            </p:spPr>
+            <p:txBody>
+              <a:bodyPr wrap="none" rtlCol="0">
+                <a:spAutoFit/>
+              </a:bodyPr>
+              <a:lstStyle/>
+              <a:p>
+                <a14:m>
+                  <m:oMathPara xmlns:m="http://schemas.openxmlformats.org/officeDocument/2006/math">
+                    <m:oMathParaPr>
+                      <m:jc m:val="centerGroup"/>
+                    </m:oMathParaPr>
+                    <m:oMath xmlns:m="http://schemas.openxmlformats.org/officeDocument/2006/math">
+                      <m:sSub>
+                        <m:sSubPr>
+                          <m:ctrlPr>
+                            <a:rPr lang="en-US" altLang="ko-KR" b="0" i="1" smtClean="0">
+                              <a:latin typeface="Cambria Math"/>
+                            </a:rPr>
+                          </m:ctrlPr>
+                        </m:sSubPr>
+                        <m:e>
+                          <m:r>
+                            <a:rPr lang="en-US" altLang="ko-KR" b="0" i="1" smtClean="0">
+                              <a:latin typeface="Cambria Math"/>
+                            </a:rPr>
+                            <m:t>h</m:t>
+                          </m:r>
+                        </m:e>
+                        <m:sub>
+                          <m:r>
+                            <a:rPr lang="en-US" altLang="ko-KR" b="0" i="1" smtClean="0">
+                              <a:latin typeface="Cambria Math"/>
+                            </a:rPr>
+                            <m:t>2</m:t>
+                          </m:r>
+                        </m:sub>
+                      </m:sSub>
+                      <m:r>
+                        <a:rPr lang="en-US" altLang="ko-KR" b="0" i="1" smtClean="0">
+                          <a:latin typeface="Cambria Math"/>
+                        </a:rPr>
+                        <m:t>[</m:t>
+                      </m:r>
+                      <m:r>
+                        <a:rPr lang="en-US" altLang="ko-KR" b="0" i="1" smtClean="0">
+                          <a:latin typeface="Cambria Math"/>
+                        </a:rPr>
+                        <m:t>𝑛</m:t>
+                      </m:r>
+                      <m:r>
+                        <a:rPr lang="en-US" altLang="ko-KR" b="0" i="1" smtClean="0">
+                          <a:latin typeface="Cambria Math"/>
+                        </a:rPr>
+                        <m:t>]</m:t>
+                      </m:r>
+                    </m:oMath>
+                  </m:oMathPara>
+                </a14:m>
+                <a:endParaRPr lang="ko-KR" altLang="en-US" dirty="0"/>
+              </a:p>
+            </p:txBody>
+          </p:sp>
+        </mc:Choice>
+        <mc:Fallback>
+          <p:sp>
+            <p:nvSpPr>
+              <p:cNvPr id="11" name="TextBox 10"/>
+              <p:cNvSpPr txBox="1">
+                <a:spLocks noRot="1" noChangeAspect="1" noMove="1" noResize="1" noEditPoints="1" noAdjustHandles="1" noChangeArrowheads="1" noChangeShapeType="1" noTextEdit="1"/>
+              </p:cNvSpPr>
+              <p:nvPr/>
+            </p:nvSpPr>
+            <p:spPr>
+              <a:xfrm>
+                <a:off x="5566408" y="2344234"/>
+                <a:ext cx="799321" cy="369332"/>
+              </a:xfrm>
+              <a:prstGeom prst="rect">
+                <a:avLst/>
+              </a:prstGeom>
+              <a:blipFill rotWithShape="1">
+                <a:blip r:embed="rId5"/>
+                <a:stretch>
+                  <a:fillRect b="-20000"/>
+                </a:stretch>
+              </a:blipFill>
+            </p:spPr>
+            <p:txBody>
+              <a:bodyPr/>
+              <a:lstStyle/>
+              <a:p>
+                <a:r>
+                  <a:rPr lang="ko-KR" altLang="en-US">
+                    <a:noFill/>
+                  </a:rPr>
+                  <a:t> </a:t>
+                </a:r>
+              </a:p>
+            </p:txBody>
+          </p:sp>
+        </mc:Fallback>
+      </mc:AlternateContent>
+      <p:cxnSp>
+        <p:nvCxnSpPr>
+          <p:cNvPr id="12" name="직선 화살표 연결선 11"/>
+          <p:cNvCxnSpPr/>
+          <p:nvPr/>
+        </p:nvCxnSpPr>
+        <p:spPr>
+          <a:xfrm>
+            <a:off x="6614140" y="2528900"/>
+            <a:ext cx="504056" cy="0"/>
+          </a:xfrm>
+          <a:prstGeom prst="straightConnector1">
+            <a:avLst/>
+          </a:prstGeom>
+          <a:ln w="19050">
+            <a:solidFill>
+              <a:schemeClr val="tx1"/>
+            </a:solidFill>
+            <a:tailEnd type="arrow"/>
+          </a:ln>
+        </p:spPr>
+        <p:style>
+          <a:lnRef idx="1">
+            <a:schemeClr val="accent1"/>
+          </a:lnRef>
+          <a:fillRef idx="0">
+            <a:schemeClr val="accent1"/>
+          </a:fillRef>
+          <a:effectRef idx="0">
+            <a:schemeClr val="accent1"/>
+          </a:effectRef>
+          <a:fontRef idx="minor">
+            <a:schemeClr val="tx1"/>
+          </a:fontRef>
+        </p:style>
+      </p:cxnSp>
+      <mc:AlternateContent xmlns:mc="http://schemas.openxmlformats.org/markup-compatibility/2006">
+        <mc:Choice xmlns:a14="http://schemas.microsoft.com/office/drawing/2010/main" Requires="a14">
+          <p:sp>
+            <p:nvSpPr>
+              <p:cNvPr id="14" name="TextBox 13"/>
+              <p:cNvSpPr txBox="1"/>
+              <p:nvPr/>
+            </p:nvSpPr>
+            <p:spPr>
+              <a:xfrm>
+                <a:off x="3830039" y="2121241"/>
+                <a:ext cx="1437830" cy="369332"/>
+              </a:xfrm>
+              <a:prstGeom prst="rect">
+                <a:avLst/>
+              </a:prstGeom>
+              <a:noFill/>
+            </p:spPr>
+            <p:txBody>
+              <a:bodyPr wrap="none" rtlCol="0">
+                <a:spAutoFit/>
+              </a:bodyPr>
+              <a:lstStyle/>
+              <a:p>
+                <a14:m>
+                  <m:oMathPara xmlns:m="http://schemas.openxmlformats.org/officeDocument/2006/math">
+                    <m:oMathParaPr>
+                      <m:jc m:val="centerGroup"/>
+                    </m:oMathParaPr>
+                    <m:oMath xmlns:m="http://schemas.openxmlformats.org/officeDocument/2006/math">
+                      <m:r>
+                        <a:rPr lang="en-US" altLang="ko-KR" b="0" i="1" smtClean="0">
+                          <a:latin typeface="Cambria Math"/>
+                        </a:rPr>
+                        <m:t>𝑥</m:t>
+                      </m:r>
+                      <m:d>
+                        <m:dPr>
+                          <m:begChr m:val="["/>
+                          <m:endChr m:val="]"/>
+                          <m:ctrlPr>
+                            <a:rPr lang="en-US" altLang="ko-KR" b="0" i="1" smtClean="0">
+                              <a:latin typeface="Cambria Math"/>
+                            </a:rPr>
+                          </m:ctrlPr>
+                        </m:dPr>
+                        <m:e>
+                          <m:r>
+                            <a:rPr lang="en-US" altLang="ko-KR" b="0" i="1" smtClean="0">
+                              <a:latin typeface="Cambria Math"/>
+                            </a:rPr>
+                            <m:t>𝑛</m:t>
+                          </m:r>
+                        </m:e>
+                      </m:d>
+                      <m:r>
+                        <a:rPr lang="en-US" altLang="ko-KR" b="0" i="1" smtClean="0">
+                          <a:latin typeface="Cambria Math"/>
+                        </a:rPr>
+                        <m:t>∗</m:t>
+                      </m:r>
+                      <m:sSub>
+                        <m:sSubPr>
+                          <m:ctrlPr>
+                            <a:rPr lang="en-US" altLang="ko-KR" b="0" i="1" smtClean="0">
+                              <a:latin typeface="Cambria Math"/>
+                            </a:rPr>
+                          </m:ctrlPr>
+                        </m:sSubPr>
+                        <m:e>
+                          <m:r>
+                            <a:rPr lang="en-US" altLang="ko-KR" b="0" i="1" smtClean="0">
+                              <a:latin typeface="Cambria Math"/>
+                            </a:rPr>
+                            <m:t>h</m:t>
+                          </m:r>
+                        </m:e>
+                        <m:sub>
+                          <m:r>
+                            <a:rPr lang="en-US" altLang="ko-KR" b="0" i="1" smtClean="0">
+                              <a:latin typeface="Cambria Math"/>
+                            </a:rPr>
+                            <m:t>1</m:t>
+                          </m:r>
+                        </m:sub>
+                      </m:sSub>
+                      <m:r>
+                        <a:rPr lang="en-US" altLang="ko-KR" b="0" i="1" smtClean="0">
+                          <a:latin typeface="Cambria Math"/>
+                        </a:rPr>
+                        <m:t>[</m:t>
+                      </m:r>
+                      <m:r>
+                        <a:rPr lang="en-US" altLang="ko-KR" b="0" i="1" smtClean="0">
+                          <a:latin typeface="Cambria Math"/>
+                        </a:rPr>
+                        <m:t>𝑛</m:t>
+                      </m:r>
+                      <m:r>
+                        <a:rPr lang="en-US" altLang="ko-KR" b="0" i="1" smtClean="0">
+                          <a:latin typeface="Cambria Math"/>
+                        </a:rPr>
+                        <m:t>]</m:t>
+                      </m:r>
+                    </m:oMath>
+                  </m:oMathPara>
+                </a14:m>
+                <a:endParaRPr lang="ko-KR" altLang="en-US" dirty="0"/>
+              </a:p>
+            </p:txBody>
+          </p:sp>
+        </mc:Choice>
+        <mc:Fallback>
+          <p:sp>
+            <p:nvSpPr>
+              <p:cNvPr id="14" name="TextBox 13"/>
+              <p:cNvSpPr txBox="1">
+                <a:spLocks noRot="1" noChangeAspect="1" noMove="1" noResize="1" noEditPoints="1" noAdjustHandles="1" noChangeArrowheads="1" noChangeShapeType="1" noTextEdit="1"/>
+              </p:cNvSpPr>
+              <p:nvPr/>
+            </p:nvSpPr>
+            <p:spPr>
+              <a:xfrm>
+                <a:off x="3830039" y="2121241"/>
+                <a:ext cx="1437830" cy="369332"/>
+              </a:xfrm>
+              <a:prstGeom prst="rect">
+                <a:avLst/>
+              </a:prstGeom>
+              <a:blipFill rotWithShape="1">
+                <a:blip r:embed="rId6"/>
+                <a:stretch>
+                  <a:fillRect b="-18033"/>
+                </a:stretch>
+              </a:blipFill>
+            </p:spPr>
+            <p:txBody>
+              <a:bodyPr/>
+              <a:lstStyle/>
+              <a:p>
+                <a:r>
+                  <a:rPr lang="ko-KR" altLang="en-US">
+                    <a:noFill/>
+                  </a:rPr>
+                  <a:t> </a:t>
+                </a:r>
+              </a:p>
+            </p:txBody>
+          </p:sp>
+        </mc:Fallback>
+      </mc:AlternateContent>
+      <p:sp>
+        <p:nvSpPr>
+          <p:cNvPr id="17" name="직사각형 16"/>
+          <p:cNvSpPr/>
+          <p:nvPr/>
+        </p:nvSpPr>
+        <p:spPr>
+          <a:xfrm>
+            <a:off x="3652307" y="3429000"/>
+            <a:ext cx="1793295" cy="360040"/>
+          </a:xfrm>
+          <a:prstGeom prst="rect">
+            <a:avLst/>
+          </a:prstGeom>
+          <a:solidFill>
+            <a:schemeClr val="bg1"/>
+          </a:solidFill>
+          <a:ln>
+            <a:solidFill>
+              <a:schemeClr val="tx1"/>
+            </a:solidFill>
+          </a:ln>
+        </p:spPr>
+        <p:style>
+          <a:lnRef idx="2">
+            <a:schemeClr val="accent1">
+              <a:shade val="50000"/>
+            </a:schemeClr>
+          </a:lnRef>
+          <a:fillRef idx="1">
+            <a:schemeClr val="accent1"/>
+          </a:fillRef>
+          <a:effectRef idx="0">
+            <a:schemeClr val="accent1"/>
+          </a:effectRef>
+          <a:fontRef idx="minor">
+            <a:schemeClr val="lt1"/>
+          </a:fontRef>
+        </p:style>
+        <p:txBody>
+          <a:bodyPr rtlCol="0" anchor="ctr"/>
+          <a:lstStyle/>
+          <a:p>
+            <a:pPr algn="ctr"/>
+            <a:endParaRPr lang="ko-KR" altLang="en-US"/>
+          </a:p>
+        </p:txBody>
+      </p:sp>
+      <mc:AlternateContent xmlns:mc="http://schemas.openxmlformats.org/markup-compatibility/2006">
+        <mc:Choice xmlns:a14="http://schemas.microsoft.com/office/drawing/2010/main" Requires="a14">
+          <p:sp>
+            <p:nvSpPr>
+              <p:cNvPr id="18" name="TextBox 17"/>
+              <p:cNvSpPr txBox="1"/>
+              <p:nvPr/>
+            </p:nvSpPr>
+            <p:spPr>
+              <a:xfrm>
+                <a:off x="2483768" y="3424354"/>
+                <a:ext cx="694164" cy="369332"/>
+              </a:xfrm>
+              <a:prstGeom prst="rect">
+                <a:avLst/>
+              </a:prstGeom>
+              <a:noFill/>
+            </p:spPr>
+            <p:txBody>
+              <a:bodyPr wrap="none" rtlCol="0">
+                <a:spAutoFit/>
+              </a:bodyPr>
+              <a:lstStyle/>
+              <a:p>
+                <a14:m>
+                  <m:oMathPara xmlns:m="http://schemas.openxmlformats.org/officeDocument/2006/math">
+                    <m:oMathParaPr>
+                      <m:jc m:val="centerGroup"/>
+                    </m:oMathParaPr>
+                    <m:oMath xmlns:m="http://schemas.openxmlformats.org/officeDocument/2006/math">
+                      <m:r>
+                        <a:rPr lang="en-US" altLang="ko-KR" b="0" i="1" smtClean="0">
+                          <a:latin typeface="Cambria Math"/>
+                        </a:rPr>
+                        <m:t>𝑥</m:t>
+                      </m:r>
+                      <m:r>
+                        <a:rPr lang="en-US" altLang="ko-KR" b="0" i="1" smtClean="0">
+                          <a:latin typeface="Cambria Math"/>
+                        </a:rPr>
+                        <m:t>[</m:t>
+                      </m:r>
+                      <m:r>
+                        <a:rPr lang="en-US" altLang="ko-KR" b="0" i="1" smtClean="0">
+                          <a:latin typeface="Cambria Math"/>
+                        </a:rPr>
+                        <m:t>𝑛</m:t>
+                      </m:r>
+                      <m:r>
+                        <a:rPr lang="en-US" altLang="ko-KR" b="0" i="1" smtClean="0">
+                          <a:latin typeface="Cambria Math"/>
+                        </a:rPr>
+                        <m:t>]</m:t>
+                      </m:r>
+                    </m:oMath>
+                  </m:oMathPara>
+                </a14:m>
+                <a:endParaRPr lang="ko-KR" altLang="en-US" dirty="0"/>
+              </a:p>
+            </p:txBody>
+          </p:sp>
+        </mc:Choice>
+        <mc:Fallback>
+          <p:sp>
+            <p:nvSpPr>
+              <p:cNvPr id="18" name="TextBox 17"/>
+              <p:cNvSpPr txBox="1">
+                <a:spLocks noRot="1" noChangeAspect="1" noMove="1" noResize="1" noEditPoints="1" noAdjustHandles="1" noChangeArrowheads="1" noChangeShapeType="1" noTextEdit="1"/>
+              </p:cNvSpPr>
+              <p:nvPr/>
+            </p:nvSpPr>
+            <p:spPr>
+              <a:xfrm>
+                <a:off x="2483768" y="3424354"/>
+                <a:ext cx="694164" cy="369332"/>
+              </a:xfrm>
+              <a:prstGeom prst="rect">
+                <a:avLst/>
+              </a:prstGeom>
+              <a:blipFill rotWithShape="1">
+                <a:blip r:embed="rId7"/>
+                <a:stretch>
+                  <a:fillRect b="-20000"/>
+                </a:stretch>
+              </a:blipFill>
+            </p:spPr>
+            <p:txBody>
+              <a:bodyPr/>
+              <a:lstStyle/>
+              <a:p>
+                <a:r>
+                  <a:rPr lang="ko-KR" altLang="en-US">
+                    <a:noFill/>
+                  </a:rPr>
+                  <a:t> </a:t>
+                </a:r>
+              </a:p>
+            </p:txBody>
+          </p:sp>
+        </mc:Fallback>
+      </mc:AlternateContent>
+      <mc:AlternateContent xmlns:mc="http://schemas.openxmlformats.org/markup-compatibility/2006">
+        <mc:Choice xmlns:a14="http://schemas.microsoft.com/office/drawing/2010/main" Requires="a14">
+          <p:sp>
+            <p:nvSpPr>
+              <p:cNvPr id="19" name="TextBox 18"/>
+              <p:cNvSpPr txBox="1"/>
+              <p:nvPr/>
+            </p:nvSpPr>
+            <p:spPr>
+              <a:xfrm>
+                <a:off x="5882396" y="3424354"/>
+                <a:ext cx="694164" cy="369332"/>
+              </a:xfrm>
+              <a:prstGeom prst="rect">
+                <a:avLst/>
+              </a:prstGeom>
+              <a:noFill/>
+            </p:spPr>
+            <p:txBody>
+              <a:bodyPr wrap="none" rtlCol="0">
+                <a:spAutoFit/>
+              </a:bodyPr>
+              <a:lstStyle/>
+              <a:p>
+                <a14:m>
+                  <m:oMathPara xmlns:m="http://schemas.openxmlformats.org/officeDocument/2006/math">
+                    <m:oMathParaPr>
+                      <m:jc m:val="centerGroup"/>
+                    </m:oMathParaPr>
+                    <m:oMath xmlns:m="http://schemas.openxmlformats.org/officeDocument/2006/math">
+                      <m:r>
+                        <a:rPr lang="en-US" altLang="ko-KR" b="0" i="1" smtClean="0">
+                          <a:latin typeface="Cambria Math"/>
+                        </a:rPr>
+                        <m:t>𝑦</m:t>
+                      </m:r>
+                      <m:r>
+                        <a:rPr lang="en-US" altLang="ko-KR" b="0" i="1" smtClean="0">
+                          <a:latin typeface="Cambria Math"/>
+                        </a:rPr>
+                        <m:t>[</m:t>
+                      </m:r>
+                      <m:r>
+                        <a:rPr lang="en-US" altLang="ko-KR" b="0" i="1" smtClean="0">
+                          <a:latin typeface="Cambria Math"/>
+                        </a:rPr>
+                        <m:t>𝑛</m:t>
+                      </m:r>
+                      <m:r>
+                        <a:rPr lang="en-US" altLang="ko-KR" b="0" i="1" smtClean="0">
+                          <a:latin typeface="Cambria Math"/>
+                        </a:rPr>
+                        <m:t>]</m:t>
+                      </m:r>
+                    </m:oMath>
+                  </m:oMathPara>
+                </a14:m>
+                <a:endParaRPr lang="ko-KR" altLang="en-US" dirty="0"/>
+              </a:p>
+            </p:txBody>
+          </p:sp>
+        </mc:Choice>
+        <mc:Fallback>
+          <p:sp>
+            <p:nvSpPr>
+              <p:cNvPr id="19" name="TextBox 18"/>
+              <p:cNvSpPr txBox="1">
+                <a:spLocks noRot="1" noChangeAspect="1" noMove="1" noResize="1" noEditPoints="1" noAdjustHandles="1" noChangeArrowheads="1" noChangeShapeType="1" noTextEdit="1"/>
+              </p:cNvSpPr>
+              <p:nvPr/>
+            </p:nvSpPr>
+            <p:spPr>
+              <a:xfrm>
+                <a:off x="5882396" y="3424354"/>
+                <a:ext cx="694164" cy="369332"/>
+              </a:xfrm>
+              <a:prstGeom prst="rect">
+                <a:avLst/>
+              </a:prstGeom>
+              <a:blipFill rotWithShape="1">
+                <a:blip r:embed="rId8"/>
+                <a:stretch>
+                  <a:fillRect b="-20000"/>
+                </a:stretch>
+              </a:blipFill>
+            </p:spPr>
+            <p:txBody>
+              <a:bodyPr/>
+              <a:lstStyle/>
+              <a:p>
+                <a:r>
+                  <a:rPr lang="ko-KR" altLang="en-US">
+                    <a:noFill/>
+                  </a:rPr>
+                  <a:t> </a:t>
+                </a:r>
+              </a:p>
+            </p:txBody>
+          </p:sp>
+        </mc:Fallback>
+      </mc:AlternateContent>
+      <mc:AlternateContent xmlns:mc="http://schemas.openxmlformats.org/markup-compatibility/2006">
+        <mc:Choice xmlns:a14="http://schemas.microsoft.com/office/drawing/2010/main" Requires="a14">
+          <p:sp>
+            <p:nvSpPr>
+              <p:cNvPr id="20" name="TextBox 19"/>
+              <p:cNvSpPr txBox="1"/>
+              <p:nvPr/>
+            </p:nvSpPr>
+            <p:spPr>
+              <a:xfrm>
+                <a:off x="3777461" y="3424354"/>
+                <a:ext cx="1542987" cy="369332"/>
+              </a:xfrm>
+              <a:prstGeom prst="rect">
+                <a:avLst/>
+              </a:prstGeom>
+              <a:noFill/>
+            </p:spPr>
+            <p:txBody>
+              <a:bodyPr wrap="none" rtlCol="0">
+                <a:spAutoFit/>
+              </a:bodyPr>
+              <a:lstStyle/>
+              <a:p>
+                <a14:m>
+                  <m:oMathPara xmlns:m="http://schemas.openxmlformats.org/officeDocument/2006/math">
+                    <m:oMathParaPr>
+                      <m:jc m:val="centerGroup"/>
+                    </m:oMathParaPr>
+                    <m:oMath xmlns:m="http://schemas.openxmlformats.org/officeDocument/2006/math">
+                      <m:sSub>
+                        <m:sSubPr>
+                          <m:ctrlPr>
+                            <a:rPr lang="en-US" altLang="ko-KR" b="0" i="1" smtClean="0">
+                              <a:latin typeface="Cambria Math"/>
+                            </a:rPr>
+                          </m:ctrlPr>
+                        </m:sSubPr>
+                        <m:e>
+                          <m:r>
+                            <a:rPr lang="en-US" altLang="ko-KR" b="0" i="1" smtClean="0">
+                              <a:latin typeface="Cambria Math"/>
+                            </a:rPr>
+                            <m:t>h</m:t>
+                          </m:r>
+                        </m:e>
+                        <m:sub>
+                          <m:r>
+                            <a:rPr lang="en-US" altLang="ko-KR" b="0" i="1" smtClean="0">
+                              <a:latin typeface="Cambria Math"/>
+                            </a:rPr>
+                            <m:t>1</m:t>
+                          </m:r>
+                        </m:sub>
+                      </m:sSub>
+                      <m:d>
+                        <m:dPr>
+                          <m:begChr m:val="["/>
+                          <m:endChr m:val="]"/>
+                          <m:ctrlPr>
+                            <a:rPr lang="en-US" altLang="ko-KR" b="0" i="1" smtClean="0">
+                              <a:latin typeface="Cambria Math"/>
+                            </a:rPr>
+                          </m:ctrlPr>
+                        </m:dPr>
+                        <m:e>
+                          <m:r>
+                            <a:rPr lang="en-US" altLang="ko-KR" b="0" i="1" smtClean="0">
+                              <a:latin typeface="Cambria Math"/>
+                            </a:rPr>
+                            <m:t>𝑛</m:t>
+                          </m:r>
+                        </m:e>
+                      </m:d>
+                      <m:r>
+                        <a:rPr lang="en-US" altLang="ko-KR" b="0" i="1" smtClean="0">
+                          <a:latin typeface="Cambria Math"/>
+                        </a:rPr>
+                        <m:t>∗</m:t>
+                      </m:r>
+                      <m:sSub>
+                        <m:sSubPr>
+                          <m:ctrlPr>
+                            <a:rPr lang="en-US" altLang="ko-KR" b="0" i="1" smtClean="0">
+                              <a:latin typeface="Cambria Math"/>
+                            </a:rPr>
+                          </m:ctrlPr>
+                        </m:sSubPr>
+                        <m:e>
+                          <m:r>
+                            <a:rPr lang="en-US" altLang="ko-KR" b="0" i="1" smtClean="0">
+                              <a:latin typeface="Cambria Math"/>
+                            </a:rPr>
+                            <m:t>h</m:t>
+                          </m:r>
+                        </m:e>
+                        <m:sub>
+                          <m:r>
+                            <a:rPr lang="en-US" altLang="ko-KR" b="0" i="1" smtClean="0">
+                              <a:latin typeface="Cambria Math"/>
+                            </a:rPr>
+                            <m:t>2</m:t>
+                          </m:r>
+                        </m:sub>
+                      </m:sSub>
+                      <m:r>
+                        <a:rPr lang="en-US" altLang="ko-KR" b="0" i="1" smtClean="0">
+                          <a:latin typeface="Cambria Math"/>
+                        </a:rPr>
+                        <m:t>[</m:t>
+                      </m:r>
+                      <m:r>
+                        <a:rPr lang="en-US" altLang="ko-KR" b="0" i="1" smtClean="0">
+                          <a:latin typeface="Cambria Math"/>
+                        </a:rPr>
+                        <m:t>𝑛</m:t>
+                      </m:r>
+                      <m:r>
+                        <a:rPr lang="en-US" altLang="ko-KR" b="0" i="1" smtClean="0">
+                          <a:latin typeface="Cambria Math"/>
+                        </a:rPr>
+                        <m:t>]</m:t>
+                      </m:r>
+                    </m:oMath>
+                  </m:oMathPara>
+                </a14:m>
+                <a:endParaRPr lang="ko-KR" altLang="en-US" dirty="0"/>
+              </a:p>
+            </p:txBody>
+          </p:sp>
+        </mc:Choice>
+        <mc:Fallback>
+          <p:sp>
+            <p:nvSpPr>
+              <p:cNvPr id="20" name="TextBox 19"/>
+              <p:cNvSpPr txBox="1">
+                <a:spLocks noRot="1" noChangeAspect="1" noMove="1" noResize="1" noEditPoints="1" noAdjustHandles="1" noChangeArrowheads="1" noChangeShapeType="1" noTextEdit="1"/>
+              </p:cNvSpPr>
+              <p:nvPr/>
+            </p:nvSpPr>
+            <p:spPr>
+              <a:xfrm>
+                <a:off x="3777461" y="3424354"/>
+                <a:ext cx="1542987" cy="369332"/>
+              </a:xfrm>
+              <a:prstGeom prst="rect">
+                <a:avLst/>
+              </a:prstGeom>
+              <a:blipFill rotWithShape="1">
+                <a:blip r:embed="rId9"/>
+                <a:stretch>
+                  <a:fillRect b="-20000"/>
+                </a:stretch>
+              </a:blipFill>
+            </p:spPr>
+            <p:txBody>
+              <a:bodyPr/>
+              <a:lstStyle/>
+              <a:p>
+                <a:r>
+                  <a:rPr lang="ko-KR" altLang="en-US">
+                    <a:noFill/>
+                  </a:rPr>
+                  <a:t> </a:t>
+                </a:r>
+              </a:p>
+            </p:txBody>
+          </p:sp>
+        </mc:Fallback>
+      </mc:AlternateContent>
+      <p:cxnSp>
+        <p:nvCxnSpPr>
+          <p:cNvPr id="21" name="직선 화살표 연결선 20"/>
+          <p:cNvCxnSpPr/>
+          <p:nvPr/>
+        </p:nvCxnSpPr>
+        <p:spPr>
+          <a:xfrm>
+            <a:off x="3131840" y="3609020"/>
+            <a:ext cx="504056" cy="0"/>
+          </a:xfrm>
+          <a:prstGeom prst="straightConnector1">
+            <a:avLst/>
+          </a:prstGeom>
+          <a:ln w="19050">
+            <a:solidFill>
+              <a:schemeClr val="tx1"/>
+            </a:solidFill>
+            <a:tailEnd type="arrow"/>
+          </a:ln>
+        </p:spPr>
+        <p:style>
+          <a:lnRef idx="1">
+            <a:schemeClr val="accent1"/>
+          </a:lnRef>
+          <a:fillRef idx="0">
+            <a:schemeClr val="accent1"/>
+          </a:fillRef>
+          <a:effectRef idx="0">
+            <a:schemeClr val="accent1"/>
+          </a:effectRef>
+          <a:fontRef idx="minor">
+            <a:schemeClr val="tx1"/>
+          </a:fontRef>
+        </p:style>
+      </p:cxnSp>
+      <p:cxnSp>
+        <p:nvCxnSpPr>
+          <p:cNvPr id="22" name="직선 화살표 연결선 21"/>
+          <p:cNvCxnSpPr/>
+          <p:nvPr/>
+        </p:nvCxnSpPr>
+        <p:spPr>
+          <a:xfrm>
+            <a:off x="5450348" y="3609020"/>
+            <a:ext cx="504056" cy="0"/>
+          </a:xfrm>
+          <a:prstGeom prst="straightConnector1">
+            <a:avLst/>
+          </a:prstGeom>
+          <a:ln w="19050">
+            <a:solidFill>
+              <a:schemeClr val="tx1"/>
+            </a:solidFill>
+            <a:tailEnd type="arrow"/>
+          </a:ln>
+        </p:spPr>
+        <p:style>
+          <a:lnRef idx="1">
+            <a:schemeClr val="accent1"/>
+          </a:lnRef>
+          <a:fillRef idx="0">
+            <a:schemeClr val="accent1"/>
+          </a:fillRef>
+          <a:effectRef idx="0">
+            <a:schemeClr val="accent1"/>
+          </a:effectRef>
+          <a:fontRef idx="minor">
+            <a:schemeClr val="tx1"/>
+          </a:fontRef>
+        </p:style>
+      </p:cxnSp>
+      <p:sp>
+        <p:nvSpPr>
+          <p:cNvPr id="25" name="위쪽/아래쪽 화살표 24"/>
+          <p:cNvSpPr/>
+          <p:nvPr/>
+        </p:nvSpPr>
+        <p:spPr>
+          <a:xfrm rot="10800000">
+            <a:off x="4382350" y="2780928"/>
+            <a:ext cx="283768" cy="542235"/>
+          </a:xfrm>
+          <a:prstGeom prst="upDownArrow">
+            <a:avLst/>
+          </a:prstGeom>
+          <a:solidFill>
+            <a:schemeClr val="bg1">
+              <a:lumMod val="95000"/>
+            </a:schemeClr>
+          </a:solidFill>
+          <a:ln>
+            <a:solidFill>
+              <a:schemeClr val="bg1">
+                <a:lumMod val="50000"/>
+              </a:schemeClr>
+            </a:solidFill>
+          </a:ln>
+        </p:spPr>
+        <p:style>
+          <a:lnRef idx="2">
+            <a:schemeClr val="accent1">
+              <a:shade val="50000"/>
+            </a:schemeClr>
+          </a:lnRef>
+          <a:fillRef idx="1">
+            <a:schemeClr val="accent1"/>
+          </a:fillRef>
+          <a:effectRef idx="0">
+            <a:schemeClr val="accent1"/>
+          </a:effectRef>
+          <a:fontRef idx="minor">
+            <a:schemeClr val="lt1"/>
+          </a:fontRef>
+        </p:style>
+        <p:txBody>
+          <a:bodyPr rtlCol="0" anchor="ctr"/>
+          <a:lstStyle/>
+          <a:p>
+            <a:pPr algn="ctr"/>
+            <a:endParaRPr lang="ko-KR" altLang="en-US"/>
+          </a:p>
+        </p:txBody>
+      </p:sp>
+    </p:spTree>
+    <p:extLst>
+      <p:ext uri="{BB962C8B-B14F-4D97-AF65-F5344CB8AC3E}">
+        <p14:creationId xmlns:p14="http://schemas.microsoft.com/office/powerpoint/2010/main" val="4157289660"/>
+      </p:ext>
+    </p:extLst>
+  </p:cSld>
+  <p:clrMapOvr>
+    <a:masterClrMapping/>
+  </p:clrMapOvr>
+</p:sld>
+</file>
+
 <file path=ppt/theme/theme1.xml><?xml version="1.0" encoding="utf-8"?>
 <a:theme xmlns:a="http://schemas.openxmlformats.org/drawingml/2006/main" name="Office 테마">
   <a:themeElements>

--- a/pics/2019-06-18-Discrete_Time_Convolution/pics.pptx
+++ b/pics/2019-06-18-Discrete_Time_Convolution/pics.pptx
@@ -3321,852 +3321,903 @@
           <a:chExt cx="0" cy="0"/>
         </a:xfrm>
       </p:grpSpPr>
-      <p:sp>
-        <p:nvSpPr>
-          <p:cNvPr id="4" name="직사각형 3"/>
-          <p:cNvSpPr/>
+      <p:grpSp>
+        <p:nvGrpSpPr>
+          <p:cNvPr id="8" name="그룹 7"/>
+          <p:cNvGrpSpPr/>
           <p:nvPr/>
-        </p:nvSpPr>
-        <p:spPr>
+        </p:nvGrpSpPr>
+        <p:grpSpPr>
           <a:xfrm>
-            <a:off x="1812650" y="908162"/>
-            <a:ext cx="1296144" cy="360040"/>
+            <a:off x="2858352" y="332656"/>
+            <a:ext cx="3502476" cy="369332"/>
+            <a:chOff x="732530" y="903516"/>
+            <a:chExt cx="3502476" cy="369332"/>
           </a:xfrm>
-          <a:prstGeom prst="rect">
-            <a:avLst/>
-          </a:prstGeom>
-          <a:solidFill>
-            <a:schemeClr val="bg1"/>
-          </a:solidFill>
-          <a:ln>
-            <a:solidFill>
-              <a:schemeClr val="tx1"/>
-            </a:solidFill>
-          </a:ln>
-        </p:spPr>
-        <p:style>
-          <a:lnRef idx="2">
-            <a:schemeClr val="accent1">
-              <a:shade val="50000"/>
-            </a:schemeClr>
-          </a:lnRef>
-          <a:fillRef idx="1">
-            <a:schemeClr val="accent1"/>
-          </a:fillRef>
-          <a:effectRef idx="0">
-            <a:schemeClr val="accent1"/>
-          </a:effectRef>
-          <a:fontRef idx="minor">
-            <a:schemeClr val="lt1"/>
-          </a:fontRef>
-        </p:style>
-        <p:txBody>
-          <a:bodyPr rtlCol="0" anchor="ctr"/>
-          <a:lstStyle/>
-          <a:p>
-            <a:pPr algn="ctr"/>
-            <a:endParaRPr lang="ko-KR" altLang="en-US"/>
-          </a:p>
-        </p:txBody>
-      </p:sp>
-      <mc:AlternateContent xmlns:mc="http://schemas.openxmlformats.org/markup-compatibility/2006">
-        <mc:Choice xmlns:a14="http://schemas.microsoft.com/office/drawing/2010/main" Requires="a14">
+        </p:grpSpPr>
+        <mc:AlternateContent xmlns:mc="http://schemas.openxmlformats.org/markup-compatibility/2006" xmlns:a14="http://schemas.microsoft.com/office/drawing/2010/main">
+          <mc:Choice Requires="a14">
+            <p:sp>
+              <p:nvSpPr>
+                <p:cNvPr id="6" name="TextBox 5"/>
+                <p:cNvSpPr txBox="1"/>
+                <p:nvPr/>
+              </p:nvSpPr>
+              <p:spPr>
+                <a:xfrm>
+                  <a:off x="3540842" y="903516"/>
+                  <a:ext cx="694164" cy="369332"/>
+                </a:xfrm>
+                <a:prstGeom prst="rect">
+                  <a:avLst/>
+                </a:prstGeom>
+                <a:noFill/>
+              </p:spPr>
+              <p:txBody>
+                <a:bodyPr wrap="none" rtlCol="0">
+                  <a:spAutoFit/>
+                </a:bodyPr>
+                <a:lstStyle/>
+                <a:p>
+                  <a:pPr/>
+                  <a14:m>
+                    <m:oMathPara xmlns:m="http://schemas.openxmlformats.org/officeDocument/2006/math">
+                      <m:oMathParaPr>
+                        <m:jc m:val="centerGroup"/>
+                      </m:oMathParaPr>
+                      <m:oMath xmlns:m="http://schemas.openxmlformats.org/officeDocument/2006/math">
+                        <m:r>
+                          <a:rPr lang="en-US" altLang="ko-KR" b="0" i="1" smtClean="0">
+                            <a:latin typeface="Cambria Math"/>
+                          </a:rPr>
+                          <m:t>𝑦</m:t>
+                        </m:r>
+                        <m:r>
+                          <a:rPr lang="en-US" altLang="ko-KR" b="0" i="1" smtClean="0">
+                            <a:latin typeface="Cambria Math"/>
+                          </a:rPr>
+                          <m:t>[</m:t>
+                        </m:r>
+                        <m:r>
+                          <a:rPr lang="en-US" altLang="ko-KR" b="0" i="1" smtClean="0">
+                            <a:latin typeface="Cambria Math"/>
+                          </a:rPr>
+                          <m:t>𝑛</m:t>
+                        </m:r>
+                        <m:r>
+                          <a:rPr lang="en-US" altLang="ko-KR" b="0" i="1" smtClean="0">
+                            <a:latin typeface="Cambria Math"/>
+                          </a:rPr>
+                          <m:t>]</m:t>
+                        </m:r>
+                      </m:oMath>
+                    </m:oMathPara>
+                  </a14:m>
+                  <a:endParaRPr lang="ko-KR" altLang="en-US" dirty="0"/>
+                </a:p>
+              </p:txBody>
+            </p:sp>
+          </mc:Choice>
+          <mc:Fallback xmlns="">
+            <p:sp>
+              <p:nvSpPr>
+                <p:cNvPr id="6" name="TextBox 5"/>
+                <p:cNvSpPr txBox="1">
+                  <a:spLocks noRot="1" noChangeAspect="1" noMove="1" noResize="1" noEditPoints="1" noAdjustHandles="1" noChangeArrowheads="1" noChangeShapeType="1" noTextEdit="1"/>
+                </p:cNvSpPr>
+                <p:nvPr/>
+              </p:nvSpPr>
+              <p:spPr>
+                <a:xfrm>
+                  <a:off x="3540842" y="903516"/>
+                  <a:ext cx="694164" cy="369332"/>
+                </a:xfrm>
+                <a:prstGeom prst="rect">
+                  <a:avLst/>
+                </a:prstGeom>
+                <a:blipFill rotWithShape="1">
+                  <a:blip r:embed="rId3"/>
+                  <a:stretch>
+                    <a:fillRect b="-18033"/>
+                  </a:stretch>
+                </a:blipFill>
+              </p:spPr>
+              <p:txBody>
+                <a:bodyPr/>
+                <a:lstStyle/>
+                <a:p>
+                  <a:r>
+                    <a:rPr lang="ko-KR" altLang="en-US">
+                      <a:noFill/>
+                    </a:rPr>
+                    <a:t> </a:t>
+                  </a:r>
+                </a:p>
+              </p:txBody>
+            </p:sp>
+          </mc:Fallback>
+        </mc:AlternateContent>
+        <p:grpSp>
+          <p:nvGrpSpPr>
+            <p:cNvPr id="3" name="그룹 2"/>
+            <p:cNvGrpSpPr/>
+            <p:nvPr/>
+          </p:nvGrpSpPr>
+          <p:grpSpPr>
+            <a:xfrm>
+              <a:off x="732530" y="903516"/>
+              <a:ext cx="2880320" cy="369332"/>
+              <a:chOff x="732530" y="903516"/>
+              <a:chExt cx="2880320" cy="369332"/>
+            </a:xfrm>
+          </p:grpSpPr>
           <p:sp>
             <p:nvSpPr>
-              <p:cNvPr id="5" name="TextBox 4"/>
-              <p:cNvSpPr txBox="1"/>
+              <p:cNvPr id="4" name="직사각형 3"/>
+              <p:cNvSpPr/>
               <p:nvPr/>
             </p:nvSpPr>
             <p:spPr>
               <a:xfrm>
-                <a:off x="732530" y="903516"/>
-                <a:ext cx="694164" cy="369332"/>
+                <a:off x="1812650" y="908162"/>
+                <a:ext cx="1296144" cy="360040"/>
               </a:xfrm>
               <a:prstGeom prst="rect">
                 <a:avLst/>
               </a:prstGeom>
-              <a:noFill/>
+              <a:solidFill>
+                <a:schemeClr val="bg1"/>
+              </a:solidFill>
+              <a:ln>
+                <a:solidFill>
+                  <a:schemeClr val="tx1"/>
+                </a:solidFill>
+              </a:ln>
             </p:spPr>
+            <p:style>
+              <a:lnRef idx="2">
+                <a:schemeClr val="accent1">
+                  <a:shade val="50000"/>
+                </a:schemeClr>
+              </a:lnRef>
+              <a:fillRef idx="1">
+                <a:schemeClr val="accent1"/>
+              </a:fillRef>
+              <a:effectRef idx="0">
+                <a:schemeClr val="accent1"/>
+              </a:effectRef>
+              <a:fontRef idx="minor">
+                <a:schemeClr val="lt1"/>
+              </a:fontRef>
+            </p:style>
             <p:txBody>
-              <a:bodyPr wrap="none" rtlCol="0">
-                <a:spAutoFit/>
-              </a:bodyPr>
+              <a:bodyPr rtlCol="0" anchor="ctr"/>
               <a:lstStyle/>
               <a:p>
-                <a14:m>
-                  <m:oMathPara xmlns:m="http://schemas.openxmlformats.org/officeDocument/2006/math">
-                    <m:oMathParaPr>
-                      <m:jc m:val="centerGroup"/>
-                    </m:oMathParaPr>
-                    <m:oMath xmlns:m="http://schemas.openxmlformats.org/officeDocument/2006/math">
-                      <m:r>
-                        <a:rPr lang="en-US" altLang="ko-KR" b="0" i="1" smtClean="0">
-                          <a:latin typeface="Cambria Math"/>
-                        </a:rPr>
-                        <m:t>𝑥</m:t>
-                      </m:r>
-                      <m:r>
-                        <a:rPr lang="en-US" altLang="ko-KR" b="0" i="1" smtClean="0">
-                          <a:latin typeface="Cambria Math"/>
-                        </a:rPr>
-                        <m:t>[</m:t>
-                      </m:r>
-                      <m:r>
-                        <a:rPr lang="en-US" altLang="ko-KR" b="0" i="1" smtClean="0">
-                          <a:latin typeface="Cambria Math"/>
-                        </a:rPr>
-                        <m:t>𝑛</m:t>
-                      </m:r>
-                      <m:r>
-                        <a:rPr lang="en-US" altLang="ko-KR" b="0" i="1" smtClean="0">
-                          <a:latin typeface="Cambria Math"/>
-                        </a:rPr>
-                        <m:t>]</m:t>
-                      </m:r>
-                    </m:oMath>
-                  </m:oMathPara>
-                </a14:m>
-                <a:endParaRPr lang="ko-KR" altLang="en-US" dirty="0"/>
+                <a:pPr algn="ctr"/>
+                <a:endParaRPr lang="ko-KR" altLang="en-US"/>
               </a:p>
             </p:txBody>
           </p:sp>
-        </mc:Choice>
-        <mc:Fallback>
-          <p:sp>
-            <p:nvSpPr>
-              <p:cNvPr id="5" name="TextBox 4"/>
-              <p:cNvSpPr txBox="1">
-                <a:spLocks noRot="1" noChangeAspect="1" noMove="1" noResize="1" noEditPoints="1" noAdjustHandles="1" noChangeArrowheads="1" noChangeShapeType="1" noTextEdit="1"/>
-              </p:cNvSpPr>
+          <mc:AlternateContent xmlns:mc="http://schemas.openxmlformats.org/markup-compatibility/2006" xmlns:a14="http://schemas.microsoft.com/office/drawing/2010/main">
+            <mc:Choice Requires="a14">
+              <p:sp>
+                <p:nvSpPr>
+                  <p:cNvPr id="5" name="TextBox 4"/>
+                  <p:cNvSpPr txBox="1"/>
+                  <p:nvPr/>
+                </p:nvSpPr>
+                <p:spPr>
+                  <a:xfrm>
+                    <a:off x="732530" y="903516"/>
+                    <a:ext cx="694164" cy="369332"/>
+                  </a:xfrm>
+                  <a:prstGeom prst="rect">
+                    <a:avLst/>
+                  </a:prstGeom>
+                  <a:noFill/>
+                </p:spPr>
+                <p:txBody>
+                  <a:bodyPr wrap="none" rtlCol="0">
+                    <a:spAutoFit/>
+                  </a:bodyPr>
+                  <a:lstStyle/>
+                  <a:p>
+                    <a:pPr/>
+                    <a14:m>
+                      <m:oMathPara xmlns:m="http://schemas.openxmlformats.org/officeDocument/2006/math">
+                        <m:oMathParaPr>
+                          <m:jc m:val="centerGroup"/>
+                        </m:oMathParaPr>
+                        <m:oMath xmlns:m="http://schemas.openxmlformats.org/officeDocument/2006/math">
+                          <m:r>
+                            <a:rPr lang="en-US" altLang="ko-KR" b="0" i="1" smtClean="0">
+                              <a:latin typeface="Cambria Math"/>
+                            </a:rPr>
+                            <m:t>𝑥</m:t>
+                          </m:r>
+                          <m:r>
+                            <a:rPr lang="en-US" altLang="ko-KR" b="0" i="1" smtClean="0">
+                              <a:latin typeface="Cambria Math"/>
+                            </a:rPr>
+                            <m:t>[</m:t>
+                          </m:r>
+                          <m:r>
+                            <a:rPr lang="en-US" altLang="ko-KR" b="0" i="1" smtClean="0">
+                              <a:latin typeface="Cambria Math"/>
+                            </a:rPr>
+                            <m:t>𝑛</m:t>
+                          </m:r>
+                          <m:r>
+                            <a:rPr lang="en-US" altLang="ko-KR" b="0" i="1" smtClean="0">
+                              <a:latin typeface="Cambria Math"/>
+                            </a:rPr>
+                            <m:t>]</m:t>
+                          </m:r>
+                        </m:oMath>
+                      </m:oMathPara>
+                    </a14:m>
+                    <a:endParaRPr lang="ko-KR" altLang="en-US" dirty="0"/>
+                  </a:p>
+                </p:txBody>
+              </p:sp>
+            </mc:Choice>
+            <mc:Fallback xmlns="">
+              <p:sp>
+                <p:nvSpPr>
+                  <p:cNvPr id="5" name="TextBox 4"/>
+                  <p:cNvSpPr txBox="1">
+                    <a:spLocks noRot="1" noChangeAspect="1" noMove="1" noResize="1" noEditPoints="1" noAdjustHandles="1" noChangeArrowheads="1" noChangeShapeType="1" noTextEdit="1"/>
+                  </p:cNvSpPr>
+                  <p:nvPr/>
+                </p:nvSpPr>
+                <p:spPr>
+                  <a:xfrm>
+                    <a:off x="732530" y="903516"/>
+                    <a:ext cx="694164" cy="369332"/>
+                  </a:xfrm>
+                  <a:prstGeom prst="rect">
+                    <a:avLst/>
+                  </a:prstGeom>
+                  <a:blipFill rotWithShape="1">
+                    <a:blip r:embed="rId2"/>
+                    <a:stretch>
+                      <a:fillRect b="-18033"/>
+                    </a:stretch>
+                  </a:blipFill>
+                </p:spPr>
+                <p:txBody>
+                  <a:bodyPr/>
+                  <a:lstStyle/>
+                  <a:p>
+                    <a:r>
+                      <a:rPr lang="ko-KR" altLang="en-US">
+                        <a:noFill/>
+                      </a:rPr>
+                      <a:t> </a:t>
+                    </a:r>
+                  </a:p>
+                </p:txBody>
+              </p:sp>
+            </mc:Fallback>
+          </mc:AlternateContent>
+          <mc:AlternateContent xmlns:mc="http://schemas.openxmlformats.org/markup-compatibility/2006" xmlns:a14="http://schemas.microsoft.com/office/drawing/2010/main">
+            <mc:Choice Requires="a14">
+              <p:sp>
+                <p:nvSpPr>
+                  <p:cNvPr id="7" name="TextBox 6"/>
+                  <p:cNvSpPr txBox="1"/>
+                  <p:nvPr/>
+                </p:nvSpPr>
+                <p:spPr>
+                  <a:xfrm>
+                    <a:off x="2113640" y="903516"/>
+                    <a:ext cx="694164" cy="369332"/>
+                  </a:xfrm>
+                  <a:prstGeom prst="rect">
+                    <a:avLst/>
+                  </a:prstGeom>
+                  <a:noFill/>
+                </p:spPr>
+                <p:txBody>
+                  <a:bodyPr wrap="none" rtlCol="0">
+                    <a:spAutoFit/>
+                  </a:bodyPr>
+                  <a:lstStyle/>
+                  <a:p>
+                    <a:pPr/>
+                    <a14:m>
+                      <m:oMathPara xmlns:m="http://schemas.openxmlformats.org/officeDocument/2006/math">
+                        <m:oMathParaPr>
+                          <m:jc m:val="centerGroup"/>
+                        </m:oMathParaPr>
+                        <m:oMath xmlns:m="http://schemas.openxmlformats.org/officeDocument/2006/math">
+                          <m:r>
+                            <a:rPr lang="en-US" altLang="ko-KR" b="0" i="1" smtClean="0">
+                              <a:latin typeface="Cambria Math"/>
+                            </a:rPr>
+                            <m:t>h</m:t>
+                          </m:r>
+                          <m:r>
+                            <a:rPr lang="en-US" altLang="ko-KR" b="0" i="1" smtClean="0">
+                              <a:latin typeface="Cambria Math"/>
+                            </a:rPr>
+                            <m:t>[</m:t>
+                          </m:r>
+                          <m:r>
+                            <a:rPr lang="en-US" altLang="ko-KR" b="0" i="1" smtClean="0">
+                              <a:latin typeface="Cambria Math"/>
+                            </a:rPr>
+                            <m:t>𝑛</m:t>
+                          </m:r>
+                          <m:r>
+                            <a:rPr lang="en-US" altLang="ko-KR" b="0" i="1" smtClean="0">
+                              <a:latin typeface="Cambria Math"/>
+                            </a:rPr>
+                            <m:t>]</m:t>
+                          </m:r>
+                        </m:oMath>
+                      </m:oMathPara>
+                    </a14:m>
+                    <a:endParaRPr lang="ko-KR" altLang="en-US" dirty="0"/>
+                  </a:p>
+                </p:txBody>
+              </p:sp>
+            </mc:Choice>
+            <mc:Fallback xmlns="">
+              <p:sp>
+                <p:nvSpPr>
+                  <p:cNvPr id="7" name="TextBox 6"/>
+                  <p:cNvSpPr txBox="1">
+                    <a:spLocks noRot="1" noChangeAspect="1" noMove="1" noResize="1" noEditPoints="1" noAdjustHandles="1" noChangeArrowheads="1" noChangeShapeType="1" noTextEdit="1"/>
+                  </p:cNvSpPr>
+                  <p:nvPr/>
+                </p:nvSpPr>
+                <p:spPr>
+                  <a:xfrm>
+                    <a:off x="2113640" y="903516"/>
+                    <a:ext cx="694164" cy="369332"/>
+                  </a:xfrm>
+                  <a:prstGeom prst="rect">
+                    <a:avLst/>
+                  </a:prstGeom>
+                  <a:blipFill rotWithShape="1">
+                    <a:blip r:embed="rId4"/>
+                    <a:stretch>
+                      <a:fillRect b="-18033"/>
+                    </a:stretch>
+                  </a:blipFill>
+                </p:spPr>
+                <p:txBody>
+                  <a:bodyPr/>
+                  <a:lstStyle/>
+                  <a:p>
+                    <a:r>
+                      <a:rPr lang="ko-KR" altLang="en-US">
+                        <a:noFill/>
+                      </a:rPr>
+                      <a:t> </a:t>
+                    </a:r>
+                  </a:p>
+                </p:txBody>
+              </p:sp>
+            </mc:Fallback>
+          </mc:AlternateContent>
+          <p:cxnSp>
+            <p:nvCxnSpPr>
+              <p:cNvPr id="9" name="직선 화살표 연결선 8"/>
+              <p:cNvCxnSpPr/>
               <p:nvPr/>
-            </p:nvSpPr>
+            </p:nvCxnSpPr>
             <p:spPr>
               <a:xfrm>
-                <a:off x="732530" y="903516"/>
-                <a:ext cx="694164" cy="369332"/>
+                <a:off x="1308594" y="1088182"/>
+                <a:ext cx="504056" cy="0"/>
               </a:xfrm>
-              <a:prstGeom prst="rect">
+              <a:prstGeom prst="straightConnector1">
                 <a:avLst/>
               </a:prstGeom>
-              <a:blipFill rotWithShape="1">
-                <a:blip r:embed="rId2"/>
-                <a:stretch>
-                  <a:fillRect b="-18033"/>
-                </a:stretch>
-              </a:blipFill>
+              <a:ln w="19050">
+                <a:solidFill>
+                  <a:schemeClr val="tx1"/>
+                </a:solidFill>
+                <a:tailEnd type="arrow"/>
+              </a:ln>
             </p:spPr>
-            <p:txBody>
-              <a:bodyPr/>
-              <a:lstStyle/>
-              <a:p>
-                <a:r>
-                  <a:rPr lang="ko-KR" altLang="en-US">
-                    <a:noFill/>
-                  </a:rPr>
-                  <a:t> </a:t>
-                </a:r>
-              </a:p>
-            </p:txBody>
-          </p:sp>
-        </mc:Fallback>
-      </mc:AlternateContent>
-      <mc:AlternateContent xmlns:mc="http://schemas.openxmlformats.org/markup-compatibility/2006">
-        <mc:Choice xmlns:a14="http://schemas.microsoft.com/office/drawing/2010/main" Requires="a14">
-          <p:sp>
-            <p:nvSpPr>
-              <p:cNvPr id="6" name="TextBox 5"/>
-              <p:cNvSpPr txBox="1"/>
+            <p:style>
+              <a:lnRef idx="1">
+                <a:schemeClr val="accent1"/>
+              </a:lnRef>
+              <a:fillRef idx="0">
+                <a:schemeClr val="accent1"/>
+              </a:fillRef>
+              <a:effectRef idx="0">
+                <a:schemeClr val="accent1"/>
+              </a:effectRef>
+              <a:fontRef idx="minor">
+                <a:schemeClr val="tx1"/>
+              </a:fontRef>
+            </p:style>
+          </p:cxnSp>
+          <p:cxnSp>
+            <p:nvCxnSpPr>
+              <p:cNvPr id="13" name="직선 화살표 연결선 12"/>
+              <p:cNvCxnSpPr/>
               <p:nvPr/>
-            </p:nvSpPr>
+            </p:nvCxnSpPr>
             <p:spPr>
               <a:xfrm>
-                <a:off x="3540842" y="903516"/>
-                <a:ext cx="694164" cy="369332"/>
+                <a:off x="3108794" y="1088182"/>
+                <a:ext cx="504056" cy="0"/>
               </a:xfrm>
-              <a:prstGeom prst="rect">
+              <a:prstGeom prst="straightConnector1">
                 <a:avLst/>
               </a:prstGeom>
-              <a:noFill/>
+              <a:ln w="19050">
+                <a:solidFill>
+                  <a:schemeClr val="tx1"/>
+                </a:solidFill>
+                <a:tailEnd type="arrow"/>
+              </a:ln>
             </p:spPr>
-            <p:txBody>
-              <a:bodyPr wrap="none" rtlCol="0">
-                <a:spAutoFit/>
-              </a:bodyPr>
-              <a:lstStyle/>
-              <a:p>
-                <a14:m>
-                  <m:oMathPara xmlns:m="http://schemas.openxmlformats.org/officeDocument/2006/math">
-                    <m:oMathParaPr>
-                      <m:jc m:val="centerGroup"/>
-                    </m:oMathParaPr>
-                    <m:oMath xmlns:m="http://schemas.openxmlformats.org/officeDocument/2006/math">
-                      <m:r>
-                        <a:rPr lang="en-US" altLang="ko-KR" b="0" i="1" smtClean="0">
-                          <a:latin typeface="Cambria Math"/>
-                        </a:rPr>
-                        <m:t>𝑦</m:t>
-                      </m:r>
-                      <m:r>
-                        <a:rPr lang="en-US" altLang="ko-KR" b="0" i="1" smtClean="0">
-                          <a:latin typeface="Cambria Math"/>
-                        </a:rPr>
-                        <m:t>[</m:t>
-                      </m:r>
-                      <m:r>
-                        <a:rPr lang="en-US" altLang="ko-KR" b="0" i="1" smtClean="0">
-                          <a:latin typeface="Cambria Math"/>
-                        </a:rPr>
-                        <m:t>𝑛</m:t>
-                      </m:r>
-                      <m:r>
-                        <a:rPr lang="en-US" altLang="ko-KR" b="0" i="1" smtClean="0">
-                          <a:latin typeface="Cambria Math"/>
-                        </a:rPr>
-                        <m:t>]</m:t>
-                      </m:r>
-                    </m:oMath>
-                  </m:oMathPara>
-                </a14:m>
-                <a:endParaRPr lang="ko-KR" altLang="en-US" dirty="0"/>
-              </a:p>
-            </p:txBody>
-          </p:sp>
-        </mc:Choice>
-        <mc:Fallback>
-          <p:sp>
-            <p:nvSpPr>
-              <p:cNvPr id="6" name="TextBox 5"/>
-              <p:cNvSpPr txBox="1">
-                <a:spLocks noRot="1" noChangeAspect="1" noMove="1" noResize="1" noEditPoints="1" noAdjustHandles="1" noChangeArrowheads="1" noChangeShapeType="1" noTextEdit="1"/>
-              </p:cNvSpPr>
-              <p:nvPr/>
-            </p:nvSpPr>
-            <p:spPr>
-              <a:xfrm>
-                <a:off x="3540842" y="903516"/>
-                <a:ext cx="694164" cy="369332"/>
-              </a:xfrm>
-              <a:prstGeom prst="rect">
-                <a:avLst/>
-              </a:prstGeom>
-              <a:blipFill rotWithShape="1">
-                <a:blip r:embed="rId3"/>
-                <a:stretch>
-                  <a:fillRect b="-18033"/>
-                </a:stretch>
-              </a:blipFill>
-            </p:spPr>
-            <p:txBody>
-              <a:bodyPr/>
-              <a:lstStyle/>
-              <a:p>
-                <a:r>
-                  <a:rPr lang="ko-KR" altLang="en-US">
-                    <a:noFill/>
-                  </a:rPr>
-                  <a:t> </a:t>
-                </a:r>
-              </a:p>
-            </p:txBody>
-          </p:sp>
-        </mc:Fallback>
-      </mc:AlternateContent>
-      <mc:AlternateContent xmlns:mc="http://schemas.openxmlformats.org/markup-compatibility/2006">
-        <mc:Choice xmlns:a14="http://schemas.microsoft.com/office/drawing/2010/main" Requires="a14">
-          <p:sp>
-            <p:nvSpPr>
-              <p:cNvPr id="7" name="TextBox 6"/>
-              <p:cNvSpPr txBox="1"/>
-              <p:nvPr/>
-            </p:nvSpPr>
-            <p:spPr>
-              <a:xfrm>
-                <a:off x="2113640" y="903516"/>
-                <a:ext cx="694164" cy="369332"/>
-              </a:xfrm>
-              <a:prstGeom prst="rect">
-                <a:avLst/>
-              </a:prstGeom>
-              <a:noFill/>
-            </p:spPr>
-            <p:txBody>
-              <a:bodyPr wrap="none" rtlCol="0">
-                <a:spAutoFit/>
-              </a:bodyPr>
-              <a:lstStyle/>
-              <a:p>
-                <a14:m>
-                  <m:oMathPara xmlns:m="http://schemas.openxmlformats.org/officeDocument/2006/math">
-                    <m:oMathParaPr>
-                      <m:jc m:val="centerGroup"/>
-                    </m:oMathParaPr>
-                    <m:oMath xmlns:m="http://schemas.openxmlformats.org/officeDocument/2006/math">
-                      <m:r>
-                        <a:rPr lang="en-US" altLang="ko-KR" b="0" i="1" smtClean="0">
-                          <a:latin typeface="Cambria Math"/>
-                        </a:rPr>
-                        <m:t>h</m:t>
-                      </m:r>
-                      <m:r>
-                        <a:rPr lang="en-US" altLang="ko-KR" b="0" i="1" smtClean="0">
-                          <a:latin typeface="Cambria Math"/>
-                        </a:rPr>
-                        <m:t>[</m:t>
-                      </m:r>
-                      <m:r>
-                        <a:rPr lang="en-US" altLang="ko-KR" b="0" i="1" smtClean="0">
-                          <a:latin typeface="Cambria Math"/>
-                        </a:rPr>
-                        <m:t>𝑛</m:t>
-                      </m:r>
-                      <m:r>
-                        <a:rPr lang="en-US" altLang="ko-KR" b="0" i="1" smtClean="0">
-                          <a:latin typeface="Cambria Math"/>
-                        </a:rPr>
-                        <m:t>]</m:t>
-                      </m:r>
-                    </m:oMath>
-                  </m:oMathPara>
-                </a14:m>
-                <a:endParaRPr lang="ko-KR" altLang="en-US" dirty="0"/>
-              </a:p>
-            </p:txBody>
-          </p:sp>
-        </mc:Choice>
-        <mc:Fallback>
-          <p:sp>
-            <p:nvSpPr>
-              <p:cNvPr id="7" name="TextBox 6"/>
-              <p:cNvSpPr txBox="1">
-                <a:spLocks noRot="1" noChangeAspect="1" noMove="1" noResize="1" noEditPoints="1" noAdjustHandles="1" noChangeArrowheads="1" noChangeShapeType="1" noTextEdit="1"/>
-              </p:cNvSpPr>
-              <p:nvPr/>
-            </p:nvSpPr>
-            <p:spPr>
-              <a:xfrm>
-                <a:off x="2113640" y="903516"/>
-                <a:ext cx="694164" cy="369332"/>
-              </a:xfrm>
-              <a:prstGeom prst="rect">
-                <a:avLst/>
-              </a:prstGeom>
-              <a:blipFill rotWithShape="1">
-                <a:blip r:embed="rId4"/>
-                <a:stretch>
-                  <a:fillRect b="-18033"/>
-                </a:stretch>
-              </a:blipFill>
-            </p:spPr>
-            <p:txBody>
-              <a:bodyPr/>
-              <a:lstStyle/>
-              <a:p>
-                <a:r>
-                  <a:rPr lang="ko-KR" altLang="en-US">
-                    <a:noFill/>
-                  </a:rPr>
-                  <a:t> </a:t>
-                </a:r>
-              </a:p>
-            </p:txBody>
-          </p:sp>
-        </mc:Fallback>
-      </mc:AlternateContent>
-      <p:cxnSp>
-        <p:nvCxnSpPr>
-          <p:cNvPr id="9" name="직선 화살표 연결선 8"/>
-          <p:cNvCxnSpPr/>
+            <p:style>
+              <a:lnRef idx="1">
+                <a:schemeClr val="accent1"/>
+              </a:lnRef>
+              <a:fillRef idx="0">
+                <a:schemeClr val="accent1"/>
+              </a:fillRef>
+              <a:effectRef idx="0">
+                <a:schemeClr val="accent1"/>
+              </a:effectRef>
+              <a:fontRef idx="minor">
+                <a:schemeClr val="tx1"/>
+              </a:fontRef>
+            </p:style>
+          </p:cxnSp>
+        </p:grpSp>
+      </p:grpSp>
+      <p:grpSp>
+        <p:nvGrpSpPr>
+          <p:cNvPr id="2" name="그룹 1"/>
+          <p:cNvGrpSpPr/>
           <p:nvPr/>
-        </p:nvCxnSpPr>
-        <p:spPr>
+        </p:nvGrpSpPr>
+        <p:grpSpPr>
           <a:xfrm>
-            <a:off x="1308594" y="1088182"/>
-            <a:ext cx="504056" cy="0"/>
+            <a:off x="2863906" y="1426787"/>
+            <a:ext cx="3502476" cy="369332"/>
+            <a:chOff x="4908994" y="903516"/>
+            <a:chExt cx="3502476" cy="369332"/>
           </a:xfrm>
-          <a:prstGeom prst="straightConnector1">
-            <a:avLst/>
-          </a:prstGeom>
-          <a:ln w="19050">
+        </p:grpSpPr>
+        <p:sp>
+          <p:nvSpPr>
+            <p:cNvPr id="14" name="직사각형 13"/>
+            <p:cNvSpPr/>
+            <p:nvPr/>
+          </p:nvSpPr>
+          <p:spPr>
+            <a:xfrm>
+              <a:off x="5989114" y="908162"/>
+              <a:ext cx="1296144" cy="360040"/>
+            </a:xfrm>
+            <a:prstGeom prst="rect">
+              <a:avLst/>
+            </a:prstGeom>
             <a:solidFill>
+              <a:schemeClr val="bg1"/>
+            </a:solidFill>
+            <a:ln>
+              <a:solidFill>
+                <a:schemeClr val="tx1"/>
+              </a:solidFill>
+            </a:ln>
+          </p:spPr>
+          <p:style>
+            <a:lnRef idx="2">
+              <a:schemeClr val="accent1">
+                <a:shade val="50000"/>
+              </a:schemeClr>
+            </a:lnRef>
+            <a:fillRef idx="1">
+              <a:schemeClr val="accent1"/>
+            </a:fillRef>
+            <a:effectRef idx="0">
+              <a:schemeClr val="accent1"/>
+            </a:effectRef>
+            <a:fontRef idx="minor">
+              <a:schemeClr val="lt1"/>
+            </a:fontRef>
+          </p:style>
+          <p:txBody>
+            <a:bodyPr rtlCol="0" anchor="ctr"/>
+            <a:lstStyle/>
+            <a:p>
+              <a:pPr algn="ctr"/>
+              <a:endParaRPr lang="ko-KR" altLang="en-US"/>
+            </a:p>
+          </p:txBody>
+        </p:sp>
+        <mc:AlternateContent xmlns:mc="http://schemas.openxmlformats.org/markup-compatibility/2006" xmlns:a14="http://schemas.microsoft.com/office/drawing/2010/main">
+          <mc:Choice Requires="a14">
+            <p:sp>
+              <p:nvSpPr>
+                <p:cNvPr id="15" name="TextBox 14"/>
+                <p:cNvSpPr txBox="1"/>
+                <p:nvPr/>
+              </p:nvSpPr>
+              <p:spPr>
+                <a:xfrm>
+                  <a:off x="4908994" y="903516"/>
+                  <a:ext cx="694164" cy="369332"/>
+                </a:xfrm>
+                <a:prstGeom prst="rect">
+                  <a:avLst/>
+                </a:prstGeom>
+                <a:noFill/>
+              </p:spPr>
+              <p:txBody>
+                <a:bodyPr wrap="none" rtlCol="0">
+                  <a:spAutoFit/>
+                </a:bodyPr>
+                <a:lstStyle/>
+                <a:p>
+                  <a:pPr/>
+                  <a14:m>
+                    <m:oMathPara xmlns:m="http://schemas.openxmlformats.org/officeDocument/2006/math">
+                      <m:oMathParaPr>
+                        <m:jc m:val="centerGroup"/>
+                      </m:oMathParaPr>
+                      <m:oMath xmlns:m="http://schemas.openxmlformats.org/officeDocument/2006/math">
+                        <m:r>
+                          <a:rPr lang="en-US" altLang="ko-KR" b="0" i="1" smtClean="0">
+                            <a:latin typeface="Cambria Math"/>
+                          </a:rPr>
+                          <m:t>h</m:t>
+                        </m:r>
+                        <m:r>
+                          <a:rPr lang="en-US" altLang="ko-KR" b="0" i="1" smtClean="0">
+                            <a:latin typeface="Cambria Math"/>
+                          </a:rPr>
+                          <m:t>[</m:t>
+                        </m:r>
+                        <m:r>
+                          <a:rPr lang="en-US" altLang="ko-KR" b="0" i="1" smtClean="0">
+                            <a:latin typeface="Cambria Math"/>
+                          </a:rPr>
+                          <m:t>𝑛</m:t>
+                        </m:r>
+                        <m:r>
+                          <a:rPr lang="en-US" altLang="ko-KR" b="0" i="1" smtClean="0">
+                            <a:latin typeface="Cambria Math"/>
+                          </a:rPr>
+                          <m:t>]</m:t>
+                        </m:r>
+                      </m:oMath>
+                    </m:oMathPara>
+                  </a14:m>
+                  <a:endParaRPr lang="ko-KR" altLang="en-US" dirty="0"/>
+                </a:p>
+              </p:txBody>
+            </p:sp>
+          </mc:Choice>
+          <mc:Fallback xmlns="">
+            <p:sp>
+              <p:nvSpPr>
+                <p:cNvPr id="15" name="TextBox 14"/>
+                <p:cNvSpPr txBox="1">
+                  <a:spLocks noRot="1" noChangeAspect="1" noMove="1" noResize="1" noEditPoints="1" noAdjustHandles="1" noChangeArrowheads="1" noChangeShapeType="1" noTextEdit="1"/>
+                </p:cNvSpPr>
+                <p:nvPr/>
+              </p:nvSpPr>
+              <p:spPr>
+                <a:xfrm>
+                  <a:off x="4908994" y="903516"/>
+                  <a:ext cx="694164" cy="369332"/>
+                </a:xfrm>
+                <a:prstGeom prst="rect">
+                  <a:avLst/>
+                </a:prstGeom>
+                <a:blipFill rotWithShape="1">
+                  <a:blip r:embed="rId5"/>
+                  <a:stretch>
+                    <a:fillRect b="-18033"/>
+                  </a:stretch>
+                </a:blipFill>
+              </p:spPr>
+              <p:txBody>
+                <a:bodyPr/>
+                <a:lstStyle/>
+                <a:p>
+                  <a:r>
+                    <a:rPr lang="ko-KR" altLang="en-US">
+                      <a:noFill/>
+                    </a:rPr>
+                    <a:t> </a:t>
+                  </a:r>
+                </a:p>
+              </p:txBody>
+            </p:sp>
+          </mc:Fallback>
+        </mc:AlternateContent>
+        <mc:AlternateContent xmlns:mc="http://schemas.openxmlformats.org/markup-compatibility/2006" xmlns:a14="http://schemas.microsoft.com/office/drawing/2010/main">
+          <mc:Choice Requires="a14">
+            <p:sp>
+              <p:nvSpPr>
+                <p:cNvPr id="16" name="TextBox 15"/>
+                <p:cNvSpPr txBox="1"/>
+                <p:nvPr/>
+              </p:nvSpPr>
+              <p:spPr>
+                <a:xfrm>
+                  <a:off x="7717306" y="903516"/>
+                  <a:ext cx="694164" cy="369332"/>
+                </a:xfrm>
+                <a:prstGeom prst="rect">
+                  <a:avLst/>
+                </a:prstGeom>
+                <a:noFill/>
+              </p:spPr>
+              <p:txBody>
+                <a:bodyPr wrap="none" rtlCol="0">
+                  <a:spAutoFit/>
+                </a:bodyPr>
+                <a:lstStyle/>
+                <a:p>
+                  <a:pPr/>
+                  <a14:m>
+                    <m:oMathPara xmlns:m="http://schemas.openxmlformats.org/officeDocument/2006/math">
+                      <m:oMathParaPr>
+                        <m:jc m:val="centerGroup"/>
+                      </m:oMathParaPr>
+                      <m:oMath xmlns:m="http://schemas.openxmlformats.org/officeDocument/2006/math">
+                        <m:r>
+                          <a:rPr lang="en-US" altLang="ko-KR" b="0" i="1" smtClean="0">
+                            <a:latin typeface="Cambria Math"/>
+                          </a:rPr>
+                          <m:t>𝑦</m:t>
+                        </m:r>
+                        <m:r>
+                          <a:rPr lang="en-US" altLang="ko-KR" b="0" i="1" smtClean="0">
+                            <a:latin typeface="Cambria Math"/>
+                          </a:rPr>
+                          <m:t>[</m:t>
+                        </m:r>
+                        <m:r>
+                          <a:rPr lang="en-US" altLang="ko-KR" b="0" i="1" smtClean="0">
+                            <a:latin typeface="Cambria Math"/>
+                          </a:rPr>
+                          <m:t>𝑛</m:t>
+                        </m:r>
+                        <m:r>
+                          <a:rPr lang="en-US" altLang="ko-KR" b="0" i="1" smtClean="0">
+                            <a:latin typeface="Cambria Math"/>
+                          </a:rPr>
+                          <m:t>]</m:t>
+                        </m:r>
+                      </m:oMath>
+                    </m:oMathPara>
+                  </a14:m>
+                  <a:endParaRPr lang="ko-KR" altLang="en-US" dirty="0"/>
+                </a:p>
+              </p:txBody>
+            </p:sp>
+          </mc:Choice>
+          <mc:Fallback xmlns="">
+            <p:sp>
+              <p:nvSpPr>
+                <p:cNvPr id="16" name="TextBox 15"/>
+                <p:cNvSpPr txBox="1">
+                  <a:spLocks noRot="1" noChangeAspect="1" noMove="1" noResize="1" noEditPoints="1" noAdjustHandles="1" noChangeArrowheads="1" noChangeShapeType="1" noTextEdit="1"/>
+                </p:cNvSpPr>
+                <p:nvPr/>
+              </p:nvSpPr>
+              <p:spPr>
+                <a:xfrm>
+                  <a:off x="7717306" y="903516"/>
+                  <a:ext cx="694164" cy="369332"/>
+                </a:xfrm>
+                <a:prstGeom prst="rect">
+                  <a:avLst/>
+                </a:prstGeom>
+                <a:blipFill rotWithShape="1">
+                  <a:blip r:embed="rId6"/>
+                  <a:stretch>
+                    <a:fillRect b="-18033"/>
+                  </a:stretch>
+                </a:blipFill>
+              </p:spPr>
+              <p:txBody>
+                <a:bodyPr/>
+                <a:lstStyle/>
+                <a:p>
+                  <a:r>
+                    <a:rPr lang="ko-KR" altLang="en-US">
+                      <a:noFill/>
+                    </a:rPr>
+                    <a:t> </a:t>
+                  </a:r>
+                </a:p>
+              </p:txBody>
+            </p:sp>
+          </mc:Fallback>
+        </mc:AlternateContent>
+        <mc:AlternateContent xmlns:mc="http://schemas.openxmlformats.org/markup-compatibility/2006" xmlns:a14="http://schemas.microsoft.com/office/drawing/2010/main">
+          <mc:Choice Requires="a14">
+            <p:sp>
+              <p:nvSpPr>
+                <p:cNvPr id="17" name="TextBox 16"/>
+                <p:cNvSpPr txBox="1"/>
+                <p:nvPr/>
+              </p:nvSpPr>
+              <p:spPr>
+                <a:xfrm>
+                  <a:off x="6290104" y="903516"/>
+                  <a:ext cx="694164" cy="369332"/>
+                </a:xfrm>
+                <a:prstGeom prst="rect">
+                  <a:avLst/>
+                </a:prstGeom>
+                <a:noFill/>
+              </p:spPr>
+              <p:txBody>
+                <a:bodyPr wrap="none" rtlCol="0">
+                  <a:spAutoFit/>
+                </a:bodyPr>
+                <a:lstStyle/>
+                <a:p>
+                  <a:pPr/>
+                  <a14:m>
+                    <m:oMathPara xmlns:m="http://schemas.openxmlformats.org/officeDocument/2006/math">
+                      <m:oMathParaPr>
+                        <m:jc m:val="centerGroup"/>
+                      </m:oMathParaPr>
+                      <m:oMath xmlns:m="http://schemas.openxmlformats.org/officeDocument/2006/math">
+                        <m:r>
+                          <a:rPr lang="en-US" altLang="ko-KR" b="0" i="1" smtClean="0">
+                            <a:latin typeface="Cambria Math"/>
+                          </a:rPr>
+                          <m:t>𝑥</m:t>
+                        </m:r>
+                        <m:r>
+                          <a:rPr lang="en-US" altLang="ko-KR" b="0" i="1" smtClean="0">
+                            <a:latin typeface="Cambria Math"/>
+                          </a:rPr>
+                          <m:t>[</m:t>
+                        </m:r>
+                        <m:r>
+                          <a:rPr lang="en-US" altLang="ko-KR" b="0" i="1" smtClean="0">
+                            <a:latin typeface="Cambria Math"/>
+                          </a:rPr>
+                          <m:t>𝑛</m:t>
+                        </m:r>
+                        <m:r>
+                          <a:rPr lang="en-US" altLang="ko-KR" b="0" i="1" smtClean="0">
+                            <a:latin typeface="Cambria Math"/>
+                          </a:rPr>
+                          <m:t>]</m:t>
+                        </m:r>
+                      </m:oMath>
+                    </m:oMathPara>
+                  </a14:m>
+                  <a:endParaRPr lang="ko-KR" altLang="en-US" dirty="0"/>
+                </a:p>
+              </p:txBody>
+            </p:sp>
+          </mc:Choice>
+          <mc:Fallback xmlns="">
+            <p:sp>
+              <p:nvSpPr>
+                <p:cNvPr id="17" name="TextBox 16"/>
+                <p:cNvSpPr txBox="1">
+                  <a:spLocks noRot="1" noChangeAspect="1" noMove="1" noResize="1" noEditPoints="1" noAdjustHandles="1" noChangeArrowheads="1" noChangeShapeType="1" noTextEdit="1"/>
+                </p:cNvSpPr>
+                <p:nvPr/>
+              </p:nvSpPr>
+              <p:spPr>
+                <a:xfrm>
+                  <a:off x="6290104" y="903516"/>
+                  <a:ext cx="694164" cy="369332"/>
+                </a:xfrm>
+                <a:prstGeom prst="rect">
+                  <a:avLst/>
+                </a:prstGeom>
+                <a:blipFill rotWithShape="1">
+                  <a:blip r:embed="rId7"/>
+                  <a:stretch>
+                    <a:fillRect b="-18033"/>
+                  </a:stretch>
+                </a:blipFill>
+              </p:spPr>
+              <p:txBody>
+                <a:bodyPr/>
+                <a:lstStyle/>
+                <a:p>
+                  <a:r>
+                    <a:rPr lang="ko-KR" altLang="en-US">
+                      <a:noFill/>
+                    </a:rPr>
+                    <a:t> </a:t>
+                  </a:r>
+                </a:p>
+              </p:txBody>
+            </p:sp>
+          </mc:Fallback>
+        </mc:AlternateContent>
+        <p:cxnSp>
+          <p:nvCxnSpPr>
+            <p:cNvPr id="18" name="직선 화살표 연결선 17"/>
+            <p:cNvCxnSpPr/>
+            <p:nvPr/>
+          </p:nvCxnSpPr>
+          <p:spPr>
+            <a:xfrm>
+              <a:off x="5485058" y="1088182"/>
+              <a:ext cx="504056" cy="0"/>
+            </a:xfrm>
+            <a:prstGeom prst="straightConnector1">
+              <a:avLst/>
+            </a:prstGeom>
+            <a:ln w="19050">
+              <a:solidFill>
+                <a:schemeClr val="tx1"/>
+              </a:solidFill>
+              <a:tailEnd type="arrow"/>
+            </a:ln>
+          </p:spPr>
+          <p:style>
+            <a:lnRef idx="1">
+              <a:schemeClr val="accent1"/>
+            </a:lnRef>
+            <a:fillRef idx="0">
+              <a:schemeClr val="accent1"/>
+            </a:fillRef>
+            <a:effectRef idx="0">
+              <a:schemeClr val="accent1"/>
+            </a:effectRef>
+            <a:fontRef idx="minor">
               <a:schemeClr val="tx1"/>
-            </a:solidFill>
-            <a:tailEnd type="arrow"/>
-          </a:ln>
-        </p:spPr>
-        <p:style>
-          <a:lnRef idx="1">
-            <a:schemeClr val="accent1"/>
-          </a:lnRef>
-          <a:fillRef idx="0">
-            <a:schemeClr val="accent1"/>
-          </a:fillRef>
-          <a:effectRef idx="0">
-            <a:schemeClr val="accent1"/>
-          </a:effectRef>
-          <a:fontRef idx="minor">
-            <a:schemeClr val="tx1"/>
-          </a:fontRef>
-        </p:style>
-      </p:cxnSp>
-      <p:cxnSp>
-        <p:nvCxnSpPr>
-          <p:cNvPr id="13" name="직선 화살표 연결선 12"/>
-          <p:cNvCxnSpPr/>
-          <p:nvPr/>
-        </p:nvCxnSpPr>
-        <p:spPr>
-          <a:xfrm>
-            <a:off x="3108794" y="1088182"/>
-            <a:ext cx="504056" cy="0"/>
-          </a:xfrm>
-          <a:prstGeom prst="straightConnector1">
-            <a:avLst/>
-          </a:prstGeom>
-          <a:ln w="19050">
-            <a:solidFill>
+            </a:fontRef>
+          </p:style>
+        </p:cxnSp>
+        <p:cxnSp>
+          <p:nvCxnSpPr>
+            <p:cNvPr id="19" name="직선 화살표 연결선 18"/>
+            <p:cNvCxnSpPr/>
+            <p:nvPr/>
+          </p:nvCxnSpPr>
+          <p:spPr>
+            <a:xfrm>
+              <a:off x="7285258" y="1088182"/>
+              <a:ext cx="504056" cy="0"/>
+            </a:xfrm>
+            <a:prstGeom prst="straightConnector1">
+              <a:avLst/>
+            </a:prstGeom>
+            <a:ln w="19050">
+              <a:solidFill>
+                <a:schemeClr val="tx1"/>
+              </a:solidFill>
+              <a:tailEnd type="arrow"/>
+            </a:ln>
+          </p:spPr>
+          <p:style>
+            <a:lnRef idx="1">
+              <a:schemeClr val="accent1"/>
+            </a:lnRef>
+            <a:fillRef idx="0">
+              <a:schemeClr val="accent1"/>
+            </a:fillRef>
+            <a:effectRef idx="0">
+              <a:schemeClr val="accent1"/>
+            </a:effectRef>
+            <a:fontRef idx="minor">
               <a:schemeClr val="tx1"/>
-            </a:solidFill>
-            <a:tailEnd type="arrow"/>
-          </a:ln>
-        </p:spPr>
-        <p:style>
-          <a:lnRef idx="1">
-            <a:schemeClr val="accent1"/>
-          </a:lnRef>
-          <a:fillRef idx="0">
-            <a:schemeClr val="accent1"/>
-          </a:fillRef>
-          <a:effectRef idx="0">
-            <a:schemeClr val="accent1"/>
-          </a:effectRef>
-          <a:fontRef idx="minor">
-            <a:schemeClr val="tx1"/>
-          </a:fontRef>
-        </p:style>
-      </p:cxnSp>
-      <p:sp>
-        <p:nvSpPr>
-          <p:cNvPr id="14" name="직사각형 13"/>
-          <p:cNvSpPr/>
-          <p:nvPr/>
-        </p:nvSpPr>
-        <p:spPr>
-          <a:xfrm>
-            <a:off x="5989114" y="908162"/>
-            <a:ext cx="1296144" cy="360040"/>
-          </a:xfrm>
-          <a:prstGeom prst="rect">
-            <a:avLst/>
-          </a:prstGeom>
-          <a:solidFill>
-            <a:schemeClr val="bg1"/>
-          </a:solidFill>
-          <a:ln>
-            <a:solidFill>
-              <a:schemeClr val="tx1"/>
-            </a:solidFill>
-          </a:ln>
-        </p:spPr>
-        <p:style>
-          <a:lnRef idx="2">
-            <a:schemeClr val="accent1">
-              <a:shade val="50000"/>
-            </a:schemeClr>
-          </a:lnRef>
-          <a:fillRef idx="1">
-            <a:schemeClr val="accent1"/>
-          </a:fillRef>
-          <a:effectRef idx="0">
-            <a:schemeClr val="accent1"/>
-          </a:effectRef>
-          <a:fontRef idx="minor">
-            <a:schemeClr val="lt1"/>
-          </a:fontRef>
-        </p:style>
-        <p:txBody>
-          <a:bodyPr rtlCol="0" anchor="ctr"/>
-          <a:lstStyle/>
-          <a:p>
-            <a:pPr algn="ctr"/>
-            <a:endParaRPr lang="ko-KR" altLang="en-US"/>
-          </a:p>
-        </p:txBody>
-      </p:sp>
-      <mc:AlternateContent xmlns:mc="http://schemas.openxmlformats.org/markup-compatibility/2006">
-        <mc:Choice xmlns:a14="http://schemas.microsoft.com/office/drawing/2010/main" Requires="a14">
-          <p:sp>
-            <p:nvSpPr>
-              <p:cNvPr id="15" name="TextBox 14"/>
-              <p:cNvSpPr txBox="1"/>
-              <p:nvPr/>
-            </p:nvSpPr>
-            <p:spPr>
-              <a:xfrm>
-                <a:off x="4908994" y="903516"/>
-                <a:ext cx="694164" cy="369332"/>
-              </a:xfrm>
-              <a:prstGeom prst="rect">
-                <a:avLst/>
-              </a:prstGeom>
-              <a:noFill/>
-            </p:spPr>
-            <p:txBody>
-              <a:bodyPr wrap="none" rtlCol="0">
-                <a:spAutoFit/>
-              </a:bodyPr>
-              <a:lstStyle/>
-              <a:p>
-                <a14:m>
-                  <m:oMathPara xmlns:m="http://schemas.openxmlformats.org/officeDocument/2006/math">
-                    <m:oMathParaPr>
-                      <m:jc m:val="centerGroup"/>
-                    </m:oMathParaPr>
-                    <m:oMath xmlns:m="http://schemas.openxmlformats.org/officeDocument/2006/math">
-                      <m:r>
-                        <a:rPr lang="en-US" altLang="ko-KR" b="0" i="1" smtClean="0">
-                          <a:latin typeface="Cambria Math"/>
-                        </a:rPr>
-                        <m:t>h</m:t>
-                      </m:r>
-                      <m:r>
-                        <a:rPr lang="en-US" altLang="ko-KR" b="0" i="1" smtClean="0">
-                          <a:latin typeface="Cambria Math"/>
-                        </a:rPr>
-                        <m:t>[</m:t>
-                      </m:r>
-                      <m:r>
-                        <a:rPr lang="en-US" altLang="ko-KR" b="0" i="1" smtClean="0">
-                          <a:latin typeface="Cambria Math"/>
-                        </a:rPr>
-                        <m:t>𝑛</m:t>
-                      </m:r>
-                      <m:r>
-                        <a:rPr lang="en-US" altLang="ko-KR" b="0" i="1" smtClean="0">
-                          <a:latin typeface="Cambria Math"/>
-                        </a:rPr>
-                        <m:t>]</m:t>
-                      </m:r>
-                    </m:oMath>
-                  </m:oMathPara>
-                </a14:m>
-                <a:endParaRPr lang="ko-KR" altLang="en-US" dirty="0"/>
-              </a:p>
-            </p:txBody>
-          </p:sp>
-        </mc:Choice>
-        <mc:Fallback>
-          <p:sp>
-            <p:nvSpPr>
-              <p:cNvPr id="15" name="TextBox 14"/>
-              <p:cNvSpPr txBox="1">
-                <a:spLocks noRot="1" noChangeAspect="1" noMove="1" noResize="1" noEditPoints="1" noAdjustHandles="1" noChangeArrowheads="1" noChangeShapeType="1" noTextEdit="1"/>
-              </p:cNvSpPr>
-              <p:nvPr/>
-            </p:nvSpPr>
-            <p:spPr>
-              <a:xfrm>
-                <a:off x="4908994" y="903516"/>
-                <a:ext cx="694164" cy="369332"/>
-              </a:xfrm>
-              <a:prstGeom prst="rect">
-                <a:avLst/>
-              </a:prstGeom>
-              <a:blipFill rotWithShape="1">
-                <a:blip r:embed="rId5"/>
-                <a:stretch>
-                  <a:fillRect b="-18033"/>
-                </a:stretch>
-              </a:blipFill>
-            </p:spPr>
-            <p:txBody>
-              <a:bodyPr/>
-              <a:lstStyle/>
-              <a:p>
-                <a:r>
-                  <a:rPr lang="ko-KR" altLang="en-US">
-                    <a:noFill/>
-                  </a:rPr>
-                  <a:t> </a:t>
-                </a:r>
-              </a:p>
-            </p:txBody>
-          </p:sp>
-        </mc:Fallback>
-      </mc:AlternateContent>
-      <mc:AlternateContent xmlns:mc="http://schemas.openxmlformats.org/markup-compatibility/2006">
-        <mc:Choice xmlns:a14="http://schemas.microsoft.com/office/drawing/2010/main" Requires="a14">
-          <p:sp>
-            <p:nvSpPr>
-              <p:cNvPr id="16" name="TextBox 15"/>
-              <p:cNvSpPr txBox="1"/>
-              <p:nvPr/>
-            </p:nvSpPr>
-            <p:spPr>
-              <a:xfrm>
-                <a:off x="7717306" y="903516"/>
-                <a:ext cx="694164" cy="369332"/>
-              </a:xfrm>
-              <a:prstGeom prst="rect">
-                <a:avLst/>
-              </a:prstGeom>
-              <a:noFill/>
-            </p:spPr>
-            <p:txBody>
-              <a:bodyPr wrap="none" rtlCol="0">
-                <a:spAutoFit/>
-              </a:bodyPr>
-              <a:lstStyle/>
-              <a:p>
-                <a14:m>
-                  <m:oMathPara xmlns:m="http://schemas.openxmlformats.org/officeDocument/2006/math">
-                    <m:oMathParaPr>
-                      <m:jc m:val="centerGroup"/>
-                    </m:oMathParaPr>
-                    <m:oMath xmlns:m="http://schemas.openxmlformats.org/officeDocument/2006/math">
-                      <m:r>
-                        <a:rPr lang="en-US" altLang="ko-KR" b="0" i="1" smtClean="0">
-                          <a:latin typeface="Cambria Math"/>
-                        </a:rPr>
-                        <m:t>𝑦</m:t>
-                      </m:r>
-                      <m:r>
-                        <a:rPr lang="en-US" altLang="ko-KR" b="0" i="1" smtClean="0">
-                          <a:latin typeface="Cambria Math"/>
-                        </a:rPr>
-                        <m:t>[</m:t>
-                      </m:r>
-                      <m:r>
-                        <a:rPr lang="en-US" altLang="ko-KR" b="0" i="1" smtClean="0">
-                          <a:latin typeface="Cambria Math"/>
-                        </a:rPr>
-                        <m:t>𝑛</m:t>
-                      </m:r>
-                      <m:r>
-                        <a:rPr lang="en-US" altLang="ko-KR" b="0" i="1" smtClean="0">
-                          <a:latin typeface="Cambria Math"/>
-                        </a:rPr>
-                        <m:t>]</m:t>
-                      </m:r>
-                    </m:oMath>
-                  </m:oMathPara>
-                </a14:m>
-                <a:endParaRPr lang="ko-KR" altLang="en-US" dirty="0"/>
-              </a:p>
-            </p:txBody>
-          </p:sp>
-        </mc:Choice>
-        <mc:Fallback>
-          <p:sp>
-            <p:nvSpPr>
-              <p:cNvPr id="16" name="TextBox 15"/>
-              <p:cNvSpPr txBox="1">
-                <a:spLocks noRot="1" noChangeAspect="1" noMove="1" noResize="1" noEditPoints="1" noAdjustHandles="1" noChangeArrowheads="1" noChangeShapeType="1" noTextEdit="1"/>
-              </p:cNvSpPr>
-              <p:nvPr/>
-            </p:nvSpPr>
-            <p:spPr>
-              <a:xfrm>
-                <a:off x="7717306" y="903516"/>
-                <a:ext cx="694164" cy="369332"/>
-              </a:xfrm>
-              <a:prstGeom prst="rect">
-                <a:avLst/>
-              </a:prstGeom>
-              <a:blipFill rotWithShape="1">
-                <a:blip r:embed="rId6"/>
-                <a:stretch>
-                  <a:fillRect b="-18033"/>
-                </a:stretch>
-              </a:blipFill>
-            </p:spPr>
-            <p:txBody>
-              <a:bodyPr/>
-              <a:lstStyle/>
-              <a:p>
-                <a:r>
-                  <a:rPr lang="ko-KR" altLang="en-US">
-                    <a:noFill/>
-                  </a:rPr>
-                  <a:t> </a:t>
-                </a:r>
-              </a:p>
-            </p:txBody>
-          </p:sp>
-        </mc:Fallback>
-      </mc:AlternateContent>
-      <mc:AlternateContent xmlns:mc="http://schemas.openxmlformats.org/markup-compatibility/2006">
-        <mc:Choice xmlns:a14="http://schemas.microsoft.com/office/drawing/2010/main" Requires="a14">
-          <p:sp>
-            <p:nvSpPr>
-              <p:cNvPr id="17" name="TextBox 16"/>
-              <p:cNvSpPr txBox="1"/>
-              <p:nvPr/>
-            </p:nvSpPr>
-            <p:spPr>
-              <a:xfrm>
-                <a:off x="6290104" y="903516"/>
-                <a:ext cx="694164" cy="369332"/>
-              </a:xfrm>
-              <a:prstGeom prst="rect">
-                <a:avLst/>
-              </a:prstGeom>
-              <a:noFill/>
-            </p:spPr>
-            <p:txBody>
-              <a:bodyPr wrap="none" rtlCol="0">
-                <a:spAutoFit/>
-              </a:bodyPr>
-              <a:lstStyle/>
-              <a:p>
-                <a14:m>
-                  <m:oMathPara xmlns:m="http://schemas.openxmlformats.org/officeDocument/2006/math">
-                    <m:oMathParaPr>
-                      <m:jc m:val="centerGroup"/>
-                    </m:oMathParaPr>
-                    <m:oMath xmlns:m="http://schemas.openxmlformats.org/officeDocument/2006/math">
-                      <m:r>
-                        <a:rPr lang="en-US" altLang="ko-KR" b="0" i="1" smtClean="0">
-                          <a:latin typeface="Cambria Math"/>
-                        </a:rPr>
-                        <m:t>𝑥</m:t>
-                      </m:r>
-                      <m:r>
-                        <a:rPr lang="en-US" altLang="ko-KR" b="0" i="1" smtClean="0">
-                          <a:latin typeface="Cambria Math"/>
-                        </a:rPr>
-                        <m:t>[</m:t>
-                      </m:r>
-                      <m:r>
-                        <a:rPr lang="en-US" altLang="ko-KR" b="0" i="1" smtClean="0">
-                          <a:latin typeface="Cambria Math"/>
-                        </a:rPr>
-                        <m:t>𝑛</m:t>
-                      </m:r>
-                      <m:r>
-                        <a:rPr lang="en-US" altLang="ko-KR" b="0" i="1" smtClean="0">
-                          <a:latin typeface="Cambria Math"/>
-                        </a:rPr>
-                        <m:t>]</m:t>
-                      </m:r>
-                    </m:oMath>
-                  </m:oMathPara>
-                </a14:m>
-                <a:endParaRPr lang="ko-KR" altLang="en-US" dirty="0"/>
-              </a:p>
-            </p:txBody>
-          </p:sp>
-        </mc:Choice>
-        <mc:Fallback>
-          <p:sp>
-            <p:nvSpPr>
-              <p:cNvPr id="17" name="TextBox 16"/>
-              <p:cNvSpPr txBox="1">
-                <a:spLocks noRot="1" noChangeAspect="1" noMove="1" noResize="1" noEditPoints="1" noAdjustHandles="1" noChangeArrowheads="1" noChangeShapeType="1" noTextEdit="1"/>
-              </p:cNvSpPr>
-              <p:nvPr/>
-            </p:nvSpPr>
-            <p:spPr>
-              <a:xfrm>
-                <a:off x="6290104" y="903516"/>
-                <a:ext cx="694164" cy="369332"/>
-              </a:xfrm>
-              <a:prstGeom prst="rect">
-                <a:avLst/>
-              </a:prstGeom>
-              <a:blipFill rotWithShape="1">
-                <a:blip r:embed="rId7"/>
-                <a:stretch>
-                  <a:fillRect b="-18033"/>
-                </a:stretch>
-              </a:blipFill>
-            </p:spPr>
-            <p:txBody>
-              <a:bodyPr/>
-              <a:lstStyle/>
-              <a:p>
-                <a:r>
-                  <a:rPr lang="ko-KR" altLang="en-US">
-                    <a:noFill/>
-                  </a:rPr>
-                  <a:t> </a:t>
-                </a:r>
-              </a:p>
-            </p:txBody>
-          </p:sp>
-        </mc:Fallback>
-      </mc:AlternateContent>
-      <p:cxnSp>
-        <p:nvCxnSpPr>
-          <p:cNvPr id="18" name="직선 화살표 연결선 17"/>
-          <p:cNvCxnSpPr/>
-          <p:nvPr/>
-        </p:nvCxnSpPr>
-        <p:spPr>
-          <a:xfrm>
-            <a:off x="5485058" y="1088182"/>
-            <a:ext cx="504056" cy="0"/>
-          </a:xfrm>
-          <a:prstGeom prst="straightConnector1">
-            <a:avLst/>
-          </a:prstGeom>
-          <a:ln w="19050">
-            <a:solidFill>
-              <a:schemeClr val="tx1"/>
-            </a:solidFill>
-            <a:tailEnd type="arrow"/>
-          </a:ln>
-        </p:spPr>
-        <p:style>
-          <a:lnRef idx="1">
-            <a:schemeClr val="accent1"/>
-          </a:lnRef>
-          <a:fillRef idx="0">
-            <a:schemeClr val="accent1"/>
-          </a:fillRef>
-          <a:effectRef idx="0">
-            <a:schemeClr val="accent1"/>
-          </a:effectRef>
-          <a:fontRef idx="minor">
-            <a:schemeClr val="tx1"/>
-          </a:fontRef>
-        </p:style>
-      </p:cxnSp>
-      <p:cxnSp>
-        <p:nvCxnSpPr>
-          <p:cNvPr id="19" name="직선 화살표 연결선 18"/>
-          <p:cNvCxnSpPr/>
-          <p:nvPr/>
-        </p:nvCxnSpPr>
-        <p:spPr>
-          <a:xfrm>
-            <a:off x="7285258" y="1088182"/>
-            <a:ext cx="504056" cy="0"/>
-          </a:xfrm>
-          <a:prstGeom prst="straightConnector1">
-            <a:avLst/>
-          </a:prstGeom>
-          <a:ln w="19050">
-            <a:solidFill>
-              <a:schemeClr val="tx1"/>
-            </a:solidFill>
-            <a:tailEnd type="arrow"/>
-          </a:ln>
-        </p:spPr>
-        <p:style>
-          <a:lnRef idx="1">
-            <a:schemeClr val="accent1"/>
-          </a:lnRef>
-          <a:fillRef idx="0">
-            <a:schemeClr val="accent1"/>
-          </a:fillRef>
-          <a:effectRef idx="0">
-            <a:schemeClr val="accent1"/>
-          </a:effectRef>
-          <a:fontRef idx="minor">
-            <a:schemeClr val="tx1"/>
-          </a:fontRef>
-        </p:style>
-      </p:cxnSp>
+            </a:fontRef>
+          </p:style>
+        </p:cxnSp>
+      </p:grpSp>
       <p:sp>
         <p:nvSpPr>
           <p:cNvPr id="21" name="위쪽/아래쪽 화살표 20"/>
@@ -4174,7 +4225,7 @@
           <p:nvPr/>
         </p:nvSpPr>
         <p:spPr>
-          <a:xfrm rot="5400000">
+          <a:xfrm>
             <a:off x="4423984" y="817065"/>
             <a:ext cx="283768" cy="542235"/>
           </a:xfrm>
@@ -4229,7 +4280,7 @@
             </p:nvSpPr>
             <p:spPr>
               <a:xfrm>
-                <a:off x="2824155" y="1484784"/>
+                <a:off x="2824155" y="1988840"/>
                 <a:ext cx="3449598" cy="369332"/>
               </a:xfrm>
               <a:prstGeom prst="rect">
@@ -4243,6 +4294,7 @@
               </a:bodyPr>
               <a:lstStyle/>
               <a:p>
+                <a:pPr/>
                 <a14:m>
                   <m:oMathPara xmlns:m="http://schemas.openxmlformats.org/officeDocument/2006/math">
                     <m:oMathParaPr>
@@ -4416,7 +4468,7 @@
             </p:nvSpPr>
             <p:spPr>
               <a:xfrm>
-                <a:off x="2824155" y="1484784"/>
+                <a:off x="2824155" y="1988840"/>
                 <a:ext cx="3449598" cy="369332"/>
               </a:xfrm>
               <a:prstGeom prst="rect">
@@ -4425,7 +4477,7 @@
               <a:blipFill rotWithShape="1">
                 <a:blip r:embed="rId8"/>
                 <a:stretch>
-                  <a:fillRect b="-20000"/>
+                  <a:fillRect b="-18033"/>
                 </a:stretch>
               </a:blipFill>
             </p:spPr>
@@ -4492,8 +4544,8 @@
           </a:p>
         </p:txBody>
       </p:sp>
-      <mc:AlternateContent xmlns:mc="http://schemas.openxmlformats.org/markup-compatibility/2006">
-        <mc:Choice xmlns:a14="http://schemas.microsoft.com/office/drawing/2010/main" Requires="a14">
+      <mc:AlternateContent xmlns:mc="http://schemas.openxmlformats.org/markup-compatibility/2006" xmlns:a14="http://schemas.microsoft.com/office/drawing/2010/main">
+        <mc:Choice Requires="a14">
           <p:sp>
             <p:nvSpPr>
               <p:cNvPr id="39" name="TextBox 38"/>
@@ -4516,6 +4568,7 @@
               </a:bodyPr>
               <a:lstStyle/>
               <a:p>
+                <a:pPr/>
                 <a14:m>
                   <m:oMathPara xmlns:m="http://schemas.openxmlformats.org/officeDocument/2006/math">
                     <m:oMathParaPr>
@@ -4554,7 +4607,7 @@
             </p:txBody>
           </p:sp>
         </mc:Choice>
-        <mc:Fallback>
+        <mc:Fallback xmlns="">
           <p:sp>
             <p:nvSpPr>
               <p:cNvPr id="39" name="TextBox 38"/>
@@ -4593,8 +4646,8 @@
           </p:sp>
         </mc:Fallback>
       </mc:AlternateContent>
-      <mc:AlternateContent xmlns:mc="http://schemas.openxmlformats.org/markup-compatibility/2006">
-        <mc:Choice xmlns:a14="http://schemas.microsoft.com/office/drawing/2010/main" Requires="a14">
+      <mc:AlternateContent xmlns:mc="http://schemas.openxmlformats.org/markup-compatibility/2006" xmlns:a14="http://schemas.microsoft.com/office/drawing/2010/main">
+        <mc:Choice Requires="a14">
           <p:sp>
             <p:nvSpPr>
               <p:cNvPr id="41" name="TextBox 40"/>
@@ -4617,6 +4670,7 @@
               </a:bodyPr>
               <a:lstStyle/>
               <a:p>
+                <a:pPr/>
                 <a14:m>
                   <m:oMathPara xmlns:m="http://schemas.openxmlformats.org/officeDocument/2006/math">
                     <m:oMathParaPr>
@@ -4674,7 +4728,7 @@
             </p:txBody>
           </p:sp>
         </mc:Choice>
-        <mc:Fallback>
+        <mc:Fallback xmlns="">
           <p:sp>
             <p:nvSpPr>
               <p:cNvPr id="41" name="TextBox 40"/>
@@ -4833,8 +4887,8 @@
           </a:p>
         </p:txBody>
       </p:sp>
-      <mc:AlternateContent xmlns:mc="http://schemas.openxmlformats.org/markup-compatibility/2006">
-        <mc:Choice xmlns:a14="http://schemas.microsoft.com/office/drawing/2010/main" Requires="a14">
+      <mc:AlternateContent xmlns:mc="http://schemas.openxmlformats.org/markup-compatibility/2006" xmlns:a14="http://schemas.microsoft.com/office/drawing/2010/main">
+        <mc:Choice Requires="a14">
           <p:sp>
             <p:nvSpPr>
               <p:cNvPr id="45" name="TextBox 44"/>
@@ -4857,6 +4911,7 @@
               </a:bodyPr>
               <a:lstStyle/>
               <a:p>
+                <a:pPr/>
                 <a14:m>
                   <m:oMathPara xmlns:m="http://schemas.openxmlformats.org/officeDocument/2006/math">
                     <m:oMathParaPr>
@@ -4895,7 +4950,7 @@
             </p:txBody>
           </p:sp>
         </mc:Choice>
-        <mc:Fallback>
+        <mc:Fallback xmlns="">
           <p:sp>
             <p:nvSpPr>
               <p:cNvPr id="45" name="TextBox 44"/>
@@ -4934,8 +4989,8 @@
           </p:sp>
         </mc:Fallback>
       </mc:AlternateContent>
-      <mc:AlternateContent xmlns:mc="http://schemas.openxmlformats.org/markup-compatibility/2006">
-        <mc:Choice xmlns:a14="http://schemas.microsoft.com/office/drawing/2010/main" Requires="a14">
+      <mc:AlternateContent xmlns:mc="http://schemas.openxmlformats.org/markup-compatibility/2006" xmlns:a14="http://schemas.microsoft.com/office/drawing/2010/main">
+        <mc:Choice Requires="a14">
           <p:sp>
             <p:nvSpPr>
               <p:cNvPr id="46" name="TextBox 45"/>
@@ -4958,6 +5013,7 @@
               </a:bodyPr>
               <a:lstStyle/>
               <a:p>
+                <a:pPr/>
                 <a14:m>
                   <m:oMathPara xmlns:m="http://schemas.openxmlformats.org/officeDocument/2006/math">
                     <m:oMathParaPr>
@@ -5015,7 +5071,7 @@
             </p:txBody>
           </p:sp>
         </mc:Choice>
-        <mc:Fallback>
+        <mc:Fallback xmlns="">
           <p:sp>
             <p:nvSpPr>
               <p:cNvPr id="46" name="TextBox 45"/>
@@ -5138,8 +5194,8 @@
           </a:p>
         </p:txBody>
       </p:sp>
-      <mc:AlternateContent xmlns:mc="http://schemas.openxmlformats.org/markup-compatibility/2006">
-        <mc:Choice xmlns:a14="http://schemas.microsoft.com/office/drawing/2010/main" Requires="a14">
+      <mc:AlternateContent xmlns:mc="http://schemas.openxmlformats.org/markup-compatibility/2006" xmlns:a14="http://schemas.microsoft.com/office/drawing/2010/main">
+        <mc:Choice Requires="a14">
           <p:sp>
             <p:nvSpPr>
               <p:cNvPr id="49" name="TextBox 48"/>
@@ -5162,6 +5218,7 @@
               </a:bodyPr>
               <a:lstStyle/>
               <a:p>
+                <a:pPr/>
                 <a14:m>
                   <m:oMathPara xmlns:m="http://schemas.openxmlformats.org/officeDocument/2006/math">
                     <m:oMathParaPr>
@@ -5200,7 +5257,7 @@
             </p:txBody>
           </p:sp>
         </mc:Choice>
-        <mc:Fallback>
+        <mc:Fallback xmlns="">
           <p:sp>
             <p:nvSpPr>
               <p:cNvPr id="49" name="TextBox 48"/>
@@ -5239,8 +5296,8 @@
           </p:sp>
         </mc:Fallback>
       </mc:AlternateContent>
-      <mc:AlternateContent xmlns:mc="http://schemas.openxmlformats.org/markup-compatibility/2006">
-        <mc:Choice xmlns:a14="http://schemas.microsoft.com/office/drawing/2010/main" Requires="a14">
+      <mc:AlternateContent xmlns:mc="http://schemas.openxmlformats.org/markup-compatibility/2006" xmlns:a14="http://schemas.microsoft.com/office/drawing/2010/main">
+        <mc:Choice Requires="a14">
           <p:sp>
             <p:nvSpPr>
               <p:cNvPr id="50" name="TextBox 49"/>
@@ -5263,6 +5320,7 @@
               </a:bodyPr>
               <a:lstStyle/>
               <a:p>
+                <a:pPr/>
                 <a14:m>
                   <m:oMathPara xmlns:m="http://schemas.openxmlformats.org/officeDocument/2006/math">
                     <m:oMathParaPr>
@@ -5320,7 +5378,7 @@
             </p:txBody>
           </p:sp>
         </mc:Choice>
-        <mc:Fallback>
+        <mc:Fallback xmlns="">
           <p:sp>
             <p:nvSpPr>
               <p:cNvPr id="50" name="TextBox 49"/>
@@ -5479,8 +5537,8 @@
           </a:p>
         </p:txBody>
       </p:sp>
-      <mc:AlternateContent xmlns:mc="http://schemas.openxmlformats.org/markup-compatibility/2006">
-        <mc:Choice xmlns:a14="http://schemas.microsoft.com/office/drawing/2010/main" Requires="a14">
+      <mc:AlternateContent xmlns:mc="http://schemas.openxmlformats.org/markup-compatibility/2006" xmlns:a14="http://schemas.microsoft.com/office/drawing/2010/main">
+        <mc:Choice Requires="a14">
           <p:sp>
             <p:nvSpPr>
               <p:cNvPr id="54" name="TextBox 53"/>
@@ -5503,6 +5561,7 @@
               </a:bodyPr>
               <a:lstStyle/>
               <a:p>
+                <a:pPr/>
                 <a14:m>
                   <m:oMathPara xmlns:m="http://schemas.openxmlformats.org/officeDocument/2006/math">
                     <m:oMathParaPr>
@@ -5541,7 +5600,7 @@
             </p:txBody>
           </p:sp>
         </mc:Choice>
-        <mc:Fallback>
+        <mc:Fallback xmlns="">
           <p:sp>
             <p:nvSpPr>
               <p:cNvPr id="54" name="TextBox 53"/>
@@ -5580,8 +5639,8 @@
           </p:sp>
         </mc:Fallback>
       </mc:AlternateContent>
-      <mc:AlternateContent xmlns:mc="http://schemas.openxmlformats.org/markup-compatibility/2006">
-        <mc:Choice xmlns:a14="http://schemas.microsoft.com/office/drawing/2010/main" Requires="a14">
+      <mc:AlternateContent xmlns:mc="http://schemas.openxmlformats.org/markup-compatibility/2006" xmlns:a14="http://schemas.microsoft.com/office/drawing/2010/main">
+        <mc:Choice Requires="a14">
           <p:sp>
             <p:nvSpPr>
               <p:cNvPr id="55" name="TextBox 54"/>
@@ -5604,6 +5663,7 @@
               </a:bodyPr>
               <a:lstStyle/>
               <a:p>
+                <a:pPr/>
                 <a14:m>
                   <m:oMathPara xmlns:m="http://schemas.openxmlformats.org/officeDocument/2006/math">
                     <m:oMathParaPr>
@@ -5661,7 +5721,7 @@
             </p:txBody>
           </p:sp>
         </mc:Choice>
-        <mc:Fallback>
+        <mc:Fallback xmlns="">
           <p:sp>
             <p:nvSpPr>
               <p:cNvPr id="55" name="TextBox 54"/>
@@ -5788,8 +5848,8 @@
           </a:p>
         </p:txBody>
       </p:sp>
-      <mc:AlternateContent xmlns:mc="http://schemas.openxmlformats.org/markup-compatibility/2006">
-        <mc:Choice xmlns:a14="http://schemas.microsoft.com/office/drawing/2010/main" Requires="a14">
+      <mc:AlternateContent xmlns:mc="http://schemas.openxmlformats.org/markup-compatibility/2006" xmlns:a14="http://schemas.microsoft.com/office/drawing/2010/main">
+        <mc:Choice Requires="a14">
           <p:sp>
             <p:nvSpPr>
               <p:cNvPr id="59" name="TextBox 58"/>
@@ -5812,6 +5872,7 @@
               </a:bodyPr>
               <a:lstStyle/>
               <a:p>
+                <a:pPr/>
                 <a14:m>
                   <m:oMathPara xmlns:m="http://schemas.openxmlformats.org/officeDocument/2006/math">
                     <m:oMathParaPr>
@@ -6124,7 +6185,7 @@
             </p:txBody>
           </p:sp>
         </mc:Choice>
-        <mc:Fallback>
+        <mc:Fallback xmlns="">
           <p:sp>
             <p:nvSpPr>
               <p:cNvPr id="59" name="TextBox 58"/>
@@ -6241,8 +6302,8 @@
           </a:p>
         </p:txBody>
       </p:sp>
-      <mc:AlternateContent xmlns:mc="http://schemas.openxmlformats.org/markup-compatibility/2006">
-        <mc:Choice xmlns:a14="http://schemas.microsoft.com/office/drawing/2010/main" Requires="a14">
+      <mc:AlternateContent xmlns:mc="http://schemas.openxmlformats.org/markup-compatibility/2006" xmlns:a14="http://schemas.microsoft.com/office/drawing/2010/main">
+        <mc:Choice Requires="a14">
           <p:sp>
             <p:nvSpPr>
               <p:cNvPr id="5" name="TextBox 4"/>
@@ -6265,6 +6326,7 @@
               </a:bodyPr>
               <a:lstStyle/>
               <a:p>
+                <a:pPr/>
                 <a14:m>
                   <m:oMathPara xmlns:m="http://schemas.openxmlformats.org/officeDocument/2006/math">
                     <m:oMathParaPr>
@@ -6303,7 +6365,7 @@
             </p:txBody>
           </p:sp>
         </mc:Choice>
-        <mc:Fallback>
+        <mc:Fallback xmlns="">
           <p:sp>
             <p:nvSpPr>
               <p:cNvPr id="5" name="TextBox 4"/>
@@ -6342,8 +6404,8 @@
           </p:sp>
         </mc:Fallback>
       </mc:AlternateContent>
-      <mc:AlternateContent xmlns:mc="http://schemas.openxmlformats.org/markup-compatibility/2006">
-        <mc:Choice xmlns:a14="http://schemas.microsoft.com/office/drawing/2010/main" Requires="a14">
+      <mc:AlternateContent xmlns:mc="http://schemas.openxmlformats.org/markup-compatibility/2006" xmlns:a14="http://schemas.microsoft.com/office/drawing/2010/main">
+        <mc:Choice Requires="a14">
           <p:sp>
             <p:nvSpPr>
               <p:cNvPr id="6" name="TextBox 5"/>
@@ -6366,6 +6428,7 @@
               </a:bodyPr>
               <a:lstStyle/>
               <a:p>
+                <a:pPr/>
                 <a14:m>
                   <m:oMathPara xmlns:m="http://schemas.openxmlformats.org/officeDocument/2006/math">
                     <m:oMathParaPr>
@@ -6423,7 +6486,7 @@
             </p:txBody>
           </p:sp>
         </mc:Choice>
-        <mc:Fallback>
+        <mc:Fallback xmlns="">
           <p:sp>
             <p:nvSpPr>
               <p:cNvPr id="6" name="TextBox 5"/>
@@ -6585,8 +6648,8 @@
           </a:p>
         </p:txBody>
       </p:sp>
-      <mc:AlternateContent xmlns:mc="http://schemas.openxmlformats.org/markup-compatibility/2006">
-        <mc:Choice xmlns:a14="http://schemas.microsoft.com/office/drawing/2010/main" Requires="a14">
+      <mc:AlternateContent xmlns:mc="http://schemas.openxmlformats.org/markup-compatibility/2006" xmlns:a14="http://schemas.microsoft.com/office/drawing/2010/main">
+        <mc:Choice Requires="a14">
           <p:sp>
             <p:nvSpPr>
               <p:cNvPr id="10" name="TextBox 9"/>
@@ -6609,6 +6672,7 @@
               </a:bodyPr>
               <a:lstStyle/>
               <a:p>
+                <a:pPr/>
                 <a14:m>
                   <m:oMathPara xmlns:m="http://schemas.openxmlformats.org/officeDocument/2006/math">
                     <m:oMathParaPr>
@@ -6647,7 +6711,7 @@
             </p:txBody>
           </p:sp>
         </mc:Choice>
-        <mc:Fallback>
+        <mc:Fallback xmlns="">
           <p:sp>
             <p:nvSpPr>
               <p:cNvPr id="10" name="TextBox 9"/>
@@ -6686,8 +6750,8 @@
           </p:sp>
         </mc:Fallback>
       </mc:AlternateContent>
-      <mc:AlternateContent xmlns:mc="http://schemas.openxmlformats.org/markup-compatibility/2006">
-        <mc:Choice xmlns:a14="http://schemas.microsoft.com/office/drawing/2010/main" Requires="a14">
+      <mc:AlternateContent xmlns:mc="http://schemas.openxmlformats.org/markup-compatibility/2006" xmlns:a14="http://schemas.microsoft.com/office/drawing/2010/main">
+        <mc:Choice Requires="a14">
           <p:sp>
             <p:nvSpPr>
               <p:cNvPr id="11" name="TextBox 10"/>
@@ -6710,6 +6774,7 @@
               </a:bodyPr>
               <a:lstStyle/>
               <a:p>
+                <a:pPr/>
                 <a14:m>
                   <m:oMathPara xmlns:m="http://schemas.openxmlformats.org/officeDocument/2006/math">
                     <m:oMathParaPr>
@@ -6767,7 +6832,7 @@
             </p:txBody>
           </p:sp>
         </mc:Choice>
-        <mc:Fallback>
+        <mc:Fallback xmlns="">
           <p:sp>
             <p:nvSpPr>
               <p:cNvPr id="11" name="TextBox 10"/>
@@ -6842,8 +6907,8 @@
           </a:fontRef>
         </p:style>
       </p:cxnSp>
-      <mc:AlternateContent xmlns:mc="http://schemas.openxmlformats.org/markup-compatibility/2006">
-        <mc:Choice xmlns:a14="http://schemas.microsoft.com/office/drawing/2010/main" Requires="a14">
+      <mc:AlternateContent xmlns:mc="http://schemas.openxmlformats.org/markup-compatibility/2006" xmlns:a14="http://schemas.microsoft.com/office/drawing/2010/main">
+        <mc:Choice Requires="a14">
           <p:sp>
             <p:nvSpPr>
               <p:cNvPr id="14" name="TextBox 13"/>
@@ -6866,6 +6931,7 @@
               </a:bodyPr>
               <a:lstStyle/>
               <a:p>
+                <a:pPr/>
                 <a14:m>
                   <m:oMathPara xmlns:m="http://schemas.openxmlformats.org/officeDocument/2006/math">
                     <m:oMathParaPr>
@@ -6954,7 +7020,7 @@
             </p:txBody>
           </p:sp>
         </mc:Choice>
-        <mc:Fallback>
+        <mc:Fallback xmlns="">
           <p:sp>
             <p:nvSpPr>
               <p:cNvPr id="14" name="TextBox 13"/>
@@ -7041,8 +7107,8 @@
           </a:p>
         </p:txBody>
       </p:sp>
-      <mc:AlternateContent xmlns:mc="http://schemas.openxmlformats.org/markup-compatibility/2006">
-        <mc:Choice xmlns:a14="http://schemas.microsoft.com/office/drawing/2010/main" Requires="a14">
+      <mc:AlternateContent xmlns:mc="http://schemas.openxmlformats.org/markup-compatibility/2006" xmlns:a14="http://schemas.microsoft.com/office/drawing/2010/main">
+        <mc:Choice Requires="a14">
           <p:sp>
             <p:nvSpPr>
               <p:cNvPr id="18" name="TextBox 17"/>
@@ -7065,6 +7131,7 @@
               </a:bodyPr>
               <a:lstStyle/>
               <a:p>
+                <a:pPr/>
                 <a14:m>
                   <m:oMathPara xmlns:m="http://schemas.openxmlformats.org/officeDocument/2006/math">
                     <m:oMathParaPr>
@@ -7103,7 +7170,7 @@
             </p:txBody>
           </p:sp>
         </mc:Choice>
-        <mc:Fallback>
+        <mc:Fallback xmlns="">
           <p:sp>
             <p:nvSpPr>
               <p:cNvPr id="18" name="TextBox 17"/>
@@ -7142,8 +7209,8 @@
           </p:sp>
         </mc:Fallback>
       </mc:AlternateContent>
-      <mc:AlternateContent xmlns:mc="http://schemas.openxmlformats.org/markup-compatibility/2006">
-        <mc:Choice xmlns:a14="http://schemas.microsoft.com/office/drawing/2010/main" Requires="a14">
+      <mc:AlternateContent xmlns:mc="http://schemas.openxmlformats.org/markup-compatibility/2006" xmlns:a14="http://schemas.microsoft.com/office/drawing/2010/main">
+        <mc:Choice Requires="a14">
           <p:sp>
             <p:nvSpPr>
               <p:cNvPr id="19" name="TextBox 18"/>
@@ -7166,6 +7233,7 @@
               </a:bodyPr>
               <a:lstStyle/>
               <a:p>
+                <a:pPr/>
                 <a14:m>
                   <m:oMathPara xmlns:m="http://schemas.openxmlformats.org/officeDocument/2006/math">
                     <m:oMathParaPr>
@@ -7204,7 +7272,7 @@
             </p:txBody>
           </p:sp>
         </mc:Choice>
-        <mc:Fallback>
+        <mc:Fallback xmlns="">
           <p:sp>
             <p:nvSpPr>
               <p:cNvPr id="19" name="TextBox 18"/>
@@ -7243,8 +7311,8 @@
           </p:sp>
         </mc:Fallback>
       </mc:AlternateContent>
-      <mc:AlternateContent xmlns:mc="http://schemas.openxmlformats.org/markup-compatibility/2006">
-        <mc:Choice xmlns:a14="http://schemas.microsoft.com/office/drawing/2010/main" Requires="a14">
+      <mc:AlternateContent xmlns:mc="http://schemas.openxmlformats.org/markup-compatibility/2006" xmlns:a14="http://schemas.microsoft.com/office/drawing/2010/main">
+        <mc:Choice Requires="a14">
           <p:sp>
             <p:nvSpPr>
               <p:cNvPr id="20" name="TextBox 19"/>
@@ -7267,6 +7335,7 @@
               </a:bodyPr>
               <a:lstStyle/>
               <a:p>
+                <a:pPr/>
                 <a14:m>
                   <m:oMathPara xmlns:m="http://schemas.openxmlformats.org/officeDocument/2006/math">
                     <m:oMathParaPr>
@@ -7374,7 +7443,7 @@
             </p:txBody>
           </p:sp>
         </mc:Choice>
-        <mc:Fallback>
+        <mc:Fallback xmlns="">
           <p:sp>
             <p:nvSpPr>
               <p:cNvPr id="20" name="TextBox 19"/>

--- a/pics/2019-06-18-Discrete_Time_Convolution/pics.pptx
+++ b/pics/2019-06-18-Discrete_Time_Convolution/pics.pptx
@@ -10,6 +10,7 @@
     <p:sldId id="258" r:id="rId4"/>
     <p:sldId id="259" r:id="rId5"/>
     <p:sldId id="260" r:id="rId6"/>
+    <p:sldId id="261" r:id="rId7"/>
   </p:sldIdLst>
   <p:sldSz cx="9144000" cy="6858000" type="screen4x3"/>
   <p:notesSz cx="6858000" cy="9144000"/>
@@ -3321,903 +3322,858 @@
           <a:chExt cx="0" cy="0"/>
         </a:xfrm>
       </p:grpSpPr>
-      <p:grpSp>
-        <p:nvGrpSpPr>
-          <p:cNvPr id="8" name="그룹 7"/>
-          <p:cNvGrpSpPr/>
-          <p:nvPr/>
-        </p:nvGrpSpPr>
-        <p:grpSpPr>
-          <a:xfrm>
-            <a:off x="2858352" y="332656"/>
-            <a:ext cx="3502476" cy="369332"/>
-            <a:chOff x="732530" y="903516"/>
-            <a:chExt cx="3502476" cy="369332"/>
-          </a:xfrm>
-        </p:grpSpPr>
-        <mc:AlternateContent xmlns:mc="http://schemas.openxmlformats.org/markup-compatibility/2006" xmlns:a14="http://schemas.microsoft.com/office/drawing/2010/main">
-          <mc:Choice Requires="a14">
-            <p:sp>
-              <p:nvSpPr>
-                <p:cNvPr id="6" name="TextBox 5"/>
-                <p:cNvSpPr txBox="1"/>
-                <p:nvPr/>
-              </p:nvSpPr>
-              <p:spPr>
-                <a:xfrm>
-                  <a:off x="3540842" y="903516"/>
-                  <a:ext cx="694164" cy="369332"/>
-                </a:xfrm>
-                <a:prstGeom prst="rect">
-                  <a:avLst/>
-                </a:prstGeom>
-                <a:noFill/>
-              </p:spPr>
-              <p:txBody>
-                <a:bodyPr wrap="none" rtlCol="0">
-                  <a:spAutoFit/>
-                </a:bodyPr>
-                <a:lstStyle/>
-                <a:p>
-                  <a:pPr/>
-                  <a14:m>
-                    <m:oMathPara xmlns:m="http://schemas.openxmlformats.org/officeDocument/2006/math">
-                      <m:oMathParaPr>
-                        <m:jc m:val="centerGroup"/>
-                      </m:oMathParaPr>
-                      <m:oMath xmlns:m="http://schemas.openxmlformats.org/officeDocument/2006/math">
-                        <m:r>
-                          <a:rPr lang="en-US" altLang="ko-KR" b="0" i="1" smtClean="0">
-                            <a:latin typeface="Cambria Math"/>
-                          </a:rPr>
-                          <m:t>𝑦</m:t>
-                        </m:r>
-                        <m:r>
-                          <a:rPr lang="en-US" altLang="ko-KR" b="0" i="1" smtClean="0">
-                            <a:latin typeface="Cambria Math"/>
-                          </a:rPr>
-                          <m:t>[</m:t>
-                        </m:r>
-                        <m:r>
-                          <a:rPr lang="en-US" altLang="ko-KR" b="0" i="1" smtClean="0">
-                            <a:latin typeface="Cambria Math"/>
-                          </a:rPr>
-                          <m:t>𝑛</m:t>
-                        </m:r>
-                        <m:r>
-                          <a:rPr lang="en-US" altLang="ko-KR" b="0" i="1" smtClean="0">
-                            <a:latin typeface="Cambria Math"/>
-                          </a:rPr>
-                          <m:t>]</m:t>
-                        </m:r>
-                      </m:oMath>
-                    </m:oMathPara>
-                  </a14:m>
-                  <a:endParaRPr lang="ko-KR" altLang="en-US" dirty="0"/>
-                </a:p>
-              </p:txBody>
-            </p:sp>
-          </mc:Choice>
-          <mc:Fallback xmlns="">
-            <p:sp>
-              <p:nvSpPr>
-                <p:cNvPr id="6" name="TextBox 5"/>
-                <p:cNvSpPr txBox="1">
-                  <a:spLocks noRot="1" noChangeAspect="1" noMove="1" noResize="1" noEditPoints="1" noAdjustHandles="1" noChangeArrowheads="1" noChangeShapeType="1" noTextEdit="1"/>
-                </p:cNvSpPr>
-                <p:nvPr/>
-              </p:nvSpPr>
-              <p:spPr>
-                <a:xfrm>
-                  <a:off x="3540842" y="903516"/>
-                  <a:ext cx="694164" cy="369332"/>
-                </a:xfrm>
-                <a:prstGeom prst="rect">
-                  <a:avLst/>
-                </a:prstGeom>
-                <a:blipFill rotWithShape="1">
-                  <a:blip r:embed="rId3"/>
-                  <a:stretch>
-                    <a:fillRect b="-18033"/>
-                  </a:stretch>
-                </a:blipFill>
-              </p:spPr>
-              <p:txBody>
-                <a:bodyPr/>
-                <a:lstStyle/>
-                <a:p>
-                  <a:r>
-                    <a:rPr lang="ko-KR" altLang="en-US">
-                      <a:noFill/>
-                    </a:rPr>
-                    <a:t> </a:t>
-                  </a:r>
-                </a:p>
-              </p:txBody>
-            </p:sp>
-          </mc:Fallback>
-        </mc:AlternateContent>
-        <p:grpSp>
-          <p:nvGrpSpPr>
-            <p:cNvPr id="3" name="그룹 2"/>
-            <p:cNvGrpSpPr/>
-            <p:nvPr/>
-          </p:nvGrpSpPr>
-          <p:grpSpPr>
-            <a:xfrm>
-              <a:off x="732530" y="903516"/>
-              <a:ext cx="2880320" cy="369332"/>
-              <a:chOff x="732530" y="903516"/>
-              <a:chExt cx="2880320" cy="369332"/>
-            </a:xfrm>
-          </p:grpSpPr>
+      <mc:AlternateContent xmlns:mc="http://schemas.openxmlformats.org/markup-compatibility/2006">
+        <mc:Choice xmlns:a14="http://schemas.microsoft.com/office/drawing/2010/main" Requires="a14">
           <p:sp>
             <p:nvSpPr>
-              <p:cNvPr id="4" name="직사각형 3"/>
-              <p:cNvSpPr/>
+              <p:cNvPr id="6" name="TextBox 5"/>
+              <p:cNvSpPr txBox="1"/>
               <p:nvPr/>
             </p:nvSpPr>
             <p:spPr>
               <a:xfrm>
-                <a:off x="1812650" y="908162"/>
-                <a:ext cx="1296144" cy="360040"/>
+                <a:off x="5629074" y="332656"/>
+                <a:ext cx="694164" cy="369332"/>
               </a:xfrm>
               <a:prstGeom prst="rect">
                 <a:avLst/>
               </a:prstGeom>
-              <a:solidFill>
-                <a:schemeClr val="bg1"/>
-              </a:solidFill>
-              <a:ln>
-                <a:solidFill>
-                  <a:schemeClr val="tx1"/>
-                </a:solidFill>
-              </a:ln>
+              <a:noFill/>
             </p:spPr>
-            <p:style>
-              <a:lnRef idx="2">
-                <a:schemeClr val="accent1">
-                  <a:shade val="50000"/>
-                </a:schemeClr>
-              </a:lnRef>
-              <a:fillRef idx="1">
-                <a:schemeClr val="accent1"/>
-              </a:fillRef>
-              <a:effectRef idx="0">
-                <a:schemeClr val="accent1"/>
-              </a:effectRef>
-              <a:fontRef idx="minor">
-                <a:schemeClr val="lt1"/>
-              </a:fontRef>
-            </p:style>
             <p:txBody>
-              <a:bodyPr rtlCol="0" anchor="ctr"/>
+              <a:bodyPr wrap="none" rtlCol="0">
+                <a:spAutoFit/>
+              </a:bodyPr>
               <a:lstStyle/>
               <a:p>
-                <a:pPr algn="ctr"/>
-                <a:endParaRPr lang="ko-KR" altLang="en-US"/>
+                <a:pPr/>
+                <a14:m>
+                  <m:oMathPara xmlns:m="http://schemas.openxmlformats.org/officeDocument/2006/math">
+                    <m:oMathParaPr>
+                      <m:jc m:val="centerGroup"/>
+                    </m:oMathParaPr>
+                    <m:oMath xmlns:m="http://schemas.openxmlformats.org/officeDocument/2006/math">
+                      <m:r>
+                        <a:rPr lang="en-US" altLang="ko-KR" b="0" i="1" smtClean="0">
+                          <a:latin typeface="Cambria Math"/>
+                        </a:rPr>
+                        <m:t>𝑦</m:t>
+                      </m:r>
+                      <m:r>
+                        <a:rPr lang="en-US" altLang="ko-KR" b="0" i="1" smtClean="0">
+                          <a:latin typeface="Cambria Math"/>
+                        </a:rPr>
+                        <m:t>[</m:t>
+                      </m:r>
+                      <m:r>
+                        <a:rPr lang="en-US" altLang="ko-KR" b="0" i="1" smtClean="0">
+                          <a:latin typeface="Cambria Math"/>
+                        </a:rPr>
+                        <m:t>𝑛</m:t>
+                      </m:r>
+                      <m:r>
+                        <a:rPr lang="en-US" altLang="ko-KR" b="0" i="1" smtClean="0">
+                          <a:latin typeface="Cambria Math"/>
+                        </a:rPr>
+                        <m:t>]</m:t>
+                      </m:r>
+                    </m:oMath>
+                  </m:oMathPara>
+                </a14:m>
+                <a:endParaRPr lang="ko-KR" altLang="en-US" dirty="0"/>
               </a:p>
             </p:txBody>
           </p:sp>
-          <mc:AlternateContent xmlns:mc="http://schemas.openxmlformats.org/markup-compatibility/2006" xmlns:a14="http://schemas.microsoft.com/office/drawing/2010/main">
-            <mc:Choice Requires="a14">
-              <p:sp>
-                <p:nvSpPr>
-                  <p:cNvPr id="5" name="TextBox 4"/>
-                  <p:cNvSpPr txBox="1"/>
-                  <p:nvPr/>
-                </p:nvSpPr>
-                <p:spPr>
-                  <a:xfrm>
-                    <a:off x="732530" y="903516"/>
-                    <a:ext cx="694164" cy="369332"/>
-                  </a:xfrm>
-                  <a:prstGeom prst="rect">
-                    <a:avLst/>
-                  </a:prstGeom>
-                  <a:noFill/>
-                </p:spPr>
-                <p:txBody>
-                  <a:bodyPr wrap="none" rtlCol="0">
-                    <a:spAutoFit/>
-                  </a:bodyPr>
-                  <a:lstStyle/>
-                  <a:p>
-                    <a:pPr/>
-                    <a14:m>
-                      <m:oMathPara xmlns:m="http://schemas.openxmlformats.org/officeDocument/2006/math">
-                        <m:oMathParaPr>
-                          <m:jc m:val="centerGroup"/>
-                        </m:oMathParaPr>
-                        <m:oMath xmlns:m="http://schemas.openxmlformats.org/officeDocument/2006/math">
-                          <m:r>
-                            <a:rPr lang="en-US" altLang="ko-KR" b="0" i="1" smtClean="0">
-                              <a:latin typeface="Cambria Math"/>
-                            </a:rPr>
-                            <m:t>𝑥</m:t>
-                          </m:r>
-                          <m:r>
-                            <a:rPr lang="en-US" altLang="ko-KR" b="0" i="1" smtClean="0">
-                              <a:latin typeface="Cambria Math"/>
-                            </a:rPr>
-                            <m:t>[</m:t>
-                          </m:r>
-                          <m:r>
-                            <a:rPr lang="en-US" altLang="ko-KR" b="0" i="1" smtClean="0">
-                              <a:latin typeface="Cambria Math"/>
-                            </a:rPr>
-                            <m:t>𝑛</m:t>
-                          </m:r>
-                          <m:r>
-                            <a:rPr lang="en-US" altLang="ko-KR" b="0" i="1" smtClean="0">
-                              <a:latin typeface="Cambria Math"/>
-                            </a:rPr>
-                            <m:t>]</m:t>
-                          </m:r>
-                        </m:oMath>
-                      </m:oMathPara>
-                    </a14:m>
-                    <a:endParaRPr lang="ko-KR" altLang="en-US" dirty="0"/>
-                  </a:p>
-                </p:txBody>
-              </p:sp>
-            </mc:Choice>
-            <mc:Fallback xmlns="">
-              <p:sp>
-                <p:nvSpPr>
-                  <p:cNvPr id="5" name="TextBox 4"/>
-                  <p:cNvSpPr txBox="1">
-                    <a:spLocks noRot="1" noChangeAspect="1" noMove="1" noResize="1" noEditPoints="1" noAdjustHandles="1" noChangeArrowheads="1" noChangeShapeType="1" noTextEdit="1"/>
-                  </p:cNvSpPr>
-                  <p:nvPr/>
-                </p:nvSpPr>
-                <p:spPr>
-                  <a:xfrm>
-                    <a:off x="732530" y="903516"/>
-                    <a:ext cx="694164" cy="369332"/>
-                  </a:xfrm>
-                  <a:prstGeom prst="rect">
-                    <a:avLst/>
-                  </a:prstGeom>
-                  <a:blipFill rotWithShape="1">
-                    <a:blip r:embed="rId2"/>
-                    <a:stretch>
-                      <a:fillRect b="-18033"/>
-                    </a:stretch>
-                  </a:blipFill>
-                </p:spPr>
-                <p:txBody>
-                  <a:bodyPr/>
-                  <a:lstStyle/>
-                  <a:p>
-                    <a:r>
-                      <a:rPr lang="ko-KR" altLang="en-US">
-                        <a:noFill/>
-                      </a:rPr>
-                      <a:t> </a:t>
-                    </a:r>
-                  </a:p>
-                </p:txBody>
-              </p:sp>
-            </mc:Fallback>
-          </mc:AlternateContent>
-          <mc:AlternateContent xmlns:mc="http://schemas.openxmlformats.org/markup-compatibility/2006" xmlns:a14="http://schemas.microsoft.com/office/drawing/2010/main">
-            <mc:Choice Requires="a14">
-              <p:sp>
-                <p:nvSpPr>
-                  <p:cNvPr id="7" name="TextBox 6"/>
-                  <p:cNvSpPr txBox="1"/>
-                  <p:nvPr/>
-                </p:nvSpPr>
-                <p:spPr>
-                  <a:xfrm>
-                    <a:off x="2113640" y="903516"/>
-                    <a:ext cx="694164" cy="369332"/>
-                  </a:xfrm>
-                  <a:prstGeom prst="rect">
-                    <a:avLst/>
-                  </a:prstGeom>
-                  <a:noFill/>
-                </p:spPr>
-                <p:txBody>
-                  <a:bodyPr wrap="none" rtlCol="0">
-                    <a:spAutoFit/>
-                  </a:bodyPr>
-                  <a:lstStyle/>
-                  <a:p>
-                    <a:pPr/>
-                    <a14:m>
-                      <m:oMathPara xmlns:m="http://schemas.openxmlformats.org/officeDocument/2006/math">
-                        <m:oMathParaPr>
-                          <m:jc m:val="centerGroup"/>
-                        </m:oMathParaPr>
-                        <m:oMath xmlns:m="http://schemas.openxmlformats.org/officeDocument/2006/math">
-                          <m:r>
-                            <a:rPr lang="en-US" altLang="ko-KR" b="0" i="1" smtClean="0">
-                              <a:latin typeface="Cambria Math"/>
-                            </a:rPr>
-                            <m:t>h</m:t>
-                          </m:r>
-                          <m:r>
-                            <a:rPr lang="en-US" altLang="ko-KR" b="0" i="1" smtClean="0">
-                              <a:latin typeface="Cambria Math"/>
-                            </a:rPr>
-                            <m:t>[</m:t>
-                          </m:r>
-                          <m:r>
-                            <a:rPr lang="en-US" altLang="ko-KR" b="0" i="1" smtClean="0">
-                              <a:latin typeface="Cambria Math"/>
-                            </a:rPr>
-                            <m:t>𝑛</m:t>
-                          </m:r>
-                          <m:r>
-                            <a:rPr lang="en-US" altLang="ko-KR" b="0" i="1" smtClean="0">
-                              <a:latin typeface="Cambria Math"/>
-                            </a:rPr>
-                            <m:t>]</m:t>
-                          </m:r>
-                        </m:oMath>
-                      </m:oMathPara>
-                    </a14:m>
-                    <a:endParaRPr lang="ko-KR" altLang="en-US" dirty="0"/>
-                  </a:p>
-                </p:txBody>
-              </p:sp>
-            </mc:Choice>
-            <mc:Fallback xmlns="">
-              <p:sp>
-                <p:nvSpPr>
-                  <p:cNvPr id="7" name="TextBox 6"/>
-                  <p:cNvSpPr txBox="1">
-                    <a:spLocks noRot="1" noChangeAspect="1" noMove="1" noResize="1" noEditPoints="1" noAdjustHandles="1" noChangeArrowheads="1" noChangeShapeType="1" noTextEdit="1"/>
-                  </p:cNvSpPr>
-                  <p:nvPr/>
-                </p:nvSpPr>
-                <p:spPr>
-                  <a:xfrm>
-                    <a:off x="2113640" y="903516"/>
-                    <a:ext cx="694164" cy="369332"/>
-                  </a:xfrm>
-                  <a:prstGeom prst="rect">
-                    <a:avLst/>
-                  </a:prstGeom>
-                  <a:blipFill rotWithShape="1">
-                    <a:blip r:embed="rId4"/>
-                    <a:stretch>
-                      <a:fillRect b="-18033"/>
-                    </a:stretch>
-                  </a:blipFill>
-                </p:spPr>
-                <p:txBody>
-                  <a:bodyPr/>
-                  <a:lstStyle/>
-                  <a:p>
-                    <a:r>
-                      <a:rPr lang="ko-KR" altLang="en-US">
-                        <a:noFill/>
-                      </a:rPr>
-                      <a:t> </a:t>
-                    </a:r>
-                  </a:p>
-                </p:txBody>
-              </p:sp>
-            </mc:Fallback>
-          </mc:AlternateContent>
-          <p:cxnSp>
-            <p:nvCxnSpPr>
-              <p:cNvPr id="9" name="직선 화살표 연결선 8"/>
-              <p:cNvCxnSpPr/>
+        </mc:Choice>
+        <mc:Fallback>
+          <p:sp>
+            <p:nvSpPr>
+              <p:cNvPr id="6" name="TextBox 5"/>
+              <p:cNvSpPr txBox="1">
+                <a:spLocks noRot="1" noChangeAspect="1" noMove="1" noResize="1" noEditPoints="1" noAdjustHandles="1" noChangeArrowheads="1" noChangeShapeType="1" noTextEdit="1"/>
+              </p:cNvSpPr>
               <p:nvPr/>
-            </p:nvCxnSpPr>
+            </p:nvSpPr>
             <p:spPr>
               <a:xfrm>
-                <a:off x="1308594" y="1088182"/>
-                <a:ext cx="504056" cy="0"/>
+                <a:off x="5629074" y="332656"/>
+                <a:ext cx="694164" cy="369332"/>
               </a:xfrm>
-              <a:prstGeom prst="straightConnector1">
+              <a:prstGeom prst="rect">
                 <a:avLst/>
               </a:prstGeom>
-              <a:ln w="19050">
-                <a:solidFill>
-                  <a:schemeClr val="tx1"/>
-                </a:solidFill>
-                <a:tailEnd type="arrow"/>
-              </a:ln>
+              <a:blipFill rotWithShape="1">
+                <a:blip r:embed="rId2"/>
+                <a:stretch>
+                  <a:fillRect b="-20000"/>
+                </a:stretch>
+              </a:blipFill>
             </p:spPr>
-            <p:style>
-              <a:lnRef idx="1">
-                <a:schemeClr val="accent1"/>
-              </a:lnRef>
-              <a:fillRef idx="0">
-                <a:schemeClr val="accent1"/>
-              </a:fillRef>
-              <a:effectRef idx="0">
-                <a:schemeClr val="accent1"/>
-              </a:effectRef>
-              <a:fontRef idx="minor">
-                <a:schemeClr val="tx1"/>
-              </a:fontRef>
-            </p:style>
-          </p:cxnSp>
-          <p:cxnSp>
-            <p:nvCxnSpPr>
-              <p:cNvPr id="13" name="직선 화살표 연결선 12"/>
-              <p:cNvCxnSpPr/>
+            <p:txBody>
+              <a:bodyPr/>
+              <a:lstStyle/>
+              <a:p>
+                <a:r>
+                  <a:rPr lang="ko-KR" altLang="en-US">
+                    <a:noFill/>
+                  </a:rPr>
+                  <a:t> </a:t>
+                </a:r>
+              </a:p>
+            </p:txBody>
+          </p:sp>
+        </mc:Fallback>
+      </mc:AlternateContent>
+      <p:sp>
+        <p:nvSpPr>
+          <p:cNvPr id="4" name="직사각형 3"/>
+          <p:cNvSpPr/>
+          <p:nvPr/>
+        </p:nvSpPr>
+        <p:spPr>
+          <a:xfrm>
+            <a:off x="3900882" y="337302"/>
+            <a:ext cx="1296144" cy="360040"/>
+          </a:xfrm>
+          <a:prstGeom prst="rect">
+            <a:avLst/>
+          </a:prstGeom>
+          <a:solidFill>
+            <a:schemeClr val="bg1"/>
+          </a:solidFill>
+          <a:ln>
+            <a:solidFill>
+              <a:schemeClr val="tx1"/>
+            </a:solidFill>
+          </a:ln>
+        </p:spPr>
+        <p:style>
+          <a:lnRef idx="2">
+            <a:schemeClr val="accent1">
+              <a:shade val="50000"/>
+            </a:schemeClr>
+          </a:lnRef>
+          <a:fillRef idx="1">
+            <a:schemeClr val="accent1"/>
+          </a:fillRef>
+          <a:effectRef idx="0">
+            <a:schemeClr val="accent1"/>
+          </a:effectRef>
+          <a:fontRef idx="minor">
+            <a:schemeClr val="lt1"/>
+          </a:fontRef>
+        </p:style>
+        <p:txBody>
+          <a:bodyPr rtlCol="0" anchor="ctr"/>
+          <a:lstStyle/>
+          <a:p>
+            <a:pPr algn="ctr"/>
+            <a:endParaRPr lang="ko-KR" altLang="en-US"/>
+          </a:p>
+        </p:txBody>
+      </p:sp>
+      <mc:AlternateContent xmlns:mc="http://schemas.openxmlformats.org/markup-compatibility/2006">
+        <mc:Choice xmlns:a14="http://schemas.microsoft.com/office/drawing/2010/main" Requires="a14">
+          <p:sp>
+            <p:nvSpPr>
+              <p:cNvPr id="5" name="TextBox 4"/>
+              <p:cNvSpPr txBox="1"/>
               <p:nvPr/>
-            </p:nvCxnSpPr>
+            </p:nvSpPr>
             <p:spPr>
               <a:xfrm>
-                <a:off x="3108794" y="1088182"/>
-                <a:ext cx="504056" cy="0"/>
+                <a:off x="2820762" y="332656"/>
+                <a:ext cx="694164" cy="369332"/>
               </a:xfrm>
-              <a:prstGeom prst="straightConnector1">
+              <a:prstGeom prst="rect">
                 <a:avLst/>
               </a:prstGeom>
-              <a:ln w="19050">
-                <a:solidFill>
-                  <a:schemeClr val="tx1"/>
-                </a:solidFill>
-                <a:tailEnd type="arrow"/>
-              </a:ln>
+              <a:noFill/>
             </p:spPr>
-            <p:style>
-              <a:lnRef idx="1">
-                <a:schemeClr val="accent1"/>
-              </a:lnRef>
-              <a:fillRef idx="0">
-                <a:schemeClr val="accent1"/>
-              </a:fillRef>
-              <a:effectRef idx="0">
-                <a:schemeClr val="accent1"/>
-              </a:effectRef>
-              <a:fontRef idx="minor">
-                <a:schemeClr val="tx1"/>
-              </a:fontRef>
-            </p:style>
-          </p:cxnSp>
-        </p:grpSp>
-      </p:grpSp>
-      <p:grpSp>
-        <p:nvGrpSpPr>
-          <p:cNvPr id="2" name="그룹 1"/>
-          <p:cNvGrpSpPr/>
+            <p:txBody>
+              <a:bodyPr wrap="none" rtlCol="0">
+                <a:spAutoFit/>
+              </a:bodyPr>
+              <a:lstStyle/>
+              <a:p>
+                <a:pPr/>
+                <a14:m>
+                  <m:oMathPara xmlns:m="http://schemas.openxmlformats.org/officeDocument/2006/math">
+                    <m:oMathParaPr>
+                      <m:jc m:val="centerGroup"/>
+                    </m:oMathParaPr>
+                    <m:oMath xmlns:m="http://schemas.openxmlformats.org/officeDocument/2006/math">
+                      <m:r>
+                        <a:rPr lang="en-US" altLang="ko-KR" b="0" i="1" smtClean="0">
+                          <a:latin typeface="Cambria Math"/>
+                        </a:rPr>
+                        <m:t>𝑥</m:t>
+                      </m:r>
+                      <m:r>
+                        <a:rPr lang="en-US" altLang="ko-KR" b="0" i="1" smtClean="0">
+                          <a:latin typeface="Cambria Math"/>
+                        </a:rPr>
+                        <m:t>[</m:t>
+                      </m:r>
+                      <m:r>
+                        <a:rPr lang="en-US" altLang="ko-KR" b="0" i="1" smtClean="0">
+                          <a:latin typeface="Cambria Math"/>
+                        </a:rPr>
+                        <m:t>𝑛</m:t>
+                      </m:r>
+                      <m:r>
+                        <a:rPr lang="en-US" altLang="ko-KR" b="0" i="1" smtClean="0">
+                          <a:latin typeface="Cambria Math"/>
+                        </a:rPr>
+                        <m:t>]</m:t>
+                      </m:r>
+                    </m:oMath>
+                  </m:oMathPara>
+                </a14:m>
+                <a:endParaRPr lang="ko-KR" altLang="en-US" dirty="0"/>
+              </a:p>
+            </p:txBody>
+          </p:sp>
+        </mc:Choice>
+        <mc:Fallback>
+          <p:sp>
+            <p:nvSpPr>
+              <p:cNvPr id="5" name="TextBox 4"/>
+              <p:cNvSpPr txBox="1">
+                <a:spLocks noRot="1" noChangeAspect="1" noMove="1" noResize="1" noEditPoints="1" noAdjustHandles="1" noChangeArrowheads="1" noChangeShapeType="1" noTextEdit="1"/>
+              </p:cNvSpPr>
+              <p:nvPr/>
+            </p:nvSpPr>
+            <p:spPr>
+              <a:xfrm>
+                <a:off x="2820762" y="332656"/>
+                <a:ext cx="694164" cy="369332"/>
+              </a:xfrm>
+              <a:prstGeom prst="rect">
+                <a:avLst/>
+              </a:prstGeom>
+              <a:blipFill rotWithShape="1">
+                <a:blip r:embed="rId3"/>
+                <a:stretch>
+                  <a:fillRect b="-20000"/>
+                </a:stretch>
+              </a:blipFill>
+            </p:spPr>
+            <p:txBody>
+              <a:bodyPr/>
+              <a:lstStyle/>
+              <a:p>
+                <a:r>
+                  <a:rPr lang="ko-KR" altLang="en-US">
+                    <a:noFill/>
+                  </a:rPr>
+                  <a:t> </a:t>
+                </a:r>
+              </a:p>
+            </p:txBody>
+          </p:sp>
+        </mc:Fallback>
+      </mc:AlternateContent>
+      <mc:AlternateContent xmlns:mc="http://schemas.openxmlformats.org/markup-compatibility/2006">
+        <mc:Choice xmlns:a14="http://schemas.microsoft.com/office/drawing/2010/main" Requires="a14">
+          <p:sp>
+            <p:nvSpPr>
+              <p:cNvPr id="7" name="TextBox 6"/>
+              <p:cNvSpPr txBox="1"/>
+              <p:nvPr/>
+            </p:nvSpPr>
+            <p:spPr>
+              <a:xfrm>
+                <a:off x="4201872" y="332656"/>
+                <a:ext cx="694164" cy="369332"/>
+              </a:xfrm>
+              <a:prstGeom prst="rect">
+                <a:avLst/>
+              </a:prstGeom>
+              <a:noFill/>
+            </p:spPr>
+            <p:txBody>
+              <a:bodyPr wrap="none" rtlCol="0">
+                <a:spAutoFit/>
+              </a:bodyPr>
+              <a:lstStyle/>
+              <a:p>
+                <a:pPr/>
+                <a14:m>
+                  <m:oMathPara xmlns:m="http://schemas.openxmlformats.org/officeDocument/2006/math">
+                    <m:oMathParaPr>
+                      <m:jc m:val="centerGroup"/>
+                    </m:oMathParaPr>
+                    <m:oMath xmlns:m="http://schemas.openxmlformats.org/officeDocument/2006/math">
+                      <m:r>
+                        <a:rPr lang="en-US" altLang="ko-KR" b="0" i="1" smtClean="0">
+                          <a:latin typeface="Cambria Math"/>
+                        </a:rPr>
+                        <m:t>h</m:t>
+                      </m:r>
+                      <m:r>
+                        <a:rPr lang="en-US" altLang="ko-KR" b="0" i="1" smtClean="0">
+                          <a:latin typeface="Cambria Math"/>
+                        </a:rPr>
+                        <m:t>[</m:t>
+                      </m:r>
+                      <m:r>
+                        <a:rPr lang="en-US" altLang="ko-KR" b="0" i="1" smtClean="0">
+                          <a:latin typeface="Cambria Math"/>
+                        </a:rPr>
+                        <m:t>𝑛</m:t>
+                      </m:r>
+                      <m:r>
+                        <a:rPr lang="en-US" altLang="ko-KR" b="0" i="1" smtClean="0">
+                          <a:latin typeface="Cambria Math"/>
+                        </a:rPr>
+                        <m:t>]</m:t>
+                      </m:r>
+                    </m:oMath>
+                  </m:oMathPara>
+                </a14:m>
+                <a:endParaRPr lang="ko-KR" altLang="en-US" dirty="0"/>
+              </a:p>
+            </p:txBody>
+          </p:sp>
+        </mc:Choice>
+        <mc:Fallback>
+          <p:sp>
+            <p:nvSpPr>
+              <p:cNvPr id="7" name="TextBox 6"/>
+              <p:cNvSpPr txBox="1">
+                <a:spLocks noRot="1" noChangeAspect="1" noMove="1" noResize="1" noEditPoints="1" noAdjustHandles="1" noChangeArrowheads="1" noChangeShapeType="1" noTextEdit="1"/>
+              </p:cNvSpPr>
+              <p:nvPr/>
+            </p:nvSpPr>
+            <p:spPr>
+              <a:xfrm>
+                <a:off x="4201872" y="332656"/>
+                <a:ext cx="694164" cy="369332"/>
+              </a:xfrm>
+              <a:prstGeom prst="rect">
+                <a:avLst/>
+              </a:prstGeom>
+              <a:blipFill rotWithShape="1">
+                <a:blip r:embed="rId4"/>
+                <a:stretch>
+                  <a:fillRect b="-20000"/>
+                </a:stretch>
+              </a:blipFill>
+            </p:spPr>
+            <p:txBody>
+              <a:bodyPr/>
+              <a:lstStyle/>
+              <a:p>
+                <a:r>
+                  <a:rPr lang="ko-KR" altLang="en-US">
+                    <a:noFill/>
+                  </a:rPr>
+                  <a:t> </a:t>
+                </a:r>
+              </a:p>
+            </p:txBody>
+          </p:sp>
+        </mc:Fallback>
+      </mc:AlternateContent>
+      <p:cxnSp>
+        <p:nvCxnSpPr>
+          <p:cNvPr id="9" name="직선 화살표 연결선 8"/>
+          <p:cNvCxnSpPr/>
           <p:nvPr/>
-        </p:nvGrpSpPr>
-        <p:grpSpPr>
+        </p:nvCxnSpPr>
+        <p:spPr>
           <a:xfrm>
-            <a:off x="2863906" y="1426787"/>
-            <a:ext cx="3502476" cy="369332"/>
-            <a:chOff x="4908994" y="903516"/>
-            <a:chExt cx="3502476" cy="369332"/>
+            <a:off x="3396826" y="517322"/>
+            <a:ext cx="504056" cy="0"/>
           </a:xfrm>
-        </p:grpSpPr>
-        <p:sp>
-          <p:nvSpPr>
-            <p:cNvPr id="14" name="직사각형 13"/>
-            <p:cNvSpPr/>
-            <p:nvPr/>
-          </p:nvSpPr>
-          <p:spPr>
-            <a:xfrm>
-              <a:off x="5989114" y="908162"/>
-              <a:ext cx="1296144" cy="360040"/>
-            </a:xfrm>
-            <a:prstGeom prst="rect">
-              <a:avLst/>
-            </a:prstGeom>
+          <a:prstGeom prst="straightConnector1">
+            <a:avLst/>
+          </a:prstGeom>
+          <a:ln w="19050">
             <a:solidFill>
-              <a:schemeClr val="bg1"/>
+              <a:schemeClr val="tx1"/>
             </a:solidFill>
-            <a:ln>
-              <a:solidFill>
-                <a:schemeClr val="tx1"/>
-              </a:solidFill>
-            </a:ln>
-          </p:spPr>
-          <p:style>
-            <a:lnRef idx="2">
-              <a:schemeClr val="accent1">
-                <a:shade val="50000"/>
-              </a:schemeClr>
-            </a:lnRef>
-            <a:fillRef idx="1">
-              <a:schemeClr val="accent1"/>
-            </a:fillRef>
-            <a:effectRef idx="0">
-              <a:schemeClr val="accent1"/>
-            </a:effectRef>
-            <a:fontRef idx="minor">
-              <a:schemeClr val="lt1"/>
-            </a:fontRef>
-          </p:style>
-          <p:txBody>
-            <a:bodyPr rtlCol="0" anchor="ctr"/>
-            <a:lstStyle/>
-            <a:p>
-              <a:pPr algn="ctr"/>
-              <a:endParaRPr lang="ko-KR" altLang="en-US"/>
-            </a:p>
-          </p:txBody>
-        </p:sp>
-        <mc:AlternateContent xmlns:mc="http://schemas.openxmlformats.org/markup-compatibility/2006" xmlns:a14="http://schemas.microsoft.com/office/drawing/2010/main">
-          <mc:Choice Requires="a14">
-            <p:sp>
-              <p:nvSpPr>
-                <p:cNvPr id="15" name="TextBox 14"/>
-                <p:cNvSpPr txBox="1"/>
-                <p:nvPr/>
-              </p:nvSpPr>
-              <p:spPr>
-                <a:xfrm>
-                  <a:off x="4908994" y="903516"/>
-                  <a:ext cx="694164" cy="369332"/>
-                </a:xfrm>
-                <a:prstGeom prst="rect">
-                  <a:avLst/>
-                </a:prstGeom>
-                <a:noFill/>
-              </p:spPr>
-              <p:txBody>
-                <a:bodyPr wrap="none" rtlCol="0">
-                  <a:spAutoFit/>
-                </a:bodyPr>
-                <a:lstStyle/>
-                <a:p>
-                  <a:pPr/>
-                  <a14:m>
-                    <m:oMathPara xmlns:m="http://schemas.openxmlformats.org/officeDocument/2006/math">
-                      <m:oMathParaPr>
-                        <m:jc m:val="centerGroup"/>
-                      </m:oMathParaPr>
-                      <m:oMath xmlns:m="http://schemas.openxmlformats.org/officeDocument/2006/math">
-                        <m:r>
-                          <a:rPr lang="en-US" altLang="ko-KR" b="0" i="1" smtClean="0">
-                            <a:latin typeface="Cambria Math"/>
-                          </a:rPr>
-                          <m:t>h</m:t>
-                        </m:r>
-                        <m:r>
-                          <a:rPr lang="en-US" altLang="ko-KR" b="0" i="1" smtClean="0">
-                            <a:latin typeface="Cambria Math"/>
-                          </a:rPr>
-                          <m:t>[</m:t>
-                        </m:r>
-                        <m:r>
-                          <a:rPr lang="en-US" altLang="ko-KR" b="0" i="1" smtClean="0">
-                            <a:latin typeface="Cambria Math"/>
-                          </a:rPr>
-                          <m:t>𝑛</m:t>
-                        </m:r>
-                        <m:r>
-                          <a:rPr lang="en-US" altLang="ko-KR" b="0" i="1" smtClean="0">
-                            <a:latin typeface="Cambria Math"/>
-                          </a:rPr>
-                          <m:t>]</m:t>
-                        </m:r>
-                      </m:oMath>
-                    </m:oMathPara>
-                  </a14:m>
-                  <a:endParaRPr lang="ko-KR" altLang="en-US" dirty="0"/>
-                </a:p>
-              </p:txBody>
-            </p:sp>
-          </mc:Choice>
-          <mc:Fallback xmlns="">
-            <p:sp>
-              <p:nvSpPr>
-                <p:cNvPr id="15" name="TextBox 14"/>
-                <p:cNvSpPr txBox="1">
-                  <a:spLocks noRot="1" noChangeAspect="1" noMove="1" noResize="1" noEditPoints="1" noAdjustHandles="1" noChangeArrowheads="1" noChangeShapeType="1" noTextEdit="1"/>
-                </p:cNvSpPr>
-                <p:nvPr/>
-              </p:nvSpPr>
-              <p:spPr>
-                <a:xfrm>
-                  <a:off x="4908994" y="903516"/>
-                  <a:ext cx="694164" cy="369332"/>
-                </a:xfrm>
-                <a:prstGeom prst="rect">
-                  <a:avLst/>
-                </a:prstGeom>
-                <a:blipFill rotWithShape="1">
-                  <a:blip r:embed="rId5"/>
-                  <a:stretch>
-                    <a:fillRect b="-18033"/>
-                  </a:stretch>
-                </a:blipFill>
-              </p:spPr>
-              <p:txBody>
-                <a:bodyPr/>
-                <a:lstStyle/>
-                <a:p>
-                  <a:r>
-                    <a:rPr lang="ko-KR" altLang="en-US">
-                      <a:noFill/>
-                    </a:rPr>
-                    <a:t> </a:t>
-                  </a:r>
-                </a:p>
-              </p:txBody>
-            </p:sp>
-          </mc:Fallback>
-        </mc:AlternateContent>
-        <mc:AlternateContent xmlns:mc="http://schemas.openxmlformats.org/markup-compatibility/2006" xmlns:a14="http://schemas.microsoft.com/office/drawing/2010/main">
-          <mc:Choice Requires="a14">
-            <p:sp>
-              <p:nvSpPr>
-                <p:cNvPr id="16" name="TextBox 15"/>
-                <p:cNvSpPr txBox="1"/>
-                <p:nvPr/>
-              </p:nvSpPr>
-              <p:spPr>
-                <a:xfrm>
-                  <a:off x="7717306" y="903516"/>
-                  <a:ext cx="694164" cy="369332"/>
-                </a:xfrm>
-                <a:prstGeom prst="rect">
-                  <a:avLst/>
-                </a:prstGeom>
-                <a:noFill/>
-              </p:spPr>
-              <p:txBody>
-                <a:bodyPr wrap="none" rtlCol="0">
-                  <a:spAutoFit/>
-                </a:bodyPr>
-                <a:lstStyle/>
-                <a:p>
-                  <a:pPr/>
-                  <a14:m>
-                    <m:oMathPara xmlns:m="http://schemas.openxmlformats.org/officeDocument/2006/math">
-                      <m:oMathParaPr>
-                        <m:jc m:val="centerGroup"/>
-                      </m:oMathParaPr>
-                      <m:oMath xmlns:m="http://schemas.openxmlformats.org/officeDocument/2006/math">
-                        <m:r>
-                          <a:rPr lang="en-US" altLang="ko-KR" b="0" i="1" smtClean="0">
-                            <a:latin typeface="Cambria Math"/>
-                          </a:rPr>
-                          <m:t>𝑦</m:t>
-                        </m:r>
-                        <m:r>
-                          <a:rPr lang="en-US" altLang="ko-KR" b="0" i="1" smtClean="0">
-                            <a:latin typeface="Cambria Math"/>
-                          </a:rPr>
-                          <m:t>[</m:t>
-                        </m:r>
-                        <m:r>
-                          <a:rPr lang="en-US" altLang="ko-KR" b="0" i="1" smtClean="0">
-                            <a:latin typeface="Cambria Math"/>
-                          </a:rPr>
-                          <m:t>𝑛</m:t>
-                        </m:r>
-                        <m:r>
-                          <a:rPr lang="en-US" altLang="ko-KR" b="0" i="1" smtClean="0">
-                            <a:latin typeface="Cambria Math"/>
-                          </a:rPr>
-                          <m:t>]</m:t>
-                        </m:r>
-                      </m:oMath>
-                    </m:oMathPara>
-                  </a14:m>
-                  <a:endParaRPr lang="ko-KR" altLang="en-US" dirty="0"/>
-                </a:p>
-              </p:txBody>
-            </p:sp>
-          </mc:Choice>
-          <mc:Fallback xmlns="">
-            <p:sp>
-              <p:nvSpPr>
-                <p:cNvPr id="16" name="TextBox 15"/>
-                <p:cNvSpPr txBox="1">
-                  <a:spLocks noRot="1" noChangeAspect="1" noMove="1" noResize="1" noEditPoints="1" noAdjustHandles="1" noChangeArrowheads="1" noChangeShapeType="1" noTextEdit="1"/>
-                </p:cNvSpPr>
-                <p:nvPr/>
-              </p:nvSpPr>
-              <p:spPr>
-                <a:xfrm>
-                  <a:off x="7717306" y="903516"/>
-                  <a:ext cx="694164" cy="369332"/>
-                </a:xfrm>
-                <a:prstGeom prst="rect">
-                  <a:avLst/>
-                </a:prstGeom>
-                <a:blipFill rotWithShape="1">
-                  <a:blip r:embed="rId6"/>
-                  <a:stretch>
-                    <a:fillRect b="-18033"/>
-                  </a:stretch>
-                </a:blipFill>
-              </p:spPr>
-              <p:txBody>
-                <a:bodyPr/>
-                <a:lstStyle/>
-                <a:p>
-                  <a:r>
-                    <a:rPr lang="ko-KR" altLang="en-US">
-                      <a:noFill/>
-                    </a:rPr>
-                    <a:t> </a:t>
-                  </a:r>
-                </a:p>
-              </p:txBody>
-            </p:sp>
-          </mc:Fallback>
-        </mc:AlternateContent>
-        <mc:AlternateContent xmlns:mc="http://schemas.openxmlformats.org/markup-compatibility/2006" xmlns:a14="http://schemas.microsoft.com/office/drawing/2010/main">
-          <mc:Choice Requires="a14">
-            <p:sp>
-              <p:nvSpPr>
-                <p:cNvPr id="17" name="TextBox 16"/>
-                <p:cNvSpPr txBox="1"/>
-                <p:nvPr/>
-              </p:nvSpPr>
-              <p:spPr>
-                <a:xfrm>
-                  <a:off x="6290104" y="903516"/>
-                  <a:ext cx="694164" cy="369332"/>
-                </a:xfrm>
-                <a:prstGeom prst="rect">
-                  <a:avLst/>
-                </a:prstGeom>
-                <a:noFill/>
-              </p:spPr>
-              <p:txBody>
-                <a:bodyPr wrap="none" rtlCol="0">
-                  <a:spAutoFit/>
-                </a:bodyPr>
-                <a:lstStyle/>
-                <a:p>
-                  <a:pPr/>
-                  <a14:m>
-                    <m:oMathPara xmlns:m="http://schemas.openxmlformats.org/officeDocument/2006/math">
-                      <m:oMathParaPr>
-                        <m:jc m:val="centerGroup"/>
-                      </m:oMathParaPr>
-                      <m:oMath xmlns:m="http://schemas.openxmlformats.org/officeDocument/2006/math">
-                        <m:r>
-                          <a:rPr lang="en-US" altLang="ko-KR" b="0" i="1" smtClean="0">
-                            <a:latin typeface="Cambria Math"/>
-                          </a:rPr>
-                          <m:t>𝑥</m:t>
-                        </m:r>
-                        <m:r>
-                          <a:rPr lang="en-US" altLang="ko-KR" b="0" i="1" smtClean="0">
-                            <a:latin typeface="Cambria Math"/>
-                          </a:rPr>
-                          <m:t>[</m:t>
-                        </m:r>
-                        <m:r>
-                          <a:rPr lang="en-US" altLang="ko-KR" b="0" i="1" smtClean="0">
-                            <a:latin typeface="Cambria Math"/>
-                          </a:rPr>
-                          <m:t>𝑛</m:t>
-                        </m:r>
-                        <m:r>
-                          <a:rPr lang="en-US" altLang="ko-KR" b="0" i="1" smtClean="0">
-                            <a:latin typeface="Cambria Math"/>
-                          </a:rPr>
-                          <m:t>]</m:t>
-                        </m:r>
-                      </m:oMath>
-                    </m:oMathPara>
-                  </a14:m>
-                  <a:endParaRPr lang="ko-KR" altLang="en-US" dirty="0"/>
-                </a:p>
-              </p:txBody>
-            </p:sp>
-          </mc:Choice>
-          <mc:Fallback xmlns="">
-            <p:sp>
-              <p:nvSpPr>
-                <p:cNvPr id="17" name="TextBox 16"/>
-                <p:cNvSpPr txBox="1">
-                  <a:spLocks noRot="1" noChangeAspect="1" noMove="1" noResize="1" noEditPoints="1" noAdjustHandles="1" noChangeArrowheads="1" noChangeShapeType="1" noTextEdit="1"/>
-                </p:cNvSpPr>
-                <p:nvPr/>
-              </p:nvSpPr>
-              <p:spPr>
-                <a:xfrm>
-                  <a:off x="6290104" y="903516"/>
-                  <a:ext cx="694164" cy="369332"/>
-                </a:xfrm>
-                <a:prstGeom prst="rect">
-                  <a:avLst/>
-                </a:prstGeom>
-                <a:blipFill rotWithShape="1">
-                  <a:blip r:embed="rId7"/>
-                  <a:stretch>
-                    <a:fillRect b="-18033"/>
-                  </a:stretch>
-                </a:blipFill>
-              </p:spPr>
-              <p:txBody>
-                <a:bodyPr/>
-                <a:lstStyle/>
-                <a:p>
-                  <a:r>
-                    <a:rPr lang="ko-KR" altLang="en-US">
-                      <a:noFill/>
-                    </a:rPr>
-                    <a:t> </a:t>
-                  </a:r>
-                </a:p>
-              </p:txBody>
-            </p:sp>
-          </mc:Fallback>
-        </mc:AlternateContent>
-        <p:cxnSp>
-          <p:nvCxnSpPr>
-            <p:cNvPr id="18" name="직선 화살표 연결선 17"/>
-            <p:cNvCxnSpPr/>
-            <p:nvPr/>
-          </p:nvCxnSpPr>
-          <p:spPr>
-            <a:xfrm>
-              <a:off x="5485058" y="1088182"/>
-              <a:ext cx="504056" cy="0"/>
-            </a:xfrm>
-            <a:prstGeom prst="straightConnector1">
-              <a:avLst/>
-            </a:prstGeom>
-            <a:ln w="19050">
-              <a:solidFill>
-                <a:schemeClr val="tx1"/>
-              </a:solidFill>
-              <a:tailEnd type="arrow"/>
-            </a:ln>
-          </p:spPr>
-          <p:style>
-            <a:lnRef idx="1">
-              <a:schemeClr val="accent1"/>
-            </a:lnRef>
-            <a:fillRef idx="0">
-              <a:schemeClr val="accent1"/>
-            </a:fillRef>
-            <a:effectRef idx="0">
-              <a:schemeClr val="accent1"/>
-            </a:effectRef>
-            <a:fontRef idx="minor">
+            <a:tailEnd type="arrow"/>
+          </a:ln>
+        </p:spPr>
+        <p:style>
+          <a:lnRef idx="1">
+            <a:schemeClr val="accent1"/>
+          </a:lnRef>
+          <a:fillRef idx="0">
+            <a:schemeClr val="accent1"/>
+          </a:fillRef>
+          <a:effectRef idx="0">
+            <a:schemeClr val="accent1"/>
+          </a:effectRef>
+          <a:fontRef idx="minor">
+            <a:schemeClr val="tx1"/>
+          </a:fontRef>
+        </p:style>
+      </p:cxnSp>
+      <p:cxnSp>
+        <p:nvCxnSpPr>
+          <p:cNvPr id="13" name="직선 화살표 연결선 12"/>
+          <p:cNvCxnSpPr/>
+          <p:nvPr/>
+        </p:nvCxnSpPr>
+        <p:spPr>
+          <a:xfrm>
+            <a:off x="5197026" y="517322"/>
+            <a:ext cx="504056" cy="0"/>
+          </a:xfrm>
+          <a:prstGeom prst="straightConnector1">
+            <a:avLst/>
+          </a:prstGeom>
+          <a:ln w="19050">
+            <a:solidFill>
               <a:schemeClr val="tx1"/>
-            </a:fontRef>
-          </p:style>
-        </p:cxnSp>
-        <p:cxnSp>
-          <p:nvCxnSpPr>
-            <p:cNvPr id="19" name="직선 화살표 연결선 18"/>
-            <p:cNvCxnSpPr/>
-            <p:nvPr/>
-          </p:nvCxnSpPr>
-          <p:spPr>
-            <a:xfrm>
-              <a:off x="7285258" y="1088182"/>
-              <a:ext cx="504056" cy="0"/>
-            </a:xfrm>
-            <a:prstGeom prst="straightConnector1">
-              <a:avLst/>
-            </a:prstGeom>
-            <a:ln w="19050">
-              <a:solidFill>
-                <a:schemeClr val="tx1"/>
-              </a:solidFill>
-              <a:tailEnd type="arrow"/>
-            </a:ln>
-          </p:spPr>
-          <p:style>
-            <a:lnRef idx="1">
-              <a:schemeClr val="accent1"/>
-            </a:lnRef>
-            <a:fillRef idx="0">
-              <a:schemeClr val="accent1"/>
-            </a:fillRef>
-            <a:effectRef idx="0">
-              <a:schemeClr val="accent1"/>
-            </a:effectRef>
-            <a:fontRef idx="minor">
+            </a:solidFill>
+            <a:tailEnd type="arrow"/>
+          </a:ln>
+        </p:spPr>
+        <p:style>
+          <a:lnRef idx="1">
+            <a:schemeClr val="accent1"/>
+          </a:lnRef>
+          <a:fillRef idx="0">
+            <a:schemeClr val="accent1"/>
+          </a:fillRef>
+          <a:effectRef idx="0">
+            <a:schemeClr val="accent1"/>
+          </a:effectRef>
+          <a:fontRef idx="minor">
+            <a:schemeClr val="tx1"/>
+          </a:fontRef>
+        </p:style>
+      </p:cxnSp>
+      <p:sp>
+        <p:nvSpPr>
+          <p:cNvPr id="14" name="직사각형 13"/>
+          <p:cNvSpPr/>
+          <p:nvPr/>
+        </p:nvSpPr>
+        <p:spPr>
+          <a:xfrm>
+            <a:off x="3900882" y="1431433"/>
+            <a:ext cx="1296144" cy="360040"/>
+          </a:xfrm>
+          <a:prstGeom prst="rect">
+            <a:avLst/>
+          </a:prstGeom>
+          <a:solidFill>
+            <a:schemeClr val="bg1"/>
+          </a:solidFill>
+          <a:ln>
+            <a:solidFill>
               <a:schemeClr val="tx1"/>
-            </a:fontRef>
-          </p:style>
-        </p:cxnSp>
-      </p:grpSp>
+            </a:solidFill>
+          </a:ln>
+        </p:spPr>
+        <p:style>
+          <a:lnRef idx="2">
+            <a:schemeClr val="accent1">
+              <a:shade val="50000"/>
+            </a:schemeClr>
+          </a:lnRef>
+          <a:fillRef idx="1">
+            <a:schemeClr val="accent1"/>
+          </a:fillRef>
+          <a:effectRef idx="0">
+            <a:schemeClr val="accent1"/>
+          </a:effectRef>
+          <a:fontRef idx="minor">
+            <a:schemeClr val="lt1"/>
+          </a:fontRef>
+        </p:style>
+        <p:txBody>
+          <a:bodyPr rtlCol="0" anchor="ctr"/>
+          <a:lstStyle/>
+          <a:p>
+            <a:pPr algn="ctr"/>
+            <a:endParaRPr lang="ko-KR" altLang="en-US"/>
+          </a:p>
+        </p:txBody>
+      </p:sp>
+      <mc:AlternateContent xmlns:mc="http://schemas.openxmlformats.org/markup-compatibility/2006">
+        <mc:Choice xmlns:a14="http://schemas.microsoft.com/office/drawing/2010/main" Requires="a14">
+          <p:sp>
+            <p:nvSpPr>
+              <p:cNvPr id="15" name="TextBox 14"/>
+              <p:cNvSpPr txBox="1"/>
+              <p:nvPr/>
+            </p:nvSpPr>
+            <p:spPr>
+              <a:xfrm>
+                <a:off x="2820762" y="1426787"/>
+                <a:ext cx="694164" cy="369332"/>
+              </a:xfrm>
+              <a:prstGeom prst="rect">
+                <a:avLst/>
+              </a:prstGeom>
+              <a:noFill/>
+            </p:spPr>
+            <p:txBody>
+              <a:bodyPr wrap="none" rtlCol="0">
+                <a:spAutoFit/>
+              </a:bodyPr>
+              <a:lstStyle/>
+              <a:p>
+                <a:pPr/>
+                <a14:m>
+                  <m:oMathPara xmlns:m="http://schemas.openxmlformats.org/officeDocument/2006/math">
+                    <m:oMathParaPr>
+                      <m:jc m:val="centerGroup"/>
+                    </m:oMathParaPr>
+                    <m:oMath xmlns:m="http://schemas.openxmlformats.org/officeDocument/2006/math">
+                      <m:r>
+                        <a:rPr lang="en-US" altLang="ko-KR" b="0" i="1" smtClean="0">
+                          <a:latin typeface="Cambria Math"/>
+                        </a:rPr>
+                        <m:t>h</m:t>
+                      </m:r>
+                      <m:r>
+                        <a:rPr lang="en-US" altLang="ko-KR" b="0" i="1" smtClean="0">
+                          <a:latin typeface="Cambria Math"/>
+                        </a:rPr>
+                        <m:t>[</m:t>
+                      </m:r>
+                      <m:r>
+                        <a:rPr lang="en-US" altLang="ko-KR" b="0" i="1" smtClean="0">
+                          <a:latin typeface="Cambria Math"/>
+                        </a:rPr>
+                        <m:t>𝑛</m:t>
+                      </m:r>
+                      <m:r>
+                        <a:rPr lang="en-US" altLang="ko-KR" b="0" i="1" smtClean="0">
+                          <a:latin typeface="Cambria Math"/>
+                        </a:rPr>
+                        <m:t>]</m:t>
+                      </m:r>
+                    </m:oMath>
+                  </m:oMathPara>
+                </a14:m>
+                <a:endParaRPr lang="ko-KR" altLang="en-US" dirty="0"/>
+              </a:p>
+            </p:txBody>
+          </p:sp>
+        </mc:Choice>
+        <mc:Fallback>
+          <p:sp>
+            <p:nvSpPr>
+              <p:cNvPr id="15" name="TextBox 14"/>
+              <p:cNvSpPr txBox="1">
+                <a:spLocks noRot="1" noChangeAspect="1" noMove="1" noResize="1" noEditPoints="1" noAdjustHandles="1" noChangeArrowheads="1" noChangeShapeType="1" noTextEdit="1"/>
+              </p:cNvSpPr>
+              <p:nvPr/>
+            </p:nvSpPr>
+            <p:spPr>
+              <a:xfrm>
+                <a:off x="2820762" y="1426787"/>
+                <a:ext cx="694164" cy="369332"/>
+              </a:xfrm>
+              <a:prstGeom prst="rect">
+                <a:avLst/>
+              </a:prstGeom>
+              <a:blipFill rotWithShape="1">
+                <a:blip r:embed="rId5"/>
+                <a:stretch>
+                  <a:fillRect b="-18033"/>
+                </a:stretch>
+              </a:blipFill>
+            </p:spPr>
+            <p:txBody>
+              <a:bodyPr/>
+              <a:lstStyle/>
+              <a:p>
+                <a:r>
+                  <a:rPr lang="ko-KR" altLang="en-US">
+                    <a:noFill/>
+                  </a:rPr>
+                  <a:t> </a:t>
+                </a:r>
+              </a:p>
+            </p:txBody>
+          </p:sp>
+        </mc:Fallback>
+      </mc:AlternateContent>
+      <mc:AlternateContent xmlns:mc="http://schemas.openxmlformats.org/markup-compatibility/2006">
+        <mc:Choice xmlns:a14="http://schemas.microsoft.com/office/drawing/2010/main" Requires="a14">
+          <p:sp>
+            <p:nvSpPr>
+              <p:cNvPr id="16" name="TextBox 15"/>
+              <p:cNvSpPr txBox="1"/>
+              <p:nvPr/>
+            </p:nvSpPr>
+            <p:spPr>
+              <a:xfrm>
+                <a:off x="5629074" y="1426787"/>
+                <a:ext cx="694164" cy="369332"/>
+              </a:xfrm>
+              <a:prstGeom prst="rect">
+                <a:avLst/>
+              </a:prstGeom>
+              <a:noFill/>
+            </p:spPr>
+            <p:txBody>
+              <a:bodyPr wrap="none" rtlCol="0">
+                <a:spAutoFit/>
+              </a:bodyPr>
+              <a:lstStyle/>
+              <a:p>
+                <a:pPr/>
+                <a14:m>
+                  <m:oMathPara xmlns:m="http://schemas.openxmlformats.org/officeDocument/2006/math">
+                    <m:oMathParaPr>
+                      <m:jc m:val="centerGroup"/>
+                    </m:oMathParaPr>
+                    <m:oMath xmlns:m="http://schemas.openxmlformats.org/officeDocument/2006/math">
+                      <m:r>
+                        <a:rPr lang="en-US" altLang="ko-KR" b="0" i="1" smtClean="0">
+                          <a:latin typeface="Cambria Math"/>
+                        </a:rPr>
+                        <m:t>𝑦</m:t>
+                      </m:r>
+                      <m:r>
+                        <a:rPr lang="en-US" altLang="ko-KR" b="0" i="1" smtClean="0">
+                          <a:latin typeface="Cambria Math"/>
+                        </a:rPr>
+                        <m:t>[</m:t>
+                      </m:r>
+                      <m:r>
+                        <a:rPr lang="en-US" altLang="ko-KR" b="0" i="1" smtClean="0">
+                          <a:latin typeface="Cambria Math"/>
+                        </a:rPr>
+                        <m:t>𝑛</m:t>
+                      </m:r>
+                      <m:r>
+                        <a:rPr lang="en-US" altLang="ko-KR" b="0" i="1" smtClean="0">
+                          <a:latin typeface="Cambria Math"/>
+                        </a:rPr>
+                        <m:t>]</m:t>
+                      </m:r>
+                    </m:oMath>
+                  </m:oMathPara>
+                </a14:m>
+                <a:endParaRPr lang="ko-KR" altLang="en-US" dirty="0"/>
+              </a:p>
+            </p:txBody>
+          </p:sp>
+        </mc:Choice>
+        <mc:Fallback>
+          <p:sp>
+            <p:nvSpPr>
+              <p:cNvPr id="16" name="TextBox 15"/>
+              <p:cNvSpPr txBox="1">
+                <a:spLocks noRot="1" noChangeAspect="1" noMove="1" noResize="1" noEditPoints="1" noAdjustHandles="1" noChangeArrowheads="1" noChangeShapeType="1" noTextEdit="1"/>
+              </p:cNvSpPr>
+              <p:nvPr/>
+            </p:nvSpPr>
+            <p:spPr>
+              <a:xfrm>
+                <a:off x="5629074" y="1426787"/>
+                <a:ext cx="694164" cy="369332"/>
+              </a:xfrm>
+              <a:prstGeom prst="rect">
+                <a:avLst/>
+              </a:prstGeom>
+              <a:blipFill rotWithShape="1">
+                <a:blip r:embed="rId6"/>
+                <a:stretch>
+                  <a:fillRect b="-18033"/>
+                </a:stretch>
+              </a:blipFill>
+            </p:spPr>
+            <p:txBody>
+              <a:bodyPr/>
+              <a:lstStyle/>
+              <a:p>
+                <a:r>
+                  <a:rPr lang="ko-KR" altLang="en-US">
+                    <a:noFill/>
+                  </a:rPr>
+                  <a:t> </a:t>
+                </a:r>
+              </a:p>
+            </p:txBody>
+          </p:sp>
+        </mc:Fallback>
+      </mc:AlternateContent>
+      <mc:AlternateContent xmlns:mc="http://schemas.openxmlformats.org/markup-compatibility/2006">
+        <mc:Choice xmlns:a14="http://schemas.microsoft.com/office/drawing/2010/main" Requires="a14">
+          <p:sp>
+            <p:nvSpPr>
+              <p:cNvPr id="17" name="TextBox 16"/>
+              <p:cNvSpPr txBox="1"/>
+              <p:nvPr/>
+            </p:nvSpPr>
+            <p:spPr>
+              <a:xfrm>
+                <a:off x="4201872" y="1426787"/>
+                <a:ext cx="694164" cy="369332"/>
+              </a:xfrm>
+              <a:prstGeom prst="rect">
+                <a:avLst/>
+              </a:prstGeom>
+              <a:noFill/>
+            </p:spPr>
+            <p:txBody>
+              <a:bodyPr wrap="none" rtlCol="0">
+                <a:spAutoFit/>
+              </a:bodyPr>
+              <a:lstStyle/>
+              <a:p>
+                <a:pPr/>
+                <a14:m>
+                  <m:oMathPara xmlns:m="http://schemas.openxmlformats.org/officeDocument/2006/math">
+                    <m:oMathParaPr>
+                      <m:jc m:val="centerGroup"/>
+                    </m:oMathParaPr>
+                    <m:oMath xmlns:m="http://schemas.openxmlformats.org/officeDocument/2006/math">
+                      <m:r>
+                        <a:rPr lang="en-US" altLang="ko-KR" b="0" i="1" smtClean="0">
+                          <a:latin typeface="Cambria Math"/>
+                        </a:rPr>
+                        <m:t>𝑥</m:t>
+                      </m:r>
+                      <m:r>
+                        <a:rPr lang="en-US" altLang="ko-KR" b="0" i="1" smtClean="0">
+                          <a:latin typeface="Cambria Math"/>
+                        </a:rPr>
+                        <m:t>[</m:t>
+                      </m:r>
+                      <m:r>
+                        <a:rPr lang="en-US" altLang="ko-KR" b="0" i="1" smtClean="0">
+                          <a:latin typeface="Cambria Math"/>
+                        </a:rPr>
+                        <m:t>𝑛</m:t>
+                      </m:r>
+                      <m:r>
+                        <a:rPr lang="en-US" altLang="ko-KR" b="0" i="1" smtClean="0">
+                          <a:latin typeface="Cambria Math"/>
+                        </a:rPr>
+                        <m:t>]</m:t>
+                      </m:r>
+                    </m:oMath>
+                  </m:oMathPara>
+                </a14:m>
+                <a:endParaRPr lang="ko-KR" altLang="en-US" dirty="0"/>
+              </a:p>
+            </p:txBody>
+          </p:sp>
+        </mc:Choice>
+        <mc:Fallback>
+          <p:sp>
+            <p:nvSpPr>
+              <p:cNvPr id="17" name="TextBox 16"/>
+              <p:cNvSpPr txBox="1">
+                <a:spLocks noRot="1" noChangeAspect="1" noMove="1" noResize="1" noEditPoints="1" noAdjustHandles="1" noChangeArrowheads="1" noChangeShapeType="1" noTextEdit="1"/>
+              </p:cNvSpPr>
+              <p:nvPr/>
+            </p:nvSpPr>
+            <p:spPr>
+              <a:xfrm>
+                <a:off x="4201872" y="1426787"/>
+                <a:ext cx="694164" cy="369332"/>
+              </a:xfrm>
+              <a:prstGeom prst="rect">
+                <a:avLst/>
+              </a:prstGeom>
+              <a:blipFill rotWithShape="1">
+                <a:blip r:embed="rId7"/>
+                <a:stretch>
+                  <a:fillRect b="-18033"/>
+                </a:stretch>
+              </a:blipFill>
+            </p:spPr>
+            <p:txBody>
+              <a:bodyPr/>
+              <a:lstStyle/>
+              <a:p>
+                <a:r>
+                  <a:rPr lang="ko-KR" altLang="en-US">
+                    <a:noFill/>
+                  </a:rPr>
+                  <a:t> </a:t>
+                </a:r>
+              </a:p>
+            </p:txBody>
+          </p:sp>
+        </mc:Fallback>
+      </mc:AlternateContent>
+      <p:cxnSp>
+        <p:nvCxnSpPr>
+          <p:cNvPr id="18" name="직선 화살표 연결선 17"/>
+          <p:cNvCxnSpPr/>
+          <p:nvPr/>
+        </p:nvCxnSpPr>
+        <p:spPr>
+          <a:xfrm>
+            <a:off x="3396826" y="1611453"/>
+            <a:ext cx="504056" cy="0"/>
+          </a:xfrm>
+          <a:prstGeom prst="straightConnector1">
+            <a:avLst/>
+          </a:prstGeom>
+          <a:ln w="19050">
+            <a:solidFill>
+              <a:schemeClr val="tx1"/>
+            </a:solidFill>
+            <a:tailEnd type="arrow"/>
+          </a:ln>
+        </p:spPr>
+        <p:style>
+          <a:lnRef idx="1">
+            <a:schemeClr val="accent1"/>
+          </a:lnRef>
+          <a:fillRef idx="0">
+            <a:schemeClr val="accent1"/>
+          </a:fillRef>
+          <a:effectRef idx="0">
+            <a:schemeClr val="accent1"/>
+          </a:effectRef>
+          <a:fontRef idx="minor">
+            <a:schemeClr val="tx1"/>
+          </a:fontRef>
+        </p:style>
+      </p:cxnSp>
+      <p:cxnSp>
+        <p:nvCxnSpPr>
+          <p:cNvPr id="19" name="직선 화살표 연결선 18"/>
+          <p:cNvCxnSpPr/>
+          <p:nvPr/>
+        </p:nvCxnSpPr>
+        <p:spPr>
+          <a:xfrm>
+            <a:off x="5197026" y="1611453"/>
+            <a:ext cx="504056" cy="0"/>
+          </a:xfrm>
+          <a:prstGeom prst="straightConnector1">
+            <a:avLst/>
+          </a:prstGeom>
+          <a:ln w="19050">
+            <a:solidFill>
+              <a:schemeClr val="tx1"/>
+            </a:solidFill>
+            <a:tailEnd type="arrow"/>
+          </a:ln>
+        </p:spPr>
+        <p:style>
+          <a:lnRef idx="1">
+            <a:schemeClr val="accent1"/>
+          </a:lnRef>
+          <a:fillRef idx="0">
+            <a:schemeClr val="accent1"/>
+          </a:fillRef>
+          <a:effectRef idx="0">
+            <a:schemeClr val="accent1"/>
+          </a:effectRef>
+          <a:fontRef idx="minor">
+            <a:schemeClr val="tx1"/>
+          </a:fontRef>
+        </p:style>
+      </p:cxnSp>
       <p:sp>
         <p:nvSpPr>
           <p:cNvPr id="21" name="위쪽/아래쪽 화살표 20"/>
@@ -4226,7 +4182,7 @@
         </p:nvSpPr>
         <p:spPr>
           <a:xfrm>
-            <a:off x="4423984" y="817065"/>
+            <a:off x="4430116" y="817065"/>
             <a:ext cx="283768" cy="542235"/>
           </a:xfrm>
           <a:prstGeom prst="upDownArrow">
@@ -4239,8 +4195,9 @@
           </a:solidFill>
           <a:ln>
             <a:solidFill>
-              <a:schemeClr val="bg1">
-                <a:lumMod val="50000"/>
+              <a:schemeClr val="tx2">
+                <a:lumMod val="60000"/>
+                <a:lumOff val="40000"/>
               </a:schemeClr>
             </a:solidFill>
           </a:ln>
@@ -4280,7 +4237,7 @@
             </p:nvSpPr>
             <p:spPr>
               <a:xfrm>
-                <a:off x="2824155" y="1988840"/>
+                <a:off x="2847201" y="1988840"/>
                 <a:ext cx="3449598" cy="369332"/>
               </a:xfrm>
               <a:prstGeom prst="rect">
@@ -4468,7 +4425,7 @@
             </p:nvSpPr>
             <p:spPr>
               <a:xfrm>
-                <a:off x="2824155" y="1988840"/>
+                <a:off x="2847201" y="1988840"/>
                 <a:ext cx="3449598" cy="369332"/>
               </a:xfrm>
               <a:prstGeom prst="rect">
@@ -5817,8 +5774,9 @@
           </a:solidFill>
           <a:ln>
             <a:solidFill>
-              <a:schemeClr val="bg1">
-                <a:lumMod val="50000"/>
+              <a:schemeClr val="tx2">
+                <a:lumMod val="60000"/>
+                <a:lumOff val="40000"/>
               </a:schemeClr>
             </a:solidFill>
           </a:ln>
@@ -7575,8 +7533,9 @@
           </a:solidFill>
           <a:ln>
             <a:solidFill>
-              <a:schemeClr val="bg1">
-                <a:lumMod val="50000"/>
+              <a:schemeClr val="tx2">
+                <a:lumMod val="60000"/>
+                <a:lumOff val="40000"/>
               </a:schemeClr>
             </a:solidFill>
           </a:ln>
@@ -7610,6 +7569,1498 @@
     <p:extLst>
       <p:ext uri="{BB962C8B-B14F-4D97-AF65-F5344CB8AC3E}">
         <p14:creationId xmlns:p14="http://schemas.microsoft.com/office/powerpoint/2010/main" val="4157289660"/>
+      </p:ext>
+    </p:extLst>
+  </p:cSld>
+  <p:clrMapOvr>
+    <a:masterClrMapping/>
+  </p:clrMapOvr>
+</p:sld>
+</file>
+
+<file path=ppt/slides/slide6.xml><?xml version="1.0" encoding="utf-8"?>
+<p:sld xmlns:a="http://schemas.openxmlformats.org/drawingml/2006/main" xmlns:r="http://schemas.openxmlformats.org/officeDocument/2006/relationships" xmlns:p="http://schemas.openxmlformats.org/presentationml/2006/main">
+  <p:cSld>
+    <p:spTree>
+      <p:nvGrpSpPr>
+        <p:cNvPr id="1" name=""/>
+        <p:cNvGrpSpPr/>
+        <p:nvPr/>
+      </p:nvGrpSpPr>
+      <p:grpSpPr>
+        <a:xfrm>
+          <a:off x="0" y="0"/>
+          <a:ext cx="0" cy="0"/>
+          <a:chOff x="0" y="0"/>
+          <a:chExt cx="0" cy="0"/>
+        </a:xfrm>
+      </p:grpSpPr>
+      <p:sp>
+        <p:nvSpPr>
+          <p:cNvPr id="4" name="직사각형 3"/>
+          <p:cNvSpPr/>
+          <p:nvPr/>
+        </p:nvSpPr>
+        <p:spPr>
+          <a:xfrm>
+            <a:off x="3828870" y="1108811"/>
+            <a:ext cx="1296144" cy="360040"/>
+          </a:xfrm>
+          <a:prstGeom prst="rect">
+            <a:avLst/>
+          </a:prstGeom>
+          <a:solidFill>
+            <a:schemeClr val="bg1"/>
+          </a:solidFill>
+          <a:ln>
+            <a:solidFill>
+              <a:schemeClr val="tx1"/>
+            </a:solidFill>
+          </a:ln>
+        </p:spPr>
+        <p:style>
+          <a:lnRef idx="2">
+            <a:schemeClr val="accent1">
+              <a:shade val="50000"/>
+            </a:schemeClr>
+          </a:lnRef>
+          <a:fillRef idx="1">
+            <a:schemeClr val="accent1"/>
+          </a:fillRef>
+          <a:effectRef idx="0">
+            <a:schemeClr val="accent1"/>
+          </a:effectRef>
+          <a:fontRef idx="minor">
+            <a:schemeClr val="lt1"/>
+          </a:fontRef>
+        </p:style>
+        <p:txBody>
+          <a:bodyPr rtlCol="0" anchor="ctr"/>
+          <a:lstStyle/>
+          <a:p>
+            <a:pPr algn="ctr"/>
+            <a:endParaRPr lang="ko-KR" altLang="en-US"/>
+          </a:p>
+        </p:txBody>
+      </p:sp>
+      <mc:AlternateContent xmlns:mc="http://schemas.openxmlformats.org/markup-compatibility/2006">
+        <mc:Choice xmlns:a14="http://schemas.microsoft.com/office/drawing/2010/main" Requires="a14">
+          <p:sp>
+            <p:nvSpPr>
+              <p:cNvPr id="5" name="TextBox 4"/>
+              <p:cNvSpPr txBox="1"/>
+              <p:nvPr/>
+            </p:nvSpPr>
+            <p:spPr>
+              <a:xfrm>
+                <a:off x="2182774" y="1505689"/>
+                <a:ext cx="694164" cy="369332"/>
+              </a:xfrm>
+              <a:prstGeom prst="rect">
+                <a:avLst/>
+              </a:prstGeom>
+              <a:noFill/>
+            </p:spPr>
+            <p:txBody>
+              <a:bodyPr wrap="none" rtlCol="0">
+                <a:spAutoFit/>
+              </a:bodyPr>
+              <a:lstStyle/>
+              <a:p>
+                <a:pPr/>
+                <a14:m>
+                  <m:oMathPara xmlns:m="http://schemas.openxmlformats.org/officeDocument/2006/math">
+                    <m:oMathParaPr>
+                      <m:jc m:val="centerGroup"/>
+                    </m:oMathParaPr>
+                    <m:oMath xmlns:m="http://schemas.openxmlformats.org/officeDocument/2006/math">
+                      <m:r>
+                        <a:rPr lang="en-US" altLang="ko-KR" b="0" i="1" smtClean="0">
+                          <a:latin typeface="Cambria Math"/>
+                        </a:rPr>
+                        <m:t>𝑥</m:t>
+                      </m:r>
+                      <m:r>
+                        <a:rPr lang="en-US" altLang="ko-KR" b="0" i="1" smtClean="0">
+                          <a:latin typeface="Cambria Math"/>
+                        </a:rPr>
+                        <m:t>[</m:t>
+                      </m:r>
+                      <m:r>
+                        <a:rPr lang="en-US" altLang="ko-KR" b="0" i="1" smtClean="0">
+                          <a:latin typeface="Cambria Math"/>
+                        </a:rPr>
+                        <m:t>𝑛</m:t>
+                      </m:r>
+                      <m:r>
+                        <a:rPr lang="en-US" altLang="ko-KR" b="0" i="1" smtClean="0">
+                          <a:latin typeface="Cambria Math"/>
+                        </a:rPr>
+                        <m:t>]</m:t>
+                      </m:r>
+                    </m:oMath>
+                  </m:oMathPara>
+                </a14:m>
+                <a:endParaRPr lang="ko-KR" altLang="en-US" dirty="0"/>
+              </a:p>
+            </p:txBody>
+          </p:sp>
+        </mc:Choice>
+        <mc:Fallback>
+          <p:sp>
+            <p:nvSpPr>
+              <p:cNvPr id="5" name="TextBox 4"/>
+              <p:cNvSpPr txBox="1">
+                <a:spLocks noRot="1" noChangeAspect="1" noMove="1" noResize="1" noEditPoints="1" noAdjustHandles="1" noChangeArrowheads="1" noChangeShapeType="1" noTextEdit="1"/>
+              </p:cNvSpPr>
+              <p:nvPr/>
+            </p:nvSpPr>
+            <p:spPr>
+              <a:xfrm>
+                <a:off x="2182774" y="1505689"/>
+                <a:ext cx="694164" cy="369332"/>
+              </a:xfrm>
+              <a:prstGeom prst="rect">
+                <a:avLst/>
+              </a:prstGeom>
+              <a:blipFill rotWithShape="1">
+                <a:blip r:embed="rId2"/>
+                <a:stretch>
+                  <a:fillRect b="-18033"/>
+                </a:stretch>
+              </a:blipFill>
+            </p:spPr>
+            <p:txBody>
+              <a:bodyPr/>
+              <a:lstStyle/>
+              <a:p>
+                <a:r>
+                  <a:rPr lang="ko-KR" altLang="en-US">
+                    <a:noFill/>
+                  </a:rPr>
+                  <a:t> </a:t>
+                </a:r>
+              </a:p>
+            </p:txBody>
+          </p:sp>
+        </mc:Fallback>
+      </mc:AlternateContent>
+      <mc:AlternateContent xmlns:mc="http://schemas.openxmlformats.org/markup-compatibility/2006">
+        <mc:Choice xmlns:a14="http://schemas.microsoft.com/office/drawing/2010/main" Requires="a14">
+          <p:sp>
+            <p:nvSpPr>
+              <p:cNvPr id="6" name="TextBox 5"/>
+              <p:cNvSpPr txBox="1"/>
+              <p:nvPr/>
+            </p:nvSpPr>
+            <p:spPr>
+              <a:xfrm>
+                <a:off x="4079942" y="1104165"/>
+                <a:ext cx="794000" cy="369332"/>
+              </a:xfrm>
+              <a:prstGeom prst="rect">
+                <a:avLst/>
+              </a:prstGeom>
+              <a:noFill/>
+            </p:spPr>
+            <p:txBody>
+              <a:bodyPr wrap="none" rtlCol="0">
+                <a:spAutoFit/>
+              </a:bodyPr>
+              <a:lstStyle/>
+              <a:p>
+                <a:pPr/>
+                <a14:m>
+                  <m:oMathPara xmlns:m="http://schemas.openxmlformats.org/officeDocument/2006/math">
+                    <m:oMathParaPr>
+                      <m:jc m:val="centerGroup"/>
+                    </m:oMathParaPr>
+                    <m:oMath xmlns:m="http://schemas.openxmlformats.org/officeDocument/2006/math">
+                      <m:sSub>
+                        <m:sSubPr>
+                          <m:ctrlPr>
+                            <a:rPr lang="en-US" altLang="ko-KR" b="0" i="1" smtClean="0">
+                              <a:latin typeface="Cambria Math"/>
+                            </a:rPr>
+                          </m:ctrlPr>
+                        </m:sSubPr>
+                        <m:e>
+                          <m:r>
+                            <a:rPr lang="en-US" altLang="ko-KR" b="0" i="1" smtClean="0">
+                              <a:latin typeface="Cambria Math"/>
+                            </a:rPr>
+                            <m:t>h</m:t>
+                          </m:r>
+                        </m:e>
+                        <m:sub>
+                          <m:r>
+                            <a:rPr lang="en-US" altLang="ko-KR" b="0" i="1" smtClean="0">
+                              <a:latin typeface="Cambria Math"/>
+                            </a:rPr>
+                            <m:t>1</m:t>
+                          </m:r>
+                        </m:sub>
+                      </m:sSub>
+                      <m:r>
+                        <a:rPr lang="en-US" altLang="ko-KR" b="0" i="1" smtClean="0">
+                          <a:latin typeface="Cambria Math"/>
+                        </a:rPr>
+                        <m:t>[</m:t>
+                      </m:r>
+                      <m:r>
+                        <a:rPr lang="en-US" altLang="ko-KR" b="0" i="1" smtClean="0">
+                          <a:latin typeface="Cambria Math"/>
+                        </a:rPr>
+                        <m:t>𝑛</m:t>
+                      </m:r>
+                      <m:r>
+                        <a:rPr lang="en-US" altLang="ko-KR" b="0" i="1" smtClean="0">
+                          <a:latin typeface="Cambria Math"/>
+                        </a:rPr>
+                        <m:t>]</m:t>
+                      </m:r>
+                    </m:oMath>
+                  </m:oMathPara>
+                </a14:m>
+                <a:endParaRPr lang="ko-KR" altLang="en-US" dirty="0"/>
+              </a:p>
+            </p:txBody>
+          </p:sp>
+        </mc:Choice>
+        <mc:Fallback>
+          <p:sp>
+            <p:nvSpPr>
+              <p:cNvPr id="6" name="TextBox 5"/>
+              <p:cNvSpPr txBox="1">
+                <a:spLocks noRot="1" noChangeAspect="1" noMove="1" noResize="1" noEditPoints="1" noAdjustHandles="1" noChangeArrowheads="1" noChangeShapeType="1" noTextEdit="1"/>
+              </p:cNvSpPr>
+              <p:nvPr/>
+            </p:nvSpPr>
+            <p:spPr>
+              <a:xfrm>
+                <a:off x="4079942" y="1104165"/>
+                <a:ext cx="794000" cy="369332"/>
+              </a:xfrm>
+              <a:prstGeom prst="rect">
+                <a:avLst/>
+              </a:prstGeom>
+              <a:blipFill rotWithShape="1">
+                <a:blip r:embed="rId3"/>
+                <a:stretch>
+                  <a:fillRect b="-18033"/>
+                </a:stretch>
+              </a:blipFill>
+            </p:spPr>
+            <p:txBody>
+              <a:bodyPr/>
+              <a:lstStyle/>
+              <a:p>
+                <a:r>
+                  <a:rPr lang="ko-KR" altLang="en-US">
+                    <a:noFill/>
+                  </a:rPr>
+                  <a:t> </a:t>
+                </a:r>
+              </a:p>
+            </p:txBody>
+          </p:sp>
+        </mc:Fallback>
+      </mc:AlternateContent>
+      <p:cxnSp>
+        <p:nvCxnSpPr>
+          <p:cNvPr id="7" name="직선 화살표 연결선 6"/>
+          <p:cNvCxnSpPr/>
+          <p:nvPr/>
+        </p:nvCxnSpPr>
+        <p:spPr>
+          <a:xfrm>
+            <a:off x="3324814" y="1288831"/>
+            <a:ext cx="504056" cy="0"/>
+          </a:xfrm>
+          <a:prstGeom prst="straightConnector1">
+            <a:avLst/>
+          </a:prstGeom>
+          <a:ln w="19050">
+            <a:solidFill>
+              <a:schemeClr val="tx1"/>
+            </a:solidFill>
+            <a:tailEnd type="arrow"/>
+          </a:ln>
+        </p:spPr>
+        <p:style>
+          <a:lnRef idx="1">
+            <a:schemeClr val="accent1"/>
+          </a:lnRef>
+          <a:fillRef idx="0">
+            <a:schemeClr val="accent1"/>
+          </a:fillRef>
+          <a:effectRef idx="0">
+            <a:schemeClr val="accent1"/>
+          </a:effectRef>
+          <a:fontRef idx="minor">
+            <a:schemeClr val="tx1"/>
+          </a:fontRef>
+        </p:style>
+      </p:cxnSp>
+      <p:sp>
+        <p:nvSpPr>
+          <p:cNvPr id="8" name="직사각형 7"/>
+          <p:cNvSpPr/>
+          <p:nvPr/>
+        </p:nvSpPr>
+        <p:spPr>
+          <a:xfrm>
+            <a:off x="3828870" y="1982199"/>
+            <a:ext cx="1296144" cy="360040"/>
+          </a:xfrm>
+          <a:prstGeom prst="rect">
+            <a:avLst/>
+          </a:prstGeom>
+          <a:solidFill>
+            <a:schemeClr val="bg1"/>
+          </a:solidFill>
+          <a:ln>
+            <a:solidFill>
+              <a:schemeClr val="tx1"/>
+            </a:solidFill>
+          </a:ln>
+        </p:spPr>
+        <p:style>
+          <a:lnRef idx="2">
+            <a:schemeClr val="accent1">
+              <a:shade val="50000"/>
+            </a:schemeClr>
+          </a:lnRef>
+          <a:fillRef idx="1">
+            <a:schemeClr val="accent1"/>
+          </a:fillRef>
+          <a:effectRef idx="0">
+            <a:schemeClr val="accent1"/>
+          </a:effectRef>
+          <a:fontRef idx="minor">
+            <a:schemeClr val="lt1"/>
+          </a:fontRef>
+        </p:style>
+        <p:txBody>
+          <a:bodyPr rtlCol="0" anchor="ctr"/>
+          <a:lstStyle/>
+          <a:p>
+            <a:pPr algn="ctr"/>
+            <a:endParaRPr lang="ko-KR" altLang="en-US"/>
+          </a:p>
+        </p:txBody>
+      </p:sp>
+      <mc:AlternateContent xmlns:mc="http://schemas.openxmlformats.org/markup-compatibility/2006">
+        <mc:Choice xmlns:a14="http://schemas.microsoft.com/office/drawing/2010/main" Requires="a14">
+          <p:sp>
+            <p:nvSpPr>
+              <p:cNvPr id="9" name="TextBox 8"/>
+              <p:cNvSpPr txBox="1"/>
+              <p:nvPr/>
+            </p:nvSpPr>
+            <p:spPr>
+              <a:xfrm>
+                <a:off x="4077282" y="1977553"/>
+                <a:ext cx="799321" cy="369332"/>
+              </a:xfrm>
+              <a:prstGeom prst="rect">
+                <a:avLst/>
+              </a:prstGeom>
+              <a:noFill/>
+            </p:spPr>
+            <p:txBody>
+              <a:bodyPr wrap="none" rtlCol="0">
+                <a:spAutoFit/>
+              </a:bodyPr>
+              <a:lstStyle/>
+              <a:p>
+                <a:pPr/>
+                <a14:m>
+                  <m:oMathPara xmlns:m="http://schemas.openxmlformats.org/officeDocument/2006/math">
+                    <m:oMathParaPr>
+                      <m:jc m:val="centerGroup"/>
+                    </m:oMathParaPr>
+                    <m:oMath xmlns:m="http://schemas.openxmlformats.org/officeDocument/2006/math">
+                      <m:sSub>
+                        <m:sSubPr>
+                          <m:ctrlPr>
+                            <a:rPr lang="en-US" altLang="ko-KR" b="0" i="1" smtClean="0">
+                              <a:latin typeface="Cambria Math"/>
+                            </a:rPr>
+                          </m:ctrlPr>
+                        </m:sSubPr>
+                        <m:e>
+                          <m:r>
+                            <a:rPr lang="en-US" altLang="ko-KR" b="0" i="1" smtClean="0">
+                              <a:latin typeface="Cambria Math"/>
+                            </a:rPr>
+                            <m:t>h</m:t>
+                          </m:r>
+                        </m:e>
+                        <m:sub>
+                          <m:r>
+                            <a:rPr lang="en-US" altLang="ko-KR" b="0" i="1" smtClean="0">
+                              <a:latin typeface="Cambria Math"/>
+                            </a:rPr>
+                            <m:t>2</m:t>
+                          </m:r>
+                        </m:sub>
+                      </m:sSub>
+                      <m:r>
+                        <a:rPr lang="en-US" altLang="ko-KR" b="0" i="1" smtClean="0">
+                          <a:latin typeface="Cambria Math"/>
+                        </a:rPr>
+                        <m:t>[</m:t>
+                      </m:r>
+                      <m:r>
+                        <a:rPr lang="en-US" altLang="ko-KR" b="0" i="1" smtClean="0">
+                          <a:latin typeface="Cambria Math"/>
+                        </a:rPr>
+                        <m:t>𝑛</m:t>
+                      </m:r>
+                      <m:r>
+                        <a:rPr lang="en-US" altLang="ko-KR" b="0" i="1" smtClean="0">
+                          <a:latin typeface="Cambria Math"/>
+                        </a:rPr>
+                        <m:t>]</m:t>
+                      </m:r>
+                    </m:oMath>
+                  </m:oMathPara>
+                </a14:m>
+                <a:endParaRPr lang="ko-KR" altLang="en-US" dirty="0"/>
+              </a:p>
+            </p:txBody>
+          </p:sp>
+        </mc:Choice>
+        <mc:Fallback>
+          <p:sp>
+            <p:nvSpPr>
+              <p:cNvPr id="9" name="TextBox 8"/>
+              <p:cNvSpPr txBox="1">
+                <a:spLocks noRot="1" noChangeAspect="1" noMove="1" noResize="1" noEditPoints="1" noAdjustHandles="1" noChangeArrowheads="1" noChangeShapeType="1" noTextEdit="1"/>
+              </p:cNvSpPr>
+              <p:nvPr/>
+            </p:nvSpPr>
+            <p:spPr>
+              <a:xfrm>
+                <a:off x="4077282" y="1977553"/>
+                <a:ext cx="799321" cy="369332"/>
+              </a:xfrm>
+              <a:prstGeom prst="rect">
+                <a:avLst/>
+              </a:prstGeom>
+              <a:blipFill rotWithShape="1">
+                <a:blip r:embed="rId4"/>
+                <a:stretch>
+                  <a:fillRect b="-18033"/>
+                </a:stretch>
+              </a:blipFill>
+            </p:spPr>
+            <p:txBody>
+              <a:bodyPr/>
+              <a:lstStyle/>
+              <a:p>
+                <a:r>
+                  <a:rPr lang="ko-KR" altLang="en-US">
+                    <a:noFill/>
+                  </a:rPr>
+                  <a:t> </a:t>
+                </a:r>
+              </a:p>
+            </p:txBody>
+          </p:sp>
+        </mc:Fallback>
+      </mc:AlternateContent>
+      <p:cxnSp>
+        <p:nvCxnSpPr>
+          <p:cNvPr id="10" name="직선 화살표 연결선 9"/>
+          <p:cNvCxnSpPr/>
+          <p:nvPr/>
+        </p:nvCxnSpPr>
+        <p:spPr>
+          <a:xfrm>
+            <a:off x="3324814" y="2162219"/>
+            <a:ext cx="504056" cy="0"/>
+          </a:xfrm>
+          <a:prstGeom prst="straightConnector1">
+            <a:avLst/>
+          </a:prstGeom>
+          <a:ln w="19050">
+            <a:solidFill>
+              <a:schemeClr val="tx1"/>
+            </a:solidFill>
+            <a:tailEnd type="arrow"/>
+          </a:ln>
+        </p:spPr>
+        <p:style>
+          <a:lnRef idx="1">
+            <a:schemeClr val="accent1"/>
+          </a:lnRef>
+          <a:fillRef idx="0">
+            <a:schemeClr val="accent1"/>
+          </a:fillRef>
+          <a:effectRef idx="0">
+            <a:schemeClr val="accent1"/>
+          </a:effectRef>
+          <a:fontRef idx="minor">
+            <a:schemeClr val="tx1"/>
+          </a:fontRef>
+        </p:style>
+      </p:cxnSp>
+      <p:cxnSp>
+        <p:nvCxnSpPr>
+          <p:cNvPr id="12" name="직선 연결선 11"/>
+          <p:cNvCxnSpPr/>
+          <p:nvPr/>
+        </p:nvCxnSpPr>
+        <p:spPr>
+          <a:xfrm>
+            <a:off x="3324814" y="1288831"/>
+            <a:ext cx="0" cy="873388"/>
+          </a:xfrm>
+          <a:prstGeom prst="line">
+            <a:avLst/>
+          </a:prstGeom>
+          <a:ln w="19050">
+            <a:solidFill>
+              <a:schemeClr val="tx1"/>
+            </a:solidFill>
+          </a:ln>
+        </p:spPr>
+        <p:style>
+          <a:lnRef idx="1">
+            <a:schemeClr val="accent1"/>
+          </a:lnRef>
+          <a:fillRef idx="0">
+            <a:schemeClr val="accent1"/>
+          </a:fillRef>
+          <a:effectRef idx="0">
+            <a:schemeClr val="accent1"/>
+          </a:effectRef>
+          <a:fontRef idx="minor">
+            <a:schemeClr val="tx1"/>
+          </a:fontRef>
+        </p:style>
+      </p:cxnSp>
+      <p:cxnSp>
+        <p:nvCxnSpPr>
+          <p:cNvPr id="13" name="직선 연결선 12"/>
+          <p:cNvCxnSpPr/>
+          <p:nvPr/>
+        </p:nvCxnSpPr>
+        <p:spPr>
+          <a:xfrm>
+            <a:off x="2804930" y="1725525"/>
+            <a:ext cx="519884" cy="0"/>
+          </a:xfrm>
+          <a:prstGeom prst="line">
+            <a:avLst/>
+          </a:prstGeom>
+          <a:ln w="19050">
+            <a:solidFill>
+              <a:schemeClr val="tx1"/>
+            </a:solidFill>
+          </a:ln>
+        </p:spPr>
+        <p:style>
+          <a:lnRef idx="1">
+            <a:schemeClr val="accent1"/>
+          </a:lnRef>
+          <a:fillRef idx="0">
+            <a:schemeClr val="accent1"/>
+          </a:fillRef>
+          <a:effectRef idx="0">
+            <a:schemeClr val="accent1"/>
+          </a:effectRef>
+          <a:fontRef idx="minor">
+            <a:schemeClr val="tx1"/>
+          </a:fontRef>
+        </p:style>
+      </p:cxnSp>
+      <p:sp>
+        <p:nvSpPr>
+          <p:cNvPr id="15" name="순서도: 논리합 14"/>
+          <p:cNvSpPr/>
+          <p:nvPr/>
+        </p:nvSpPr>
+        <p:spPr>
+          <a:xfrm>
+            <a:off x="5539772" y="1615607"/>
+            <a:ext cx="219836" cy="219836"/>
+          </a:xfrm>
+          <a:prstGeom prst="flowChartOr">
+            <a:avLst/>
+          </a:prstGeom>
+          <a:solidFill>
+            <a:schemeClr val="bg1"/>
+          </a:solidFill>
+          <a:ln w="19050">
+            <a:solidFill>
+              <a:schemeClr val="tx1"/>
+            </a:solidFill>
+          </a:ln>
+        </p:spPr>
+        <p:style>
+          <a:lnRef idx="2">
+            <a:schemeClr val="accent1">
+              <a:shade val="50000"/>
+            </a:schemeClr>
+          </a:lnRef>
+          <a:fillRef idx="1">
+            <a:schemeClr val="accent1"/>
+          </a:fillRef>
+          <a:effectRef idx="0">
+            <a:schemeClr val="accent1"/>
+          </a:effectRef>
+          <a:fontRef idx="minor">
+            <a:schemeClr val="lt1"/>
+          </a:fontRef>
+        </p:style>
+        <p:txBody>
+          <a:bodyPr rtlCol="0" anchor="ctr"/>
+          <a:lstStyle/>
+          <a:p>
+            <a:pPr algn="ctr"/>
+            <a:endParaRPr lang="ko-KR" altLang="en-US"/>
+          </a:p>
+        </p:txBody>
+      </p:sp>
+      <p:cxnSp>
+        <p:nvCxnSpPr>
+          <p:cNvPr id="16" name="직선 화살표 연결선 15"/>
+          <p:cNvCxnSpPr/>
+          <p:nvPr/>
+        </p:nvCxnSpPr>
+        <p:spPr>
+          <a:xfrm>
+            <a:off x="5639159" y="1288831"/>
+            <a:ext cx="0" cy="319390"/>
+          </a:xfrm>
+          <a:prstGeom prst="straightConnector1">
+            <a:avLst/>
+          </a:prstGeom>
+          <a:ln w="19050">
+            <a:solidFill>
+              <a:schemeClr val="tx1"/>
+            </a:solidFill>
+            <a:tailEnd type="arrow"/>
+          </a:ln>
+        </p:spPr>
+        <p:style>
+          <a:lnRef idx="1">
+            <a:schemeClr val="accent1"/>
+          </a:lnRef>
+          <a:fillRef idx="0">
+            <a:schemeClr val="accent1"/>
+          </a:fillRef>
+          <a:effectRef idx="0">
+            <a:schemeClr val="accent1"/>
+          </a:effectRef>
+          <a:fontRef idx="minor">
+            <a:schemeClr val="tx1"/>
+          </a:fontRef>
+        </p:style>
+      </p:cxnSp>
+      <p:cxnSp>
+        <p:nvCxnSpPr>
+          <p:cNvPr id="18" name="직선 화살표 연결선 17"/>
+          <p:cNvCxnSpPr/>
+          <p:nvPr/>
+        </p:nvCxnSpPr>
+        <p:spPr>
+          <a:xfrm>
+            <a:off x="5125015" y="1288831"/>
+            <a:ext cx="514144" cy="0"/>
+          </a:xfrm>
+          <a:prstGeom prst="straightConnector1">
+            <a:avLst/>
+          </a:prstGeom>
+          <a:ln w="19050">
+            <a:solidFill>
+              <a:schemeClr val="tx1"/>
+            </a:solidFill>
+            <a:headEnd type="none" w="med" len="med"/>
+            <a:tailEnd type="none" w="med" len="med"/>
+          </a:ln>
+        </p:spPr>
+        <p:style>
+          <a:lnRef idx="1">
+            <a:schemeClr val="accent1"/>
+          </a:lnRef>
+          <a:fillRef idx="0">
+            <a:schemeClr val="accent1"/>
+          </a:fillRef>
+          <a:effectRef idx="0">
+            <a:schemeClr val="accent1"/>
+          </a:effectRef>
+          <a:fontRef idx="minor">
+            <a:schemeClr val="tx1"/>
+          </a:fontRef>
+        </p:style>
+      </p:cxnSp>
+      <p:cxnSp>
+        <p:nvCxnSpPr>
+          <p:cNvPr id="22" name="직선 화살표 연결선 21"/>
+          <p:cNvCxnSpPr/>
+          <p:nvPr/>
+        </p:nvCxnSpPr>
+        <p:spPr>
+          <a:xfrm flipV="1">
+            <a:off x="5639160" y="1842829"/>
+            <a:ext cx="0" cy="319390"/>
+          </a:xfrm>
+          <a:prstGeom prst="straightConnector1">
+            <a:avLst/>
+          </a:prstGeom>
+          <a:ln w="19050">
+            <a:solidFill>
+              <a:schemeClr val="tx1"/>
+            </a:solidFill>
+            <a:tailEnd type="arrow"/>
+          </a:ln>
+        </p:spPr>
+        <p:style>
+          <a:lnRef idx="1">
+            <a:schemeClr val="accent1"/>
+          </a:lnRef>
+          <a:fillRef idx="0">
+            <a:schemeClr val="accent1"/>
+          </a:fillRef>
+          <a:effectRef idx="0">
+            <a:schemeClr val="accent1"/>
+          </a:effectRef>
+          <a:fontRef idx="minor">
+            <a:schemeClr val="tx1"/>
+          </a:fontRef>
+        </p:style>
+      </p:cxnSp>
+      <p:cxnSp>
+        <p:nvCxnSpPr>
+          <p:cNvPr id="23" name="직선 화살표 연결선 22"/>
+          <p:cNvCxnSpPr/>
+          <p:nvPr/>
+        </p:nvCxnSpPr>
+        <p:spPr>
+          <a:xfrm flipV="1">
+            <a:off x="5125588" y="2162219"/>
+            <a:ext cx="513572" cy="0"/>
+          </a:xfrm>
+          <a:prstGeom prst="straightConnector1">
+            <a:avLst/>
+          </a:prstGeom>
+          <a:ln w="19050">
+            <a:solidFill>
+              <a:schemeClr val="tx1"/>
+            </a:solidFill>
+            <a:headEnd type="none" w="med" len="med"/>
+            <a:tailEnd type="none" w="med" len="med"/>
+          </a:ln>
+        </p:spPr>
+        <p:style>
+          <a:lnRef idx="1">
+            <a:schemeClr val="accent1"/>
+          </a:lnRef>
+          <a:fillRef idx="0">
+            <a:schemeClr val="accent1"/>
+          </a:fillRef>
+          <a:effectRef idx="0">
+            <a:schemeClr val="accent1"/>
+          </a:effectRef>
+          <a:fontRef idx="minor">
+            <a:schemeClr val="tx1"/>
+          </a:fontRef>
+        </p:style>
+      </p:cxnSp>
+      <p:cxnSp>
+        <p:nvCxnSpPr>
+          <p:cNvPr id="24" name="직선 화살표 연결선 23"/>
+          <p:cNvCxnSpPr/>
+          <p:nvPr/>
+        </p:nvCxnSpPr>
+        <p:spPr>
+          <a:xfrm>
+            <a:off x="5759608" y="1725795"/>
+            <a:ext cx="504056" cy="0"/>
+          </a:xfrm>
+          <a:prstGeom prst="straightConnector1">
+            <a:avLst/>
+          </a:prstGeom>
+          <a:ln w="19050">
+            <a:solidFill>
+              <a:schemeClr val="tx1"/>
+            </a:solidFill>
+            <a:tailEnd type="arrow"/>
+          </a:ln>
+        </p:spPr>
+        <p:style>
+          <a:lnRef idx="1">
+            <a:schemeClr val="accent1"/>
+          </a:lnRef>
+          <a:fillRef idx="0">
+            <a:schemeClr val="accent1"/>
+          </a:fillRef>
+          <a:effectRef idx="0">
+            <a:schemeClr val="accent1"/>
+          </a:effectRef>
+          <a:fontRef idx="minor">
+            <a:schemeClr val="tx1"/>
+          </a:fontRef>
+        </p:style>
+      </p:cxnSp>
+      <mc:AlternateContent xmlns:mc="http://schemas.openxmlformats.org/markup-compatibility/2006">
+        <mc:Choice xmlns:a14="http://schemas.microsoft.com/office/drawing/2010/main" Requires="a14">
+          <p:sp>
+            <p:nvSpPr>
+              <p:cNvPr id="25" name="TextBox 24"/>
+              <p:cNvSpPr txBox="1"/>
+              <p:nvPr/>
+            </p:nvSpPr>
+            <p:spPr>
+              <a:xfrm>
+                <a:off x="6263664" y="1505689"/>
+                <a:ext cx="697563" cy="369332"/>
+              </a:xfrm>
+              <a:prstGeom prst="rect">
+                <a:avLst/>
+              </a:prstGeom>
+              <a:noFill/>
+            </p:spPr>
+            <p:txBody>
+              <a:bodyPr wrap="none" rtlCol="0">
+                <a:spAutoFit/>
+              </a:bodyPr>
+              <a:lstStyle/>
+              <a:p>
+                <a:pPr/>
+                <a14:m>
+                  <m:oMathPara xmlns:m="http://schemas.openxmlformats.org/officeDocument/2006/math">
+                    <m:oMathParaPr>
+                      <m:jc m:val="centerGroup"/>
+                    </m:oMathParaPr>
+                    <m:oMath xmlns:m="http://schemas.openxmlformats.org/officeDocument/2006/math">
+                      <m:r>
+                        <a:rPr lang="en-US" altLang="ko-KR" b="0" i="1" smtClean="0">
+                          <a:latin typeface="Cambria Math"/>
+                        </a:rPr>
+                        <m:t>𝑦</m:t>
+                      </m:r>
+                      <m:r>
+                        <a:rPr lang="en-US" altLang="ko-KR" b="0" i="1" smtClean="0">
+                          <a:latin typeface="Cambria Math"/>
+                        </a:rPr>
+                        <m:t>[</m:t>
+                      </m:r>
+                      <m:r>
+                        <a:rPr lang="en-US" altLang="ko-KR" b="0" i="1" smtClean="0">
+                          <a:latin typeface="Cambria Math"/>
+                        </a:rPr>
+                        <m:t>𝑛</m:t>
+                      </m:r>
+                      <m:r>
+                        <a:rPr lang="en-US" altLang="ko-KR" b="0" i="1" smtClean="0">
+                          <a:latin typeface="Cambria Math"/>
+                        </a:rPr>
+                        <m:t>]</m:t>
+                      </m:r>
+                    </m:oMath>
+                  </m:oMathPara>
+                </a14:m>
+                <a:endParaRPr lang="ko-KR" altLang="en-US" dirty="0"/>
+              </a:p>
+            </p:txBody>
+          </p:sp>
+        </mc:Choice>
+        <mc:Fallback>
+          <p:sp>
+            <p:nvSpPr>
+              <p:cNvPr id="25" name="TextBox 24"/>
+              <p:cNvSpPr txBox="1">
+                <a:spLocks noRot="1" noChangeAspect="1" noMove="1" noResize="1" noEditPoints="1" noAdjustHandles="1" noChangeArrowheads="1" noChangeShapeType="1" noTextEdit="1"/>
+              </p:cNvSpPr>
+              <p:nvPr/>
+            </p:nvSpPr>
+            <p:spPr>
+              <a:xfrm>
+                <a:off x="6263664" y="1505689"/>
+                <a:ext cx="697563" cy="369332"/>
+              </a:xfrm>
+              <a:prstGeom prst="rect">
+                <a:avLst/>
+              </a:prstGeom>
+              <a:blipFill rotWithShape="1">
+                <a:blip r:embed="rId5"/>
+                <a:stretch>
+                  <a:fillRect b="-18033"/>
+                </a:stretch>
+              </a:blipFill>
+            </p:spPr>
+            <p:txBody>
+              <a:bodyPr/>
+              <a:lstStyle/>
+              <a:p>
+                <a:r>
+                  <a:rPr lang="ko-KR" altLang="en-US">
+                    <a:noFill/>
+                  </a:rPr>
+                  <a:t> </a:t>
+                </a:r>
+              </a:p>
+            </p:txBody>
+          </p:sp>
+        </mc:Fallback>
+      </mc:AlternateContent>
+      <p:sp>
+        <p:nvSpPr>
+          <p:cNvPr id="26" name="위쪽/아래쪽 화살표 25"/>
+          <p:cNvSpPr/>
+          <p:nvPr/>
+        </p:nvSpPr>
+        <p:spPr>
+          <a:xfrm rot="10800000">
+            <a:off x="4335058" y="2548971"/>
+            <a:ext cx="283768" cy="542235"/>
+          </a:xfrm>
+          <a:prstGeom prst="upDownArrow">
+            <a:avLst/>
+          </a:prstGeom>
+          <a:solidFill>
+            <a:schemeClr val="bg1">
+              <a:lumMod val="95000"/>
+            </a:schemeClr>
+          </a:solidFill>
+          <a:ln>
+            <a:solidFill>
+              <a:schemeClr val="tx2">
+                <a:lumMod val="60000"/>
+                <a:lumOff val="40000"/>
+              </a:schemeClr>
+            </a:solidFill>
+          </a:ln>
+        </p:spPr>
+        <p:style>
+          <a:lnRef idx="2">
+            <a:schemeClr val="accent1">
+              <a:shade val="50000"/>
+            </a:schemeClr>
+          </a:lnRef>
+          <a:fillRef idx="1">
+            <a:schemeClr val="accent1"/>
+          </a:fillRef>
+          <a:effectRef idx="0">
+            <a:schemeClr val="accent1"/>
+          </a:effectRef>
+          <a:fontRef idx="minor">
+            <a:schemeClr val="lt1"/>
+          </a:fontRef>
+        </p:style>
+        <p:txBody>
+          <a:bodyPr rtlCol="0" anchor="ctr"/>
+          <a:lstStyle/>
+          <a:p>
+            <a:pPr algn="ctr"/>
+            <a:endParaRPr lang="ko-KR" altLang="en-US"/>
+          </a:p>
+        </p:txBody>
+      </p:sp>
+      <p:sp>
+        <p:nvSpPr>
+          <p:cNvPr id="48" name="직사각형 47"/>
+          <p:cNvSpPr/>
+          <p:nvPr/>
+        </p:nvSpPr>
+        <p:spPr>
+          <a:xfrm>
+            <a:off x="3599085" y="3429000"/>
+            <a:ext cx="1793295" cy="360040"/>
+          </a:xfrm>
+          <a:prstGeom prst="rect">
+            <a:avLst/>
+          </a:prstGeom>
+          <a:solidFill>
+            <a:schemeClr val="bg1"/>
+          </a:solidFill>
+          <a:ln>
+            <a:solidFill>
+              <a:schemeClr val="tx1"/>
+            </a:solidFill>
+          </a:ln>
+        </p:spPr>
+        <p:style>
+          <a:lnRef idx="2">
+            <a:schemeClr val="accent1">
+              <a:shade val="50000"/>
+            </a:schemeClr>
+          </a:lnRef>
+          <a:fillRef idx="1">
+            <a:schemeClr val="accent1"/>
+          </a:fillRef>
+          <a:effectRef idx="0">
+            <a:schemeClr val="accent1"/>
+          </a:effectRef>
+          <a:fontRef idx="minor">
+            <a:schemeClr val="lt1"/>
+          </a:fontRef>
+        </p:style>
+        <p:txBody>
+          <a:bodyPr rtlCol="0" anchor="ctr"/>
+          <a:lstStyle/>
+          <a:p>
+            <a:pPr algn="ctr"/>
+            <a:endParaRPr lang="ko-KR" altLang="en-US"/>
+          </a:p>
+        </p:txBody>
+      </p:sp>
+      <mc:AlternateContent xmlns:mc="http://schemas.openxmlformats.org/markup-compatibility/2006">
+        <mc:Choice xmlns:a14="http://schemas.microsoft.com/office/drawing/2010/main" Requires="a14">
+          <p:sp>
+            <p:nvSpPr>
+              <p:cNvPr id="49" name="TextBox 48"/>
+              <p:cNvSpPr txBox="1"/>
+              <p:nvPr/>
+            </p:nvSpPr>
+            <p:spPr>
+              <a:xfrm>
+                <a:off x="2430546" y="3424354"/>
+                <a:ext cx="694164" cy="369332"/>
+              </a:xfrm>
+              <a:prstGeom prst="rect">
+                <a:avLst/>
+              </a:prstGeom>
+              <a:noFill/>
+            </p:spPr>
+            <p:txBody>
+              <a:bodyPr wrap="none" rtlCol="0">
+                <a:spAutoFit/>
+              </a:bodyPr>
+              <a:lstStyle/>
+              <a:p>
+                <a:pPr/>
+                <a14:m>
+                  <m:oMathPara xmlns:m="http://schemas.openxmlformats.org/officeDocument/2006/math">
+                    <m:oMathParaPr>
+                      <m:jc m:val="centerGroup"/>
+                    </m:oMathParaPr>
+                    <m:oMath xmlns:m="http://schemas.openxmlformats.org/officeDocument/2006/math">
+                      <m:r>
+                        <a:rPr lang="en-US" altLang="ko-KR" b="0" i="1" smtClean="0">
+                          <a:latin typeface="Cambria Math"/>
+                        </a:rPr>
+                        <m:t>𝑥</m:t>
+                      </m:r>
+                      <m:r>
+                        <a:rPr lang="en-US" altLang="ko-KR" b="0" i="1" smtClean="0">
+                          <a:latin typeface="Cambria Math"/>
+                        </a:rPr>
+                        <m:t>[</m:t>
+                      </m:r>
+                      <m:r>
+                        <a:rPr lang="en-US" altLang="ko-KR" b="0" i="1" smtClean="0">
+                          <a:latin typeface="Cambria Math"/>
+                        </a:rPr>
+                        <m:t>𝑛</m:t>
+                      </m:r>
+                      <m:r>
+                        <a:rPr lang="en-US" altLang="ko-KR" b="0" i="1" smtClean="0">
+                          <a:latin typeface="Cambria Math"/>
+                        </a:rPr>
+                        <m:t>]</m:t>
+                      </m:r>
+                    </m:oMath>
+                  </m:oMathPara>
+                </a14:m>
+                <a:endParaRPr lang="ko-KR" altLang="en-US" dirty="0"/>
+              </a:p>
+            </p:txBody>
+          </p:sp>
+        </mc:Choice>
+        <mc:Fallback>
+          <p:sp>
+            <p:nvSpPr>
+              <p:cNvPr id="49" name="TextBox 48"/>
+              <p:cNvSpPr txBox="1">
+                <a:spLocks noRot="1" noChangeAspect="1" noMove="1" noResize="1" noEditPoints="1" noAdjustHandles="1" noChangeArrowheads="1" noChangeShapeType="1" noTextEdit="1"/>
+              </p:cNvSpPr>
+              <p:nvPr/>
+            </p:nvSpPr>
+            <p:spPr>
+              <a:xfrm>
+                <a:off x="2430546" y="3424354"/>
+                <a:ext cx="694164" cy="369332"/>
+              </a:xfrm>
+              <a:prstGeom prst="rect">
+                <a:avLst/>
+              </a:prstGeom>
+              <a:blipFill rotWithShape="1">
+                <a:blip r:embed="rId6"/>
+                <a:stretch>
+                  <a:fillRect b="-20000"/>
+                </a:stretch>
+              </a:blipFill>
+            </p:spPr>
+            <p:txBody>
+              <a:bodyPr/>
+              <a:lstStyle/>
+              <a:p>
+                <a:r>
+                  <a:rPr lang="ko-KR" altLang="en-US">
+                    <a:noFill/>
+                  </a:rPr>
+                  <a:t> </a:t>
+                </a:r>
+              </a:p>
+            </p:txBody>
+          </p:sp>
+        </mc:Fallback>
+      </mc:AlternateContent>
+      <mc:AlternateContent xmlns:mc="http://schemas.openxmlformats.org/markup-compatibility/2006">
+        <mc:Choice xmlns:a14="http://schemas.microsoft.com/office/drawing/2010/main" Requires="a14">
+          <p:sp>
+            <p:nvSpPr>
+              <p:cNvPr id="50" name="TextBox 49"/>
+              <p:cNvSpPr txBox="1"/>
+              <p:nvPr/>
+            </p:nvSpPr>
+            <p:spPr>
+              <a:xfrm>
+                <a:off x="5829174" y="3424354"/>
+                <a:ext cx="694164" cy="369332"/>
+              </a:xfrm>
+              <a:prstGeom prst="rect">
+                <a:avLst/>
+              </a:prstGeom>
+              <a:noFill/>
+            </p:spPr>
+            <p:txBody>
+              <a:bodyPr wrap="none" rtlCol="0">
+                <a:spAutoFit/>
+              </a:bodyPr>
+              <a:lstStyle/>
+              <a:p>
+                <a:pPr/>
+                <a14:m>
+                  <m:oMathPara xmlns:m="http://schemas.openxmlformats.org/officeDocument/2006/math">
+                    <m:oMathParaPr>
+                      <m:jc m:val="centerGroup"/>
+                    </m:oMathParaPr>
+                    <m:oMath xmlns:m="http://schemas.openxmlformats.org/officeDocument/2006/math">
+                      <m:r>
+                        <a:rPr lang="en-US" altLang="ko-KR" b="0" i="1" smtClean="0">
+                          <a:latin typeface="Cambria Math"/>
+                        </a:rPr>
+                        <m:t>𝑦</m:t>
+                      </m:r>
+                      <m:r>
+                        <a:rPr lang="en-US" altLang="ko-KR" b="0" i="1" smtClean="0">
+                          <a:latin typeface="Cambria Math"/>
+                        </a:rPr>
+                        <m:t>[</m:t>
+                      </m:r>
+                      <m:r>
+                        <a:rPr lang="en-US" altLang="ko-KR" b="0" i="1" smtClean="0">
+                          <a:latin typeface="Cambria Math"/>
+                        </a:rPr>
+                        <m:t>𝑛</m:t>
+                      </m:r>
+                      <m:r>
+                        <a:rPr lang="en-US" altLang="ko-KR" b="0" i="1" smtClean="0">
+                          <a:latin typeface="Cambria Math"/>
+                        </a:rPr>
+                        <m:t>]</m:t>
+                      </m:r>
+                    </m:oMath>
+                  </m:oMathPara>
+                </a14:m>
+                <a:endParaRPr lang="ko-KR" altLang="en-US" dirty="0"/>
+              </a:p>
+            </p:txBody>
+          </p:sp>
+        </mc:Choice>
+        <mc:Fallback>
+          <p:sp>
+            <p:nvSpPr>
+              <p:cNvPr id="50" name="TextBox 49"/>
+              <p:cNvSpPr txBox="1">
+                <a:spLocks noRot="1" noChangeAspect="1" noMove="1" noResize="1" noEditPoints="1" noAdjustHandles="1" noChangeArrowheads="1" noChangeShapeType="1" noTextEdit="1"/>
+              </p:cNvSpPr>
+              <p:nvPr/>
+            </p:nvSpPr>
+            <p:spPr>
+              <a:xfrm>
+                <a:off x="5829174" y="3424354"/>
+                <a:ext cx="694164" cy="369332"/>
+              </a:xfrm>
+              <a:prstGeom prst="rect">
+                <a:avLst/>
+              </a:prstGeom>
+              <a:blipFill rotWithShape="1">
+                <a:blip r:embed="rId7"/>
+                <a:stretch>
+                  <a:fillRect b="-20000"/>
+                </a:stretch>
+              </a:blipFill>
+            </p:spPr>
+            <p:txBody>
+              <a:bodyPr/>
+              <a:lstStyle/>
+              <a:p>
+                <a:r>
+                  <a:rPr lang="ko-KR" altLang="en-US">
+                    <a:noFill/>
+                  </a:rPr>
+                  <a:t> </a:t>
+                </a:r>
+              </a:p>
+            </p:txBody>
+          </p:sp>
+        </mc:Fallback>
+      </mc:AlternateContent>
+      <mc:AlternateContent xmlns:mc="http://schemas.openxmlformats.org/markup-compatibility/2006">
+        <mc:Choice xmlns:a14="http://schemas.microsoft.com/office/drawing/2010/main" Requires="a14">
+          <p:sp>
+            <p:nvSpPr>
+              <p:cNvPr id="51" name="TextBox 50"/>
+              <p:cNvSpPr txBox="1"/>
+              <p:nvPr/>
+            </p:nvSpPr>
+            <p:spPr>
+              <a:xfrm>
+                <a:off x="3693782" y="3424354"/>
+                <a:ext cx="1603901" cy="369332"/>
+              </a:xfrm>
+              <a:prstGeom prst="rect">
+                <a:avLst/>
+              </a:prstGeom>
+              <a:noFill/>
+            </p:spPr>
+            <p:txBody>
+              <a:bodyPr wrap="none" rtlCol="0">
+                <a:spAutoFit/>
+              </a:bodyPr>
+              <a:lstStyle/>
+              <a:p>
+                <a:pPr/>
+                <a14:m>
+                  <m:oMathPara xmlns:m="http://schemas.openxmlformats.org/officeDocument/2006/math">
+                    <m:oMathParaPr>
+                      <m:jc m:val="centerGroup"/>
+                    </m:oMathParaPr>
+                    <m:oMath xmlns:m="http://schemas.openxmlformats.org/officeDocument/2006/math">
+                      <m:sSub>
+                        <m:sSubPr>
+                          <m:ctrlPr>
+                            <a:rPr lang="en-US" altLang="ko-KR" b="0" i="1" smtClean="0">
+                              <a:latin typeface="Cambria Math"/>
+                            </a:rPr>
+                          </m:ctrlPr>
+                        </m:sSubPr>
+                        <m:e>
+                          <m:r>
+                            <a:rPr lang="en-US" altLang="ko-KR" b="0" i="1" smtClean="0">
+                              <a:latin typeface="Cambria Math"/>
+                            </a:rPr>
+                            <m:t>h</m:t>
+                          </m:r>
+                        </m:e>
+                        <m:sub>
+                          <m:r>
+                            <a:rPr lang="en-US" altLang="ko-KR" b="0" i="1" smtClean="0">
+                              <a:latin typeface="Cambria Math"/>
+                            </a:rPr>
+                            <m:t>1</m:t>
+                          </m:r>
+                        </m:sub>
+                      </m:sSub>
+                      <m:d>
+                        <m:dPr>
+                          <m:begChr m:val="["/>
+                          <m:endChr m:val="]"/>
+                          <m:ctrlPr>
+                            <a:rPr lang="en-US" altLang="ko-KR" b="0" i="1" smtClean="0">
+                              <a:latin typeface="Cambria Math"/>
+                            </a:rPr>
+                          </m:ctrlPr>
+                        </m:dPr>
+                        <m:e>
+                          <m:r>
+                            <a:rPr lang="en-US" altLang="ko-KR" b="0" i="1" smtClean="0">
+                              <a:latin typeface="Cambria Math"/>
+                            </a:rPr>
+                            <m:t>𝑛</m:t>
+                          </m:r>
+                        </m:e>
+                      </m:d>
+                      <m:r>
+                        <a:rPr lang="en-US" altLang="ko-KR" b="0" i="1" smtClean="0">
+                          <a:latin typeface="Cambria Math"/>
+                        </a:rPr>
+                        <m:t>+</m:t>
+                      </m:r>
+                      <m:sSub>
+                        <m:sSubPr>
+                          <m:ctrlPr>
+                            <a:rPr lang="en-US" altLang="ko-KR" b="0" i="1" smtClean="0">
+                              <a:latin typeface="Cambria Math"/>
+                            </a:rPr>
+                          </m:ctrlPr>
+                        </m:sSubPr>
+                        <m:e>
+                          <m:r>
+                            <a:rPr lang="en-US" altLang="ko-KR" b="0" i="1" smtClean="0">
+                              <a:latin typeface="Cambria Math"/>
+                            </a:rPr>
+                            <m:t>h</m:t>
+                          </m:r>
+                        </m:e>
+                        <m:sub>
+                          <m:r>
+                            <a:rPr lang="en-US" altLang="ko-KR" b="0" i="1" smtClean="0">
+                              <a:latin typeface="Cambria Math"/>
+                            </a:rPr>
+                            <m:t>2</m:t>
+                          </m:r>
+                        </m:sub>
+                      </m:sSub>
+                      <m:r>
+                        <a:rPr lang="en-US" altLang="ko-KR" b="0" i="1" smtClean="0">
+                          <a:latin typeface="Cambria Math"/>
+                        </a:rPr>
+                        <m:t>[</m:t>
+                      </m:r>
+                      <m:r>
+                        <a:rPr lang="en-US" altLang="ko-KR" b="0" i="1" smtClean="0">
+                          <a:latin typeface="Cambria Math"/>
+                        </a:rPr>
+                        <m:t>𝑛</m:t>
+                      </m:r>
+                      <m:r>
+                        <a:rPr lang="en-US" altLang="ko-KR" b="0" i="1" smtClean="0">
+                          <a:latin typeface="Cambria Math"/>
+                        </a:rPr>
+                        <m:t>]</m:t>
+                      </m:r>
+                    </m:oMath>
+                  </m:oMathPara>
+                </a14:m>
+                <a:endParaRPr lang="ko-KR" altLang="en-US" dirty="0"/>
+              </a:p>
+            </p:txBody>
+          </p:sp>
+        </mc:Choice>
+        <mc:Fallback>
+          <p:sp>
+            <p:nvSpPr>
+              <p:cNvPr id="51" name="TextBox 50"/>
+              <p:cNvSpPr txBox="1">
+                <a:spLocks noRot="1" noChangeAspect="1" noMove="1" noResize="1" noEditPoints="1" noAdjustHandles="1" noChangeArrowheads="1" noChangeShapeType="1" noTextEdit="1"/>
+              </p:cNvSpPr>
+              <p:nvPr/>
+            </p:nvSpPr>
+            <p:spPr>
+              <a:xfrm>
+                <a:off x="3693782" y="3424354"/>
+                <a:ext cx="1603901" cy="369332"/>
+              </a:xfrm>
+              <a:prstGeom prst="rect">
+                <a:avLst/>
+              </a:prstGeom>
+              <a:blipFill rotWithShape="1">
+                <a:blip r:embed="rId8"/>
+                <a:stretch>
+                  <a:fillRect b="-20000"/>
+                </a:stretch>
+              </a:blipFill>
+            </p:spPr>
+            <p:txBody>
+              <a:bodyPr/>
+              <a:lstStyle/>
+              <a:p>
+                <a:r>
+                  <a:rPr lang="ko-KR" altLang="en-US">
+                    <a:noFill/>
+                  </a:rPr>
+                  <a:t> </a:t>
+                </a:r>
+              </a:p>
+            </p:txBody>
+          </p:sp>
+        </mc:Fallback>
+      </mc:AlternateContent>
+      <p:cxnSp>
+        <p:nvCxnSpPr>
+          <p:cNvPr id="52" name="직선 화살표 연결선 51"/>
+          <p:cNvCxnSpPr/>
+          <p:nvPr/>
+        </p:nvCxnSpPr>
+        <p:spPr>
+          <a:xfrm>
+            <a:off x="3078618" y="3609020"/>
+            <a:ext cx="504056" cy="0"/>
+          </a:xfrm>
+          <a:prstGeom prst="straightConnector1">
+            <a:avLst/>
+          </a:prstGeom>
+          <a:ln w="19050">
+            <a:solidFill>
+              <a:schemeClr val="tx1"/>
+            </a:solidFill>
+            <a:tailEnd type="arrow"/>
+          </a:ln>
+        </p:spPr>
+        <p:style>
+          <a:lnRef idx="1">
+            <a:schemeClr val="accent1"/>
+          </a:lnRef>
+          <a:fillRef idx="0">
+            <a:schemeClr val="accent1"/>
+          </a:fillRef>
+          <a:effectRef idx="0">
+            <a:schemeClr val="accent1"/>
+          </a:effectRef>
+          <a:fontRef idx="minor">
+            <a:schemeClr val="tx1"/>
+          </a:fontRef>
+        </p:style>
+      </p:cxnSp>
+      <p:cxnSp>
+        <p:nvCxnSpPr>
+          <p:cNvPr id="53" name="직선 화살표 연결선 52"/>
+          <p:cNvCxnSpPr/>
+          <p:nvPr/>
+        </p:nvCxnSpPr>
+        <p:spPr>
+          <a:xfrm>
+            <a:off x="5397126" y="3609020"/>
+            <a:ext cx="504056" cy="0"/>
+          </a:xfrm>
+          <a:prstGeom prst="straightConnector1">
+            <a:avLst/>
+          </a:prstGeom>
+          <a:ln w="19050">
+            <a:solidFill>
+              <a:schemeClr val="tx1"/>
+            </a:solidFill>
+            <a:tailEnd type="arrow"/>
+          </a:ln>
+        </p:spPr>
+        <p:style>
+          <a:lnRef idx="1">
+            <a:schemeClr val="accent1"/>
+          </a:lnRef>
+          <a:fillRef idx="0">
+            <a:schemeClr val="accent1"/>
+          </a:fillRef>
+          <a:effectRef idx="0">
+            <a:schemeClr val="accent1"/>
+          </a:effectRef>
+          <a:fontRef idx="minor">
+            <a:schemeClr val="tx1"/>
+          </a:fontRef>
+        </p:style>
+      </p:cxnSp>
+    </p:spTree>
+    <p:extLst>
+      <p:ext uri="{BB962C8B-B14F-4D97-AF65-F5344CB8AC3E}">
+        <p14:creationId xmlns:p14="http://schemas.microsoft.com/office/powerpoint/2010/main" val="2767999290"/>
       </p:ext>
     </p:extLst>
   </p:cSld>

--- a/pics/2019-06-18-Discrete_Time_Convolution/pics.pptx
+++ b/pics/2019-06-18-Discrete_Time_Convolution/pics.pptx
@@ -11,6 +11,7 @@
     <p:sldId id="259" r:id="rId5"/>
     <p:sldId id="260" r:id="rId6"/>
     <p:sldId id="261" r:id="rId7"/>
+    <p:sldId id="262" r:id="rId8"/>
   </p:sldIdLst>
   <p:sldSz cx="9144000" cy="6858000" type="screen4x3"/>
   <p:notesSz cx="6858000" cy="9144000"/>
@@ -293,7 +294,7 @@
           <a:p>
             <a:fld id="{FB30EDBD-1C2D-4C1E-B459-B60219FAB484}" type="datetimeFigureOut">
               <a:rPr lang="ko-KR" altLang="en-US" smtClean="0"/>
-              <a:t>2022-01-13</a:t>
+              <a:t>2022-01-14</a:t>
             </a:fld>
             <a:endParaRPr lang="ko-KR" altLang="en-US"/>
           </a:p>
@@ -458,7 +459,7 @@
           <a:p>
             <a:fld id="{FB30EDBD-1C2D-4C1E-B459-B60219FAB484}" type="datetimeFigureOut">
               <a:rPr lang="ko-KR" altLang="en-US" smtClean="0"/>
-              <a:t>2022-01-13</a:t>
+              <a:t>2022-01-14</a:t>
             </a:fld>
             <a:endParaRPr lang="ko-KR" altLang="en-US"/>
           </a:p>
@@ -633,7 +634,7 @@
           <a:p>
             <a:fld id="{FB30EDBD-1C2D-4C1E-B459-B60219FAB484}" type="datetimeFigureOut">
               <a:rPr lang="ko-KR" altLang="en-US" smtClean="0"/>
-              <a:t>2022-01-13</a:t>
+              <a:t>2022-01-14</a:t>
             </a:fld>
             <a:endParaRPr lang="ko-KR" altLang="en-US"/>
           </a:p>
@@ -798,7 +799,7 @@
           <a:p>
             <a:fld id="{FB30EDBD-1C2D-4C1E-B459-B60219FAB484}" type="datetimeFigureOut">
               <a:rPr lang="ko-KR" altLang="en-US" smtClean="0"/>
-              <a:t>2022-01-13</a:t>
+              <a:t>2022-01-14</a:t>
             </a:fld>
             <a:endParaRPr lang="ko-KR" altLang="en-US"/>
           </a:p>
@@ -1039,7 +1040,7 @@
           <a:p>
             <a:fld id="{FB30EDBD-1C2D-4C1E-B459-B60219FAB484}" type="datetimeFigureOut">
               <a:rPr lang="ko-KR" altLang="en-US" smtClean="0"/>
-              <a:t>2022-01-13</a:t>
+              <a:t>2022-01-14</a:t>
             </a:fld>
             <a:endParaRPr lang="ko-KR" altLang="en-US"/>
           </a:p>
@@ -1322,7 +1323,7 @@
           <a:p>
             <a:fld id="{FB30EDBD-1C2D-4C1E-B459-B60219FAB484}" type="datetimeFigureOut">
               <a:rPr lang="ko-KR" altLang="en-US" smtClean="0"/>
-              <a:t>2022-01-13</a:t>
+              <a:t>2022-01-14</a:t>
             </a:fld>
             <a:endParaRPr lang="ko-KR" altLang="en-US"/>
           </a:p>
@@ -1739,7 +1740,7 @@
           <a:p>
             <a:fld id="{FB30EDBD-1C2D-4C1E-B459-B60219FAB484}" type="datetimeFigureOut">
               <a:rPr lang="ko-KR" altLang="en-US" smtClean="0"/>
-              <a:t>2022-01-13</a:t>
+              <a:t>2022-01-14</a:t>
             </a:fld>
             <a:endParaRPr lang="ko-KR" altLang="en-US"/>
           </a:p>
@@ -1852,7 +1853,7 @@
           <a:p>
             <a:fld id="{FB30EDBD-1C2D-4C1E-B459-B60219FAB484}" type="datetimeFigureOut">
               <a:rPr lang="ko-KR" altLang="en-US" smtClean="0"/>
-              <a:t>2022-01-13</a:t>
+              <a:t>2022-01-14</a:t>
             </a:fld>
             <a:endParaRPr lang="ko-KR" altLang="en-US"/>
           </a:p>
@@ -1942,7 +1943,7 @@
           <a:p>
             <a:fld id="{FB30EDBD-1C2D-4C1E-B459-B60219FAB484}" type="datetimeFigureOut">
               <a:rPr lang="ko-KR" altLang="en-US" smtClean="0"/>
-              <a:t>2022-01-13</a:t>
+              <a:t>2022-01-14</a:t>
             </a:fld>
             <a:endParaRPr lang="ko-KR" altLang="en-US"/>
           </a:p>
@@ -2214,7 +2215,7 @@
           <a:p>
             <a:fld id="{FB30EDBD-1C2D-4C1E-B459-B60219FAB484}" type="datetimeFigureOut">
               <a:rPr lang="ko-KR" altLang="en-US" smtClean="0"/>
-              <a:t>2022-01-13</a:t>
+              <a:t>2022-01-14</a:t>
             </a:fld>
             <a:endParaRPr lang="ko-KR" altLang="en-US"/>
           </a:p>
@@ -2462,7 +2463,7 @@
           <a:p>
             <a:fld id="{FB30EDBD-1C2D-4C1E-B459-B60219FAB484}" type="datetimeFigureOut">
               <a:rPr lang="ko-KR" altLang="en-US" smtClean="0"/>
-              <a:t>2022-01-13</a:t>
+              <a:t>2022-01-14</a:t>
             </a:fld>
             <a:endParaRPr lang="ko-KR" altLang="en-US"/>
           </a:p>
@@ -2670,7 +2671,7 @@
           <a:p>
             <a:fld id="{FB30EDBD-1C2D-4C1E-B459-B60219FAB484}" type="datetimeFigureOut">
               <a:rPr lang="ko-KR" altLang="en-US" smtClean="0"/>
-              <a:t>2022-01-13</a:t>
+              <a:t>2022-01-14</a:t>
             </a:fld>
             <a:endParaRPr lang="ko-KR" altLang="en-US"/>
           </a:p>
@@ -3322,8 +3323,8 @@
           <a:chExt cx="0" cy="0"/>
         </a:xfrm>
       </p:grpSpPr>
-      <mc:AlternateContent xmlns:mc="http://schemas.openxmlformats.org/markup-compatibility/2006">
-        <mc:Choice xmlns:a14="http://schemas.microsoft.com/office/drawing/2010/main" Requires="a14">
+      <mc:AlternateContent xmlns:mc="http://schemas.openxmlformats.org/markup-compatibility/2006" xmlns:a14="http://schemas.microsoft.com/office/drawing/2010/main">
+        <mc:Choice Requires="a14">
           <p:sp>
             <p:nvSpPr>
               <p:cNvPr id="6" name="TextBox 5"/>
@@ -3385,7 +3386,7 @@
             </p:txBody>
           </p:sp>
         </mc:Choice>
-        <mc:Fallback>
+        <mc:Fallback xmlns="">
           <p:sp>
             <p:nvSpPr>
               <p:cNvPr id="6" name="TextBox 5"/>
@@ -3472,8 +3473,8 @@
           </a:p>
         </p:txBody>
       </p:sp>
-      <mc:AlternateContent xmlns:mc="http://schemas.openxmlformats.org/markup-compatibility/2006">
-        <mc:Choice xmlns:a14="http://schemas.microsoft.com/office/drawing/2010/main" Requires="a14">
+      <mc:AlternateContent xmlns:mc="http://schemas.openxmlformats.org/markup-compatibility/2006" xmlns:a14="http://schemas.microsoft.com/office/drawing/2010/main">
+        <mc:Choice Requires="a14">
           <p:sp>
             <p:nvSpPr>
               <p:cNvPr id="5" name="TextBox 4"/>
@@ -3535,7 +3536,7 @@
             </p:txBody>
           </p:sp>
         </mc:Choice>
-        <mc:Fallback>
+        <mc:Fallback xmlns="">
           <p:sp>
             <p:nvSpPr>
               <p:cNvPr id="5" name="TextBox 4"/>
@@ -3574,8 +3575,8 @@
           </p:sp>
         </mc:Fallback>
       </mc:AlternateContent>
-      <mc:AlternateContent xmlns:mc="http://schemas.openxmlformats.org/markup-compatibility/2006">
-        <mc:Choice xmlns:a14="http://schemas.microsoft.com/office/drawing/2010/main" Requires="a14">
+      <mc:AlternateContent xmlns:mc="http://schemas.openxmlformats.org/markup-compatibility/2006" xmlns:a14="http://schemas.microsoft.com/office/drawing/2010/main">
+        <mc:Choice Requires="a14">
           <p:sp>
             <p:nvSpPr>
               <p:cNvPr id="7" name="TextBox 6"/>
@@ -3637,7 +3638,7 @@
             </p:txBody>
           </p:sp>
         </mc:Choice>
-        <mc:Fallback>
+        <mc:Fallback xmlns="">
           <p:sp>
             <p:nvSpPr>
               <p:cNvPr id="7" name="TextBox 6"/>
@@ -3796,8 +3797,8 @@
           </a:p>
         </p:txBody>
       </p:sp>
-      <mc:AlternateContent xmlns:mc="http://schemas.openxmlformats.org/markup-compatibility/2006">
-        <mc:Choice xmlns:a14="http://schemas.microsoft.com/office/drawing/2010/main" Requires="a14">
+      <mc:AlternateContent xmlns:mc="http://schemas.openxmlformats.org/markup-compatibility/2006" xmlns:a14="http://schemas.microsoft.com/office/drawing/2010/main">
+        <mc:Choice Requires="a14">
           <p:sp>
             <p:nvSpPr>
               <p:cNvPr id="15" name="TextBox 14"/>
@@ -3859,7 +3860,7 @@
             </p:txBody>
           </p:sp>
         </mc:Choice>
-        <mc:Fallback>
+        <mc:Fallback xmlns="">
           <p:sp>
             <p:nvSpPr>
               <p:cNvPr id="15" name="TextBox 14"/>
@@ -3898,8 +3899,8 @@
           </p:sp>
         </mc:Fallback>
       </mc:AlternateContent>
-      <mc:AlternateContent xmlns:mc="http://schemas.openxmlformats.org/markup-compatibility/2006">
-        <mc:Choice xmlns:a14="http://schemas.microsoft.com/office/drawing/2010/main" Requires="a14">
+      <mc:AlternateContent xmlns:mc="http://schemas.openxmlformats.org/markup-compatibility/2006" xmlns:a14="http://schemas.microsoft.com/office/drawing/2010/main">
+        <mc:Choice Requires="a14">
           <p:sp>
             <p:nvSpPr>
               <p:cNvPr id="16" name="TextBox 15"/>
@@ -3961,7 +3962,7 @@
             </p:txBody>
           </p:sp>
         </mc:Choice>
-        <mc:Fallback>
+        <mc:Fallback xmlns="">
           <p:sp>
             <p:nvSpPr>
               <p:cNvPr id="16" name="TextBox 15"/>
@@ -4000,8 +4001,8 @@
           </p:sp>
         </mc:Fallback>
       </mc:AlternateContent>
-      <mc:AlternateContent xmlns:mc="http://schemas.openxmlformats.org/markup-compatibility/2006">
-        <mc:Choice xmlns:a14="http://schemas.microsoft.com/office/drawing/2010/main" Requires="a14">
+      <mc:AlternateContent xmlns:mc="http://schemas.openxmlformats.org/markup-compatibility/2006" xmlns:a14="http://schemas.microsoft.com/office/drawing/2010/main">
+        <mc:Choice Requires="a14">
           <p:sp>
             <p:nvSpPr>
               <p:cNvPr id="17" name="TextBox 16"/>
@@ -4063,7 +4064,7 @@
             </p:txBody>
           </p:sp>
         </mc:Choice>
-        <mc:Fallback>
+        <mc:Fallback xmlns="">
           <p:sp>
             <p:nvSpPr>
               <p:cNvPr id="17" name="TextBox 16"/>
@@ -4227,8 +4228,8 @@
           </a:p>
         </p:txBody>
       </p:sp>
-      <mc:AlternateContent xmlns:mc="http://schemas.openxmlformats.org/markup-compatibility/2006">
-        <mc:Choice xmlns:a14="http://schemas.microsoft.com/office/drawing/2010/main" Requires="a14">
+      <mc:AlternateContent xmlns:mc="http://schemas.openxmlformats.org/markup-compatibility/2006" xmlns:a14="http://schemas.microsoft.com/office/drawing/2010/main">
+        <mc:Choice Requires="a14">
           <p:sp>
             <p:nvSpPr>
               <p:cNvPr id="23" name="TextBox 22"/>
@@ -4414,7 +4415,7 @@
             </p:txBody>
           </p:sp>
         </mc:Choice>
-        <mc:Fallback>
+        <mc:Fallback xmlns="">
           <p:sp>
             <p:nvSpPr>
               <p:cNvPr id="23" name="TextBox 22"/>
@@ -7643,8 +7644,8 @@
           </a:p>
         </p:txBody>
       </p:sp>
-      <mc:AlternateContent xmlns:mc="http://schemas.openxmlformats.org/markup-compatibility/2006">
-        <mc:Choice xmlns:a14="http://schemas.microsoft.com/office/drawing/2010/main" Requires="a14">
+      <mc:AlternateContent xmlns:mc="http://schemas.openxmlformats.org/markup-compatibility/2006" xmlns:a14="http://schemas.microsoft.com/office/drawing/2010/main">
+        <mc:Choice Requires="a14">
           <p:sp>
             <p:nvSpPr>
               <p:cNvPr id="5" name="TextBox 4"/>
@@ -7706,7 +7707,7 @@
             </p:txBody>
           </p:sp>
         </mc:Choice>
-        <mc:Fallback>
+        <mc:Fallback xmlns="">
           <p:sp>
             <p:nvSpPr>
               <p:cNvPr id="5" name="TextBox 4"/>
@@ -7745,8 +7746,8 @@
           </p:sp>
         </mc:Fallback>
       </mc:AlternateContent>
-      <mc:AlternateContent xmlns:mc="http://schemas.openxmlformats.org/markup-compatibility/2006">
-        <mc:Choice xmlns:a14="http://schemas.microsoft.com/office/drawing/2010/main" Requires="a14">
+      <mc:AlternateContent xmlns:mc="http://schemas.openxmlformats.org/markup-compatibility/2006" xmlns:a14="http://schemas.microsoft.com/office/drawing/2010/main">
+        <mc:Choice Requires="a14">
           <p:sp>
             <p:nvSpPr>
               <p:cNvPr id="6" name="TextBox 5"/>
@@ -7827,7 +7828,7 @@
             </p:txBody>
           </p:sp>
         </mc:Choice>
-        <mc:Fallback>
+        <mc:Fallback xmlns="">
           <p:sp>
             <p:nvSpPr>
               <p:cNvPr id="6" name="TextBox 5"/>
@@ -7950,8 +7951,8 @@
           </a:p>
         </p:txBody>
       </p:sp>
-      <mc:AlternateContent xmlns:mc="http://schemas.openxmlformats.org/markup-compatibility/2006">
-        <mc:Choice xmlns:a14="http://schemas.microsoft.com/office/drawing/2010/main" Requires="a14">
+      <mc:AlternateContent xmlns:mc="http://schemas.openxmlformats.org/markup-compatibility/2006" xmlns:a14="http://schemas.microsoft.com/office/drawing/2010/main">
+        <mc:Choice Requires="a14">
           <p:sp>
             <p:nvSpPr>
               <p:cNvPr id="9" name="TextBox 8"/>
@@ -8032,7 +8033,7 @@
             </p:txBody>
           </p:sp>
         </mc:Choice>
-        <mc:Fallback>
+        <mc:Fallback xmlns="">
           <p:sp>
             <p:nvSpPr>
               <p:cNvPr id="9" name="TextBox 8"/>
@@ -8407,8 +8408,8 @@
           </a:fontRef>
         </p:style>
       </p:cxnSp>
-      <mc:AlternateContent xmlns:mc="http://schemas.openxmlformats.org/markup-compatibility/2006">
-        <mc:Choice xmlns:a14="http://schemas.microsoft.com/office/drawing/2010/main" Requires="a14">
+      <mc:AlternateContent xmlns:mc="http://schemas.openxmlformats.org/markup-compatibility/2006" xmlns:a14="http://schemas.microsoft.com/office/drawing/2010/main">
+        <mc:Choice Requires="a14">
           <p:sp>
             <p:nvSpPr>
               <p:cNvPr id="25" name="TextBox 24"/>
@@ -8470,7 +8471,7 @@
             </p:txBody>
           </p:sp>
         </mc:Choice>
-        <mc:Fallback>
+        <mc:Fallback xmlns="">
           <p:sp>
             <p:nvSpPr>
               <p:cNvPr id="25" name="TextBox 24"/>
@@ -8610,8 +8611,8 @@
           </a:p>
         </p:txBody>
       </p:sp>
-      <mc:AlternateContent xmlns:mc="http://schemas.openxmlformats.org/markup-compatibility/2006">
-        <mc:Choice xmlns:a14="http://schemas.microsoft.com/office/drawing/2010/main" Requires="a14">
+      <mc:AlternateContent xmlns:mc="http://schemas.openxmlformats.org/markup-compatibility/2006" xmlns:a14="http://schemas.microsoft.com/office/drawing/2010/main">
+        <mc:Choice Requires="a14">
           <p:sp>
             <p:nvSpPr>
               <p:cNvPr id="49" name="TextBox 48"/>
@@ -8673,7 +8674,7 @@
             </p:txBody>
           </p:sp>
         </mc:Choice>
-        <mc:Fallback>
+        <mc:Fallback xmlns="">
           <p:sp>
             <p:nvSpPr>
               <p:cNvPr id="49" name="TextBox 48"/>
@@ -8712,8 +8713,8 @@
           </p:sp>
         </mc:Fallback>
       </mc:AlternateContent>
-      <mc:AlternateContent xmlns:mc="http://schemas.openxmlformats.org/markup-compatibility/2006">
-        <mc:Choice xmlns:a14="http://schemas.microsoft.com/office/drawing/2010/main" Requires="a14">
+      <mc:AlternateContent xmlns:mc="http://schemas.openxmlformats.org/markup-compatibility/2006" xmlns:a14="http://schemas.microsoft.com/office/drawing/2010/main">
+        <mc:Choice Requires="a14">
           <p:sp>
             <p:nvSpPr>
               <p:cNvPr id="50" name="TextBox 49"/>
@@ -8775,7 +8776,7 @@
             </p:txBody>
           </p:sp>
         </mc:Choice>
-        <mc:Fallback>
+        <mc:Fallback xmlns="">
           <p:sp>
             <p:nvSpPr>
               <p:cNvPr id="50" name="TextBox 49"/>
@@ -8814,8 +8815,8 @@
           </p:sp>
         </mc:Fallback>
       </mc:AlternateContent>
-      <mc:AlternateContent xmlns:mc="http://schemas.openxmlformats.org/markup-compatibility/2006">
-        <mc:Choice xmlns:a14="http://schemas.microsoft.com/office/drawing/2010/main" Requires="a14">
+      <mc:AlternateContent xmlns:mc="http://schemas.openxmlformats.org/markup-compatibility/2006" xmlns:a14="http://schemas.microsoft.com/office/drawing/2010/main">
+        <mc:Choice Requires="a14">
           <p:sp>
             <p:nvSpPr>
               <p:cNvPr id="51" name="TextBox 50"/>
@@ -8946,7 +8947,7 @@
             </p:txBody>
           </p:sp>
         </mc:Choice>
-        <mc:Fallback>
+        <mc:Fallback xmlns="">
           <p:sp>
             <p:nvSpPr>
               <p:cNvPr id="51" name="TextBox 50"/>
@@ -9061,6 +9062,696 @@
     <p:extLst>
       <p:ext uri="{BB962C8B-B14F-4D97-AF65-F5344CB8AC3E}">
         <p14:creationId xmlns:p14="http://schemas.microsoft.com/office/powerpoint/2010/main" val="2767999290"/>
+      </p:ext>
+    </p:extLst>
+  </p:cSld>
+  <p:clrMapOvr>
+    <a:masterClrMapping/>
+  </p:clrMapOvr>
+</p:sld>
+</file>
+
+<file path=ppt/slides/slide7.xml><?xml version="1.0" encoding="utf-8"?>
+<p:sld xmlns:a="http://schemas.openxmlformats.org/drawingml/2006/main" xmlns:r="http://schemas.openxmlformats.org/officeDocument/2006/relationships" xmlns:p="http://schemas.openxmlformats.org/presentationml/2006/main">
+  <p:cSld>
+    <p:spTree>
+      <p:nvGrpSpPr>
+        <p:cNvPr id="1" name=""/>
+        <p:cNvGrpSpPr/>
+        <p:nvPr/>
+      </p:nvGrpSpPr>
+      <p:grpSpPr>
+        <a:xfrm>
+          <a:off x="0" y="0"/>
+          <a:ext cx="0" cy="0"/>
+          <a:chOff x="0" y="0"/>
+          <a:chExt cx="0" cy="0"/>
+        </a:xfrm>
+      </p:grpSpPr>
+      <p:pic>
+        <p:nvPicPr>
+          <p:cNvPr id="1026" name="Picture 2"/>
+          <p:cNvPicPr>
+            <a:picLocks noChangeAspect="1" noChangeArrowheads="1"/>
+          </p:cNvPicPr>
+          <p:nvPr/>
+        </p:nvPicPr>
+        <p:blipFill>
+          <a:blip r:embed="rId2">
+            <a:extLst>
+              <a:ext uri="{28A0092B-C50C-407E-A947-70E740481C1C}">
+                <a14:useLocalDpi xmlns:a14="http://schemas.microsoft.com/office/drawing/2010/main" val="0"/>
+              </a:ext>
+            </a:extLst>
+          </a:blip>
+          <a:srcRect/>
+          <a:stretch>
+            <a:fillRect/>
+          </a:stretch>
+        </p:blipFill>
+        <p:spPr bwMode="auto">
+          <a:xfrm>
+            <a:off x="1909763" y="1433513"/>
+            <a:ext cx="5324475" cy="3990975"/>
+          </a:xfrm>
+          <a:prstGeom prst="rect">
+            <a:avLst/>
+          </a:prstGeom>
+          <a:noFill/>
+          <a:ln>
+            <a:noFill/>
+          </a:ln>
+          <a:effectLst/>
+          <a:extLst>
+            <a:ext uri="{909E8E84-426E-40DD-AFC4-6F175D3DCCD1}">
+              <a14:hiddenFill xmlns:a14="http://schemas.microsoft.com/office/drawing/2010/main">
+                <a:solidFill>
+                  <a:schemeClr val="accent1"/>
+                </a:solidFill>
+              </a14:hiddenFill>
+            </a:ext>
+            <a:ext uri="{91240B29-F687-4F45-9708-019B960494DF}">
+              <a14:hiddenLine xmlns:a14="http://schemas.microsoft.com/office/drawing/2010/main" w="9525">
+                <a:solidFill>
+                  <a:schemeClr val="tx1"/>
+                </a:solidFill>
+                <a:miter lim="800000"/>
+                <a:headEnd/>
+                <a:tailEnd/>
+              </a14:hiddenLine>
+            </a:ext>
+            <a:ext uri="{AF507438-7753-43E0-B8FC-AC1667EBCBE1}">
+              <a14:hiddenEffects xmlns:a14="http://schemas.microsoft.com/office/drawing/2010/main">
+                <a:effectLst>
+                  <a:outerShdw dist="35921" dir="2700000" algn="ctr" rotWithShape="0">
+                    <a:schemeClr val="bg2"/>
+                  </a:outerShdw>
+                </a:effectLst>
+              </a14:hiddenEffects>
+            </a:ext>
+          </a:extLst>
+        </p:spPr>
+      </p:pic>
+      <mc:AlternateContent xmlns:mc="http://schemas.openxmlformats.org/markup-compatibility/2006">
+        <mc:Choice xmlns:a14="http://schemas.microsoft.com/office/drawing/2010/main" Requires="a14">
+          <p:sp>
+            <p:nvSpPr>
+              <p:cNvPr id="4" name="TextBox 3"/>
+              <p:cNvSpPr txBox="1"/>
+              <p:nvPr/>
+            </p:nvSpPr>
+            <p:spPr>
+              <a:xfrm>
+                <a:off x="2780426" y="5013176"/>
+                <a:ext cx="394660" cy="369332"/>
+              </a:xfrm>
+              <a:prstGeom prst="rect">
+                <a:avLst/>
+              </a:prstGeom>
+              <a:noFill/>
+            </p:spPr>
+            <p:txBody>
+              <a:bodyPr wrap="none" rtlCol="0">
+                <a:spAutoFit/>
+              </a:bodyPr>
+              <a:lstStyle/>
+              <a:p>
+                <a14:m>
+                  <m:oMathPara xmlns:m="http://schemas.openxmlformats.org/officeDocument/2006/math">
+                    <m:oMathParaPr>
+                      <m:jc m:val="centerGroup"/>
+                    </m:oMathParaPr>
+                    <m:oMath xmlns:m="http://schemas.openxmlformats.org/officeDocument/2006/math">
+                      <m:r>
+                        <a:rPr lang="en-US" altLang="ko-KR" b="0" i="1" smtClean="0">
+                          <a:latin typeface="Cambria Math"/>
+                        </a:rPr>
+                        <m:t>0</m:t>
+                      </m:r>
+                    </m:oMath>
+                  </m:oMathPara>
+                </a14:m>
+                <a:endParaRPr lang="ko-KR" altLang="en-US" dirty="0"/>
+              </a:p>
+            </p:txBody>
+          </p:sp>
+        </mc:Choice>
+        <mc:Fallback>
+          <p:sp>
+            <p:nvSpPr>
+              <p:cNvPr id="4" name="TextBox 3"/>
+              <p:cNvSpPr txBox="1">
+                <a:spLocks noRot="1" noChangeAspect="1" noMove="1" noResize="1" noEditPoints="1" noAdjustHandles="1" noChangeArrowheads="1" noChangeShapeType="1" noTextEdit="1"/>
+              </p:cNvSpPr>
+              <p:nvPr/>
+            </p:nvSpPr>
+            <p:spPr>
+              <a:xfrm>
+                <a:off x="2780426" y="5013176"/>
+                <a:ext cx="394660" cy="369332"/>
+              </a:xfrm>
+              <a:prstGeom prst="rect">
+                <a:avLst/>
+              </a:prstGeom>
+              <a:blipFill rotWithShape="1">
+                <a:blip r:embed="rId3"/>
+                <a:stretch>
+                  <a:fillRect/>
+                </a:stretch>
+              </a:blipFill>
+            </p:spPr>
+            <p:txBody>
+              <a:bodyPr/>
+              <a:lstStyle/>
+              <a:p>
+                <a:r>
+                  <a:rPr lang="ko-KR" altLang="en-US">
+                    <a:noFill/>
+                  </a:rPr>
+                  <a:t> </a:t>
+                </a:r>
+              </a:p>
+            </p:txBody>
+          </p:sp>
+        </mc:Fallback>
+      </mc:AlternateContent>
+      <mc:AlternateContent xmlns:mc="http://schemas.openxmlformats.org/markup-compatibility/2006">
+        <mc:Choice xmlns:a14="http://schemas.microsoft.com/office/drawing/2010/main" Requires="a14">
+          <p:sp>
+            <p:nvSpPr>
+              <p:cNvPr id="6" name="TextBox 5"/>
+              <p:cNvSpPr txBox="1"/>
+              <p:nvPr/>
+            </p:nvSpPr>
+            <p:spPr>
+              <a:xfrm>
+                <a:off x="3538010" y="5013176"/>
+                <a:ext cx="758606" cy="369332"/>
+              </a:xfrm>
+              <a:prstGeom prst="rect">
+                <a:avLst/>
+              </a:prstGeom>
+              <a:noFill/>
+            </p:spPr>
+            <p:txBody>
+              <a:bodyPr wrap="none" rtlCol="0">
+                <a:spAutoFit/>
+              </a:bodyPr>
+              <a:lstStyle/>
+              <a:p>
+                <a14:m>
+                  <m:oMathPara xmlns:m="http://schemas.openxmlformats.org/officeDocument/2006/math">
+                    <m:oMathParaPr>
+                      <m:jc m:val="centerGroup"/>
+                    </m:oMathParaPr>
+                    <m:oMath xmlns:m="http://schemas.openxmlformats.org/officeDocument/2006/math">
+                      <m:r>
+                        <a:rPr lang="en-US" altLang="ko-KR" b="0" i="1" smtClean="0">
+                          <a:latin typeface="Cambria Math"/>
+                        </a:rPr>
+                        <m:t>𝑛</m:t>
+                      </m:r>
+                      <m:r>
+                        <a:rPr lang="en-US" altLang="ko-KR" b="0" i="1" smtClean="0">
+                          <a:latin typeface="Cambria Math"/>
+                        </a:rPr>
+                        <m:t>−</m:t>
+                      </m:r>
+                      <m:r>
+                        <a:rPr lang="en-US" altLang="ko-KR" b="0" i="1" smtClean="0">
+                          <a:latin typeface="Cambria Math"/>
+                        </a:rPr>
+                        <m:t>𝑙</m:t>
+                      </m:r>
+                    </m:oMath>
+                  </m:oMathPara>
+                </a14:m>
+                <a:endParaRPr lang="ko-KR" altLang="en-US" dirty="0"/>
+              </a:p>
+            </p:txBody>
+          </p:sp>
+        </mc:Choice>
+        <mc:Fallback>
+          <p:sp>
+            <p:nvSpPr>
+              <p:cNvPr id="6" name="TextBox 5"/>
+              <p:cNvSpPr txBox="1">
+                <a:spLocks noRot="1" noChangeAspect="1" noMove="1" noResize="1" noEditPoints="1" noAdjustHandles="1" noChangeArrowheads="1" noChangeShapeType="1" noTextEdit="1"/>
+              </p:cNvSpPr>
+              <p:nvPr/>
+            </p:nvSpPr>
+            <p:spPr>
+              <a:xfrm>
+                <a:off x="3538010" y="5013176"/>
+                <a:ext cx="758606" cy="369332"/>
+              </a:xfrm>
+              <a:prstGeom prst="rect">
+                <a:avLst/>
+              </a:prstGeom>
+              <a:blipFill rotWithShape="1">
+                <a:blip r:embed="rId4"/>
+                <a:stretch>
+                  <a:fillRect/>
+                </a:stretch>
+              </a:blipFill>
+            </p:spPr>
+            <p:txBody>
+              <a:bodyPr/>
+              <a:lstStyle/>
+              <a:p>
+                <a:r>
+                  <a:rPr lang="ko-KR" altLang="en-US">
+                    <a:noFill/>
+                  </a:rPr>
+                  <a:t> </a:t>
+                </a:r>
+              </a:p>
+            </p:txBody>
+          </p:sp>
+        </mc:Fallback>
+      </mc:AlternateContent>
+      <mc:AlternateContent xmlns:mc="http://schemas.openxmlformats.org/markup-compatibility/2006">
+        <mc:Choice xmlns:a14="http://schemas.microsoft.com/office/drawing/2010/main" Requires="a14">
+          <p:sp>
+            <p:nvSpPr>
+              <p:cNvPr id="7" name="TextBox 6"/>
+              <p:cNvSpPr txBox="1"/>
+              <p:nvPr/>
+            </p:nvSpPr>
+            <p:spPr>
+              <a:xfrm>
+                <a:off x="5218482" y="5013176"/>
+                <a:ext cx="403444" cy="369332"/>
+              </a:xfrm>
+              <a:prstGeom prst="rect">
+                <a:avLst/>
+              </a:prstGeom>
+              <a:noFill/>
+            </p:spPr>
+            <p:txBody>
+              <a:bodyPr wrap="none" rtlCol="0">
+                <a:spAutoFit/>
+              </a:bodyPr>
+              <a:lstStyle/>
+              <a:p>
+                <a14:m>
+                  <m:oMathPara xmlns:m="http://schemas.openxmlformats.org/officeDocument/2006/math">
+                    <m:oMathParaPr>
+                      <m:jc m:val="centerGroup"/>
+                    </m:oMathParaPr>
+                    <m:oMath xmlns:m="http://schemas.openxmlformats.org/officeDocument/2006/math">
+                      <m:r>
+                        <a:rPr lang="en-US" altLang="ko-KR" b="0" i="1" smtClean="0">
+                          <a:latin typeface="Cambria Math"/>
+                        </a:rPr>
+                        <m:t>𝑛</m:t>
+                      </m:r>
+                    </m:oMath>
+                  </m:oMathPara>
+                </a14:m>
+                <a:endParaRPr lang="ko-KR" altLang="en-US" dirty="0"/>
+              </a:p>
+            </p:txBody>
+          </p:sp>
+        </mc:Choice>
+        <mc:Fallback>
+          <p:sp>
+            <p:nvSpPr>
+              <p:cNvPr id="7" name="TextBox 6"/>
+              <p:cNvSpPr txBox="1">
+                <a:spLocks noRot="1" noChangeAspect="1" noMove="1" noResize="1" noEditPoints="1" noAdjustHandles="1" noChangeArrowheads="1" noChangeShapeType="1" noTextEdit="1"/>
+              </p:cNvSpPr>
+              <p:nvPr/>
+            </p:nvSpPr>
+            <p:spPr>
+              <a:xfrm>
+                <a:off x="5218482" y="5013176"/>
+                <a:ext cx="403444" cy="369332"/>
+              </a:xfrm>
+              <a:prstGeom prst="rect">
+                <a:avLst/>
+              </a:prstGeom>
+              <a:blipFill rotWithShape="1">
+                <a:blip r:embed="rId5"/>
+                <a:stretch>
+                  <a:fillRect/>
+                </a:stretch>
+              </a:blipFill>
+            </p:spPr>
+            <p:txBody>
+              <a:bodyPr/>
+              <a:lstStyle/>
+              <a:p>
+                <a:r>
+                  <a:rPr lang="ko-KR" altLang="en-US">
+                    <a:noFill/>
+                  </a:rPr>
+                  <a:t> </a:t>
+                </a:r>
+              </a:p>
+            </p:txBody>
+          </p:sp>
+        </mc:Fallback>
+      </mc:AlternateContent>
+      <mc:AlternateContent xmlns:mc="http://schemas.openxmlformats.org/markup-compatibility/2006">
+        <mc:Choice xmlns:a14="http://schemas.microsoft.com/office/drawing/2010/main" Requires="a14">
+          <p:sp>
+            <p:nvSpPr>
+              <p:cNvPr id="9" name="TextBox 8"/>
+              <p:cNvSpPr txBox="1"/>
+              <p:nvPr/>
+            </p:nvSpPr>
+            <p:spPr>
+              <a:xfrm>
+                <a:off x="6660232" y="4828510"/>
+                <a:ext cx="403444" cy="369332"/>
+              </a:xfrm>
+              <a:prstGeom prst="rect">
+                <a:avLst/>
+              </a:prstGeom>
+              <a:noFill/>
+            </p:spPr>
+            <p:txBody>
+              <a:bodyPr wrap="none" rtlCol="0">
+                <a:spAutoFit/>
+              </a:bodyPr>
+              <a:lstStyle/>
+              <a:p>
+                <a14:m>
+                  <m:oMathPara xmlns:m="http://schemas.openxmlformats.org/officeDocument/2006/math">
+                    <m:oMathParaPr>
+                      <m:jc m:val="centerGroup"/>
+                    </m:oMathParaPr>
+                    <m:oMath xmlns:m="http://schemas.openxmlformats.org/officeDocument/2006/math">
+                      <m:r>
+                        <a:rPr lang="en-US" altLang="ko-KR" b="0" i="1" smtClean="0">
+                          <a:latin typeface="Cambria Math"/>
+                        </a:rPr>
+                        <m:t>𝑘</m:t>
+                      </m:r>
+                    </m:oMath>
+                  </m:oMathPara>
+                </a14:m>
+                <a:endParaRPr lang="ko-KR" altLang="en-US" dirty="0"/>
+              </a:p>
+            </p:txBody>
+          </p:sp>
+        </mc:Choice>
+        <mc:Fallback>
+          <p:sp>
+            <p:nvSpPr>
+              <p:cNvPr id="9" name="TextBox 8"/>
+              <p:cNvSpPr txBox="1">
+                <a:spLocks noRot="1" noChangeAspect="1" noMove="1" noResize="1" noEditPoints="1" noAdjustHandles="1" noChangeArrowheads="1" noChangeShapeType="1" noTextEdit="1"/>
+              </p:cNvSpPr>
+              <p:nvPr/>
+            </p:nvSpPr>
+            <p:spPr>
+              <a:xfrm>
+                <a:off x="6660232" y="4828510"/>
+                <a:ext cx="403444" cy="369332"/>
+              </a:xfrm>
+              <a:prstGeom prst="rect">
+                <a:avLst/>
+              </a:prstGeom>
+              <a:blipFill rotWithShape="1">
+                <a:blip r:embed="rId6"/>
+                <a:stretch>
+                  <a:fillRect/>
+                </a:stretch>
+              </a:blipFill>
+            </p:spPr>
+            <p:txBody>
+              <a:bodyPr/>
+              <a:lstStyle/>
+              <a:p>
+                <a:r>
+                  <a:rPr lang="ko-KR" altLang="en-US">
+                    <a:noFill/>
+                  </a:rPr>
+                  <a:t> </a:t>
+                </a:r>
+              </a:p>
+            </p:txBody>
+          </p:sp>
+        </mc:Fallback>
+      </mc:AlternateContent>
+      <mc:AlternateContent xmlns:mc="http://schemas.openxmlformats.org/markup-compatibility/2006">
+        <mc:Choice xmlns:a14="http://schemas.microsoft.com/office/drawing/2010/main" Requires="a14">
+          <p:sp>
+            <p:nvSpPr>
+              <p:cNvPr id="10" name="TextBox 9"/>
+              <p:cNvSpPr txBox="1"/>
+              <p:nvPr/>
+            </p:nvSpPr>
+            <p:spPr>
+              <a:xfrm>
+                <a:off x="4860032" y="1772816"/>
+                <a:ext cx="1105046" cy="369332"/>
+              </a:xfrm>
+              <a:prstGeom prst="rect">
+                <a:avLst/>
+              </a:prstGeom>
+              <a:noFill/>
+            </p:spPr>
+            <p:txBody>
+              <a:bodyPr wrap="none" rtlCol="0">
+                <a:spAutoFit/>
+              </a:bodyPr>
+              <a:lstStyle/>
+              <a:p>
+                <a14:m>
+                  <m:oMathPara xmlns:m="http://schemas.openxmlformats.org/officeDocument/2006/math">
+                    <m:oMathParaPr>
+                      <m:jc m:val="centerGroup"/>
+                    </m:oMathParaPr>
+                    <m:oMath xmlns:m="http://schemas.openxmlformats.org/officeDocument/2006/math">
+                      <m:r>
+                        <a:rPr lang="en-US" altLang="ko-KR" b="0" i="1" smtClean="0">
+                          <a:solidFill>
+                            <a:srgbClr val="0000FF"/>
+                          </a:solidFill>
+                          <a:latin typeface="Cambria Math"/>
+                        </a:rPr>
+                        <m:t>h</m:t>
+                      </m:r>
+                      <m:r>
+                        <a:rPr lang="en-US" altLang="ko-KR" b="0" i="1" smtClean="0">
+                          <a:solidFill>
+                            <a:srgbClr val="0000FF"/>
+                          </a:solidFill>
+                          <a:latin typeface="Cambria Math"/>
+                        </a:rPr>
+                        <m:t>[</m:t>
+                      </m:r>
+                      <m:r>
+                        <a:rPr lang="en-US" altLang="ko-KR" b="0" i="1" smtClean="0">
+                          <a:solidFill>
+                            <a:srgbClr val="0000FF"/>
+                          </a:solidFill>
+                          <a:latin typeface="Cambria Math"/>
+                        </a:rPr>
+                        <m:t>𝑛</m:t>
+                      </m:r>
+                      <m:r>
+                        <a:rPr lang="en-US" altLang="ko-KR" b="0" i="1" smtClean="0">
+                          <a:solidFill>
+                            <a:srgbClr val="0000FF"/>
+                          </a:solidFill>
+                          <a:latin typeface="Cambria Math"/>
+                        </a:rPr>
+                        <m:t>−</m:t>
+                      </m:r>
+                      <m:r>
+                        <a:rPr lang="en-US" altLang="ko-KR" b="0" i="1" smtClean="0">
+                          <a:solidFill>
+                            <a:srgbClr val="0000FF"/>
+                          </a:solidFill>
+                          <a:latin typeface="Cambria Math"/>
+                        </a:rPr>
+                        <m:t>𝑘</m:t>
+                      </m:r>
+                      <m:r>
+                        <a:rPr lang="en-US" altLang="ko-KR" b="0" i="1" smtClean="0">
+                          <a:solidFill>
+                            <a:srgbClr val="0000FF"/>
+                          </a:solidFill>
+                          <a:latin typeface="Cambria Math"/>
+                        </a:rPr>
+                        <m:t>]</m:t>
+                      </m:r>
+                    </m:oMath>
+                  </m:oMathPara>
+                </a14:m>
+                <a:endParaRPr lang="ko-KR" altLang="en-US" dirty="0">
+                  <a:solidFill>
+                    <a:srgbClr val="0000FF"/>
+                  </a:solidFill>
+                </a:endParaRPr>
+              </a:p>
+            </p:txBody>
+          </p:sp>
+        </mc:Choice>
+        <mc:Fallback>
+          <p:sp>
+            <p:nvSpPr>
+              <p:cNvPr id="10" name="TextBox 9"/>
+              <p:cNvSpPr txBox="1">
+                <a:spLocks noRot="1" noChangeAspect="1" noMove="1" noResize="1" noEditPoints="1" noAdjustHandles="1" noChangeArrowheads="1" noChangeShapeType="1" noTextEdit="1"/>
+              </p:cNvSpPr>
+              <p:nvPr/>
+            </p:nvSpPr>
+            <p:spPr>
+              <a:xfrm>
+                <a:off x="4860032" y="1772816"/>
+                <a:ext cx="1105046" cy="369332"/>
+              </a:xfrm>
+              <a:prstGeom prst="rect">
+                <a:avLst/>
+              </a:prstGeom>
+              <a:blipFill rotWithShape="1">
+                <a:blip r:embed="rId7"/>
+                <a:stretch>
+                  <a:fillRect b="-20000"/>
+                </a:stretch>
+              </a:blipFill>
+            </p:spPr>
+            <p:txBody>
+              <a:bodyPr/>
+              <a:lstStyle/>
+              <a:p>
+                <a:r>
+                  <a:rPr lang="ko-KR" altLang="en-US">
+                    <a:noFill/>
+                  </a:rPr>
+                  <a:t> </a:t>
+                </a:r>
+              </a:p>
+            </p:txBody>
+          </p:sp>
+        </mc:Fallback>
+      </mc:AlternateContent>
+      <mc:AlternateContent xmlns:mc="http://schemas.openxmlformats.org/markup-compatibility/2006">
+        <mc:Choice xmlns:a14="http://schemas.microsoft.com/office/drawing/2010/main" Requires="a14">
+          <p:sp>
+            <p:nvSpPr>
+              <p:cNvPr id="11" name="TextBox 10"/>
+              <p:cNvSpPr txBox="1"/>
+              <p:nvPr/>
+            </p:nvSpPr>
+            <p:spPr>
+              <a:xfrm>
+                <a:off x="2848422" y="2703303"/>
+                <a:ext cx="690509" cy="369332"/>
+              </a:xfrm>
+              <a:prstGeom prst="rect">
+                <a:avLst/>
+              </a:prstGeom>
+              <a:noFill/>
+            </p:spPr>
+            <p:txBody>
+              <a:bodyPr wrap="none" rtlCol="0">
+                <a:spAutoFit/>
+              </a:bodyPr>
+              <a:lstStyle/>
+              <a:p>
+                <a14:m>
+                  <m:oMathPara xmlns:m="http://schemas.openxmlformats.org/officeDocument/2006/math">
+                    <m:oMathParaPr>
+                      <m:jc m:val="centerGroup"/>
+                    </m:oMathParaPr>
+                    <m:oMath xmlns:m="http://schemas.openxmlformats.org/officeDocument/2006/math">
+                      <m:r>
+                        <a:rPr lang="en-US" altLang="ko-KR" b="0" i="1" smtClean="0">
+                          <a:solidFill>
+                            <a:schemeClr val="tx1"/>
+                          </a:solidFill>
+                          <a:latin typeface="Cambria Math"/>
+                        </a:rPr>
+                        <m:t>𝑥</m:t>
+                      </m:r>
+                      <m:r>
+                        <a:rPr lang="en-US" altLang="ko-KR" b="0" i="1" smtClean="0">
+                          <a:solidFill>
+                            <a:schemeClr val="tx1"/>
+                          </a:solidFill>
+                          <a:latin typeface="Cambria Math"/>
+                        </a:rPr>
+                        <m:t>[</m:t>
+                      </m:r>
+                      <m:r>
+                        <a:rPr lang="en-US" altLang="ko-KR" b="0" i="1" smtClean="0">
+                          <a:solidFill>
+                            <a:schemeClr val="tx1"/>
+                          </a:solidFill>
+                          <a:latin typeface="Cambria Math"/>
+                        </a:rPr>
+                        <m:t>𝑘</m:t>
+                      </m:r>
+                      <m:r>
+                        <a:rPr lang="en-US" altLang="ko-KR" b="0" i="1" smtClean="0">
+                          <a:solidFill>
+                            <a:schemeClr val="tx1"/>
+                          </a:solidFill>
+                          <a:latin typeface="Cambria Math"/>
+                        </a:rPr>
+                        <m:t>]</m:t>
+                      </m:r>
+                    </m:oMath>
+                  </m:oMathPara>
+                </a14:m>
+                <a:endParaRPr lang="ko-KR" altLang="en-US" dirty="0">
+                  <a:solidFill>
+                    <a:schemeClr val="tx1"/>
+                  </a:solidFill>
+                </a:endParaRPr>
+              </a:p>
+            </p:txBody>
+          </p:sp>
+        </mc:Choice>
+        <mc:Fallback>
+          <p:sp>
+            <p:nvSpPr>
+              <p:cNvPr id="11" name="TextBox 10"/>
+              <p:cNvSpPr txBox="1">
+                <a:spLocks noRot="1" noChangeAspect="1" noMove="1" noResize="1" noEditPoints="1" noAdjustHandles="1" noChangeArrowheads="1" noChangeShapeType="1" noTextEdit="1"/>
+              </p:cNvSpPr>
+              <p:nvPr/>
+            </p:nvSpPr>
+            <p:spPr>
+              <a:xfrm>
+                <a:off x="2848422" y="2703303"/>
+                <a:ext cx="690509" cy="369332"/>
+              </a:xfrm>
+              <a:prstGeom prst="rect">
+                <a:avLst/>
+              </a:prstGeom>
+              <a:blipFill rotWithShape="1">
+                <a:blip r:embed="rId8"/>
+                <a:stretch>
+                  <a:fillRect b="-18033"/>
+                </a:stretch>
+              </a:blipFill>
+            </p:spPr>
+            <p:txBody>
+              <a:bodyPr/>
+              <a:lstStyle/>
+              <a:p>
+                <a:r>
+                  <a:rPr lang="ko-KR" altLang="en-US">
+                    <a:noFill/>
+                  </a:rPr>
+                  <a:t> </a:t>
+                </a:r>
+              </a:p>
+            </p:txBody>
+          </p:sp>
+        </mc:Fallback>
+      </mc:AlternateContent>
+    </p:spTree>
+    <p:extLst>
+      <p:ext uri="{BB962C8B-B14F-4D97-AF65-F5344CB8AC3E}">
+        <p14:creationId xmlns:p14="http://schemas.microsoft.com/office/powerpoint/2010/main" val="1140532156"/>
       </p:ext>
     </p:extLst>
   </p:cSld>
